--- a/motion流程演示.pptx
+++ b/motion流程演示.pptx
@@ -7,10 +7,11 @@
   <p:sldIdLst>
     <p:sldId id="256" r:id="rId3"/>
     <p:sldId id="257" r:id="rId4"/>
-    <p:sldId id="262" r:id="rId5"/>
-    <p:sldId id="263" r:id="rId6"/>
-    <p:sldId id="264" r:id="rId7"/>
-    <p:sldId id="265" r:id="rId8"/>
+    <p:sldId id="266" r:id="rId5"/>
+    <p:sldId id="262" r:id="rId6"/>
+    <p:sldId id="263" r:id="rId7"/>
+    <p:sldId id="264" r:id="rId8"/>
+    <p:sldId id="265" r:id="rId9"/>
   </p:sldIdLst>
   <p:sldSz cx="12192000" cy="6858000"/>
   <p:notesSz cx="6858000" cy="9144000"/>
@@ -3497,7 +3498,7 @@
       <p:grpSpPr/>
       <p:sp>
         <p:nvSpPr>
-          <p:cNvPr id="6" name="标题 5"/>
+          <p:cNvPr id="2" name="标题 1"/>
           <p:cNvSpPr>
             <a:spLocks noGrp="1"/>
           </p:cNvSpPr>
@@ -3511,7 +3512,7 @@
           <a:p>
             <a:r>
               <a:rPr lang="x-none" altLang="zh-CN"/>
-              <a:t>motion控制和状态</a:t>
+              <a:t>继承过程</a:t>
             </a:r>
             <a:endParaRPr lang="x-none" altLang="zh-CN"/>
           </a:p>
@@ -3519,128 +3520,260 @@
       </p:sp>
       <p:sp>
         <p:nvSpPr>
-          <p:cNvPr id="7" name="椭圆 6"/>
-          <p:cNvSpPr/>
+          <p:cNvPr id="3" name="文本框 2"/>
+          <p:cNvSpPr txBox="1"/>
           <p:nvPr/>
         </p:nvSpPr>
         <p:spPr>
           <a:xfrm>
-            <a:off x="307340" y="2938780"/>
-            <a:ext cx="2103755" cy="804545"/>
-          </a:xfrm>
-          <a:prstGeom prst="ellipse">
+            <a:off x="2512060" y="1666240"/>
+            <a:ext cx="1854835" cy="640080"/>
+          </a:xfrm>
+          <a:prstGeom prst="rect">
             <a:avLst/>
           </a:prstGeom>
-        </p:spPr>
-        <p:style>
-          <a:lnRef idx="2">
-            <a:schemeClr val="accent1">
-              <a:shade val="50000"/>
-            </a:schemeClr>
-          </a:lnRef>
-          <a:fillRef idx="1">
-            <a:schemeClr val="accent1"/>
-          </a:fillRef>
-          <a:effectRef idx="0">
-            <a:schemeClr val="accent1"/>
-          </a:effectRef>
-          <a:fontRef idx="minor">
-            <a:schemeClr val="lt1"/>
-          </a:fontRef>
-        </p:style>
-        <p:txBody>
-          <a:bodyPr rtlCol="0" anchor="ctr"/>
+          <a:noFill/>
+        </p:spPr>
+        <p:txBody>
+          <a:bodyPr wrap="square" rtlCol="0">
+            <a:spAutoFit/>
+          </a:bodyPr>
           <a:p>
             <a:pPr algn="ctr"/>
             <a:r>
               <a:rPr lang="x-none" altLang="zh-CN"/>
-              <a:t>Emergency</a:t>
+              <a:t>motion</a:t>
             </a:r>
             <a:endParaRPr lang="x-none" altLang="zh-CN"/>
           </a:p>
-        </p:txBody>
-      </p:sp>
-      <p:sp>
-        <p:nvSpPr>
-          <p:cNvPr id="8" name="椭圆 7"/>
-          <p:cNvSpPr/>
+          <a:p>
+            <a:endParaRPr lang="x-none" altLang="zh-CN"/>
+          </a:p>
+        </p:txBody>
+      </p:sp>
+      <p:sp>
+        <p:nvSpPr>
+          <p:cNvPr id="4" name="文本框 3"/>
+          <p:cNvSpPr txBox="1"/>
           <p:nvPr/>
         </p:nvSpPr>
         <p:spPr>
-          <a:xfrm rot="21540000">
-            <a:off x="3829685" y="1516380"/>
-            <a:ext cx="1195705" cy="1050925"/>
-          </a:xfrm>
-          <a:prstGeom prst="ellipse">
+          <a:xfrm>
+            <a:off x="2665095" y="2744470"/>
+            <a:ext cx="1551940" cy="640080"/>
+          </a:xfrm>
+          <a:prstGeom prst="rect">
             <a:avLst/>
           </a:prstGeom>
-        </p:spPr>
-        <p:style>
-          <a:lnRef idx="2">
-            <a:schemeClr val="accent1">
-              <a:shade val="50000"/>
-            </a:schemeClr>
-          </a:lnRef>
-          <a:fillRef idx="1">
-            <a:schemeClr val="accent1"/>
-          </a:fillRef>
-          <a:effectRef idx="0">
-            <a:schemeClr val="accent1"/>
-          </a:effectRef>
-          <a:fontRef idx="minor">
-            <a:schemeClr val="lt1"/>
-          </a:fontRef>
-        </p:style>
-        <p:txBody>
-          <a:bodyPr rtlCol="0" anchor="ctr"/>
+          <a:noFill/>
+        </p:spPr>
+        <p:txBody>
+          <a:bodyPr wrap="square" rtlCol="0">
+            <a:spAutoFit/>
+          </a:bodyPr>
           <a:p>
             <a:pPr algn="ctr"/>
             <a:r>
               <a:rPr lang="x-none" altLang="zh-CN"/>
-              <a:t>IDLE</a:t>
+              <a:t>jc</a:t>
             </a:r>
             <a:endParaRPr lang="x-none" altLang="zh-CN"/>
           </a:p>
-        </p:txBody>
-      </p:sp>
-      <p:sp>
-        <p:nvSpPr>
-          <p:cNvPr id="10" name="椭圆 9"/>
-          <p:cNvSpPr/>
+          <a:p>
+            <a:pPr algn="ctr"/>
+            <a:r>
+              <a:rPr lang="x-none" altLang="zh-CN"/>
+              <a:t>关节控制</a:t>
+            </a:r>
+            <a:endParaRPr lang="x-none" altLang="zh-CN"/>
+          </a:p>
+        </p:txBody>
+      </p:sp>
+      <p:sp>
+        <p:nvSpPr>
+          <p:cNvPr id="5" name="文本框 4"/>
+          <p:cNvSpPr txBox="1"/>
           <p:nvPr/>
         </p:nvSpPr>
         <p:spPr>
-          <a:xfrm rot="21540000">
-            <a:off x="3737610" y="3138805"/>
-            <a:ext cx="1430020" cy="1050925"/>
-          </a:xfrm>
-          <a:prstGeom prst="ellipse">
+          <a:xfrm>
+            <a:off x="2494915" y="3858895"/>
+            <a:ext cx="1889125" cy="640080"/>
+          </a:xfrm>
+          <a:prstGeom prst="rect">
             <a:avLst/>
           </a:prstGeom>
-        </p:spPr>
-        <p:style>
-          <a:lnRef idx="2">
-            <a:schemeClr val="accent1">
-              <a:shade val="50000"/>
-            </a:schemeClr>
-          </a:lnRef>
-          <a:fillRef idx="1">
-            <a:schemeClr val="accent1"/>
-          </a:fillRef>
-          <a:effectRef idx="0">
-            <a:schemeClr val="accent1"/>
-          </a:effectRef>
-          <a:fontRef idx="minor">
-            <a:schemeClr val="lt1"/>
-          </a:fontRef>
-        </p:style>
-        <p:txBody>
-          <a:bodyPr rtlCol="0" anchor="ctr"/>
+          <a:noFill/>
+        </p:spPr>
+        <p:txBody>
+          <a:bodyPr wrap="square" rtlCol="0">
+            <a:spAutoFit/>
+          </a:bodyPr>
           <a:p>
             <a:pPr algn="ctr"/>
             <a:r>
               <a:rPr lang="x-none" altLang="zh-CN"/>
-              <a:t>Homed</a:t>
+              <a:t>tp</a:t>
+            </a:r>
+            <a:endParaRPr lang="x-none" altLang="zh-CN"/>
+          </a:p>
+          <a:p>
+            <a:pPr algn="ctr"/>
+            <a:r>
+              <a:rPr lang="x-none" altLang="zh-CN"/>
+              <a:t>轨迹规划</a:t>
+            </a:r>
+            <a:endParaRPr lang="x-none" altLang="zh-CN"/>
+          </a:p>
+        </p:txBody>
+      </p:sp>
+      <p:sp>
+        <p:nvSpPr>
+          <p:cNvPr id="6" name="文本框 5"/>
+          <p:cNvSpPr txBox="1"/>
+          <p:nvPr/>
+        </p:nvSpPr>
+        <p:spPr>
+          <a:xfrm>
+            <a:off x="321945" y="4565650"/>
+            <a:ext cx="1550670" cy="640080"/>
+          </a:xfrm>
+          <a:prstGeom prst="rect">
+            <a:avLst/>
+          </a:prstGeom>
+          <a:noFill/>
+        </p:spPr>
+        <p:txBody>
+          <a:bodyPr wrap="square" rtlCol="0">
+            <a:spAutoFit/>
+          </a:bodyPr>
+          <a:p>
+            <a:pPr algn="ctr"/>
+            <a:r>
+              <a:rPr lang="x-none" altLang="zh-CN"/>
+              <a:t>tc</a:t>
+            </a:r>
+            <a:endParaRPr lang="x-none" altLang="zh-CN"/>
+          </a:p>
+          <a:p>
+            <a:pPr algn="ctr"/>
+            <a:r>
+              <a:rPr lang="x-none" altLang="zh-CN"/>
+              <a:t>速度控制</a:t>
+            </a:r>
+            <a:endParaRPr lang="x-none" altLang="zh-CN"/>
+          </a:p>
+        </p:txBody>
+      </p:sp>
+      <p:sp>
+        <p:nvSpPr>
+          <p:cNvPr id="7" name="文本框 6"/>
+          <p:cNvSpPr txBox="1"/>
+          <p:nvPr/>
+        </p:nvSpPr>
+        <p:spPr>
+          <a:xfrm>
+            <a:off x="2595880" y="4853305"/>
+            <a:ext cx="1719580" cy="640080"/>
+          </a:xfrm>
+          <a:prstGeom prst="rect">
+            <a:avLst/>
+          </a:prstGeom>
+          <a:noFill/>
+        </p:spPr>
+        <p:txBody>
+          <a:bodyPr wrap="square" rtlCol="0">
+            <a:spAutoFit/>
+          </a:bodyPr>
+          <a:p>
+            <a:pPr algn="ctr"/>
+            <a:r>
+              <a:rPr lang="x-none" altLang="zh-CN"/>
+              <a:t>motion base</a:t>
+            </a:r>
+            <a:endParaRPr lang="x-none" altLang="zh-CN"/>
+          </a:p>
+          <a:p>
+            <a:pPr algn="ctr"/>
+            <a:r>
+              <a:rPr lang="x-none" altLang="zh-CN"/>
+              <a:t>基函数</a:t>
+            </a:r>
+            <a:endParaRPr lang="x-none" altLang="zh-CN"/>
+          </a:p>
+        </p:txBody>
+      </p:sp>
+      <p:sp>
+        <p:nvSpPr>
+          <p:cNvPr id="8" name="文本框 7"/>
+          <p:cNvSpPr txBox="1"/>
+          <p:nvPr/>
+        </p:nvSpPr>
+        <p:spPr>
+          <a:xfrm>
+            <a:off x="4907915" y="4751705"/>
+            <a:ext cx="1736725" cy="640080"/>
+          </a:xfrm>
+          <a:prstGeom prst="rect">
+            <a:avLst/>
+          </a:prstGeom>
+          <a:noFill/>
+        </p:spPr>
+        <p:txBody>
+          <a:bodyPr wrap="square" rtlCol="0">
+            <a:spAutoFit/>
+          </a:bodyPr>
+          <a:p>
+            <a:pPr algn="ctr"/>
+            <a:r>
+              <a:rPr lang="x-none" altLang="zh-CN"/>
+              <a:t>tcq</a:t>
+            </a:r>
+            <a:endParaRPr lang="x-none" altLang="zh-CN"/>
+          </a:p>
+          <a:p>
+            <a:pPr algn="ctr"/>
+            <a:r>
+              <a:rPr lang="x-none" altLang="zh-CN"/>
+              <a:t>队列规划</a:t>
+            </a:r>
+            <a:endParaRPr lang="x-none" altLang="zh-CN"/>
+          </a:p>
+        </p:txBody>
+      </p:sp>
+      <p:sp>
+        <p:nvSpPr>
+          <p:cNvPr id="9" name="文本框 8"/>
+          <p:cNvSpPr txBox="1"/>
+          <p:nvPr/>
+        </p:nvSpPr>
+        <p:spPr>
+          <a:xfrm>
+            <a:off x="2461895" y="5864225"/>
+            <a:ext cx="2022475" cy="640080"/>
+          </a:xfrm>
+          <a:prstGeom prst="rect">
+            <a:avLst/>
+          </a:prstGeom>
+          <a:noFill/>
+        </p:spPr>
+        <p:txBody>
+          <a:bodyPr wrap="square" rtlCol="0">
+            <a:spAutoFit/>
+          </a:bodyPr>
+          <a:p>
+            <a:pPr algn="ctr"/>
+            <a:r>
+              <a:rPr lang="x-none" altLang="zh-CN"/>
+              <a:t>kdl</a:t>
+            </a:r>
+            <a:endParaRPr lang="x-none" altLang="zh-CN"/>
+          </a:p>
+          <a:p>
+            <a:pPr algn="ctr"/>
+            <a:r>
+              <a:rPr lang="x-none" altLang="zh-CN"/>
+              <a:t>机械臂算法</a:t>
             </a:r>
             <a:endParaRPr lang="x-none" altLang="zh-CN"/>
           </a:p>
@@ -3648,103 +3781,20 @@
       </p:sp>
       <p:cxnSp>
         <p:nvCxnSpPr>
-          <p:cNvPr id="11" name="曲线连接符 10"/>
+          <p:cNvPr id="12" name="直接箭头连接符 11"/>
           <p:cNvCxnSpPr>
-            <a:stCxn id="8" idx="4"/>
-            <a:endCxn id="10" idx="0"/>
+            <a:stCxn id="3" idx="2"/>
+            <a:endCxn id="4" idx="0"/>
           </p:cNvCxnSpPr>
           <p:nvPr/>
         </p:nvCxnSpPr>
         <p:spPr>
-          <a:xfrm rot="5400000" flipV="1">
-            <a:off x="4154488" y="2849563"/>
-            <a:ext cx="571500" cy="6985"/>
-          </a:xfrm>
-          <a:prstGeom prst="curvedConnector3">
-            <a:avLst>
-              <a:gd name="adj1" fmla="val 49833"/>
-            </a:avLst>
-          </a:prstGeom>
-          <a:ln>
-            <a:tailEnd type="arrow"/>
-          </a:ln>
-        </p:spPr>
-        <p:style>
-          <a:lnRef idx="1">
-            <a:schemeClr val="accent1"/>
-          </a:lnRef>
-          <a:fillRef idx="0">
-            <a:schemeClr val="accent1"/>
-          </a:fillRef>
-          <a:effectRef idx="0">
-            <a:schemeClr val="accent1"/>
-          </a:effectRef>
-          <a:fontRef idx="minor">
-            <a:schemeClr val="tx1"/>
-          </a:fontRef>
-        </p:style>
-      </p:cxnSp>
-      <p:sp>
-        <p:nvSpPr>
-          <p:cNvPr id="12" name="椭圆 11"/>
-          <p:cNvSpPr/>
-          <p:nvPr/>
-        </p:nvSpPr>
-        <p:spPr>
-          <a:xfrm rot="21540000">
-            <a:off x="3563620" y="4947285"/>
-            <a:ext cx="1797685" cy="1050925"/>
-          </a:xfrm>
-          <a:prstGeom prst="ellipse">
+          <a:xfrm>
+            <a:off x="3439795" y="2306320"/>
+            <a:ext cx="1270" cy="438150"/>
+          </a:xfrm>
+          <a:prstGeom prst="straightConnector1">
             <a:avLst/>
-          </a:prstGeom>
-        </p:spPr>
-        <p:style>
-          <a:lnRef idx="2">
-            <a:schemeClr val="accent1">
-              <a:shade val="50000"/>
-            </a:schemeClr>
-          </a:lnRef>
-          <a:fillRef idx="1">
-            <a:schemeClr val="accent1"/>
-          </a:fillRef>
-          <a:effectRef idx="0">
-            <a:schemeClr val="accent1"/>
-          </a:effectRef>
-          <a:fontRef idx="minor">
-            <a:schemeClr val="lt1"/>
-          </a:fontRef>
-        </p:style>
-        <p:txBody>
-          <a:bodyPr rtlCol="0" anchor="ctr"/>
-          <a:p>
-            <a:pPr algn="ctr"/>
-            <a:r>
-              <a:rPr lang="x-none" altLang="zh-CN"/>
-              <a:t>Runing</a:t>
-            </a:r>
-            <a:endParaRPr lang="x-none" altLang="zh-CN"/>
-          </a:p>
-        </p:txBody>
-      </p:sp>
-      <p:cxnSp>
-        <p:nvCxnSpPr>
-          <p:cNvPr id="13" name="曲线连接符 12"/>
-          <p:cNvCxnSpPr>
-            <a:stCxn id="10" idx="4"/>
-            <a:endCxn id="12" idx="0"/>
-          </p:cNvCxnSpPr>
-          <p:nvPr/>
-        </p:nvCxnSpPr>
-        <p:spPr>
-          <a:xfrm rot="5400000">
-            <a:off x="4078923" y="4564698"/>
-            <a:ext cx="757555" cy="7620"/>
-          </a:xfrm>
-          <a:prstGeom prst="curvedConnector3">
-            <a:avLst>
-              <a:gd name="adj1" fmla="val 49749"/>
-            </a:avLst>
           </a:prstGeom>
           <a:ln>
             <a:tailEnd type="arrow"/>
@@ -3767,22 +3817,20 @@
       </p:cxnSp>
       <p:cxnSp>
         <p:nvCxnSpPr>
-          <p:cNvPr id="14" name="曲线连接符 13"/>
+          <p:cNvPr id="13" name="直接箭头连接符 12"/>
           <p:cNvCxnSpPr>
-            <a:stCxn id="12" idx="6"/>
-            <a:endCxn id="8" idx="6"/>
+            <a:stCxn id="4" idx="2"/>
+            <a:endCxn id="5" idx="0"/>
           </p:cNvCxnSpPr>
           <p:nvPr/>
         </p:nvCxnSpPr>
         <p:spPr>
-          <a:xfrm flipH="1" flipV="1">
-            <a:off x="5025390" y="2032000"/>
-            <a:ext cx="335915" cy="3425190"/>
-          </a:xfrm>
-          <a:prstGeom prst="curvedConnector3">
-            <a:avLst>
-              <a:gd name="adj1" fmla="val -142911"/>
-            </a:avLst>
+          <a:xfrm flipH="1">
+            <a:off x="3439795" y="3384550"/>
+            <a:ext cx="1270" cy="474345"/>
+          </a:xfrm>
+          <a:prstGeom prst="straightConnector1">
+            <a:avLst/>
           </a:prstGeom>
           <a:ln>
             <a:tailEnd type="arrow"/>
@@ -3805,17 +3853,17 @@
       </p:cxnSp>
       <p:cxnSp>
         <p:nvCxnSpPr>
-          <p:cNvPr id="18" name="直接箭头连接符 17"/>
+          <p:cNvPr id="14" name="直接箭头连接符 13"/>
           <p:cNvCxnSpPr>
-            <a:stCxn id="8" idx="2"/>
+            <a:stCxn id="5" idx="2"/>
             <a:endCxn id="7" idx="0"/>
           </p:cNvCxnSpPr>
           <p:nvPr/>
         </p:nvCxnSpPr>
         <p:spPr>
-          <a:xfrm flipH="1">
-            <a:off x="1359535" y="2052320"/>
-            <a:ext cx="2470150" cy="886460"/>
+          <a:xfrm>
+            <a:off x="3439795" y="4498975"/>
+            <a:ext cx="15875" cy="354330"/>
           </a:xfrm>
           <a:prstGeom prst="straightConnector1">
             <a:avLst/>
@@ -3841,19 +3889,19 @@
       </p:cxnSp>
       <p:cxnSp>
         <p:nvCxnSpPr>
-          <p:cNvPr id="19" name="直接箭头连接符 18"/>
+          <p:cNvPr id="15" name="曲线连接符 14"/>
           <p:cNvCxnSpPr>
-            <a:stCxn id="7" idx="0"/>
-            <a:endCxn id="8" idx="3"/>
+            <a:stCxn id="5" idx="1"/>
+            <a:endCxn id="6" idx="0"/>
           </p:cNvCxnSpPr>
           <p:nvPr/>
         </p:nvCxnSpPr>
         <p:spPr>
-          <a:xfrm flipV="1">
-            <a:off x="1359535" y="2421255"/>
-            <a:ext cx="2651760" cy="517525"/>
-          </a:xfrm>
-          <a:prstGeom prst="straightConnector1">
+          <a:xfrm rot="10800000" flipV="1">
+            <a:off x="1097280" y="4178935"/>
+            <a:ext cx="1397635" cy="386715"/>
+          </a:xfrm>
+          <a:prstGeom prst="curvedConnector2">
             <a:avLst/>
           </a:prstGeom>
           <a:ln>
@@ -3877,19 +3925,19 @@
       </p:cxnSp>
       <p:cxnSp>
         <p:nvCxnSpPr>
-          <p:cNvPr id="20" name="直接箭头连接符 19"/>
+          <p:cNvPr id="16" name="曲线连接符 15"/>
           <p:cNvCxnSpPr>
-            <a:stCxn id="10" idx="2"/>
-            <a:endCxn id="7" idx="6"/>
+            <a:stCxn id="5" idx="3"/>
+            <a:endCxn id="8" idx="0"/>
           </p:cNvCxnSpPr>
           <p:nvPr/>
         </p:nvCxnSpPr>
         <p:spPr>
-          <a:xfrm flipH="1" flipV="1">
-            <a:off x="2411095" y="3341370"/>
-            <a:ext cx="1326515" cy="335915"/>
-          </a:xfrm>
-          <a:prstGeom prst="straightConnector1">
+          <a:xfrm>
+            <a:off x="4384040" y="4178935"/>
+            <a:ext cx="1392555" cy="572770"/>
+          </a:xfrm>
+          <a:prstGeom prst="curvedConnector2">
             <a:avLst/>
           </a:prstGeom>
           <a:ln>
@@ -3913,17 +3961,17 @@
       </p:cxnSp>
       <p:cxnSp>
         <p:nvCxnSpPr>
-          <p:cNvPr id="21" name="直接箭头连接符 20"/>
+          <p:cNvPr id="17" name="直接箭头连接符 16"/>
           <p:cNvCxnSpPr>
-            <a:stCxn id="12" idx="2"/>
-            <a:endCxn id="7" idx="4"/>
+            <a:stCxn id="7" idx="2"/>
+            <a:endCxn id="9" idx="0"/>
           </p:cNvCxnSpPr>
           <p:nvPr/>
         </p:nvCxnSpPr>
         <p:spPr>
-          <a:xfrm flipH="1" flipV="1">
-            <a:off x="1359535" y="3743325"/>
-            <a:ext cx="2204085" cy="1745615"/>
+          <a:xfrm>
+            <a:off x="3455670" y="5493385"/>
+            <a:ext cx="17780" cy="370840"/>
           </a:xfrm>
           <a:prstGeom prst="straightConnector1">
             <a:avLst/>
@@ -3947,641 +3995,6 @@
           </a:fontRef>
         </p:style>
       </p:cxnSp>
-      <p:cxnSp>
-        <p:nvCxnSpPr>
-          <p:cNvPr id="25" name="曲线连接符 24"/>
-          <p:cNvCxnSpPr>
-            <a:stCxn id="12" idx="3"/>
-            <a:endCxn id="12" idx="5"/>
-          </p:cNvCxnSpPr>
-          <p:nvPr/>
-        </p:nvCxnSpPr>
-        <p:spPr>
-          <a:xfrm rot="5400000" flipH="1" flipV="1">
-            <a:off x="4457700" y="5208905"/>
-            <a:ext cx="22225" cy="1270635"/>
-          </a:xfrm>
-          <a:prstGeom prst="curvedConnector3">
-            <a:avLst>
-              <a:gd name="adj1" fmla="val -1782857"/>
-            </a:avLst>
-          </a:prstGeom>
-          <a:ln>
-            <a:tailEnd type="arrow"/>
-          </a:ln>
-        </p:spPr>
-        <p:style>
-          <a:lnRef idx="1">
-            <a:schemeClr val="accent1"/>
-          </a:lnRef>
-          <a:fillRef idx="0">
-            <a:schemeClr val="accent1"/>
-          </a:fillRef>
-          <a:effectRef idx="0">
-            <a:schemeClr val="accent1"/>
-          </a:effectRef>
-          <a:fontRef idx="minor">
-            <a:schemeClr val="tx1"/>
-          </a:fontRef>
-        </p:style>
-      </p:cxnSp>
-      <p:sp>
-        <p:nvSpPr>
-          <p:cNvPr id="26" name="文本框 25"/>
-          <p:cNvSpPr txBox="1"/>
-          <p:nvPr/>
-        </p:nvSpPr>
-        <p:spPr>
-          <a:xfrm>
-            <a:off x="3260725" y="5978525"/>
-            <a:ext cx="990600" cy="365760"/>
-          </a:xfrm>
-          <a:prstGeom prst="rect">
-            <a:avLst/>
-          </a:prstGeom>
-          <a:noFill/>
-        </p:spPr>
-        <p:txBody>
-          <a:bodyPr wrap="square" rtlCol="0">
-            <a:spAutoFit/>
-          </a:bodyPr>
-          <a:p>
-            <a:r>
-              <a:rPr lang="x-none" altLang="zh-CN"/>
-              <a:t>Pause</a:t>
-            </a:r>
-            <a:endParaRPr lang="x-none" altLang="zh-CN"/>
-          </a:p>
-        </p:txBody>
-      </p:sp>
-      <p:sp>
-        <p:nvSpPr>
-          <p:cNvPr id="27" name="文本框 26"/>
-          <p:cNvSpPr txBox="1"/>
-          <p:nvPr/>
-        </p:nvSpPr>
-        <p:spPr>
-          <a:xfrm>
-            <a:off x="4655185" y="6002020"/>
-            <a:ext cx="1202690" cy="365760"/>
-          </a:xfrm>
-          <a:prstGeom prst="rect">
-            <a:avLst/>
-          </a:prstGeom>
-          <a:noFill/>
-        </p:spPr>
-        <p:txBody>
-          <a:bodyPr wrap="square" rtlCol="0">
-            <a:spAutoFit/>
-          </a:bodyPr>
-          <a:p>
-            <a:r>
-              <a:rPr lang="x-none" altLang="zh-CN"/>
-              <a:t>Resume</a:t>
-            </a:r>
-            <a:endParaRPr lang="x-none" altLang="zh-CN"/>
-          </a:p>
-        </p:txBody>
-      </p:sp>
-      <p:sp>
-        <p:nvSpPr>
-          <p:cNvPr id="28" name="文本框 27"/>
-          <p:cNvSpPr txBox="1"/>
-          <p:nvPr/>
-        </p:nvSpPr>
-        <p:spPr>
-          <a:xfrm>
-            <a:off x="5148580" y="3484880"/>
-            <a:ext cx="1603375" cy="365760"/>
-          </a:xfrm>
-          <a:prstGeom prst="rect">
-            <a:avLst/>
-          </a:prstGeom>
-          <a:noFill/>
-        </p:spPr>
-        <p:txBody>
-          <a:bodyPr wrap="square" rtlCol="0">
-            <a:spAutoFit/>
-          </a:bodyPr>
-          <a:p>
-            <a:r>
-              <a:rPr lang="x-none" altLang="zh-CN"/>
-              <a:t>Abort Done</a:t>
-            </a:r>
-            <a:endParaRPr lang="x-none" altLang="zh-CN"/>
-          </a:p>
-        </p:txBody>
-      </p:sp>
-      <p:sp>
-        <p:nvSpPr>
-          <p:cNvPr id="29" name="文本框 28"/>
-          <p:cNvSpPr txBox="1"/>
-          <p:nvPr/>
-        </p:nvSpPr>
-        <p:spPr>
-          <a:xfrm>
-            <a:off x="3638550" y="2677160"/>
-            <a:ext cx="1290955" cy="365760"/>
-          </a:xfrm>
-          <a:prstGeom prst="rect">
-            <a:avLst/>
-          </a:prstGeom>
-          <a:noFill/>
-        </p:spPr>
-        <p:txBody>
-          <a:bodyPr wrap="square" rtlCol="0">
-            <a:spAutoFit/>
-          </a:bodyPr>
-          <a:p>
-            <a:r>
-              <a:rPr lang="x-none" altLang="zh-CN"/>
-              <a:t>single  all</a:t>
-            </a:r>
-            <a:endParaRPr lang="x-none" altLang="zh-CN"/>
-          </a:p>
-        </p:txBody>
-      </p:sp>
-      <p:sp>
-        <p:nvSpPr>
-          <p:cNvPr id="30" name="文本框 29"/>
-          <p:cNvSpPr txBox="1"/>
-          <p:nvPr/>
-        </p:nvSpPr>
-        <p:spPr>
-          <a:xfrm>
-            <a:off x="3704590" y="4407535"/>
-            <a:ext cx="1695450" cy="365760"/>
-          </a:xfrm>
-          <a:prstGeom prst="rect">
-            <a:avLst/>
-          </a:prstGeom>
-          <a:noFill/>
-        </p:spPr>
-        <p:txBody>
-          <a:bodyPr wrap="square" rtlCol="0">
-            <a:spAutoFit/>
-          </a:bodyPr>
-          <a:p>
-            <a:r>
-              <a:rPr lang="x-none" altLang="zh-CN"/>
-              <a:t>teach script</a:t>
-            </a:r>
-            <a:endParaRPr lang="x-none" altLang="zh-CN"/>
-          </a:p>
-        </p:txBody>
-      </p:sp>
-      <p:sp>
-        <p:nvSpPr>
-          <p:cNvPr id="31" name="文本框 30"/>
-          <p:cNvSpPr txBox="1"/>
-          <p:nvPr/>
-        </p:nvSpPr>
-        <p:spPr>
-          <a:xfrm>
-            <a:off x="2294255" y="3429000"/>
-            <a:ext cx="1468120" cy="640080"/>
-          </a:xfrm>
-          <a:prstGeom prst="rect">
-            <a:avLst/>
-          </a:prstGeom>
-          <a:noFill/>
-        </p:spPr>
-        <p:txBody>
-          <a:bodyPr wrap="square" rtlCol="0">
-            <a:spAutoFit/>
-          </a:bodyPr>
-          <a:p>
-            <a:r>
-              <a:rPr lang="x-none" altLang="zh-CN">
-                <a:solidFill>
-                  <a:srgbClr val="FF0000"/>
-                </a:solidFill>
-              </a:rPr>
-              <a:t>emergency stop</a:t>
-            </a:r>
-            <a:endParaRPr lang="x-none" altLang="zh-CN">
-              <a:solidFill>
-                <a:srgbClr val="FF0000"/>
-              </a:solidFill>
-            </a:endParaRPr>
-          </a:p>
-        </p:txBody>
-      </p:sp>
-      <p:sp>
-        <p:nvSpPr>
-          <p:cNvPr id="32" name="文本框 31"/>
-          <p:cNvSpPr txBox="1"/>
-          <p:nvPr/>
-        </p:nvSpPr>
-        <p:spPr>
-          <a:xfrm>
-            <a:off x="1391920" y="4315460"/>
-            <a:ext cx="1468120" cy="640080"/>
-          </a:xfrm>
-          <a:prstGeom prst="rect">
-            <a:avLst/>
-          </a:prstGeom>
-          <a:noFill/>
-        </p:spPr>
-        <p:txBody>
-          <a:bodyPr wrap="square" rtlCol="0">
-            <a:spAutoFit/>
-          </a:bodyPr>
-          <a:p>
-            <a:r>
-              <a:rPr lang="x-none" altLang="zh-CN">
-                <a:solidFill>
-                  <a:srgbClr val="FF0000"/>
-                </a:solidFill>
-              </a:rPr>
-              <a:t>emergency stop</a:t>
-            </a:r>
-            <a:endParaRPr lang="x-none" altLang="zh-CN">
-              <a:solidFill>
-                <a:srgbClr val="FF0000"/>
-              </a:solidFill>
-            </a:endParaRPr>
-          </a:p>
-        </p:txBody>
-      </p:sp>
-      <p:sp>
-        <p:nvSpPr>
-          <p:cNvPr id="33" name="文本框 32"/>
-          <p:cNvSpPr txBox="1"/>
-          <p:nvPr/>
-        </p:nvSpPr>
-        <p:spPr>
-          <a:xfrm>
-            <a:off x="1931035" y="1851025"/>
-            <a:ext cx="1468120" cy="640080"/>
-          </a:xfrm>
-          <a:prstGeom prst="rect">
-            <a:avLst/>
-          </a:prstGeom>
-          <a:noFill/>
-        </p:spPr>
-        <p:txBody>
-          <a:bodyPr wrap="square" rtlCol="0">
-            <a:spAutoFit/>
-          </a:bodyPr>
-          <a:p>
-            <a:r>
-              <a:rPr lang="x-none" altLang="zh-CN">
-                <a:solidFill>
-                  <a:srgbClr val="FF0000"/>
-                </a:solidFill>
-              </a:rPr>
-              <a:t>emergency stop</a:t>
-            </a:r>
-            <a:endParaRPr lang="x-none" altLang="zh-CN">
-              <a:solidFill>
-                <a:srgbClr val="FF0000"/>
-              </a:solidFill>
-            </a:endParaRPr>
-          </a:p>
-        </p:txBody>
-      </p:sp>
-      <p:sp>
-        <p:nvSpPr>
-          <p:cNvPr id="34" name="文本框 33"/>
-          <p:cNvSpPr txBox="1"/>
-          <p:nvPr/>
-        </p:nvSpPr>
-        <p:spPr>
-          <a:xfrm>
-            <a:off x="2209800" y="2534920"/>
-            <a:ext cx="1468120" cy="640080"/>
-          </a:xfrm>
-          <a:prstGeom prst="rect">
-            <a:avLst/>
-          </a:prstGeom>
-          <a:noFill/>
-        </p:spPr>
-        <p:txBody>
-          <a:bodyPr wrap="square" rtlCol="0">
-            <a:spAutoFit/>
-          </a:bodyPr>
-          <a:p>
-            <a:r>
-              <a:rPr lang="x-none" altLang="zh-CN">
-                <a:solidFill>
-                  <a:schemeClr val="accent6"/>
-                </a:solidFill>
-              </a:rPr>
-              <a:t>emergency release</a:t>
-            </a:r>
-            <a:endParaRPr lang="x-none" altLang="zh-CN">
-              <a:solidFill>
-                <a:schemeClr val="accent6"/>
-              </a:solidFill>
-            </a:endParaRPr>
-          </a:p>
-        </p:txBody>
-      </p:sp>
-      <p:sp>
-        <p:nvSpPr>
-          <p:cNvPr id="35" name="文本框 34"/>
-          <p:cNvSpPr txBox="1"/>
-          <p:nvPr/>
-        </p:nvSpPr>
-        <p:spPr>
-          <a:xfrm>
-            <a:off x="6842125" y="1200785"/>
-            <a:ext cx="5248275" cy="5396230"/>
-          </a:xfrm>
-          <a:prstGeom prst="rect">
-            <a:avLst/>
-          </a:prstGeom>
-          <a:noFill/>
-        </p:spPr>
-        <p:txBody>
-          <a:bodyPr wrap="square" rtlCol="0">
-            <a:spAutoFit/>
-          </a:bodyPr>
-          <a:p>
-            <a:r>
-              <a:rPr lang="zh-CN" altLang="en-US" sz="1200"/>
-              <a:t>急停</a:t>
-            </a:r>
-            <a:endParaRPr lang="zh-CN" altLang="en-US" sz="1200"/>
-          </a:p>
-          <a:p>
-            <a:r>
-              <a:rPr lang="zh-CN" altLang="en-US" sz="1200"/>
-              <a:t>COMMON::EmcError motionCmdEmergencyStop()</a:t>
-            </a:r>
-            <a:endParaRPr lang="zh-CN" altLang="en-US" sz="1200"/>
-          </a:p>
-          <a:p>
-            <a:r>
-              <a:rPr lang="zh-CN" altLang="en-US" sz="1200"/>
-              <a:t>解除急停</a:t>
-            </a:r>
-            <a:endParaRPr lang="zh-CN" altLang="en-US" sz="1200"/>
-          </a:p>
-          <a:p>
-            <a:r>
-              <a:rPr lang="zh-CN" altLang="en-US" sz="1200"/>
-              <a:t>COMMON::EmcError motionCmdEmergencyStopRelease()</a:t>
-            </a:r>
-            <a:endParaRPr lang="zh-CN" altLang="en-US" sz="1200"/>
-          </a:p>
-          <a:p>
-            <a:r>
-              <a:rPr lang="zh-CN" altLang="en-US" sz="1200"/>
-              <a:t>进入示教模式</a:t>
-            </a:r>
-            <a:endParaRPr lang="zh-CN" altLang="en-US" sz="1200"/>
-          </a:p>
-          <a:p>
-            <a:r>
-              <a:rPr lang="zh-CN" altLang="en-US" sz="1200"/>
-              <a:t>COMMON::EmcError motionCmdTeaching()</a:t>
-            </a:r>
-            <a:endParaRPr lang="zh-CN" altLang="en-US" sz="1200"/>
-          </a:p>
-          <a:p>
-            <a:r>
-              <a:rPr lang="zh-CN" altLang="en-US" sz="1200"/>
-              <a:t>进入脚本运行</a:t>
-            </a:r>
-            <a:endParaRPr lang="zh-CN" altLang="en-US" sz="1200"/>
-          </a:p>
-          <a:p>
-            <a:r>
-              <a:rPr lang="zh-CN" altLang="en-US" sz="1200"/>
-              <a:t>COMMON::EmcError motionCmdScript()</a:t>
-            </a:r>
-            <a:endParaRPr lang="zh-CN" altLang="en-US" sz="1200"/>
-          </a:p>
-          <a:p>
-            <a:r>
-              <a:rPr lang="zh-CN" altLang="en-US" sz="1200"/>
-              <a:t>控制器停止</a:t>
-            </a:r>
-            <a:endParaRPr lang="zh-CN" altLang="en-US" sz="1200"/>
-          </a:p>
-          <a:p>
-            <a:r>
-              <a:rPr lang="zh-CN" altLang="en-US" sz="1200"/>
-              <a:t>COMMON::EmcError motionCmdAbort()</a:t>
-            </a:r>
-            <a:endParaRPr lang="zh-CN" altLang="en-US" sz="1200"/>
-          </a:p>
-          <a:p>
-            <a:r>
-              <a:rPr lang="zh-CN" altLang="en-US" sz="1200"/>
-              <a:t>控制器暂停</a:t>
-            </a:r>
-            <a:endParaRPr lang="zh-CN" altLang="en-US" sz="1200"/>
-          </a:p>
-          <a:p>
-            <a:r>
-              <a:rPr lang="zh-CN" altLang="en-US" sz="1200"/>
-              <a:t>COMMON::EmcError motionCmdPause()</a:t>
-            </a:r>
-            <a:endParaRPr lang="zh-CN" altLang="en-US" sz="1200"/>
-          </a:p>
-          <a:p>
-            <a:r>
-              <a:rPr lang="zh-CN" altLang="en-US" sz="1200"/>
-              <a:t>控制器继续</a:t>
-            </a:r>
-            <a:endParaRPr lang="zh-CN" altLang="en-US" sz="1200"/>
-          </a:p>
-          <a:p>
-            <a:r>
-              <a:rPr lang="zh-CN" altLang="en-US" sz="1200"/>
-              <a:t>COMMON::EmcError motionCmdResume()</a:t>
-            </a:r>
-            <a:endParaRPr lang="zh-CN" altLang="en-US" sz="1200"/>
-          </a:p>
-          <a:p>
-            <a:r>
-              <a:rPr lang="zh-CN" altLang="en-US" sz="1200"/>
-              <a:t>修改控制器进给率</a:t>
-            </a:r>
-            <a:endParaRPr lang="zh-CN" altLang="en-US" sz="1200"/>
-          </a:p>
-          <a:p>
-            <a:r>
-              <a:rPr lang="zh-CN" altLang="en-US" sz="1200"/>
-              <a:t>COMMON::EmcError motionCmdChangeFeedRate(const double feed_rate)</a:t>
-            </a:r>
-            <a:endParaRPr lang="zh-CN" altLang="en-US" sz="1200"/>
-          </a:p>
-          <a:p>
-            <a:r>
-              <a:rPr lang="zh-CN" altLang="en-US" sz="1200"/>
-              <a:t>关节拖拽</a:t>
-            </a:r>
-            <a:endParaRPr lang="zh-CN" altLang="en-US" sz="1200"/>
-          </a:p>
-          <a:p>
-            <a:r>
-              <a:rPr lang="zh-CN" altLang="en-US" sz="1200"/>
-              <a:t>COMMON::EmcError motionCmdStartDrag(const bool is_arm, const uint32_t joint_index, float drag_current)</a:t>
-            </a:r>
-            <a:endParaRPr lang="zh-CN" altLang="en-US" sz="1200"/>
-          </a:p>
-          <a:p>
-            <a:r>
-              <a:rPr lang="zh-CN" altLang="en-US" sz="1200"/>
-              <a:t>关节退出拖拽</a:t>
-            </a:r>
-            <a:endParaRPr lang="zh-CN" altLang="en-US" sz="1200"/>
-          </a:p>
-          <a:p>
-            <a:r>
-              <a:rPr lang="zh-CN" altLang="en-US" sz="1200"/>
-              <a:t>COMMON::EmcError motionCmdStopDrag(const bool is_arm, const uint32_t joint_index)</a:t>
-            </a:r>
-            <a:endParaRPr lang="zh-CN" altLang="en-US" sz="1200"/>
-          </a:p>
-          <a:p>
-            <a:r>
-              <a:rPr lang="zh-CN" altLang="en-US" sz="1200"/>
-              <a:t>关节回零，自动回零</a:t>
-            </a:r>
-            <a:endParaRPr lang="zh-CN" altLang="en-US" sz="1200"/>
-          </a:p>
-          <a:p>
-            <a:r>
-              <a:rPr lang="zh-CN" altLang="en-US" sz="1200"/>
-              <a:t>COMMON::EmcError motionCmdJointHoming(const bool is_arm, const uint32_t joint_index)</a:t>
-            </a:r>
-            <a:endParaRPr lang="zh-CN" altLang="en-US" sz="1200"/>
-          </a:p>
-          <a:p>
-            <a:r>
-              <a:rPr lang="zh-CN" altLang="en-US" sz="1200"/>
-              <a:t>关节回零，带回零模式</a:t>
-            </a:r>
-            <a:endParaRPr lang="zh-CN" altLang="en-US" sz="1200"/>
-          </a:p>
-          <a:p>
-            <a:r>
-              <a:rPr lang="zh-CN" altLang="en-US" sz="1200"/>
-              <a:t>COMMON::EmcError motionCmdJointHoming(const bool is_arm, const uint32_t joint_index, uint8_t homing_type)</a:t>
-            </a:r>
-            <a:endParaRPr lang="zh-CN" altLang="en-US" sz="1200"/>
-          </a:p>
-        </p:txBody>
-      </p:sp>
-      <p:cxnSp>
-        <p:nvCxnSpPr>
-          <p:cNvPr id="36" name="曲线连接符 35"/>
-          <p:cNvCxnSpPr>
-            <a:stCxn id="10" idx="5"/>
-            <a:endCxn id="10" idx="7"/>
-          </p:cNvCxnSpPr>
-          <p:nvPr/>
-        </p:nvCxnSpPr>
-        <p:spPr>
-          <a:xfrm rot="5400000" flipH="1">
-            <a:off x="4586605" y="3648710"/>
-            <a:ext cx="743585" cy="12700"/>
-          </a:xfrm>
-          <a:prstGeom prst="curvedConnector5">
-            <a:avLst>
-              <a:gd name="adj1" fmla="val -55465"/>
-              <a:gd name="adj2" fmla="val -14367500"/>
-              <a:gd name="adj3" fmla="val 153245"/>
-            </a:avLst>
-          </a:prstGeom>
-          <a:ln>
-            <a:tailEnd type="arrow"/>
-          </a:ln>
-        </p:spPr>
-        <p:style>
-          <a:lnRef idx="1">
-            <a:schemeClr val="accent1"/>
-          </a:lnRef>
-          <a:fillRef idx="0">
-            <a:schemeClr val="accent1"/>
-          </a:fillRef>
-          <a:effectRef idx="0">
-            <a:schemeClr val="accent1"/>
-          </a:effectRef>
-          <a:fontRef idx="minor">
-            <a:schemeClr val="tx1"/>
-          </a:fontRef>
-        </p:style>
-      </p:cxnSp>
-      <p:sp>
-        <p:nvSpPr>
-          <p:cNvPr id="37" name="文本框 36"/>
-          <p:cNvSpPr txBox="1"/>
-          <p:nvPr/>
-        </p:nvSpPr>
-        <p:spPr>
-          <a:xfrm>
-            <a:off x="5618480" y="4281170"/>
-            <a:ext cx="970280" cy="365760"/>
-          </a:xfrm>
-          <a:prstGeom prst="rect">
-            <a:avLst/>
-          </a:prstGeom>
-          <a:noFill/>
-        </p:spPr>
-        <p:txBody>
-          <a:bodyPr wrap="square" rtlCol="0">
-            <a:spAutoFit/>
-          </a:bodyPr>
-          <a:p>
-            <a:r>
-              <a:rPr lang="x-none" altLang="zh-CN">
-                <a:solidFill>
-                  <a:srgbClr val="FFC000"/>
-                </a:solidFill>
-              </a:rPr>
-              <a:t>drag</a:t>
-            </a:r>
-            <a:endParaRPr lang="x-none" altLang="zh-CN">
-              <a:solidFill>
-                <a:srgbClr val="FFC000"/>
-              </a:solidFill>
-            </a:endParaRPr>
-          </a:p>
-        </p:txBody>
-      </p:sp>
-      <p:sp>
-        <p:nvSpPr>
-          <p:cNvPr id="38" name="文本框 37"/>
-          <p:cNvSpPr txBox="1"/>
-          <p:nvPr/>
-        </p:nvSpPr>
-        <p:spPr>
-          <a:xfrm>
-            <a:off x="5391150" y="2711450"/>
-            <a:ext cx="1374140" cy="365760"/>
-          </a:xfrm>
-          <a:prstGeom prst="rect">
-            <a:avLst/>
-          </a:prstGeom>
-          <a:noFill/>
-        </p:spPr>
-        <p:txBody>
-          <a:bodyPr wrap="square" rtlCol="0">
-            <a:spAutoFit/>
-          </a:bodyPr>
-          <a:p>
-            <a:r>
-              <a:rPr lang="x-none" altLang="zh-CN">
-                <a:solidFill>
-                  <a:srgbClr val="FFC000"/>
-                </a:solidFill>
-              </a:rPr>
-              <a:t>stop drag</a:t>
-            </a:r>
-            <a:endParaRPr lang="x-none" altLang="zh-CN">
-              <a:solidFill>
-                <a:srgbClr val="FFC000"/>
-              </a:solidFill>
-            </a:endParaRPr>
-          </a:p>
-        </p:txBody>
-      </p:sp>
     </p:spTree>
   </p:cSld>
   <p:clrMapOvr>
@@ -4610,7 +4023,7 @@
       <p:grpSpPr/>
       <p:sp>
         <p:nvSpPr>
-          <p:cNvPr id="2" name="标题 1"/>
+          <p:cNvPr id="6" name="标题 5"/>
           <p:cNvSpPr>
             <a:spLocks noGrp="1"/>
           </p:cNvSpPr>
@@ -4624,7 +4037,7 @@
           <a:p>
             <a:r>
               <a:rPr lang="x-none" altLang="zh-CN"/>
-              <a:t>周期插补流程</a:t>
+              <a:t>motion控制和状态</a:t>
             </a:r>
             <a:endParaRPr lang="x-none" altLang="zh-CN"/>
           </a:p>
@@ -4632,14 +4045,14 @@
       </p:sp>
       <p:sp>
         <p:nvSpPr>
-          <p:cNvPr id="6" name="椭圆 5"/>
+          <p:cNvPr id="7" name="椭圆 6"/>
           <p:cNvSpPr/>
           <p:nvPr/>
         </p:nvSpPr>
         <p:spPr>
           <a:xfrm>
-            <a:off x="473075" y="2574290"/>
-            <a:ext cx="1957070" cy="666115"/>
+            <a:off x="307340" y="2938780"/>
+            <a:ext cx="2103755" cy="804545"/>
           </a:xfrm>
           <a:prstGeom prst="ellipse">
             <a:avLst/>
@@ -4667,7 +4080,7 @@
             <a:pPr algn="ctr"/>
             <a:r>
               <a:rPr lang="x-none" altLang="zh-CN"/>
-              <a:t>tcruncycle</a:t>
+              <a:t>Emergency</a:t>
             </a:r>
             <a:endParaRPr lang="x-none" altLang="zh-CN"/>
           </a:p>
@@ -4675,14 +4088,14 @@
       </p:sp>
       <p:sp>
         <p:nvSpPr>
-          <p:cNvPr id="7" name="椭圆 6"/>
+          <p:cNvPr id="8" name="椭圆 7"/>
           <p:cNvSpPr/>
           <p:nvPr/>
         </p:nvSpPr>
         <p:spPr>
-          <a:xfrm>
-            <a:off x="2966720" y="2574290"/>
-            <a:ext cx="2023745" cy="666115"/>
+          <a:xfrm rot="21540000">
+            <a:off x="3829685" y="1516380"/>
+            <a:ext cx="1195705" cy="1050925"/>
           </a:xfrm>
           <a:prstGeom prst="ellipse">
             <a:avLst/>
@@ -4710,7 +4123,7 @@
             <a:pPr algn="ctr"/>
             <a:r>
               <a:rPr lang="x-none" altLang="zh-CN"/>
-              <a:t>tpruncycle</a:t>
+              <a:t>IDLE</a:t>
             </a:r>
             <a:endParaRPr lang="x-none" altLang="zh-CN"/>
           </a:p>
@@ -4718,14 +4131,14 @@
       </p:sp>
       <p:sp>
         <p:nvSpPr>
-          <p:cNvPr id="8" name="椭圆 7"/>
+          <p:cNvPr id="10" name="椭圆 9"/>
           <p:cNvSpPr/>
           <p:nvPr/>
         </p:nvSpPr>
         <p:spPr>
-          <a:xfrm>
-            <a:off x="5713095" y="2574290"/>
-            <a:ext cx="2066290" cy="666115"/>
+          <a:xfrm rot="21540000">
+            <a:off x="3737610" y="3138805"/>
+            <a:ext cx="1430020" cy="1050925"/>
           </a:xfrm>
           <a:prstGeom prst="ellipse">
             <a:avLst/>
@@ -4753,22 +4166,60 @@
             <a:pPr algn="ctr"/>
             <a:r>
               <a:rPr lang="x-none" altLang="zh-CN"/>
-              <a:t>jcruncycle</a:t>
+              <a:t>Homed</a:t>
             </a:r>
             <a:endParaRPr lang="x-none" altLang="zh-CN"/>
           </a:p>
         </p:txBody>
       </p:sp>
-      <p:sp>
-        <p:nvSpPr>
-          <p:cNvPr id="9" name="椭圆 8"/>
+      <p:cxnSp>
+        <p:nvCxnSpPr>
+          <p:cNvPr id="11" name="曲线连接符 10"/>
+          <p:cNvCxnSpPr>
+            <a:stCxn id="8" idx="4"/>
+            <a:endCxn id="10" idx="0"/>
+          </p:cNvCxnSpPr>
+          <p:nvPr/>
+        </p:nvCxnSpPr>
+        <p:spPr>
+          <a:xfrm rot="5400000" flipV="1">
+            <a:off x="4154488" y="2849563"/>
+            <a:ext cx="571500" cy="6985"/>
+          </a:xfrm>
+          <a:prstGeom prst="curvedConnector3">
+            <a:avLst>
+              <a:gd name="adj1" fmla="val 49833"/>
+            </a:avLst>
+          </a:prstGeom>
+          <a:ln>
+            <a:tailEnd type="arrow"/>
+          </a:ln>
+        </p:spPr>
+        <p:style>
+          <a:lnRef idx="1">
+            <a:schemeClr val="accent1"/>
+          </a:lnRef>
+          <a:fillRef idx="0">
+            <a:schemeClr val="accent1"/>
+          </a:fillRef>
+          <a:effectRef idx="0">
+            <a:schemeClr val="accent1"/>
+          </a:effectRef>
+          <a:fontRef idx="minor">
+            <a:schemeClr val="tx1"/>
+          </a:fontRef>
+        </p:style>
+      </p:cxnSp>
+      <p:sp>
+        <p:nvSpPr>
+          <p:cNvPr id="12" name="椭圆 11"/>
           <p:cNvSpPr/>
           <p:nvPr/>
         </p:nvSpPr>
         <p:spPr>
-          <a:xfrm>
-            <a:off x="8592185" y="2573655"/>
-            <a:ext cx="2332355" cy="666115"/>
+          <a:xfrm rot="21540000">
+            <a:off x="3563620" y="4947285"/>
+            <a:ext cx="1797685" cy="1050925"/>
           </a:xfrm>
           <a:prstGeom prst="ellipse">
             <a:avLst/>
@@ -4796,509 +4247,34 @@
             <a:pPr algn="ctr"/>
             <a:r>
               <a:rPr lang="x-none" altLang="zh-CN"/>
-              <a:t>motion runcycle</a:t>
+              <a:t>Runing</a:t>
             </a:r>
             <a:endParaRPr lang="x-none" altLang="zh-CN"/>
-          </a:p>
-        </p:txBody>
-      </p:sp>
-      <p:sp>
-        <p:nvSpPr>
-          <p:cNvPr id="10" name="圆角矩形 9"/>
-          <p:cNvSpPr/>
-          <p:nvPr/>
-        </p:nvSpPr>
-        <p:spPr>
-          <a:xfrm>
-            <a:off x="557530" y="4022090"/>
-            <a:ext cx="1690370" cy="2489835"/>
-          </a:xfrm>
-          <a:prstGeom prst="roundRect">
-            <a:avLst/>
-          </a:prstGeom>
-          <a:solidFill>
-            <a:schemeClr val="bg2"/>
-          </a:solidFill>
-        </p:spPr>
-        <p:style>
-          <a:lnRef idx="2">
-            <a:schemeClr val="accent1">
-              <a:shade val="50000"/>
-            </a:schemeClr>
-          </a:lnRef>
-          <a:fillRef idx="1">
-            <a:schemeClr val="accent1"/>
-          </a:fillRef>
-          <a:effectRef idx="0">
-            <a:schemeClr val="accent1"/>
-          </a:effectRef>
-          <a:fontRef idx="minor">
-            <a:schemeClr val="lt1"/>
-          </a:fontRef>
-        </p:style>
-        <p:txBody>
-          <a:bodyPr rtlCol="0" anchor="ctr"/>
-          <a:p>
-            <a:pPr algn="l"/>
-            <a:r>
-              <a:rPr lang="x-none" altLang="zh-CN" sz="1200">
-                <a:solidFill>
-                  <a:schemeClr val="tx1"/>
-                </a:solidFill>
-              </a:rPr>
-              <a:t>tesk:</a:t>
-            </a:r>
-            <a:endParaRPr lang="x-none" altLang="zh-CN" sz="1200">
-              <a:solidFill>
-                <a:schemeClr val="tx1"/>
-              </a:solidFill>
-            </a:endParaRPr>
-          </a:p>
-          <a:p>
-            <a:pPr algn="l"/>
-            <a:r>
-              <a:rPr lang="x-none" altLang="zh-CN" sz="1200">
-                <a:solidFill>
-                  <a:schemeClr val="tx1"/>
-                </a:solidFill>
-              </a:rPr>
-              <a:t>1.对于约束的速度,加速度,路程等进行速度加减速控制.</a:t>
-            </a:r>
-            <a:endParaRPr lang="x-none" altLang="zh-CN" sz="1200">
-              <a:solidFill>
-                <a:schemeClr val="tx1"/>
-              </a:solidFill>
-            </a:endParaRPr>
-          </a:p>
-          <a:p>
-            <a:pPr algn="l"/>
-            <a:r>
-              <a:rPr lang="x-none" altLang="zh-CN" sz="1200">
-                <a:solidFill>
-                  <a:schemeClr val="tx1"/>
-                </a:solidFill>
-              </a:rPr>
-              <a:t>2.有T型,七段S型,和五次多项式等插补方式.</a:t>
-            </a:r>
-            <a:endParaRPr lang="x-none" altLang="zh-CN" sz="1200">
-              <a:solidFill>
-                <a:schemeClr val="tx1"/>
-              </a:solidFill>
-            </a:endParaRPr>
-          </a:p>
-          <a:p>
-            <a:pPr algn="l"/>
-            <a:r>
-              <a:rPr lang="x-none" altLang="zh-CN" sz="1200">
-                <a:solidFill>
-                  <a:schemeClr val="tx1"/>
-                </a:solidFill>
-              </a:rPr>
-              <a:t>3.插补期间响应进给率变化带来的速度变化.</a:t>
-            </a:r>
-            <a:endParaRPr lang="x-none" altLang="zh-CN" sz="1200">
-              <a:solidFill>
-                <a:schemeClr val="tx1"/>
-              </a:solidFill>
-            </a:endParaRPr>
-          </a:p>
-        </p:txBody>
-      </p:sp>
-      <p:sp>
-        <p:nvSpPr>
-          <p:cNvPr id="11" name="圆角矩形 10"/>
-          <p:cNvSpPr/>
-          <p:nvPr/>
-        </p:nvSpPr>
-        <p:spPr>
-          <a:xfrm>
-            <a:off x="3141345" y="4030345"/>
-            <a:ext cx="1690370" cy="2489835"/>
-          </a:xfrm>
-          <a:prstGeom prst="roundRect">
-            <a:avLst/>
-          </a:prstGeom>
-          <a:solidFill>
-            <a:schemeClr val="bg2"/>
-          </a:solidFill>
-        </p:spPr>
-        <p:style>
-          <a:lnRef idx="2">
-            <a:schemeClr val="accent1">
-              <a:shade val="50000"/>
-            </a:schemeClr>
-          </a:lnRef>
-          <a:fillRef idx="1">
-            <a:schemeClr val="accent1"/>
-          </a:fillRef>
-          <a:effectRef idx="0">
-            <a:schemeClr val="accent1"/>
-          </a:effectRef>
-          <a:fontRef idx="minor">
-            <a:schemeClr val="lt1"/>
-          </a:fontRef>
-        </p:style>
-        <p:txBody>
-          <a:bodyPr rtlCol="0" anchor="ctr"/>
-          <a:p>
-            <a:pPr algn="l"/>
-            <a:r>
-              <a:rPr lang="x-none" altLang="zh-CN" sz="1200">
-                <a:solidFill>
-                  <a:schemeClr val="tx1"/>
-                </a:solidFill>
-              </a:rPr>
-              <a:t>tesk:</a:t>
-            </a:r>
-            <a:endParaRPr lang="x-none" altLang="zh-CN" sz="1200">
-              <a:solidFill>
-                <a:schemeClr val="tx1"/>
-              </a:solidFill>
-            </a:endParaRPr>
-          </a:p>
-          <a:p>
-            <a:pPr algn="l"/>
-            <a:r>
-              <a:rPr lang="x-none" altLang="zh-CN" sz="1200">
-                <a:solidFill>
-                  <a:schemeClr val="tx1"/>
-                </a:solidFill>
-              </a:rPr>
-              <a:t>1.响应不同的运动方式,free, path.</a:t>
-            </a:r>
-            <a:endParaRPr lang="x-none" altLang="zh-CN" sz="1200">
-              <a:solidFill>
-                <a:schemeClr val="tx1"/>
-              </a:solidFill>
-            </a:endParaRPr>
-          </a:p>
-          <a:p>
-            <a:pPr algn="l"/>
-            <a:r>
-              <a:rPr lang="x-none" altLang="zh-CN" sz="1200">
-                <a:solidFill>
-                  <a:schemeClr val="tx1"/>
-                </a:solidFill>
-              </a:rPr>
-              <a:t>2.对tc插值的数据进行处理,周期计算关节变量</a:t>
-            </a:r>
-            <a:endParaRPr lang="x-none" altLang="zh-CN" sz="1200">
-              <a:solidFill>
-                <a:schemeClr val="tx1"/>
-              </a:solidFill>
-            </a:endParaRPr>
-          </a:p>
-          <a:p>
-            <a:pPr algn="l"/>
-            <a:r>
-              <a:rPr lang="x-none" altLang="zh-CN" sz="1200">
-                <a:solidFill>
-                  <a:schemeClr val="tx1"/>
-                </a:solidFill>
-              </a:rPr>
-              <a:t>3.对有过渡插补的线段进行过渡插补</a:t>
-            </a:r>
-            <a:endParaRPr lang="x-none" altLang="zh-CN" sz="1200">
-              <a:solidFill>
-                <a:schemeClr val="tx1"/>
-              </a:solidFill>
-            </a:endParaRPr>
-          </a:p>
-          <a:p>
-            <a:pPr algn="l"/>
-            <a:endParaRPr lang="x-none" altLang="zh-CN" sz="1200">
-              <a:solidFill>
-                <a:schemeClr val="tx1"/>
-              </a:solidFill>
-            </a:endParaRPr>
-          </a:p>
-          <a:p>
-            <a:pPr algn="l"/>
-            <a:endParaRPr lang="x-none" altLang="zh-CN" sz="1200">
-              <a:solidFill>
-                <a:schemeClr val="tx1"/>
-              </a:solidFill>
-            </a:endParaRPr>
-          </a:p>
-          <a:p>
-            <a:pPr algn="l"/>
-            <a:endParaRPr lang="x-none" altLang="zh-CN" sz="1200">
-              <a:solidFill>
-                <a:schemeClr val="tx1"/>
-              </a:solidFill>
-            </a:endParaRPr>
-          </a:p>
-        </p:txBody>
-      </p:sp>
-      <p:sp>
-        <p:nvSpPr>
-          <p:cNvPr id="12" name="圆角矩形 11"/>
-          <p:cNvSpPr/>
-          <p:nvPr/>
-        </p:nvSpPr>
-        <p:spPr>
-          <a:xfrm>
-            <a:off x="6005830" y="4030345"/>
-            <a:ext cx="1690370" cy="2489835"/>
-          </a:xfrm>
-          <a:prstGeom prst="roundRect">
-            <a:avLst/>
-          </a:prstGeom>
-          <a:solidFill>
-            <a:schemeClr val="bg2"/>
-          </a:solidFill>
-        </p:spPr>
-        <p:style>
-          <a:lnRef idx="2">
-            <a:schemeClr val="accent1">
-              <a:shade val="50000"/>
-            </a:schemeClr>
-          </a:lnRef>
-          <a:fillRef idx="1">
-            <a:schemeClr val="accent1"/>
-          </a:fillRef>
-          <a:effectRef idx="0">
-            <a:schemeClr val="accent1"/>
-          </a:effectRef>
-          <a:fontRef idx="minor">
-            <a:schemeClr val="lt1"/>
-          </a:fontRef>
-        </p:style>
-        <p:txBody>
-          <a:bodyPr rtlCol="0" anchor="ctr"/>
-          <a:p>
-            <a:pPr algn="l"/>
-            <a:r>
-              <a:rPr lang="x-none" altLang="zh-CN" sz="1200">
-                <a:solidFill>
-                  <a:schemeClr val="tx1"/>
-                </a:solidFill>
-              </a:rPr>
-              <a:t>tesk:</a:t>
-            </a:r>
-            <a:endParaRPr lang="x-none" altLang="zh-CN" sz="1200">
-              <a:solidFill>
-                <a:schemeClr val="tx1"/>
-              </a:solidFill>
-            </a:endParaRPr>
-          </a:p>
-          <a:p>
-            <a:pPr algn="l"/>
-            <a:r>
-              <a:rPr lang="x-none" altLang="zh-CN" sz="1200">
-                <a:solidFill>
-                  <a:schemeClr val="tx1"/>
-                </a:solidFill>
-              </a:rPr>
-              <a:t>1.响应不同控制状态下对电机的模式切换</a:t>
-            </a:r>
-            <a:endParaRPr lang="x-none" altLang="zh-CN" sz="1200">
-              <a:solidFill>
-                <a:schemeClr val="tx1"/>
-              </a:solidFill>
-            </a:endParaRPr>
-          </a:p>
-          <a:p>
-            <a:pPr algn="l"/>
-            <a:r>
-              <a:rPr lang="x-none" altLang="zh-CN" sz="1200">
-                <a:solidFill>
-                  <a:schemeClr val="tx1"/>
-                </a:solidFill>
-              </a:rPr>
-              <a:t>2.对tp计算得出的关节变量处理,将关节变量传给电机进行插值</a:t>
-            </a:r>
-            <a:endParaRPr lang="x-none" altLang="zh-CN" sz="1200">
-              <a:solidFill>
-                <a:schemeClr val="tx1"/>
-              </a:solidFill>
-            </a:endParaRPr>
-          </a:p>
-          <a:p>
-            <a:pPr algn="l"/>
-            <a:endParaRPr lang="x-none" altLang="zh-CN" sz="1200">
-              <a:solidFill>
-                <a:schemeClr val="tx1"/>
-              </a:solidFill>
-            </a:endParaRPr>
-          </a:p>
-          <a:p>
-            <a:pPr algn="l"/>
-            <a:endParaRPr lang="x-none" altLang="zh-CN" sz="1200">
-              <a:solidFill>
-                <a:schemeClr val="tx1"/>
-              </a:solidFill>
-            </a:endParaRPr>
-          </a:p>
-          <a:p>
-            <a:pPr algn="l"/>
-            <a:endParaRPr lang="x-none" altLang="zh-CN" sz="1200">
-              <a:solidFill>
-                <a:schemeClr val="tx1"/>
-              </a:solidFill>
-            </a:endParaRPr>
-          </a:p>
-          <a:p>
-            <a:pPr algn="l"/>
-            <a:endParaRPr lang="x-none" altLang="zh-CN" sz="1200">
-              <a:solidFill>
-                <a:schemeClr val="tx1"/>
-              </a:solidFill>
-            </a:endParaRPr>
-          </a:p>
-        </p:txBody>
-      </p:sp>
-      <p:sp>
-        <p:nvSpPr>
-          <p:cNvPr id="13" name="圆角矩形 12"/>
-          <p:cNvSpPr/>
-          <p:nvPr/>
-        </p:nvSpPr>
-        <p:spPr>
-          <a:xfrm>
-            <a:off x="9011920" y="4030345"/>
-            <a:ext cx="1690370" cy="2489835"/>
-          </a:xfrm>
-          <a:prstGeom prst="roundRect">
-            <a:avLst/>
-          </a:prstGeom>
-          <a:solidFill>
-            <a:schemeClr val="bg2"/>
-          </a:solidFill>
-        </p:spPr>
-        <p:style>
-          <a:lnRef idx="2">
-            <a:schemeClr val="accent1">
-              <a:shade val="50000"/>
-            </a:schemeClr>
-          </a:lnRef>
-          <a:fillRef idx="1">
-            <a:schemeClr val="accent1"/>
-          </a:fillRef>
-          <a:effectRef idx="0">
-            <a:schemeClr val="accent1"/>
-          </a:effectRef>
-          <a:fontRef idx="minor">
-            <a:schemeClr val="lt1"/>
-          </a:fontRef>
-        </p:style>
-        <p:txBody>
-          <a:bodyPr rtlCol="0" anchor="ctr"/>
-          <a:p>
-            <a:pPr algn="l"/>
-            <a:r>
-              <a:rPr lang="x-none" altLang="zh-CN" sz="1200">
-                <a:solidFill>
-                  <a:schemeClr val="tx1"/>
-                </a:solidFill>
-              </a:rPr>
-              <a:t>tesk:</a:t>
-            </a:r>
-            <a:endParaRPr lang="x-none" altLang="zh-CN" sz="1200">
-              <a:solidFill>
-                <a:schemeClr val="tx1"/>
-              </a:solidFill>
-            </a:endParaRPr>
-          </a:p>
-          <a:p>
-            <a:pPr algn="l"/>
-            <a:r>
-              <a:rPr lang="x-none" altLang="zh-CN" sz="1200">
-                <a:solidFill>
-                  <a:schemeClr val="tx1"/>
-                </a:solidFill>
-              </a:rPr>
-              <a:t>1.响应不同的控制命令</a:t>
-            </a:r>
-            <a:endParaRPr lang="x-none" altLang="zh-CN" sz="1200">
-              <a:solidFill>
-                <a:schemeClr val="tx1"/>
-              </a:solidFill>
-            </a:endParaRPr>
-          </a:p>
-          <a:p>
-            <a:pPr algn="l"/>
-            <a:r>
-              <a:rPr lang="x-none" altLang="zh-CN" sz="1200">
-                <a:solidFill>
-                  <a:schemeClr val="tx1"/>
-                </a:solidFill>
-              </a:rPr>
-              <a:t>2.计算机械臂实时位姿</a:t>
-            </a:r>
-            <a:endParaRPr lang="x-none" altLang="zh-CN" sz="1200">
-              <a:solidFill>
-                <a:schemeClr val="tx1"/>
-              </a:solidFill>
-            </a:endParaRPr>
-          </a:p>
-          <a:p>
-            <a:pPr algn="l"/>
-            <a:endParaRPr lang="x-none" altLang="zh-CN" sz="1200">
-              <a:solidFill>
-                <a:schemeClr val="tx1"/>
-              </a:solidFill>
-            </a:endParaRPr>
-          </a:p>
-          <a:p>
-            <a:pPr algn="l"/>
-            <a:endParaRPr lang="x-none" altLang="zh-CN" sz="1200">
-              <a:solidFill>
-                <a:schemeClr val="tx1"/>
-              </a:solidFill>
-            </a:endParaRPr>
-          </a:p>
-          <a:p>
-            <a:pPr algn="l"/>
-            <a:endParaRPr lang="x-none" altLang="zh-CN" sz="1200">
-              <a:solidFill>
-                <a:schemeClr val="tx1"/>
-              </a:solidFill>
-            </a:endParaRPr>
-          </a:p>
-          <a:p>
-            <a:pPr algn="l"/>
-            <a:endParaRPr lang="x-none" altLang="zh-CN" sz="1200">
-              <a:solidFill>
-                <a:schemeClr val="tx1"/>
-              </a:solidFill>
-            </a:endParaRPr>
-          </a:p>
-          <a:p>
-            <a:pPr algn="l"/>
-            <a:endParaRPr lang="x-none" altLang="zh-CN" sz="1200">
-              <a:solidFill>
-                <a:schemeClr val="tx1"/>
-              </a:solidFill>
-            </a:endParaRPr>
-          </a:p>
-          <a:p>
-            <a:pPr algn="l"/>
-            <a:endParaRPr lang="x-none" altLang="zh-CN" sz="1200">
-              <a:solidFill>
-                <a:schemeClr val="tx1"/>
-              </a:solidFill>
-            </a:endParaRPr>
           </a:p>
         </p:txBody>
       </p:sp>
       <p:cxnSp>
         <p:nvCxnSpPr>
-          <p:cNvPr id="14" name="直接连接符 13"/>
+          <p:cNvPr id="13" name="曲线连接符 12"/>
           <p:cNvCxnSpPr>
-            <a:stCxn id="6" idx="4"/>
-            <a:endCxn id="10" idx="0"/>
+            <a:stCxn id="10" idx="4"/>
+            <a:endCxn id="12" idx="0"/>
           </p:cNvCxnSpPr>
           <p:nvPr/>
         </p:nvCxnSpPr>
         <p:spPr>
-          <a:xfrm flipH="1">
-            <a:off x="1402715" y="3240405"/>
-            <a:ext cx="48895" cy="781685"/>
-          </a:xfrm>
-          <a:prstGeom prst="line">
-            <a:avLst/>
+          <a:xfrm rot="5400000">
+            <a:off x="4078923" y="4564698"/>
+            <a:ext cx="757555" cy="7620"/>
+          </a:xfrm>
+          <a:prstGeom prst="curvedConnector3">
+            <a:avLst>
+              <a:gd name="adj1" fmla="val 49749"/>
+            </a:avLst>
           </a:prstGeom>
+          <a:ln>
+            <a:tailEnd type="arrow"/>
+          </a:ln>
         </p:spPr>
         <p:style>
           <a:lnRef idx="1">
@@ -5317,21 +4293,26 @@
       </p:cxnSp>
       <p:cxnSp>
         <p:nvCxnSpPr>
-          <p:cNvPr id="15" name="直接连接符 14"/>
+          <p:cNvPr id="14" name="曲线连接符 13"/>
           <p:cNvCxnSpPr>
-            <a:stCxn id="7" idx="4"/>
-            <a:endCxn id="11" idx="0"/>
+            <a:stCxn id="12" idx="6"/>
+            <a:endCxn id="8" idx="6"/>
           </p:cNvCxnSpPr>
           <p:nvPr/>
         </p:nvCxnSpPr>
         <p:spPr>
-          <a:xfrm>
-            <a:off x="3978910" y="3240405"/>
-            <a:ext cx="7620" cy="789940"/>
-          </a:xfrm>
-          <a:prstGeom prst="line">
-            <a:avLst/>
+          <a:xfrm flipH="1" flipV="1">
+            <a:off x="5025390" y="2032000"/>
+            <a:ext cx="335915" cy="3425190"/>
+          </a:xfrm>
+          <a:prstGeom prst="curvedConnector3">
+            <a:avLst>
+              <a:gd name="adj1" fmla="val -142911"/>
+            </a:avLst>
           </a:prstGeom>
+          <a:ln>
+            <a:tailEnd type="arrow"/>
+          </a:ln>
         </p:spPr>
         <p:style>
           <a:lnRef idx="1">
@@ -5350,21 +4331,24 @@
       </p:cxnSp>
       <p:cxnSp>
         <p:nvCxnSpPr>
-          <p:cNvPr id="16" name="直接连接符 15"/>
+          <p:cNvPr id="18" name="直接箭头连接符 17"/>
           <p:cNvCxnSpPr>
-            <a:stCxn id="8" idx="4"/>
-            <a:endCxn id="12" idx="0"/>
+            <a:stCxn id="8" idx="2"/>
+            <a:endCxn id="7" idx="0"/>
           </p:cNvCxnSpPr>
           <p:nvPr/>
         </p:nvCxnSpPr>
         <p:spPr>
-          <a:xfrm>
-            <a:off x="6746240" y="3240405"/>
-            <a:ext cx="104775" cy="789940"/>
-          </a:xfrm>
-          <a:prstGeom prst="line">
+          <a:xfrm flipH="1">
+            <a:off x="1359535" y="2052320"/>
+            <a:ext cx="2470150" cy="886460"/>
+          </a:xfrm>
+          <a:prstGeom prst="straightConnector1">
             <a:avLst/>
           </a:prstGeom>
+          <a:ln>
+            <a:tailEnd type="arrow"/>
+          </a:ln>
         </p:spPr>
         <p:style>
           <a:lnRef idx="1">
@@ -5383,21 +4367,24 @@
       </p:cxnSp>
       <p:cxnSp>
         <p:nvCxnSpPr>
-          <p:cNvPr id="17" name="直接连接符 16"/>
+          <p:cNvPr id="19" name="直接箭头连接符 18"/>
           <p:cNvCxnSpPr>
-            <a:stCxn id="9" idx="4"/>
-            <a:endCxn id="13" idx="0"/>
+            <a:stCxn id="7" idx="0"/>
+            <a:endCxn id="8" idx="3"/>
           </p:cNvCxnSpPr>
           <p:nvPr/>
         </p:nvCxnSpPr>
         <p:spPr>
-          <a:xfrm>
-            <a:off x="9758680" y="3239770"/>
-            <a:ext cx="98425" cy="790575"/>
-          </a:xfrm>
-          <a:prstGeom prst="line">
+          <a:xfrm flipV="1">
+            <a:off x="1359535" y="2421255"/>
+            <a:ext cx="2651760" cy="517525"/>
+          </a:xfrm>
+          <a:prstGeom prst="straightConnector1">
             <a:avLst/>
           </a:prstGeom>
+          <a:ln>
+            <a:tailEnd type="arrow"/>
+          </a:ln>
         </p:spPr>
         <p:style>
           <a:lnRef idx="1">
@@ -5414,6 +4401,713 @@
           </a:fontRef>
         </p:style>
       </p:cxnSp>
+      <p:cxnSp>
+        <p:nvCxnSpPr>
+          <p:cNvPr id="20" name="直接箭头连接符 19"/>
+          <p:cNvCxnSpPr>
+            <a:stCxn id="10" idx="2"/>
+            <a:endCxn id="7" idx="6"/>
+          </p:cNvCxnSpPr>
+          <p:nvPr/>
+        </p:nvCxnSpPr>
+        <p:spPr>
+          <a:xfrm flipH="1" flipV="1">
+            <a:off x="2411095" y="3341370"/>
+            <a:ext cx="1326515" cy="335915"/>
+          </a:xfrm>
+          <a:prstGeom prst="straightConnector1">
+            <a:avLst/>
+          </a:prstGeom>
+          <a:ln>
+            <a:tailEnd type="arrow"/>
+          </a:ln>
+        </p:spPr>
+        <p:style>
+          <a:lnRef idx="1">
+            <a:schemeClr val="accent1"/>
+          </a:lnRef>
+          <a:fillRef idx="0">
+            <a:schemeClr val="accent1"/>
+          </a:fillRef>
+          <a:effectRef idx="0">
+            <a:schemeClr val="accent1"/>
+          </a:effectRef>
+          <a:fontRef idx="minor">
+            <a:schemeClr val="tx1"/>
+          </a:fontRef>
+        </p:style>
+      </p:cxnSp>
+      <p:cxnSp>
+        <p:nvCxnSpPr>
+          <p:cNvPr id="21" name="直接箭头连接符 20"/>
+          <p:cNvCxnSpPr>
+            <a:stCxn id="12" idx="2"/>
+            <a:endCxn id="7" idx="4"/>
+          </p:cNvCxnSpPr>
+          <p:nvPr/>
+        </p:nvCxnSpPr>
+        <p:spPr>
+          <a:xfrm flipH="1" flipV="1">
+            <a:off x="1359535" y="3743325"/>
+            <a:ext cx="2204085" cy="1745615"/>
+          </a:xfrm>
+          <a:prstGeom prst="straightConnector1">
+            <a:avLst/>
+          </a:prstGeom>
+          <a:ln>
+            <a:tailEnd type="arrow"/>
+          </a:ln>
+        </p:spPr>
+        <p:style>
+          <a:lnRef idx="1">
+            <a:schemeClr val="accent1"/>
+          </a:lnRef>
+          <a:fillRef idx="0">
+            <a:schemeClr val="accent1"/>
+          </a:fillRef>
+          <a:effectRef idx="0">
+            <a:schemeClr val="accent1"/>
+          </a:effectRef>
+          <a:fontRef idx="minor">
+            <a:schemeClr val="tx1"/>
+          </a:fontRef>
+        </p:style>
+      </p:cxnSp>
+      <p:cxnSp>
+        <p:nvCxnSpPr>
+          <p:cNvPr id="25" name="曲线连接符 24"/>
+          <p:cNvCxnSpPr>
+            <a:stCxn id="12" idx="3"/>
+            <a:endCxn id="12" idx="5"/>
+          </p:cNvCxnSpPr>
+          <p:nvPr/>
+        </p:nvCxnSpPr>
+        <p:spPr>
+          <a:xfrm rot="5400000" flipH="1" flipV="1">
+            <a:off x="4457700" y="5208905"/>
+            <a:ext cx="22225" cy="1270635"/>
+          </a:xfrm>
+          <a:prstGeom prst="curvedConnector3">
+            <a:avLst>
+              <a:gd name="adj1" fmla="val -1782857"/>
+            </a:avLst>
+          </a:prstGeom>
+          <a:ln>
+            <a:tailEnd type="arrow"/>
+          </a:ln>
+        </p:spPr>
+        <p:style>
+          <a:lnRef idx="1">
+            <a:schemeClr val="accent1"/>
+          </a:lnRef>
+          <a:fillRef idx="0">
+            <a:schemeClr val="accent1"/>
+          </a:fillRef>
+          <a:effectRef idx="0">
+            <a:schemeClr val="accent1"/>
+          </a:effectRef>
+          <a:fontRef idx="minor">
+            <a:schemeClr val="tx1"/>
+          </a:fontRef>
+        </p:style>
+      </p:cxnSp>
+      <p:sp>
+        <p:nvSpPr>
+          <p:cNvPr id="26" name="文本框 25"/>
+          <p:cNvSpPr txBox="1"/>
+          <p:nvPr/>
+        </p:nvSpPr>
+        <p:spPr>
+          <a:xfrm>
+            <a:off x="3260725" y="5978525"/>
+            <a:ext cx="990600" cy="365760"/>
+          </a:xfrm>
+          <a:prstGeom prst="rect">
+            <a:avLst/>
+          </a:prstGeom>
+          <a:noFill/>
+        </p:spPr>
+        <p:txBody>
+          <a:bodyPr wrap="square" rtlCol="0">
+            <a:spAutoFit/>
+          </a:bodyPr>
+          <a:p>
+            <a:r>
+              <a:rPr lang="x-none" altLang="zh-CN"/>
+              <a:t>Pause</a:t>
+            </a:r>
+            <a:endParaRPr lang="x-none" altLang="zh-CN"/>
+          </a:p>
+        </p:txBody>
+      </p:sp>
+      <p:sp>
+        <p:nvSpPr>
+          <p:cNvPr id="27" name="文本框 26"/>
+          <p:cNvSpPr txBox="1"/>
+          <p:nvPr/>
+        </p:nvSpPr>
+        <p:spPr>
+          <a:xfrm>
+            <a:off x="4655185" y="6002020"/>
+            <a:ext cx="1202690" cy="365760"/>
+          </a:xfrm>
+          <a:prstGeom prst="rect">
+            <a:avLst/>
+          </a:prstGeom>
+          <a:noFill/>
+        </p:spPr>
+        <p:txBody>
+          <a:bodyPr wrap="square" rtlCol="0">
+            <a:spAutoFit/>
+          </a:bodyPr>
+          <a:p>
+            <a:r>
+              <a:rPr lang="x-none" altLang="zh-CN"/>
+              <a:t>Resume</a:t>
+            </a:r>
+            <a:endParaRPr lang="x-none" altLang="zh-CN"/>
+          </a:p>
+        </p:txBody>
+      </p:sp>
+      <p:sp>
+        <p:nvSpPr>
+          <p:cNvPr id="28" name="文本框 27"/>
+          <p:cNvSpPr txBox="1"/>
+          <p:nvPr/>
+        </p:nvSpPr>
+        <p:spPr>
+          <a:xfrm>
+            <a:off x="5148580" y="3484880"/>
+            <a:ext cx="1603375" cy="365760"/>
+          </a:xfrm>
+          <a:prstGeom prst="rect">
+            <a:avLst/>
+          </a:prstGeom>
+          <a:noFill/>
+        </p:spPr>
+        <p:txBody>
+          <a:bodyPr wrap="square" rtlCol="0">
+            <a:spAutoFit/>
+          </a:bodyPr>
+          <a:p>
+            <a:r>
+              <a:rPr lang="x-none" altLang="zh-CN"/>
+              <a:t>Abort Done</a:t>
+            </a:r>
+            <a:endParaRPr lang="x-none" altLang="zh-CN"/>
+          </a:p>
+        </p:txBody>
+      </p:sp>
+      <p:sp>
+        <p:nvSpPr>
+          <p:cNvPr id="29" name="文本框 28"/>
+          <p:cNvSpPr txBox="1"/>
+          <p:nvPr/>
+        </p:nvSpPr>
+        <p:spPr>
+          <a:xfrm>
+            <a:off x="3638550" y="2677160"/>
+            <a:ext cx="1290955" cy="365760"/>
+          </a:xfrm>
+          <a:prstGeom prst="rect">
+            <a:avLst/>
+          </a:prstGeom>
+          <a:noFill/>
+        </p:spPr>
+        <p:txBody>
+          <a:bodyPr wrap="square" rtlCol="0">
+            <a:spAutoFit/>
+          </a:bodyPr>
+          <a:p>
+            <a:r>
+              <a:rPr lang="x-none" altLang="zh-CN"/>
+              <a:t>single  all</a:t>
+            </a:r>
+            <a:endParaRPr lang="x-none" altLang="zh-CN"/>
+          </a:p>
+        </p:txBody>
+      </p:sp>
+      <p:sp>
+        <p:nvSpPr>
+          <p:cNvPr id="30" name="文本框 29"/>
+          <p:cNvSpPr txBox="1"/>
+          <p:nvPr/>
+        </p:nvSpPr>
+        <p:spPr>
+          <a:xfrm>
+            <a:off x="3704590" y="4407535"/>
+            <a:ext cx="1695450" cy="365760"/>
+          </a:xfrm>
+          <a:prstGeom prst="rect">
+            <a:avLst/>
+          </a:prstGeom>
+          <a:noFill/>
+        </p:spPr>
+        <p:txBody>
+          <a:bodyPr wrap="square" rtlCol="0">
+            <a:spAutoFit/>
+          </a:bodyPr>
+          <a:p>
+            <a:r>
+              <a:rPr lang="x-none" altLang="zh-CN"/>
+              <a:t>teach script</a:t>
+            </a:r>
+            <a:endParaRPr lang="x-none" altLang="zh-CN"/>
+          </a:p>
+        </p:txBody>
+      </p:sp>
+      <p:sp>
+        <p:nvSpPr>
+          <p:cNvPr id="31" name="文本框 30"/>
+          <p:cNvSpPr txBox="1"/>
+          <p:nvPr/>
+        </p:nvSpPr>
+        <p:spPr>
+          <a:xfrm>
+            <a:off x="2294255" y="3429000"/>
+            <a:ext cx="1468120" cy="640080"/>
+          </a:xfrm>
+          <a:prstGeom prst="rect">
+            <a:avLst/>
+          </a:prstGeom>
+          <a:noFill/>
+        </p:spPr>
+        <p:txBody>
+          <a:bodyPr wrap="square" rtlCol="0">
+            <a:spAutoFit/>
+          </a:bodyPr>
+          <a:p>
+            <a:r>
+              <a:rPr lang="x-none" altLang="zh-CN">
+                <a:solidFill>
+                  <a:srgbClr val="FF0000"/>
+                </a:solidFill>
+              </a:rPr>
+              <a:t>emergency stop</a:t>
+            </a:r>
+            <a:endParaRPr lang="x-none" altLang="zh-CN">
+              <a:solidFill>
+                <a:srgbClr val="FF0000"/>
+              </a:solidFill>
+            </a:endParaRPr>
+          </a:p>
+        </p:txBody>
+      </p:sp>
+      <p:sp>
+        <p:nvSpPr>
+          <p:cNvPr id="32" name="文本框 31"/>
+          <p:cNvSpPr txBox="1"/>
+          <p:nvPr/>
+        </p:nvSpPr>
+        <p:spPr>
+          <a:xfrm>
+            <a:off x="1391920" y="4315460"/>
+            <a:ext cx="1468120" cy="640080"/>
+          </a:xfrm>
+          <a:prstGeom prst="rect">
+            <a:avLst/>
+          </a:prstGeom>
+          <a:noFill/>
+        </p:spPr>
+        <p:txBody>
+          <a:bodyPr wrap="square" rtlCol="0">
+            <a:spAutoFit/>
+          </a:bodyPr>
+          <a:p>
+            <a:r>
+              <a:rPr lang="x-none" altLang="zh-CN">
+                <a:solidFill>
+                  <a:srgbClr val="FF0000"/>
+                </a:solidFill>
+              </a:rPr>
+              <a:t>emergency stop</a:t>
+            </a:r>
+            <a:endParaRPr lang="x-none" altLang="zh-CN">
+              <a:solidFill>
+                <a:srgbClr val="FF0000"/>
+              </a:solidFill>
+            </a:endParaRPr>
+          </a:p>
+        </p:txBody>
+      </p:sp>
+      <p:sp>
+        <p:nvSpPr>
+          <p:cNvPr id="33" name="文本框 32"/>
+          <p:cNvSpPr txBox="1"/>
+          <p:nvPr/>
+        </p:nvSpPr>
+        <p:spPr>
+          <a:xfrm>
+            <a:off x="1931035" y="1851025"/>
+            <a:ext cx="1468120" cy="640080"/>
+          </a:xfrm>
+          <a:prstGeom prst="rect">
+            <a:avLst/>
+          </a:prstGeom>
+          <a:noFill/>
+        </p:spPr>
+        <p:txBody>
+          <a:bodyPr wrap="square" rtlCol="0">
+            <a:spAutoFit/>
+          </a:bodyPr>
+          <a:p>
+            <a:r>
+              <a:rPr lang="x-none" altLang="zh-CN">
+                <a:solidFill>
+                  <a:srgbClr val="FF0000"/>
+                </a:solidFill>
+              </a:rPr>
+              <a:t>emergency stop</a:t>
+            </a:r>
+            <a:endParaRPr lang="x-none" altLang="zh-CN">
+              <a:solidFill>
+                <a:srgbClr val="FF0000"/>
+              </a:solidFill>
+            </a:endParaRPr>
+          </a:p>
+        </p:txBody>
+      </p:sp>
+      <p:sp>
+        <p:nvSpPr>
+          <p:cNvPr id="34" name="文本框 33"/>
+          <p:cNvSpPr txBox="1"/>
+          <p:nvPr/>
+        </p:nvSpPr>
+        <p:spPr>
+          <a:xfrm>
+            <a:off x="2209800" y="2534920"/>
+            <a:ext cx="1468120" cy="640080"/>
+          </a:xfrm>
+          <a:prstGeom prst="rect">
+            <a:avLst/>
+          </a:prstGeom>
+          <a:noFill/>
+        </p:spPr>
+        <p:txBody>
+          <a:bodyPr wrap="square" rtlCol="0">
+            <a:spAutoFit/>
+          </a:bodyPr>
+          <a:p>
+            <a:r>
+              <a:rPr lang="x-none" altLang="zh-CN">
+                <a:solidFill>
+                  <a:schemeClr val="accent6"/>
+                </a:solidFill>
+              </a:rPr>
+              <a:t>emergency release</a:t>
+            </a:r>
+            <a:endParaRPr lang="x-none" altLang="zh-CN">
+              <a:solidFill>
+                <a:schemeClr val="accent6"/>
+              </a:solidFill>
+            </a:endParaRPr>
+          </a:p>
+        </p:txBody>
+      </p:sp>
+      <p:sp>
+        <p:nvSpPr>
+          <p:cNvPr id="35" name="文本框 34"/>
+          <p:cNvSpPr txBox="1"/>
+          <p:nvPr/>
+        </p:nvSpPr>
+        <p:spPr>
+          <a:xfrm>
+            <a:off x="6842125" y="1200785"/>
+            <a:ext cx="5248275" cy="5396230"/>
+          </a:xfrm>
+          <a:prstGeom prst="rect">
+            <a:avLst/>
+          </a:prstGeom>
+          <a:noFill/>
+        </p:spPr>
+        <p:txBody>
+          <a:bodyPr wrap="square" rtlCol="0">
+            <a:spAutoFit/>
+          </a:bodyPr>
+          <a:p>
+            <a:r>
+              <a:rPr lang="zh-CN" altLang="en-US" sz="1200"/>
+              <a:t>急停</a:t>
+            </a:r>
+            <a:endParaRPr lang="zh-CN" altLang="en-US" sz="1200"/>
+          </a:p>
+          <a:p>
+            <a:r>
+              <a:rPr lang="zh-CN" altLang="en-US" sz="1200"/>
+              <a:t>COMMON::EmcError motionCmdEmergencyStop()</a:t>
+            </a:r>
+            <a:endParaRPr lang="zh-CN" altLang="en-US" sz="1200"/>
+          </a:p>
+          <a:p>
+            <a:r>
+              <a:rPr lang="zh-CN" altLang="en-US" sz="1200"/>
+              <a:t>解除急停</a:t>
+            </a:r>
+            <a:endParaRPr lang="zh-CN" altLang="en-US" sz="1200"/>
+          </a:p>
+          <a:p>
+            <a:r>
+              <a:rPr lang="zh-CN" altLang="en-US" sz="1200"/>
+              <a:t>COMMON::EmcError motionCmdEmergencyStopRelease()</a:t>
+            </a:r>
+            <a:endParaRPr lang="zh-CN" altLang="en-US" sz="1200"/>
+          </a:p>
+          <a:p>
+            <a:r>
+              <a:rPr lang="zh-CN" altLang="en-US" sz="1200"/>
+              <a:t>进入示教模式</a:t>
+            </a:r>
+            <a:endParaRPr lang="zh-CN" altLang="en-US" sz="1200"/>
+          </a:p>
+          <a:p>
+            <a:r>
+              <a:rPr lang="zh-CN" altLang="en-US" sz="1200"/>
+              <a:t>COMMON::EmcError motionCmdTeaching()</a:t>
+            </a:r>
+            <a:endParaRPr lang="zh-CN" altLang="en-US" sz="1200"/>
+          </a:p>
+          <a:p>
+            <a:r>
+              <a:rPr lang="zh-CN" altLang="en-US" sz="1200"/>
+              <a:t>进入脚本运行</a:t>
+            </a:r>
+            <a:endParaRPr lang="zh-CN" altLang="en-US" sz="1200"/>
+          </a:p>
+          <a:p>
+            <a:r>
+              <a:rPr lang="zh-CN" altLang="en-US" sz="1200"/>
+              <a:t>COMMON::EmcError motionCmdScript()</a:t>
+            </a:r>
+            <a:endParaRPr lang="zh-CN" altLang="en-US" sz="1200"/>
+          </a:p>
+          <a:p>
+            <a:r>
+              <a:rPr lang="zh-CN" altLang="en-US" sz="1200"/>
+              <a:t>控制器停止</a:t>
+            </a:r>
+            <a:endParaRPr lang="zh-CN" altLang="en-US" sz="1200"/>
+          </a:p>
+          <a:p>
+            <a:r>
+              <a:rPr lang="zh-CN" altLang="en-US" sz="1200"/>
+              <a:t>COMMON::EmcError motionCmdAbort()</a:t>
+            </a:r>
+            <a:endParaRPr lang="zh-CN" altLang="en-US" sz="1200"/>
+          </a:p>
+          <a:p>
+            <a:r>
+              <a:rPr lang="zh-CN" altLang="en-US" sz="1200"/>
+              <a:t>控制器暂停</a:t>
+            </a:r>
+            <a:endParaRPr lang="zh-CN" altLang="en-US" sz="1200"/>
+          </a:p>
+          <a:p>
+            <a:r>
+              <a:rPr lang="zh-CN" altLang="en-US" sz="1200"/>
+              <a:t>COMMON::EmcError motionCmdPause()</a:t>
+            </a:r>
+            <a:endParaRPr lang="zh-CN" altLang="en-US" sz="1200"/>
+          </a:p>
+          <a:p>
+            <a:r>
+              <a:rPr lang="zh-CN" altLang="en-US" sz="1200"/>
+              <a:t>控制器继续</a:t>
+            </a:r>
+            <a:endParaRPr lang="zh-CN" altLang="en-US" sz="1200"/>
+          </a:p>
+          <a:p>
+            <a:r>
+              <a:rPr lang="zh-CN" altLang="en-US" sz="1200"/>
+              <a:t>COMMON::EmcError motionCmdResume()</a:t>
+            </a:r>
+            <a:endParaRPr lang="zh-CN" altLang="en-US" sz="1200"/>
+          </a:p>
+          <a:p>
+            <a:r>
+              <a:rPr lang="zh-CN" altLang="en-US" sz="1200"/>
+              <a:t>修改控制器进给率</a:t>
+            </a:r>
+            <a:endParaRPr lang="zh-CN" altLang="en-US" sz="1200"/>
+          </a:p>
+          <a:p>
+            <a:r>
+              <a:rPr lang="zh-CN" altLang="en-US" sz="1200"/>
+              <a:t>COMMON::EmcError motionCmdChangeFeedRate(const double feed_rate)</a:t>
+            </a:r>
+            <a:endParaRPr lang="zh-CN" altLang="en-US" sz="1200"/>
+          </a:p>
+          <a:p>
+            <a:r>
+              <a:rPr lang="zh-CN" altLang="en-US" sz="1200"/>
+              <a:t>关节拖拽</a:t>
+            </a:r>
+            <a:endParaRPr lang="zh-CN" altLang="en-US" sz="1200"/>
+          </a:p>
+          <a:p>
+            <a:r>
+              <a:rPr lang="zh-CN" altLang="en-US" sz="1200"/>
+              <a:t>COMMON::EmcError motionCmdStartDrag(const bool is_arm, const uint32_t joint_index, float drag_current)</a:t>
+            </a:r>
+            <a:endParaRPr lang="zh-CN" altLang="en-US" sz="1200"/>
+          </a:p>
+          <a:p>
+            <a:r>
+              <a:rPr lang="zh-CN" altLang="en-US" sz="1200"/>
+              <a:t>关节退出拖拽</a:t>
+            </a:r>
+            <a:endParaRPr lang="zh-CN" altLang="en-US" sz="1200"/>
+          </a:p>
+          <a:p>
+            <a:r>
+              <a:rPr lang="zh-CN" altLang="en-US" sz="1200"/>
+              <a:t>COMMON::EmcError motionCmdStopDrag(const bool is_arm, const uint32_t joint_index)</a:t>
+            </a:r>
+            <a:endParaRPr lang="zh-CN" altLang="en-US" sz="1200"/>
+          </a:p>
+          <a:p>
+            <a:r>
+              <a:rPr lang="zh-CN" altLang="en-US" sz="1200"/>
+              <a:t>关节回零，自动回零</a:t>
+            </a:r>
+            <a:endParaRPr lang="zh-CN" altLang="en-US" sz="1200"/>
+          </a:p>
+          <a:p>
+            <a:r>
+              <a:rPr lang="zh-CN" altLang="en-US" sz="1200"/>
+              <a:t>COMMON::EmcError motionCmdJointHoming(const bool is_arm, const uint32_t joint_index)</a:t>
+            </a:r>
+            <a:endParaRPr lang="zh-CN" altLang="en-US" sz="1200"/>
+          </a:p>
+          <a:p>
+            <a:r>
+              <a:rPr lang="zh-CN" altLang="en-US" sz="1200"/>
+              <a:t>关节回零，带回零模式</a:t>
+            </a:r>
+            <a:endParaRPr lang="zh-CN" altLang="en-US" sz="1200"/>
+          </a:p>
+          <a:p>
+            <a:r>
+              <a:rPr lang="zh-CN" altLang="en-US" sz="1200"/>
+              <a:t>COMMON::EmcError motionCmdJointHoming(const bool is_arm, const uint32_t joint_index, uint8_t homing_type)</a:t>
+            </a:r>
+            <a:endParaRPr lang="zh-CN" altLang="en-US" sz="1200"/>
+          </a:p>
+        </p:txBody>
+      </p:sp>
+      <p:cxnSp>
+        <p:nvCxnSpPr>
+          <p:cNvPr id="36" name="曲线连接符 35"/>
+          <p:cNvCxnSpPr>
+            <a:stCxn id="10" idx="5"/>
+            <a:endCxn id="10" idx="7"/>
+          </p:cNvCxnSpPr>
+          <p:nvPr/>
+        </p:nvCxnSpPr>
+        <p:spPr>
+          <a:xfrm rot="5400000" flipH="1">
+            <a:off x="4586605" y="3648710"/>
+            <a:ext cx="743585" cy="12700"/>
+          </a:xfrm>
+          <a:prstGeom prst="curvedConnector5">
+            <a:avLst>
+              <a:gd name="adj1" fmla="val -55465"/>
+              <a:gd name="adj2" fmla="val -14367500"/>
+              <a:gd name="adj3" fmla="val 153245"/>
+            </a:avLst>
+          </a:prstGeom>
+          <a:ln>
+            <a:tailEnd type="arrow"/>
+          </a:ln>
+        </p:spPr>
+        <p:style>
+          <a:lnRef idx="1">
+            <a:schemeClr val="accent1"/>
+          </a:lnRef>
+          <a:fillRef idx="0">
+            <a:schemeClr val="accent1"/>
+          </a:fillRef>
+          <a:effectRef idx="0">
+            <a:schemeClr val="accent1"/>
+          </a:effectRef>
+          <a:fontRef idx="minor">
+            <a:schemeClr val="tx1"/>
+          </a:fontRef>
+        </p:style>
+      </p:cxnSp>
+      <p:sp>
+        <p:nvSpPr>
+          <p:cNvPr id="37" name="文本框 36"/>
+          <p:cNvSpPr txBox="1"/>
+          <p:nvPr/>
+        </p:nvSpPr>
+        <p:spPr>
+          <a:xfrm>
+            <a:off x="5618480" y="4281170"/>
+            <a:ext cx="970280" cy="365760"/>
+          </a:xfrm>
+          <a:prstGeom prst="rect">
+            <a:avLst/>
+          </a:prstGeom>
+          <a:noFill/>
+        </p:spPr>
+        <p:txBody>
+          <a:bodyPr wrap="square" rtlCol="0">
+            <a:spAutoFit/>
+          </a:bodyPr>
+          <a:p>
+            <a:r>
+              <a:rPr lang="x-none" altLang="zh-CN">
+                <a:solidFill>
+                  <a:schemeClr val="accent2"/>
+                </a:solidFill>
+              </a:rPr>
+              <a:t>drag</a:t>
+            </a:r>
+            <a:endParaRPr lang="x-none" altLang="zh-CN">
+              <a:solidFill>
+                <a:schemeClr val="accent2"/>
+              </a:solidFill>
+            </a:endParaRPr>
+          </a:p>
+        </p:txBody>
+      </p:sp>
+      <p:sp>
+        <p:nvSpPr>
+          <p:cNvPr id="38" name="文本框 37"/>
+          <p:cNvSpPr txBox="1"/>
+          <p:nvPr/>
+        </p:nvSpPr>
+        <p:spPr>
+          <a:xfrm>
+            <a:off x="5391150" y="2711450"/>
+            <a:ext cx="1374140" cy="365760"/>
+          </a:xfrm>
+          <a:prstGeom prst="rect">
+            <a:avLst/>
+          </a:prstGeom>
+          <a:noFill/>
+        </p:spPr>
+        <p:txBody>
+          <a:bodyPr wrap="square" rtlCol="0">
+            <a:spAutoFit/>
+          </a:bodyPr>
+          <a:p>
+            <a:r>
+              <a:rPr lang="x-none" altLang="zh-CN">
+                <a:solidFill>
+                  <a:schemeClr val="accent2"/>
+                </a:solidFill>
+              </a:rPr>
+              <a:t>stop drag</a:t>
+            </a:r>
+            <a:endParaRPr lang="x-none" altLang="zh-CN">
+              <a:solidFill>
+                <a:schemeClr val="accent2"/>
+              </a:solidFill>
+            </a:endParaRPr>
+          </a:p>
+        </p:txBody>
+      </p:sp>
     </p:spTree>
   </p:cSld>
   <p:clrMapOvr>
@@ -5456,7 +5150,7 @@
           <a:p>
             <a:r>
               <a:rPr lang="x-none" altLang="zh-CN"/>
-              <a:t>轨迹运动函数说明</a:t>
+              <a:t>周期插补流程</a:t>
             </a:r>
             <a:endParaRPr lang="x-none" altLang="zh-CN"/>
           </a:p>
@@ -5464,438 +5158,788 @@
       </p:sp>
       <p:sp>
         <p:nvSpPr>
-          <p:cNvPr id="3" name="文本框 2"/>
-          <p:cNvSpPr txBox="1"/>
+          <p:cNvPr id="6" name="椭圆 5"/>
+          <p:cNvSpPr/>
           <p:nvPr/>
         </p:nvSpPr>
         <p:spPr>
           <a:xfrm>
-            <a:off x="88265" y="1270000"/>
-            <a:ext cx="12032615" cy="4664710"/>
-          </a:xfrm>
-          <a:prstGeom prst="rect">
+            <a:off x="473075" y="2574290"/>
+            <a:ext cx="1957070" cy="666115"/>
+          </a:xfrm>
+          <a:prstGeom prst="ellipse">
             <a:avLst/>
           </a:prstGeom>
-          <a:noFill/>
-          <a:ln>
-            <a:solidFill>
-              <a:schemeClr val="accent1"/>
-            </a:solidFill>
-          </a:ln>
-        </p:spPr>
-        <p:txBody>
-          <a:bodyPr wrap="square" rtlCol="0">
-            <a:spAutoFit/>
-          </a:bodyPr>
-          <a:p>
+        </p:spPr>
+        <p:style>
+          <a:lnRef idx="2">
+            <a:schemeClr val="accent1">
+              <a:shade val="50000"/>
+            </a:schemeClr>
+          </a:lnRef>
+          <a:fillRef idx="1">
+            <a:schemeClr val="accent1"/>
+          </a:fillRef>
+          <a:effectRef idx="0">
+            <a:schemeClr val="accent1"/>
+          </a:effectRef>
+          <a:fontRef idx="minor">
+            <a:schemeClr val="lt1"/>
+          </a:fontRef>
+        </p:style>
+        <p:txBody>
+          <a:bodyPr rtlCol="0" anchor="ctr"/>
+          <a:p>
+            <a:pPr algn="ctr"/>
+            <a:r>
+              <a:rPr lang="x-none" altLang="zh-CN"/>
+              <a:t>tcruncycle</a:t>
+            </a:r>
+            <a:endParaRPr lang="x-none" altLang="zh-CN"/>
+          </a:p>
+        </p:txBody>
+      </p:sp>
+      <p:sp>
+        <p:nvSpPr>
+          <p:cNvPr id="7" name="椭圆 6"/>
+          <p:cNvSpPr/>
+          <p:nvPr/>
+        </p:nvSpPr>
+        <p:spPr>
+          <a:xfrm>
+            <a:off x="2966720" y="2574290"/>
+            <a:ext cx="2023745" cy="666115"/>
+          </a:xfrm>
+          <a:prstGeom prst="ellipse">
+            <a:avLst/>
+          </a:prstGeom>
+        </p:spPr>
+        <p:style>
+          <a:lnRef idx="2">
+            <a:schemeClr val="accent1">
+              <a:shade val="50000"/>
+            </a:schemeClr>
+          </a:lnRef>
+          <a:fillRef idx="1">
+            <a:schemeClr val="accent1"/>
+          </a:fillRef>
+          <a:effectRef idx="0">
+            <a:schemeClr val="accent1"/>
+          </a:effectRef>
+          <a:fontRef idx="minor">
+            <a:schemeClr val="lt1"/>
+          </a:fontRef>
+        </p:style>
+        <p:txBody>
+          <a:bodyPr rtlCol="0" anchor="ctr"/>
+          <a:p>
+            <a:pPr algn="ctr"/>
+            <a:r>
+              <a:rPr lang="x-none" altLang="zh-CN"/>
+              <a:t>tpruncycle</a:t>
+            </a:r>
+            <a:endParaRPr lang="x-none" altLang="zh-CN"/>
+          </a:p>
+        </p:txBody>
+      </p:sp>
+      <p:sp>
+        <p:nvSpPr>
+          <p:cNvPr id="8" name="椭圆 7"/>
+          <p:cNvSpPr/>
+          <p:nvPr/>
+        </p:nvSpPr>
+        <p:spPr>
+          <a:xfrm>
+            <a:off x="5713095" y="2574290"/>
+            <a:ext cx="2066290" cy="666115"/>
+          </a:xfrm>
+          <a:prstGeom prst="ellipse">
+            <a:avLst/>
+          </a:prstGeom>
+        </p:spPr>
+        <p:style>
+          <a:lnRef idx="2">
+            <a:schemeClr val="accent1">
+              <a:shade val="50000"/>
+            </a:schemeClr>
+          </a:lnRef>
+          <a:fillRef idx="1">
+            <a:schemeClr val="accent1"/>
+          </a:fillRef>
+          <a:effectRef idx="0">
+            <a:schemeClr val="accent1"/>
+          </a:effectRef>
+          <a:fontRef idx="minor">
+            <a:schemeClr val="lt1"/>
+          </a:fontRef>
+        </p:style>
+        <p:txBody>
+          <a:bodyPr rtlCol="0" anchor="ctr"/>
+          <a:p>
+            <a:pPr algn="ctr"/>
+            <a:r>
+              <a:rPr lang="x-none" altLang="zh-CN"/>
+              <a:t>jcruncycle</a:t>
+            </a:r>
+            <a:endParaRPr lang="x-none" altLang="zh-CN"/>
+          </a:p>
+        </p:txBody>
+      </p:sp>
+      <p:sp>
+        <p:nvSpPr>
+          <p:cNvPr id="9" name="椭圆 8"/>
+          <p:cNvSpPr/>
+          <p:nvPr/>
+        </p:nvSpPr>
+        <p:spPr>
+          <a:xfrm>
+            <a:off x="8592185" y="2573655"/>
+            <a:ext cx="2332355" cy="666115"/>
+          </a:xfrm>
+          <a:prstGeom prst="ellipse">
+            <a:avLst/>
+          </a:prstGeom>
+        </p:spPr>
+        <p:style>
+          <a:lnRef idx="2">
+            <a:schemeClr val="accent1">
+              <a:shade val="50000"/>
+            </a:schemeClr>
+          </a:lnRef>
+          <a:fillRef idx="1">
+            <a:schemeClr val="accent1"/>
+          </a:fillRef>
+          <a:effectRef idx="0">
+            <a:schemeClr val="accent1"/>
+          </a:effectRef>
+          <a:fontRef idx="minor">
+            <a:schemeClr val="lt1"/>
+          </a:fontRef>
+        </p:style>
+        <p:txBody>
+          <a:bodyPr rtlCol="0" anchor="ctr"/>
+          <a:p>
+            <a:pPr algn="ctr"/>
+            <a:r>
+              <a:rPr lang="x-none" altLang="zh-CN"/>
+              <a:t>motion runcycle</a:t>
+            </a:r>
+            <a:endParaRPr lang="x-none" altLang="zh-CN"/>
+          </a:p>
+        </p:txBody>
+      </p:sp>
+      <p:sp>
+        <p:nvSpPr>
+          <p:cNvPr id="10" name="圆角矩形 9"/>
+          <p:cNvSpPr/>
+          <p:nvPr/>
+        </p:nvSpPr>
+        <p:spPr>
+          <a:xfrm>
+            <a:off x="557530" y="4022090"/>
+            <a:ext cx="1690370" cy="2489835"/>
+          </a:xfrm>
+          <a:prstGeom prst="roundRect">
+            <a:avLst/>
+          </a:prstGeom>
+          <a:solidFill>
+            <a:schemeClr val="bg2"/>
+          </a:solidFill>
+        </p:spPr>
+        <p:style>
+          <a:lnRef idx="2">
+            <a:schemeClr val="accent1">
+              <a:shade val="50000"/>
+            </a:schemeClr>
+          </a:lnRef>
+          <a:fillRef idx="1">
+            <a:schemeClr val="accent1"/>
+          </a:fillRef>
+          <a:effectRef idx="0">
+            <a:schemeClr val="accent1"/>
+          </a:effectRef>
+          <a:fontRef idx="minor">
+            <a:schemeClr val="lt1"/>
+          </a:fontRef>
+        </p:style>
+        <p:txBody>
+          <a:bodyPr rtlCol="0" anchor="ctr"/>
+          <a:p>
+            <a:pPr algn="l"/>
             <a:r>
               <a:rPr lang="x-none" altLang="zh-CN" sz="1200">
-                <a:ln>
-                  <a:noFill/>
-                </a:ln>
-              </a:rPr>
-              <a:t>motion支持:</a:t>
-            </a:r>
-            <a:endParaRPr lang="x-none" altLang="zh-CN" sz="1200">
-              <a:ln>
-                <a:noFill/>
-              </a:ln>
-            </a:endParaRPr>
-          </a:p>
-          <a:p>
-            <a:r>
-              <a:rPr lang="x-none" altLang="zh-CN" sz="1200">
-                <a:ln>
-                  <a:noFill/>
-                </a:ln>
                 <a:solidFill>
-                  <a:schemeClr val="accent1"/>
+                  <a:schemeClr val="tx1"/>
                 </a:solidFill>
               </a:rPr>
-              <a:t>单轴关节自由模式插值</a:t>
+              <a:t>tesk:</a:t>
             </a:r>
             <a:endParaRPr lang="x-none" altLang="zh-CN" sz="1200">
-              <a:ln>
-                <a:noFill/>
-              </a:ln>
               <a:solidFill>
-                <a:schemeClr val="accent1"/>
+                <a:schemeClr val="tx1"/>
               </a:solidFill>
             </a:endParaRPr>
           </a:p>
           <a:p>
+            <a:pPr algn="l"/>
             <a:r>
               <a:rPr lang="x-none" altLang="zh-CN" sz="1200">
-                <a:ln>
-                  <a:noFill/>
-                </a:ln>
-              </a:rPr>
-              <a:t>COMMON::EmcError motionAddFreeSingalJointAbs(const bool is_arm, const uint32_t joint_index,const UserVel_t &amp;vl, const double posit,const uint32_t id);</a:t>
-            </a:r>
-            <a:endParaRPr lang="x-none" altLang="zh-CN" sz="1200">
-              <a:ln>
-                <a:noFill/>
-              </a:ln>
-            </a:endParaRPr>
-          </a:p>
-          <a:p>
-            <a:r>
-              <a:rPr lang="x-none" altLang="zh-CN" sz="1200">
-                <a:ln>
-                  <a:noFill/>
-                </a:ln>
                 <a:solidFill>
-                  <a:schemeClr val="accent1"/>
+                  <a:schemeClr val="tx1"/>
                 </a:solidFill>
               </a:rPr>
-              <a:t>点到点自由模式关节变量方式添加</a:t>
+              <a:t>1.对于约束的速度,加速度,路程等进行速度加减速控制.</a:t>
             </a:r>
             <a:endParaRPr lang="x-none" altLang="zh-CN" sz="1200">
-              <a:ln>
-                <a:noFill/>
-              </a:ln>
               <a:solidFill>
-                <a:schemeClr val="accent1"/>
+                <a:schemeClr val="tx1"/>
               </a:solidFill>
             </a:endParaRPr>
           </a:p>
           <a:p>
+            <a:pPr algn="l"/>
             <a:r>
               <a:rPr lang="x-none" altLang="zh-CN" sz="1200">
-                <a:ln>
-                  <a:noFill/>
-                </a:ln>
-              </a:rPr>
-              <a:t>COMMON::EmcError motionAddFreeAllJointAbsMove(const UserVel_t &amp;vl, const IntePosition_t &amp;posit,const uint32_t id);</a:t>
-            </a:r>
-            <a:endParaRPr lang="x-none" altLang="zh-CN" sz="1200">
-              <a:ln>
-                <a:noFill/>
-              </a:ln>
-            </a:endParaRPr>
-          </a:p>
-          <a:p>
-            <a:r>
-              <a:rPr lang="x-none" altLang="zh-CN" sz="1200">
-                <a:ln>
-                  <a:noFill/>
-                </a:ln>
                 <a:solidFill>
-                  <a:schemeClr val="accent1"/>
+                  <a:schemeClr val="tx1"/>
                 </a:solidFill>
               </a:rPr>
-              <a:t>点到点自由模式空间位姿方式添加</a:t>
+              <a:t>2.有T型,七段S型,和五次多项式等插补方式.</a:t>
             </a:r>
             <a:endParaRPr lang="x-none" altLang="zh-CN" sz="1200">
-              <a:ln>
-                <a:noFill/>
-              </a:ln>
               <a:solidFill>
-                <a:schemeClr val="accent1"/>
+                <a:schemeClr val="tx1"/>
               </a:solidFill>
             </a:endParaRPr>
           </a:p>
           <a:p>
+            <a:pPr algn="l"/>
             <a:r>
               <a:rPr lang="x-none" altLang="zh-CN" sz="1200">
-                <a:ln>
-                  <a:noFill/>
-                </a:ln>
-              </a:rPr>
-              <a:t>COMMON::EmcError motionAddFreeAllJointAbsMove(const UserVel_t &amp;vl, const IntePose_t &amp;pose,const int &amp;ik_flag, const uint32_t id);</a:t>
-            </a:r>
-            <a:endParaRPr lang="x-none" altLang="zh-CN" sz="1200">
-              <a:ln>
-                <a:noFill/>
-              </a:ln>
-            </a:endParaRPr>
-          </a:p>
-          <a:p>
-            <a:r>
-              <a:rPr lang="x-none" altLang="zh-CN" sz="1200">
-                <a:ln>
-                  <a:noFill/>
-                </a:ln>
                 <a:solidFill>
-                  <a:schemeClr val="accent1"/>
+                  <a:schemeClr val="tx1"/>
                 </a:solidFill>
               </a:rPr>
-              <a:t>点到点路径模式关节变量方式添加</a:t>
+              <a:t>3.插补期间响应进给率变化带来的速度变化.</a:t>
             </a:r>
             <a:endParaRPr lang="x-none" altLang="zh-CN" sz="1200">
-              <a:ln>
-                <a:noFill/>
-              </a:ln>
               <a:solidFill>
-                <a:schemeClr val="accent1"/>
+                <a:schemeClr val="tx1"/>
               </a:solidFill>
             </a:endParaRPr>
           </a:p>
-          <a:p>
+        </p:txBody>
+      </p:sp>
+      <p:sp>
+        <p:nvSpPr>
+          <p:cNvPr id="11" name="圆角矩形 10"/>
+          <p:cNvSpPr/>
+          <p:nvPr/>
+        </p:nvSpPr>
+        <p:spPr>
+          <a:xfrm>
+            <a:off x="3141345" y="4030345"/>
+            <a:ext cx="1690370" cy="2489835"/>
+          </a:xfrm>
+          <a:prstGeom prst="roundRect">
+            <a:avLst/>
+          </a:prstGeom>
+          <a:solidFill>
+            <a:schemeClr val="bg2"/>
+          </a:solidFill>
+        </p:spPr>
+        <p:style>
+          <a:lnRef idx="2">
+            <a:schemeClr val="accent1">
+              <a:shade val="50000"/>
+            </a:schemeClr>
+          </a:lnRef>
+          <a:fillRef idx="1">
+            <a:schemeClr val="accent1"/>
+          </a:fillRef>
+          <a:effectRef idx="0">
+            <a:schemeClr val="accent1"/>
+          </a:effectRef>
+          <a:fontRef idx="minor">
+            <a:schemeClr val="lt1"/>
+          </a:fontRef>
+        </p:style>
+        <p:txBody>
+          <a:bodyPr rtlCol="0" anchor="ctr"/>
+          <a:p>
+            <a:pPr algn="l"/>
             <a:r>
               <a:rPr lang="x-none" altLang="zh-CN" sz="1200">
-                <a:ln>
-                  <a:noFill/>
-                </a:ln>
-              </a:rPr>
-              <a:t>COMMON::EmcError motionAddPathAllJointAbsMove(const UserVel_t &amp;vl, const UserOvl_t ovl,const IntePosition_t &amp;posit, const uint32_t id);</a:t>
-            </a:r>
-            <a:endParaRPr lang="x-none" altLang="zh-CN" sz="1200">
-              <a:ln>
-                <a:noFill/>
-              </a:ln>
-            </a:endParaRPr>
-          </a:p>
-          <a:p>
-            <a:r>
-              <a:rPr lang="x-none" altLang="zh-CN" sz="1200">
-                <a:ln>
-                  <a:noFill/>
-                </a:ln>
                 <a:solidFill>
-                  <a:schemeClr val="accent1"/>
+                  <a:schemeClr val="tx1"/>
                 </a:solidFill>
               </a:rPr>
-              <a:t>点到点路径模式空间位姿方式添加</a:t>
+              <a:t>tesk:</a:t>
             </a:r>
             <a:endParaRPr lang="x-none" altLang="zh-CN" sz="1200">
-              <a:ln>
-                <a:noFill/>
-              </a:ln>
               <a:solidFill>
-                <a:schemeClr val="accent1"/>
+                <a:schemeClr val="tx1"/>
               </a:solidFill>
             </a:endParaRPr>
           </a:p>
           <a:p>
+            <a:pPr algn="l"/>
             <a:r>
               <a:rPr lang="x-none" altLang="zh-CN" sz="1200">
-                <a:ln>
-                  <a:noFill/>
-                </a:ln>
-              </a:rPr>
-              <a:t>COMMON::EmcError motionAddPathAllJointAbsMove(const UserVel_t &amp;vl, const UserOvl_t ovl,const IntePose_t &amp;pose, const int &amp;ik_flag, const uint32_t id);</a:t>
-            </a:r>
-            <a:endParaRPr lang="x-none" altLang="zh-CN" sz="1200">
-              <a:ln>
-                <a:noFill/>
-              </a:ln>
-            </a:endParaRPr>
-          </a:p>
-          <a:p>
-            <a:endParaRPr lang="x-none" altLang="zh-CN" sz="1200">
-              <a:ln>
-                <a:noFill/>
-              </a:ln>
-            </a:endParaRPr>
-          </a:p>
-          <a:p>
-            <a:r>
-              <a:rPr lang="x-none" altLang="zh-CN" sz="1200">
-                <a:ln>
-                  <a:noFill/>
-                </a:ln>
-              </a:rPr>
-              <a:t>motion待添加:</a:t>
-            </a:r>
-            <a:endParaRPr lang="x-none" altLang="zh-CN" sz="1200">
-              <a:ln>
-                <a:noFill/>
-              </a:ln>
-            </a:endParaRPr>
-          </a:p>
-          <a:p>
-            <a:r>
-              <a:rPr lang="x-none" altLang="zh-CN" sz="1200">
-                <a:ln>
-                  <a:noFill/>
-                </a:ln>
                 <a:solidFill>
-                  <a:schemeClr val="accent1"/>
+                  <a:schemeClr val="tx1"/>
                 </a:solidFill>
               </a:rPr>
-              <a:t>空间直线</a:t>
+              <a:t>1.响应不同的运动方式,free, path.</a:t>
             </a:r>
             <a:endParaRPr lang="x-none" altLang="zh-CN" sz="1200">
-              <a:ln>
-                <a:noFill/>
-              </a:ln>
               <a:solidFill>
-                <a:schemeClr val="accent1"/>
+                <a:schemeClr val="tx1"/>
               </a:solidFill>
             </a:endParaRPr>
           </a:p>
           <a:p>
+            <a:pPr algn="l"/>
             <a:r>
               <a:rPr lang="x-none" altLang="zh-CN" sz="1200">
-                <a:ln>
-                  <a:noFill/>
-                </a:ln>
-              </a:rPr>
-              <a:t>bool tpAddPathLine(const UserVelBase_t &amp;vl, const IntePose_t &amp;pose, const int &amp;ik_flag, const uint32_t id, COMMON::EmcError &amp;m_e,</a:t>
-            </a:r>
-            <a:endParaRPr lang="x-none" altLang="zh-CN" sz="1200">
-              <a:ln>
-                <a:noFill/>
-              </a:ln>
-            </a:endParaRPr>
-          </a:p>
-          <a:p>
-            <a:r>
-              <a:rPr lang="x-none" altLang="zh-CN" sz="1200">
-                <a:ln>
-                  <a:noFill/>
-                </a:ln>
-              </a:rPr>
-              <a:t>                       const MoveBlendType_t blend_type, const BlendParam_t &amp;blend_param);</a:t>
-            </a:r>
-            <a:endParaRPr lang="x-none" altLang="zh-CN" sz="1200">
-              <a:ln>
-                <a:noFill/>
-              </a:ln>
-            </a:endParaRPr>
-          </a:p>
-          <a:p>
-            <a:r>
-              <a:rPr lang="x-none" altLang="zh-CN" sz="1200">
-                <a:ln>
-                  <a:noFill/>
-                </a:ln>
                 <a:solidFill>
-                  <a:schemeClr val="accent1"/>
+                  <a:schemeClr val="tx1"/>
                 </a:solidFill>
               </a:rPr>
-              <a:t>空间与圆弧,参数为圆心法向量和终点</a:t>
+              <a:t>2.对tc插值的数据进行处理,周期计算关节变量</a:t>
             </a:r>
             <a:endParaRPr lang="x-none" altLang="zh-CN" sz="1200">
-              <a:ln>
-                <a:noFill/>
-              </a:ln>
               <a:solidFill>
-                <a:schemeClr val="accent1"/>
+                <a:schemeClr val="tx1"/>
               </a:solidFill>
             </a:endParaRPr>
           </a:p>
           <a:p>
+            <a:pPr algn="l"/>
             <a:r>
               <a:rPr lang="x-none" altLang="zh-CN" sz="1200">
-                <a:ln>
-                  <a:noFill/>
-                </a:ln>
-              </a:rPr>
-              <a:t>bool tpAddPathCircle(const UserVelBase_t &amp;vl, const IntePose_t &amp;end, const KDL::Vector &amp;center, const KDL::Vector &amp;normal,</a:t>
-            </a:r>
-            <a:endParaRPr lang="x-none" altLang="zh-CN" sz="1200">
-              <a:ln>
-                <a:noFill/>
-              </a:ln>
-            </a:endParaRPr>
-          </a:p>
-          <a:p>
-            <a:r>
-              <a:rPr lang="x-none" altLang="zh-CN" sz="1200">
-                <a:ln>
-                  <a:noFill/>
-                </a:ln>
-              </a:rPr>
-              <a:t>                         const double chord_error, const int &amp;ik_flag, const uint32_t id, COMMON::EmcError &amp;m_e,</a:t>
-            </a:r>
-            <a:endParaRPr lang="x-none" altLang="zh-CN" sz="1200">
-              <a:ln>
-                <a:noFill/>
-              </a:ln>
-            </a:endParaRPr>
-          </a:p>
-          <a:p>
-            <a:r>
-              <a:rPr lang="x-none" altLang="zh-CN" sz="1200">
-                <a:ln>
-                  <a:noFill/>
-                </a:ln>
-              </a:rPr>
-              <a:t>	      const MoveBlendType_t blend_type, const BlendParam_t &amp;blend_param);</a:t>
-            </a:r>
-            <a:endParaRPr lang="x-none" altLang="zh-CN" sz="1200">
-              <a:ln>
-                <a:noFill/>
-              </a:ln>
-            </a:endParaRPr>
-          </a:p>
-          <a:p>
-            <a:r>
-              <a:rPr lang="x-none" altLang="zh-CN" sz="1200">
-                <a:ln>
-                  <a:noFill/>
-                </a:ln>
                 <a:solidFill>
-                  <a:schemeClr val="accent1"/>
+                  <a:schemeClr val="tx1"/>
                 </a:solidFill>
               </a:rPr>
-              <a:t>空间圆弧,参数为中间点和终点</a:t>
+              <a:t>3.对有过渡插补的线段进行过渡插补</a:t>
             </a:r>
             <a:endParaRPr lang="x-none" altLang="zh-CN" sz="1200">
-              <a:ln>
-                <a:noFill/>
-              </a:ln>
               <a:solidFill>
-                <a:schemeClr val="accent1"/>
+                <a:schemeClr val="tx1"/>
               </a:solidFill>
             </a:endParaRPr>
           </a:p>
           <a:p>
+            <a:pPr algn="l"/>
+            <a:endParaRPr lang="x-none" altLang="zh-CN" sz="1200">
+              <a:solidFill>
+                <a:schemeClr val="tx1"/>
+              </a:solidFill>
+            </a:endParaRPr>
+          </a:p>
+          <a:p>
+            <a:pPr algn="l"/>
+            <a:endParaRPr lang="x-none" altLang="zh-CN" sz="1200">
+              <a:solidFill>
+                <a:schemeClr val="tx1"/>
+              </a:solidFill>
+            </a:endParaRPr>
+          </a:p>
+          <a:p>
+            <a:pPr algn="l"/>
+            <a:endParaRPr lang="x-none" altLang="zh-CN" sz="1200">
+              <a:solidFill>
+                <a:schemeClr val="tx1"/>
+              </a:solidFill>
+            </a:endParaRPr>
+          </a:p>
+        </p:txBody>
+      </p:sp>
+      <p:sp>
+        <p:nvSpPr>
+          <p:cNvPr id="12" name="圆角矩形 11"/>
+          <p:cNvSpPr/>
+          <p:nvPr/>
+        </p:nvSpPr>
+        <p:spPr>
+          <a:xfrm>
+            <a:off x="6005830" y="4030345"/>
+            <a:ext cx="1690370" cy="2489835"/>
+          </a:xfrm>
+          <a:prstGeom prst="roundRect">
+            <a:avLst/>
+          </a:prstGeom>
+          <a:solidFill>
+            <a:schemeClr val="bg2"/>
+          </a:solidFill>
+        </p:spPr>
+        <p:style>
+          <a:lnRef idx="2">
+            <a:schemeClr val="accent1">
+              <a:shade val="50000"/>
+            </a:schemeClr>
+          </a:lnRef>
+          <a:fillRef idx="1">
+            <a:schemeClr val="accent1"/>
+          </a:fillRef>
+          <a:effectRef idx="0">
+            <a:schemeClr val="accent1"/>
+          </a:effectRef>
+          <a:fontRef idx="minor">
+            <a:schemeClr val="lt1"/>
+          </a:fontRef>
+        </p:style>
+        <p:txBody>
+          <a:bodyPr rtlCol="0" anchor="ctr"/>
+          <a:p>
+            <a:pPr algn="l"/>
             <a:r>
               <a:rPr lang="x-none" altLang="zh-CN" sz="1200">
-                <a:ln>
-                  <a:noFill/>
-                </a:ln>
+                <a:solidFill>
+                  <a:schemeClr val="tx1"/>
+                </a:solidFill>
               </a:rPr>
-              <a:t>bool tpAddPathCircle(const UserVelBase_t &amp;vl, const IntePose_t &amp;mid_pose, const IntePose_t &amp;end,</a:t>
+              <a:t>tesk:</a:t>
             </a:r>
             <a:endParaRPr lang="x-none" altLang="zh-CN" sz="1200">
-              <a:ln>
-                <a:noFill/>
-              </a:ln>
+              <a:solidFill>
+                <a:schemeClr val="tx1"/>
+              </a:solidFill>
             </a:endParaRPr>
           </a:p>
           <a:p>
+            <a:pPr algn="l"/>
             <a:r>
               <a:rPr lang="x-none" altLang="zh-CN" sz="1200">
-                <a:ln>
-                  <a:noFill/>
-                </a:ln>
+                <a:solidFill>
+                  <a:schemeClr val="tx1"/>
+                </a:solidFill>
               </a:rPr>
-              <a:t>                         const double chord_error, const int &amp;ik_flag, const uint32_t id, COMMON::EmcError &amp;m_e,</a:t>
+              <a:t>1.响应不同控制状态下对电机的模式切换</a:t>
             </a:r>
             <a:endParaRPr lang="x-none" altLang="zh-CN" sz="1200">
-              <a:ln>
-                <a:noFill/>
-              </a:ln>
+              <a:solidFill>
+                <a:schemeClr val="tx1"/>
+              </a:solidFill>
             </a:endParaRPr>
           </a:p>
           <a:p>
+            <a:pPr algn="l"/>
             <a:r>
               <a:rPr lang="x-none" altLang="zh-CN" sz="1200">
-                <a:ln>
-                  <a:noFill/>
-                </a:ln>
+                <a:solidFill>
+                  <a:schemeClr val="tx1"/>
+                </a:solidFill>
               </a:rPr>
-              <a:t>                         const MoveBlendType_t blend_type, const BlendParam_t &amp;blend_param);</a:t>
-            </a:r>
-            <a:br>
+              <a:t>2.对tp计算得出的关节变量处理,将关节变量传给电机进行插值</a:t>
+            </a:r>
+            <a:endParaRPr lang="x-none" altLang="zh-CN" sz="1200">
+              <a:solidFill>
+                <a:schemeClr val="tx1"/>
+              </a:solidFill>
+            </a:endParaRPr>
+          </a:p>
+          <a:p>
+            <a:pPr algn="l"/>
+            <a:endParaRPr lang="x-none" altLang="zh-CN" sz="1200">
+              <a:solidFill>
+                <a:schemeClr val="tx1"/>
+              </a:solidFill>
+            </a:endParaRPr>
+          </a:p>
+          <a:p>
+            <a:pPr algn="l"/>
+            <a:endParaRPr lang="x-none" altLang="zh-CN" sz="1200">
+              <a:solidFill>
+                <a:schemeClr val="tx1"/>
+              </a:solidFill>
+            </a:endParaRPr>
+          </a:p>
+          <a:p>
+            <a:pPr algn="l"/>
+            <a:endParaRPr lang="x-none" altLang="zh-CN" sz="1200">
+              <a:solidFill>
+                <a:schemeClr val="tx1"/>
+              </a:solidFill>
+            </a:endParaRPr>
+          </a:p>
+          <a:p>
+            <a:pPr algn="l"/>
+            <a:endParaRPr lang="x-none" altLang="zh-CN" sz="1200">
+              <a:solidFill>
+                <a:schemeClr val="tx1"/>
+              </a:solidFill>
+            </a:endParaRPr>
+          </a:p>
+        </p:txBody>
+      </p:sp>
+      <p:sp>
+        <p:nvSpPr>
+          <p:cNvPr id="13" name="圆角矩形 12"/>
+          <p:cNvSpPr/>
+          <p:nvPr/>
+        </p:nvSpPr>
+        <p:spPr>
+          <a:xfrm>
+            <a:off x="9011920" y="4030345"/>
+            <a:ext cx="1690370" cy="2489835"/>
+          </a:xfrm>
+          <a:prstGeom prst="roundRect">
+            <a:avLst/>
+          </a:prstGeom>
+          <a:solidFill>
+            <a:schemeClr val="bg2"/>
+          </a:solidFill>
+        </p:spPr>
+        <p:style>
+          <a:lnRef idx="2">
+            <a:schemeClr val="accent1">
+              <a:shade val="50000"/>
+            </a:schemeClr>
+          </a:lnRef>
+          <a:fillRef idx="1">
+            <a:schemeClr val="accent1"/>
+          </a:fillRef>
+          <a:effectRef idx="0">
+            <a:schemeClr val="accent1"/>
+          </a:effectRef>
+          <a:fontRef idx="minor">
+            <a:schemeClr val="lt1"/>
+          </a:fontRef>
+        </p:style>
+        <p:txBody>
+          <a:bodyPr rtlCol="0" anchor="ctr"/>
+          <a:p>
+            <a:pPr algn="l"/>
+            <a:r>
               <a:rPr lang="x-none" altLang="zh-CN" sz="1200">
-                <a:ln>
-                  <a:noFill/>
-                </a:ln>
+                <a:solidFill>
+                  <a:schemeClr val="tx1"/>
+                </a:solidFill>
               </a:rPr>
-            </a:br>
+              <a:t>tesk:</a:t>
+            </a:r>
             <a:endParaRPr lang="x-none" altLang="zh-CN" sz="1200">
-              <a:ln>
-                <a:noFill/>
-              </a:ln>
+              <a:solidFill>
+                <a:schemeClr val="tx1"/>
+              </a:solidFill>
             </a:endParaRPr>
           </a:p>
-        </p:txBody>
-      </p:sp>
+          <a:p>
+            <a:pPr algn="l"/>
+            <a:r>
+              <a:rPr lang="x-none" altLang="zh-CN" sz="1200">
+                <a:solidFill>
+                  <a:schemeClr val="tx1"/>
+                </a:solidFill>
+              </a:rPr>
+              <a:t>1.响应不同的控制命令</a:t>
+            </a:r>
+            <a:endParaRPr lang="x-none" altLang="zh-CN" sz="1200">
+              <a:solidFill>
+                <a:schemeClr val="tx1"/>
+              </a:solidFill>
+            </a:endParaRPr>
+          </a:p>
+          <a:p>
+            <a:pPr algn="l"/>
+            <a:r>
+              <a:rPr lang="x-none" altLang="zh-CN" sz="1200">
+                <a:solidFill>
+                  <a:schemeClr val="tx1"/>
+                </a:solidFill>
+              </a:rPr>
+              <a:t>2.计算机械臂实时位姿</a:t>
+            </a:r>
+            <a:endParaRPr lang="x-none" altLang="zh-CN" sz="1200">
+              <a:solidFill>
+                <a:schemeClr val="tx1"/>
+              </a:solidFill>
+            </a:endParaRPr>
+          </a:p>
+          <a:p>
+            <a:pPr algn="l"/>
+            <a:endParaRPr lang="x-none" altLang="zh-CN" sz="1200">
+              <a:solidFill>
+                <a:schemeClr val="tx1"/>
+              </a:solidFill>
+            </a:endParaRPr>
+          </a:p>
+          <a:p>
+            <a:pPr algn="l"/>
+            <a:endParaRPr lang="x-none" altLang="zh-CN" sz="1200">
+              <a:solidFill>
+                <a:schemeClr val="tx1"/>
+              </a:solidFill>
+            </a:endParaRPr>
+          </a:p>
+          <a:p>
+            <a:pPr algn="l"/>
+            <a:endParaRPr lang="x-none" altLang="zh-CN" sz="1200">
+              <a:solidFill>
+                <a:schemeClr val="tx1"/>
+              </a:solidFill>
+            </a:endParaRPr>
+          </a:p>
+          <a:p>
+            <a:pPr algn="l"/>
+            <a:endParaRPr lang="x-none" altLang="zh-CN" sz="1200">
+              <a:solidFill>
+                <a:schemeClr val="tx1"/>
+              </a:solidFill>
+            </a:endParaRPr>
+          </a:p>
+          <a:p>
+            <a:pPr algn="l"/>
+            <a:endParaRPr lang="x-none" altLang="zh-CN" sz="1200">
+              <a:solidFill>
+                <a:schemeClr val="tx1"/>
+              </a:solidFill>
+            </a:endParaRPr>
+          </a:p>
+          <a:p>
+            <a:pPr algn="l"/>
+            <a:endParaRPr lang="x-none" altLang="zh-CN" sz="1200">
+              <a:solidFill>
+                <a:schemeClr val="tx1"/>
+              </a:solidFill>
+            </a:endParaRPr>
+          </a:p>
+        </p:txBody>
+      </p:sp>
+      <p:cxnSp>
+        <p:nvCxnSpPr>
+          <p:cNvPr id="14" name="直接连接符 13"/>
+          <p:cNvCxnSpPr>
+            <a:stCxn id="6" idx="4"/>
+            <a:endCxn id="10" idx="0"/>
+          </p:cNvCxnSpPr>
+          <p:nvPr/>
+        </p:nvCxnSpPr>
+        <p:spPr>
+          <a:xfrm flipH="1">
+            <a:off x="1402715" y="3240405"/>
+            <a:ext cx="48895" cy="781685"/>
+          </a:xfrm>
+          <a:prstGeom prst="line">
+            <a:avLst/>
+          </a:prstGeom>
+        </p:spPr>
+        <p:style>
+          <a:lnRef idx="1">
+            <a:schemeClr val="accent1"/>
+          </a:lnRef>
+          <a:fillRef idx="0">
+            <a:schemeClr val="accent1"/>
+          </a:fillRef>
+          <a:effectRef idx="0">
+            <a:schemeClr val="accent1"/>
+          </a:effectRef>
+          <a:fontRef idx="minor">
+            <a:schemeClr val="tx1"/>
+          </a:fontRef>
+        </p:style>
+      </p:cxnSp>
+      <p:cxnSp>
+        <p:nvCxnSpPr>
+          <p:cNvPr id="15" name="直接连接符 14"/>
+          <p:cNvCxnSpPr>
+            <a:stCxn id="7" idx="4"/>
+            <a:endCxn id="11" idx="0"/>
+          </p:cNvCxnSpPr>
+          <p:nvPr/>
+        </p:nvCxnSpPr>
+        <p:spPr>
+          <a:xfrm>
+            <a:off x="3978910" y="3240405"/>
+            <a:ext cx="7620" cy="789940"/>
+          </a:xfrm>
+          <a:prstGeom prst="line">
+            <a:avLst/>
+          </a:prstGeom>
+        </p:spPr>
+        <p:style>
+          <a:lnRef idx="1">
+            <a:schemeClr val="accent1"/>
+          </a:lnRef>
+          <a:fillRef idx="0">
+            <a:schemeClr val="accent1"/>
+          </a:fillRef>
+          <a:effectRef idx="0">
+            <a:schemeClr val="accent1"/>
+          </a:effectRef>
+          <a:fontRef idx="minor">
+            <a:schemeClr val="tx1"/>
+          </a:fontRef>
+        </p:style>
+      </p:cxnSp>
+      <p:cxnSp>
+        <p:nvCxnSpPr>
+          <p:cNvPr id="16" name="直接连接符 15"/>
+          <p:cNvCxnSpPr>
+            <a:stCxn id="8" idx="4"/>
+            <a:endCxn id="12" idx="0"/>
+          </p:cNvCxnSpPr>
+          <p:nvPr/>
+        </p:nvCxnSpPr>
+        <p:spPr>
+          <a:xfrm>
+            <a:off x="6746240" y="3240405"/>
+            <a:ext cx="104775" cy="789940"/>
+          </a:xfrm>
+          <a:prstGeom prst="line">
+            <a:avLst/>
+          </a:prstGeom>
+        </p:spPr>
+        <p:style>
+          <a:lnRef idx="1">
+            <a:schemeClr val="accent1"/>
+          </a:lnRef>
+          <a:fillRef idx="0">
+            <a:schemeClr val="accent1"/>
+          </a:fillRef>
+          <a:effectRef idx="0">
+            <a:schemeClr val="accent1"/>
+          </a:effectRef>
+          <a:fontRef idx="minor">
+            <a:schemeClr val="tx1"/>
+          </a:fontRef>
+        </p:style>
+      </p:cxnSp>
+      <p:cxnSp>
+        <p:nvCxnSpPr>
+          <p:cNvPr id="17" name="直接连接符 16"/>
+          <p:cNvCxnSpPr>
+            <a:stCxn id="9" idx="4"/>
+            <a:endCxn id="13" idx="0"/>
+          </p:cNvCxnSpPr>
+          <p:nvPr/>
+        </p:nvCxnSpPr>
+        <p:spPr>
+          <a:xfrm>
+            <a:off x="9758680" y="3239770"/>
+            <a:ext cx="98425" cy="790575"/>
+          </a:xfrm>
+          <a:prstGeom prst="line">
+            <a:avLst/>
+          </a:prstGeom>
+        </p:spPr>
+        <p:style>
+          <a:lnRef idx="1">
+            <a:schemeClr val="accent1"/>
+          </a:lnRef>
+          <a:fillRef idx="0">
+            <a:schemeClr val="accent1"/>
+          </a:fillRef>
+          <a:effectRef idx="0">
+            <a:schemeClr val="accent1"/>
+          </a:effectRef>
+          <a:fontRef idx="minor">
+            <a:schemeClr val="tx1"/>
+          </a:fontRef>
+        </p:style>
+      </p:cxnSp>
     </p:spTree>
   </p:cSld>
   <p:clrMapOvr>
@@ -5913,6 +5957,488 @@
 </file>
 
 <file path=ppt/slides/slide6.xml><?xml version="1.0" encoding="utf-8"?>
+<p:sld xmlns:a="http://schemas.openxmlformats.org/drawingml/2006/main" xmlns:r="http://schemas.openxmlformats.org/officeDocument/2006/relationships" xmlns:p="http://schemas.openxmlformats.org/presentationml/2006/main">
+  <p:cSld>
+    <p:spTree>
+      <p:nvGrpSpPr>
+        <p:cNvPr id="1" name=""/>
+        <p:cNvGrpSpPr/>
+        <p:nvPr/>
+      </p:nvGrpSpPr>
+      <p:grpSpPr/>
+      <p:sp>
+        <p:nvSpPr>
+          <p:cNvPr id="2" name="标题 1"/>
+          <p:cNvSpPr>
+            <a:spLocks noGrp="1"/>
+          </p:cNvSpPr>
+          <p:nvPr>
+            <p:ph type="title"/>
+          </p:nvPr>
+        </p:nvSpPr>
+        <p:spPr/>
+        <p:txBody>
+          <a:bodyPr/>
+          <a:p>
+            <a:r>
+              <a:rPr lang="x-none" altLang="zh-CN"/>
+              <a:t>轨迹运动函数说明</a:t>
+            </a:r>
+            <a:endParaRPr lang="x-none" altLang="zh-CN"/>
+          </a:p>
+        </p:txBody>
+      </p:sp>
+      <p:sp>
+        <p:nvSpPr>
+          <p:cNvPr id="3" name="文本框 2"/>
+          <p:cNvSpPr txBox="1"/>
+          <p:nvPr/>
+        </p:nvSpPr>
+        <p:spPr>
+          <a:xfrm>
+            <a:off x="88265" y="1270000"/>
+            <a:ext cx="12032615" cy="4664710"/>
+          </a:xfrm>
+          <a:prstGeom prst="rect">
+            <a:avLst/>
+          </a:prstGeom>
+          <a:noFill/>
+          <a:ln>
+            <a:solidFill>
+              <a:schemeClr val="accent1"/>
+            </a:solidFill>
+          </a:ln>
+        </p:spPr>
+        <p:txBody>
+          <a:bodyPr wrap="square" rtlCol="0">
+            <a:spAutoFit/>
+          </a:bodyPr>
+          <a:p>
+            <a:r>
+              <a:rPr lang="x-none" altLang="zh-CN" sz="1200">
+                <a:ln>
+                  <a:noFill/>
+                </a:ln>
+              </a:rPr>
+              <a:t>motion支持:</a:t>
+            </a:r>
+            <a:endParaRPr lang="x-none" altLang="zh-CN" sz="1200">
+              <a:ln>
+                <a:noFill/>
+              </a:ln>
+            </a:endParaRPr>
+          </a:p>
+          <a:p>
+            <a:r>
+              <a:rPr lang="x-none" altLang="zh-CN" sz="1200">
+                <a:ln>
+                  <a:noFill/>
+                </a:ln>
+                <a:solidFill>
+                  <a:schemeClr val="accent1"/>
+                </a:solidFill>
+              </a:rPr>
+              <a:t>单轴关节自由模式插值</a:t>
+            </a:r>
+            <a:endParaRPr lang="x-none" altLang="zh-CN" sz="1200">
+              <a:ln>
+                <a:noFill/>
+              </a:ln>
+              <a:solidFill>
+                <a:schemeClr val="accent1"/>
+              </a:solidFill>
+            </a:endParaRPr>
+          </a:p>
+          <a:p>
+            <a:r>
+              <a:rPr lang="x-none" altLang="zh-CN" sz="1200">
+                <a:ln>
+                  <a:noFill/>
+                </a:ln>
+              </a:rPr>
+              <a:t>COMMON::EmcError motionAddFreeSingalJointAbs(const bool is_arm, const uint32_t joint_index,const UserVel_t &amp;vl, const double posit,const uint32_t id);</a:t>
+            </a:r>
+            <a:endParaRPr lang="x-none" altLang="zh-CN" sz="1200">
+              <a:ln>
+                <a:noFill/>
+              </a:ln>
+            </a:endParaRPr>
+          </a:p>
+          <a:p>
+            <a:r>
+              <a:rPr lang="x-none" altLang="zh-CN" sz="1200">
+                <a:ln>
+                  <a:noFill/>
+                </a:ln>
+                <a:solidFill>
+                  <a:schemeClr val="accent1"/>
+                </a:solidFill>
+              </a:rPr>
+              <a:t>点到点自由模式关节变量方式添加</a:t>
+            </a:r>
+            <a:endParaRPr lang="x-none" altLang="zh-CN" sz="1200">
+              <a:ln>
+                <a:noFill/>
+              </a:ln>
+              <a:solidFill>
+                <a:schemeClr val="accent1"/>
+              </a:solidFill>
+            </a:endParaRPr>
+          </a:p>
+          <a:p>
+            <a:r>
+              <a:rPr lang="x-none" altLang="zh-CN" sz="1200">
+                <a:ln>
+                  <a:noFill/>
+                </a:ln>
+              </a:rPr>
+              <a:t>COMMON::EmcError motionAddFreeAllJointAbsMove(const UserVel_t &amp;vl, const IntePosition_t &amp;posit,const uint32_t id);</a:t>
+            </a:r>
+            <a:endParaRPr lang="x-none" altLang="zh-CN" sz="1200">
+              <a:ln>
+                <a:noFill/>
+              </a:ln>
+            </a:endParaRPr>
+          </a:p>
+          <a:p>
+            <a:r>
+              <a:rPr lang="x-none" altLang="zh-CN" sz="1200">
+                <a:ln>
+                  <a:noFill/>
+                </a:ln>
+                <a:solidFill>
+                  <a:schemeClr val="accent1"/>
+                </a:solidFill>
+              </a:rPr>
+              <a:t>点到点自由模式空间位姿方式添加</a:t>
+            </a:r>
+            <a:endParaRPr lang="x-none" altLang="zh-CN" sz="1200">
+              <a:ln>
+                <a:noFill/>
+              </a:ln>
+              <a:solidFill>
+                <a:schemeClr val="accent1"/>
+              </a:solidFill>
+            </a:endParaRPr>
+          </a:p>
+          <a:p>
+            <a:r>
+              <a:rPr lang="x-none" altLang="zh-CN" sz="1200">
+                <a:ln>
+                  <a:noFill/>
+                </a:ln>
+              </a:rPr>
+              <a:t>COMMON::EmcError motionAddFreeAllJointAbsMove(const UserVel_t &amp;vl, const IntePose_t &amp;pose,const int &amp;ik_flag, const uint32_t id);</a:t>
+            </a:r>
+            <a:endParaRPr lang="x-none" altLang="zh-CN" sz="1200">
+              <a:ln>
+                <a:noFill/>
+              </a:ln>
+            </a:endParaRPr>
+          </a:p>
+          <a:p>
+            <a:r>
+              <a:rPr lang="x-none" altLang="zh-CN" sz="1200">
+                <a:ln>
+                  <a:noFill/>
+                </a:ln>
+                <a:solidFill>
+                  <a:schemeClr val="accent1"/>
+                </a:solidFill>
+              </a:rPr>
+              <a:t>点到点路径模式关节变量方式添加</a:t>
+            </a:r>
+            <a:endParaRPr lang="x-none" altLang="zh-CN" sz="1200">
+              <a:ln>
+                <a:noFill/>
+              </a:ln>
+              <a:solidFill>
+                <a:schemeClr val="accent1"/>
+              </a:solidFill>
+            </a:endParaRPr>
+          </a:p>
+          <a:p>
+            <a:r>
+              <a:rPr lang="x-none" altLang="zh-CN" sz="1200">
+                <a:ln>
+                  <a:noFill/>
+                </a:ln>
+              </a:rPr>
+              <a:t>COMMON::EmcError motionAddPathAllJointAbsMove(const UserVel_t &amp;vl, const UserOvl_t ovl,const IntePosition_t &amp;posit, const uint32_t id);</a:t>
+            </a:r>
+            <a:endParaRPr lang="x-none" altLang="zh-CN" sz="1200">
+              <a:ln>
+                <a:noFill/>
+              </a:ln>
+            </a:endParaRPr>
+          </a:p>
+          <a:p>
+            <a:r>
+              <a:rPr lang="x-none" altLang="zh-CN" sz="1200">
+                <a:ln>
+                  <a:noFill/>
+                </a:ln>
+                <a:solidFill>
+                  <a:schemeClr val="accent1"/>
+                </a:solidFill>
+              </a:rPr>
+              <a:t>点到点路径模式空间位姿方式添加</a:t>
+            </a:r>
+            <a:endParaRPr lang="x-none" altLang="zh-CN" sz="1200">
+              <a:ln>
+                <a:noFill/>
+              </a:ln>
+              <a:solidFill>
+                <a:schemeClr val="accent1"/>
+              </a:solidFill>
+            </a:endParaRPr>
+          </a:p>
+          <a:p>
+            <a:r>
+              <a:rPr lang="x-none" altLang="zh-CN" sz="1200">
+                <a:ln>
+                  <a:noFill/>
+                </a:ln>
+              </a:rPr>
+              <a:t>COMMON::EmcError motionAddPathAllJointAbsMove(const UserVel_t &amp;vl, const UserOvl_t ovl,const IntePose_t &amp;pose, const int &amp;ik_flag, const uint32_t id);</a:t>
+            </a:r>
+            <a:endParaRPr lang="x-none" altLang="zh-CN" sz="1200">
+              <a:ln>
+                <a:noFill/>
+              </a:ln>
+            </a:endParaRPr>
+          </a:p>
+          <a:p>
+            <a:endParaRPr lang="x-none" altLang="zh-CN" sz="1200">
+              <a:ln>
+                <a:noFill/>
+              </a:ln>
+            </a:endParaRPr>
+          </a:p>
+          <a:p>
+            <a:r>
+              <a:rPr lang="x-none" altLang="zh-CN" sz="1200">
+                <a:ln>
+                  <a:noFill/>
+                </a:ln>
+              </a:rPr>
+              <a:t>motion待添加:</a:t>
+            </a:r>
+            <a:endParaRPr lang="x-none" altLang="zh-CN" sz="1200">
+              <a:ln>
+                <a:noFill/>
+              </a:ln>
+            </a:endParaRPr>
+          </a:p>
+          <a:p>
+            <a:r>
+              <a:rPr lang="x-none" altLang="zh-CN" sz="1200">
+                <a:ln>
+                  <a:noFill/>
+                </a:ln>
+                <a:solidFill>
+                  <a:schemeClr val="accent1"/>
+                </a:solidFill>
+              </a:rPr>
+              <a:t>空间直线</a:t>
+            </a:r>
+            <a:endParaRPr lang="x-none" altLang="zh-CN" sz="1200">
+              <a:ln>
+                <a:noFill/>
+              </a:ln>
+              <a:solidFill>
+                <a:schemeClr val="accent1"/>
+              </a:solidFill>
+            </a:endParaRPr>
+          </a:p>
+          <a:p>
+            <a:r>
+              <a:rPr lang="x-none" altLang="zh-CN" sz="1200">
+                <a:ln>
+                  <a:noFill/>
+                </a:ln>
+              </a:rPr>
+              <a:t>bool tpAddPathLine(const UserVelBase_t &amp;vl, const IntePose_t &amp;pose, const int &amp;ik_flag, const uint32_t id, COMMON::EmcError &amp;m_e,</a:t>
+            </a:r>
+            <a:endParaRPr lang="x-none" altLang="zh-CN" sz="1200">
+              <a:ln>
+                <a:noFill/>
+              </a:ln>
+            </a:endParaRPr>
+          </a:p>
+          <a:p>
+            <a:r>
+              <a:rPr lang="x-none" altLang="zh-CN" sz="1200">
+                <a:ln>
+                  <a:noFill/>
+                </a:ln>
+              </a:rPr>
+              <a:t>                       const MoveBlendType_t blend_type, const BlendParam_t &amp;blend_param);</a:t>
+            </a:r>
+            <a:endParaRPr lang="x-none" altLang="zh-CN" sz="1200">
+              <a:ln>
+                <a:noFill/>
+              </a:ln>
+            </a:endParaRPr>
+          </a:p>
+          <a:p>
+            <a:r>
+              <a:rPr lang="x-none" altLang="zh-CN" sz="1200">
+                <a:ln>
+                  <a:noFill/>
+                </a:ln>
+                <a:solidFill>
+                  <a:schemeClr val="accent1"/>
+                </a:solidFill>
+              </a:rPr>
+              <a:t>空间与圆弧,参数为圆心法向量和终点</a:t>
+            </a:r>
+            <a:endParaRPr lang="x-none" altLang="zh-CN" sz="1200">
+              <a:ln>
+                <a:noFill/>
+              </a:ln>
+              <a:solidFill>
+                <a:schemeClr val="accent1"/>
+              </a:solidFill>
+            </a:endParaRPr>
+          </a:p>
+          <a:p>
+            <a:r>
+              <a:rPr lang="x-none" altLang="zh-CN" sz="1200">
+                <a:ln>
+                  <a:noFill/>
+                </a:ln>
+              </a:rPr>
+              <a:t>bool tpAddPathCircle(const UserVelBase_t &amp;vl, const IntePose_t &amp;end, const KDL::Vector &amp;center, const KDL::Vector &amp;normal,</a:t>
+            </a:r>
+            <a:endParaRPr lang="x-none" altLang="zh-CN" sz="1200">
+              <a:ln>
+                <a:noFill/>
+              </a:ln>
+            </a:endParaRPr>
+          </a:p>
+          <a:p>
+            <a:r>
+              <a:rPr lang="x-none" altLang="zh-CN" sz="1200">
+                <a:ln>
+                  <a:noFill/>
+                </a:ln>
+              </a:rPr>
+              <a:t>                         const double chord_error, const int &amp;ik_flag, const uint32_t id, COMMON::EmcError &amp;m_e,</a:t>
+            </a:r>
+            <a:endParaRPr lang="x-none" altLang="zh-CN" sz="1200">
+              <a:ln>
+                <a:noFill/>
+              </a:ln>
+            </a:endParaRPr>
+          </a:p>
+          <a:p>
+            <a:r>
+              <a:rPr lang="x-none" altLang="zh-CN" sz="1200">
+                <a:ln>
+                  <a:noFill/>
+                </a:ln>
+              </a:rPr>
+              <a:t>	      const MoveBlendType_t blend_type, const BlendParam_t &amp;blend_param);</a:t>
+            </a:r>
+            <a:endParaRPr lang="x-none" altLang="zh-CN" sz="1200">
+              <a:ln>
+                <a:noFill/>
+              </a:ln>
+            </a:endParaRPr>
+          </a:p>
+          <a:p>
+            <a:r>
+              <a:rPr lang="x-none" altLang="zh-CN" sz="1200">
+                <a:ln>
+                  <a:noFill/>
+                </a:ln>
+                <a:solidFill>
+                  <a:schemeClr val="accent1"/>
+                </a:solidFill>
+              </a:rPr>
+              <a:t>空间圆弧,参数为中间点和终点</a:t>
+            </a:r>
+            <a:endParaRPr lang="x-none" altLang="zh-CN" sz="1200">
+              <a:ln>
+                <a:noFill/>
+              </a:ln>
+              <a:solidFill>
+                <a:schemeClr val="accent1"/>
+              </a:solidFill>
+            </a:endParaRPr>
+          </a:p>
+          <a:p>
+            <a:r>
+              <a:rPr lang="x-none" altLang="zh-CN" sz="1200">
+                <a:ln>
+                  <a:noFill/>
+                </a:ln>
+              </a:rPr>
+              <a:t>bool tpAddPathCircle(const UserVelBase_t &amp;vl, const IntePose_t &amp;mid_pose, const IntePose_t &amp;end,</a:t>
+            </a:r>
+            <a:endParaRPr lang="x-none" altLang="zh-CN" sz="1200">
+              <a:ln>
+                <a:noFill/>
+              </a:ln>
+            </a:endParaRPr>
+          </a:p>
+          <a:p>
+            <a:r>
+              <a:rPr lang="x-none" altLang="zh-CN" sz="1200">
+                <a:ln>
+                  <a:noFill/>
+                </a:ln>
+              </a:rPr>
+              <a:t>                         const double chord_error, const int &amp;ik_flag, const uint32_t id, COMMON::EmcError &amp;m_e,</a:t>
+            </a:r>
+            <a:endParaRPr lang="x-none" altLang="zh-CN" sz="1200">
+              <a:ln>
+                <a:noFill/>
+              </a:ln>
+            </a:endParaRPr>
+          </a:p>
+          <a:p>
+            <a:r>
+              <a:rPr lang="x-none" altLang="zh-CN" sz="1200">
+                <a:ln>
+                  <a:noFill/>
+                </a:ln>
+              </a:rPr>
+              <a:t>                         const MoveBlendType_t blend_type, const BlendParam_t &amp;blend_param);</a:t>
+            </a:r>
+            <a:br>
+              <a:rPr lang="x-none" altLang="zh-CN" sz="1200">
+                <a:ln>
+                  <a:noFill/>
+                </a:ln>
+              </a:rPr>
+            </a:br>
+            <a:endParaRPr lang="x-none" altLang="zh-CN" sz="1200">
+              <a:ln>
+                <a:noFill/>
+              </a:ln>
+            </a:endParaRPr>
+          </a:p>
+        </p:txBody>
+      </p:sp>
+    </p:spTree>
+  </p:cSld>
+  <p:clrMapOvr>
+    <a:masterClrMapping/>
+  </p:clrMapOvr>
+  <mc:AlternateContent xmlns:mc="http://schemas.openxmlformats.org/markup-compatibility/2006">
+    <mc:Choice xmlns:p14="http://schemas.microsoft.com/office/powerpoint/2010/main" Requires="p14">
+      <p:transition p14:dur="500"/>
+    </mc:Choice>
+    <mc:Fallback>
+      <p:transition/>
+    </mc:Fallback>
+  </mc:AlternateContent>
+</p:sld>
+</file>
+
+<file path=ppt/slides/slide7.xml><?xml version="1.0" encoding="utf-8"?>
 <p:sld xmlns:a="http://schemas.openxmlformats.org/drawingml/2006/main" xmlns:r="http://schemas.openxmlformats.org/officeDocument/2006/relationships" xmlns:p="http://schemas.openxmlformats.org/presentationml/2006/main">
   <p:cSld>
     <p:spTree>

--- a/motion流程演示.pptx
+++ b/motion流程演示.pptx
@@ -9,9 +9,12 @@
     <p:sldId id="257" r:id="rId4"/>
     <p:sldId id="266" r:id="rId5"/>
     <p:sldId id="262" r:id="rId6"/>
-    <p:sldId id="263" r:id="rId7"/>
-    <p:sldId id="264" r:id="rId8"/>
-    <p:sldId id="265" r:id="rId9"/>
+    <p:sldId id="271" r:id="rId7"/>
+    <p:sldId id="272" r:id="rId8"/>
+    <p:sldId id="273" r:id="rId9"/>
+    <p:sldId id="263" r:id="rId10"/>
+    <p:sldId id="264" r:id="rId11"/>
+    <p:sldId id="265" r:id="rId12"/>
   </p:sldIdLst>
   <p:sldSz cx="12192000" cy="6858000"/>
   <p:notesSz cx="6858000" cy="9144000"/>
@@ -3188,6 +3191,259 @@
 </p:sld>
 </file>
 
+<file path=ppt/slides/slide10.xml><?xml version="1.0" encoding="utf-8"?>
+<p:sld xmlns:a="http://schemas.openxmlformats.org/drawingml/2006/main" xmlns:r="http://schemas.openxmlformats.org/officeDocument/2006/relationships" xmlns:p="http://schemas.openxmlformats.org/presentationml/2006/main">
+  <p:cSld>
+    <p:spTree>
+      <p:nvGrpSpPr>
+        <p:cNvPr id="1" name=""/>
+        <p:cNvGrpSpPr/>
+        <p:nvPr/>
+      </p:nvGrpSpPr>
+      <p:grpSpPr/>
+      <p:sp>
+        <p:nvSpPr>
+          <p:cNvPr id="2" name="标题 1"/>
+          <p:cNvSpPr>
+            <a:spLocks noGrp="1"/>
+          </p:cNvSpPr>
+          <p:nvPr>
+            <p:ph type="title"/>
+          </p:nvPr>
+        </p:nvSpPr>
+        <p:spPr/>
+        <p:txBody>
+          <a:bodyPr/>
+          <a:p>
+            <a:r>
+              <a:rPr lang="x-none" altLang="zh-CN"/>
+              <a:t>kdl函数说明</a:t>
+            </a:r>
+            <a:endParaRPr lang="x-none" altLang="zh-CN"/>
+          </a:p>
+        </p:txBody>
+      </p:sp>
+      <p:sp>
+        <p:nvSpPr>
+          <p:cNvPr id="3" name="文本框 2"/>
+          <p:cNvSpPr txBox="1"/>
+          <p:nvPr/>
+        </p:nvSpPr>
+        <p:spPr>
+          <a:xfrm>
+            <a:off x="1729740" y="1355725"/>
+            <a:ext cx="7675245" cy="3933190"/>
+          </a:xfrm>
+          <a:prstGeom prst="rect">
+            <a:avLst/>
+          </a:prstGeom>
+          <a:noFill/>
+        </p:spPr>
+        <p:txBody>
+          <a:bodyPr wrap="square" rtlCol="0">
+            <a:spAutoFit/>
+          </a:bodyPr>
+          <a:p>
+            <a:r>
+              <a:rPr lang="zh-CN" altLang="en-US" sz="1200">
+                <a:solidFill>
+                  <a:schemeClr val="accent1"/>
+                </a:solidFill>
+              </a:rPr>
+              <a:t>    机械臂hand正解</a:t>
+            </a:r>
+            <a:endParaRPr lang="zh-CN" altLang="en-US" sz="1200">
+              <a:solidFill>
+                <a:schemeClr val="accent1"/>
+              </a:solidFill>
+            </a:endParaRPr>
+          </a:p>
+          <a:p>
+            <a:r>
+              <a:rPr lang="zh-CN" altLang="en-US" sz="1200"/>
+              <a:t>    virtual int handForwardKinematic(const KDL::JntArray &amp;joint,</a:t>
+            </a:r>
+            <a:endParaRPr lang="zh-CN" altLang="en-US" sz="1200"/>
+          </a:p>
+          <a:p>
+            <a:r>
+              <a:rPr lang="zh-CN" altLang="en-US" sz="1200"/>
+              <a:t>                                     KDL::Frame &amp;frame, int &amp;fk_flag);</a:t>
+            </a:r>
+            <a:endParaRPr lang="zh-CN" altLang="en-US" sz="1200"/>
+          </a:p>
+          <a:p>
+            <a:r>
+              <a:rPr lang="zh-CN" altLang="en-US" sz="1200">
+                <a:solidFill>
+                  <a:schemeClr val="accent1"/>
+                </a:solidFill>
+              </a:rPr>
+              <a:t>    机械臂hand逆解</a:t>
+            </a:r>
+            <a:endParaRPr lang="zh-CN" altLang="en-US" sz="1200">
+              <a:solidFill>
+                <a:schemeClr val="accent1"/>
+              </a:solidFill>
+            </a:endParaRPr>
+          </a:p>
+          <a:p>
+            <a:r>
+              <a:rPr lang="zh-CN" altLang="en-US" sz="1200"/>
+              <a:t>    virtual int handInverseKinematic(const KDL::JntArray &amp;last_posit, const KDL::Frame &amp;frame,</a:t>
+            </a:r>
+            <a:endParaRPr lang="zh-CN" altLang="en-US" sz="1200"/>
+          </a:p>
+          <a:p>
+            <a:r>
+              <a:rPr lang="zh-CN" altLang="en-US" sz="1200"/>
+              <a:t>                                     const int ik_flag, KDL::JntArray &amp;joint);</a:t>
+            </a:r>
+            <a:endParaRPr lang="zh-CN" altLang="en-US" sz="1200"/>
+          </a:p>
+          <a:p>
+            <a:r>
+              <a:rPr lang="zh-CN" altLang="en-US" sz="1200">
+                <a:solidFill>
+                  <a:schemeClr val="accent1"/>
+                </a:solidFill>
+              </a:rPr>
+              <a:t>    end effector 正解</a:t>
+            </a:r>
+            <a:endParaRPr lang="zh-CN" altLang="en-US" sz="1200">
+              <a:solidFill>
+                <a:schemeClr val="accent1"/>
+              </a:solidFill>
+            </a:endParaRPr>
+          </a:p>
+          <a:p>
+            <a:r>
+              <a:rPr lang="zh-CN" altLang="en-US" sz="1200"/>
+              <a:t>    virtual int eefForwardKinematic(const KDL::JntArray &amp;joint,</a:t>
+            </a:r>
+            <a:endParaRPr lang="zh-CN" altLang="en-US" sz="1200"/>
+          </a:p>
+          <a:p>
+            <a:r>
+              <a:rPr lang="zh-CN" altLang="en-US" sz="1200"/>
+              <a:t>                                    KDL::Frame &amp;frame, int &amp;fk_flag);</a:t>
+            </a:r>
+            <a:endParaRPr lang="zh-CN" altLang="en-US" sz="1200"/>
+          </a:p>
+          <a:p>
+            <a:r>
+              <a:rPr lang="zh-CN" altLang="en-US" sz="1200"/>
+              <a:t> </a:t>
+            </a:r>
+            <a:r>
+              <a:rPr lang="zh-CN" altLang="en-US" sz="1200">
+                <a:solidFill>
+                  <a:schemeClr val="accent1"/>
+                </a:solidFill>
+              </a:rPr>
+              <a:t>   end effector 逆解</a:t>
+            </a:r>
+            <a:endParaRPr lang="zh-CN" altLang="en-US" sz="1200">
+              <a:solidFill>
+                <a:schemeClr val="accent1"/>
+              </a:solidFill>
+            </a:endParaRPr>
+          </a:p>
+          <a:p>
+            <a:r>
+              <a:rPr lang="zh-CN" altLang="en-US" sz="1200"/>
+              <a:t>    virtual int eefInverseKinematic(const KDL::JntArray &amp;last_posit, const KDL::Frame &amp;frame,</a:t>
+            </a:r>
+            <a:endParaRPr lang="zh-CN" altLang="en-US" sz="1200"/>
+          </a:p>
+          <a:p>
+            <a:r>
+              <a:rPr lang="zh-CN" altLang="en-US" sz="1200"/>
+              <a:t>                                    const int ik_flag, KDL::JntArray &amp;joint);</a:t>
+            </a:r>
+            <a:endParaRPr lang="zh-CN" altLang="en-US" sz="1200"/>
+          </a:p>
+          <a:p>
+            <a:r>
+              <a:rPr lang="zh-CN" altLang="en-US" sz="1200">
+                <a:solidFill>
+                  <a:schemeClr val="accent1"/>
+                </a:solidFill>
+              </a:rPr>
+              <a:t>    设置 end effector</a:t>
+            </a:r>
+            <a:endParaRPr lang="zh-CN" altLang="en-US" sz="1200">
+              <a:solidFill>
+                <a:schemeClr val="accent1"/>
+              </a:solidFill>
+            </a:endParaRPr>
+          </a:p>
+          <a:p>
+            <a:r>
+              <a:rPr lang="zh-CN" altLang="en-US" sz="1200"/>
+              <a:t>    virtual int setEndEffector(const KDL::Frame &amp;frame);</a:t>
+            </a:r>
+            <a:endParaRPr lang="zh-CN" altLang="en-US" sz="1200"/>
+          </a:p>
+          <a:p>
+            <a:endParaRPr lang="zh-CN" altLang="en-US" sz="1200"/>
+          </a:p>
+          <a:p>
+            <a:endParaRPr lang="zh-CN" altLang="en-US" sz="1200"/>
+          </a:p>
+          <a:p>
+            <a:r>
+              <a:rPr lang="x-none" altLang="zh-CN" sz="1200"/>
+              <a:t>待完成:</a:t>
+            </a:r>
+            <a:endParaRPr lang="x-none" altLang="zh-CN" sz="1200"/>
+          </a:p>
+          <a:p>
+            <a:r>
+              <a:rPr lang="x-none" altLang="zh-CN" sz="1200"/>
+              <a:t>    1. 参考坐标系</a:t>
+            </a:r>
+            <a:endParaRPr lang="x-none" altLang="zh-CN" sz="1200"/>
+          </a:p>
+          <a:p>
+            <a:r>
+              <a:rPr lang="x-none" altLang="zh-CN" sz="1200"/>
+              <a:t>    2. 关节限位(轨迹)</a:t>
+            </a:r>
+            <a:endParaRPr lang="x-none" altLang="zh-CN" sz="1200"/>
+          </a:p>
+          <a:p>
+            <a:r>
+              <a:rPr lang="x-none" altLang="zh-CN" sz="1200"/>
+              <a:t>   </a:t>
+            </a:r>
+            <a:endParaRPr lang="x-none" altLang="zh-CN" sz="1200"/>
+          </a:p>
+          <a:p>
+            <a:r>
+              <a:rPr lang="x-none" altLang="zh-CN" sz="1200"/>
+              <a:t>    </a:t>
+            </a:r>
+            <a:endParaRPr lang="x-none" altLang="zh-CN" sz="1200"/>
+          </a:p>
+        </p:txBody>
+      </p:sp>
+    </p:spTree>
+  </p:cSld>
+  <p:clrMapOvr>
+    <a:masterClrMapping/>
+  </p:clrMapOvr>
+  <mc:AlternateContent xmlns:mc="http://schemas.openxmlformats.org/markup-compatibility/2006">
+    <mc:Choice xmlns:p14="http://schemas.microsoft.com/office/powerpoint/2010/main" Requires="p14">
+      <p:transition p14:dur="500"/>
+    </mc:Choice>
+    <mc:Fallback>
+      <p:transition/>
+    </mc:Fallback>
+  </mc:AlternateContent>
+</p:sld>
+</file>
+
 <file path=ppt/slides/slide2.xml><?xml version="1.0" encoding="utf-8"?>
 <p:sld xmlns:a="http://schemas.openxmlformats.org/drawingml/2006/main" xmlns:r="http://schemas.openxmlformats.org/officeDocument/2006/relationships" xmlns:p="http://schemas.openxmlformats.org/presentationml/2006/main">
   <p:cSld>
@@ -5150,7 +5406,7 @@
           <a:p>
             <a:r>
               <a:rPr lang="x-none" altLang="zh-CN"/>
-              <a:t>周期插补流程</a:t>
+              <a:t>运动示例-normal</a:t>
             </a:r>
             <a:endParaRPr lang="x-none" altLang="zh-CN"/>
           </a:p>
@@ -5158,14 +5414,14 @@
       </p:sp>
       <p:sp>
         <p:nvSpPr>
-          <p:cNvPr id="6" name="椭圆 5"/>
+          <p:cNvPr id="3" name="椭圆 2"/>
           <p:cNvSpPr/>
           <p:nvPr/>
         </p:nvSpPr>
         <p:spPr>
           <a:xfrm>
-            <a:off x="473075" y="2574290"/>
-            <a:ext cx="1957070" cy="666115"/>
+            <a:off x="248285" y="2357755"/>
+            <a:ext cx="1400175" cy="417195"/>
           </a:xfrm>
           <a:prstGeom prst="ellipse">
             <a:avLst/>
@@ -5192,25 +5448,25 @@
           <a:p>
             <a:pPr algn="ctr"/>
             <a:r>
-              <a:rPr lang="x-none" altLang="zh-CN"/>
-              <a:t>tcruncycle</a:t>
-            </a:r>
-            <a:endParaRPr lang="x-none" altLang="zh-CN"/>
-          </a:p>
-        </p:txBody>
-      </p:sp>
-      <p:sp>
-        <p:nvSpPr>
-          <p:cNvPr id="7" name="椭圆 6"/>
+              <a:rPr lang="x-none" altLang="zh-CN" sz="1200"/>
+              <a:t>添加p2p</a:t>
+            </a:r>
+            <a:endParaRPr lang="x-none" altLang="zh-CN" sz="1200"/>
+          </a:p>
+        </p:txBody>
+      </p:sp>
+      <p:sp>
+        <p:nvSpPr>
+          <p:cNvPr id="7" name="圆角矩形 6"/>
           <p:cNvSpPr/>
           <p:nvPr/>
         </p:nvSpPr>
         <p:spPr>
           <a:xfrm>
-            <a:off x="2966720" y="2574290"/>
-            <a:ext cx="2023745" cy="666115"/>
-          </a:xfrm>
-          <a:prstGeom prst="ellipse">
+            <a:off x="1759585" y="2415540"/>
+            <a:ext cx="1400175" cy="417195"/>
+          </a:xfrm>
+          <a:prstGeom prst="roundRect">
             <a:avLst/>
           </a:prstGeom>
         </p:spPr>
@@ -5236,7 +5492,7 @@
             <a:pPr algn="ctr"/>
             <a:r>
               <a:rPr lang="x-none" altLang="zh-CN"/>
-              <a:t>tpruncycle</a:t>
+              <a:t>motion</a:t>
             </a:r>
             <a:endParaRPr lang="x-none" altLang="zh-CN"/>
           </a:p>
@@ -5244,16 +5500,16 @@
       </p:sp>
       <p:sp>
         <p:nvSpPr>
-          <p:cNvPr id="8" name="椭圆 7"/>
+          <p:cNvPr id="8" name="圆角矩形 7"/>
           <p:cNvSpPr/>
           <p:nvPr/>
         </p:nvSpPr>
         <p:spPr>
           <a:xfrm>
-            <a:off x="5713095" y="2574290"/>
-            <a:ext cx="2066290" cy="666115"/>
-          </a:xfrm>
-          <a:prstGeom prst="ellipse">
+            <a:off x="1759585" y="3287395"/>
+            <a:ext cx="1400175" cy="417195"/>
+          </a:xfrm>
+          <a:prstGeom prst="roundRect">
             <a:avLst/>
           </a:prstGeom>
         </p:spPr>
@@ -5279,7 +5535,7 @@
             <a:pPr algn="ctr"/>
             <a:r>
               <a:rPr lang="x-none" altLang="zh-CN"/>
-              <a:t>jcruncycle</a:t>
+              <a:t>jc</a:t>
             </a:r>
             <a:endParaRPr lang="x-none" altLang="zh-CN"/>
           </a:p>
@@ -5287,16 +5543,16 @@
       </p:sp>
       <p:sp>
         <p:nvSpPr>
-          <p:cNvPr id="9" name="椭圆 8"/>
+          <p:cNvPr id="9" name="圆角矩形 8"/>
           <p:cNvSpPr/>
           <p:nvPr/>
         </p:nvSpPr>
         <p:spPr>
           <a:xfrm>
-            <a:off x="8592185" y="2573655"/>
-            <a:ext cx="2332355" cy="666115"/>
-          </a:xfrm>
-          <a:prstGeom prst="ellipse">
+            <a:off x="1759585" y="4178935"/>
+            <a:ext cx="1400175" cy="417195"/>
+          </a:xfrm>
+          <a:prstGeom prst="roundRect">
             <a:avLst/>
           </a:prstGeom>
         </p:spPr>
@@ -5322,7 +5578,7 @@
             <a:pPr algn="ctr"/>
             <a:r>
               <a:rPr lang="x-none" altLang="zh-CN"/>
-              <a:t>motion runcycle</a:t>
+              <a:t>tp</a:t>
             </a:r>
             <a:endParaRPr lang="x-none" altLang="zh-CN"/>
           </a:p>
@@ -5336,15 +5592,12 @@
         </p:nvSpPr>
         <p:spPr>
           <a:xfrm>
-            <a:off x="557530" y="4022090"/>
-            <a:ext cx="1690370" cy="2489835"/>
+            <a:off x="1759585" y="5367655"/>
+            <a:ext cx="1400175" cy="417195"/>
           </a:xfrm>
           <a:prstGeom prst="roundRect">
             <a:avLst/>
           </a:prstGeom>
-          <a:solidFill>
-            <a:schemeClr val="bg2"/>
-          </a:solidFill>
         </p:spPr>
         <p:style>
           <a:lnRef idx="2">
@@ -5365,466 +5618,69 @@
         <p:txBody>
           <a:bodyPr rtlCol="0" anchor="ctr"/>
           <a:p>
-            <a:pPr algn="l"/>
-            <a:r>
-              <a:rPr lang="x-none" altLang="zh-CN" sz="1200">
-                <a:solidFill>
-                  <a:schemeClr val="tx1"/>
-                </a:solidFill>
-              </a:rPr>
-              <a:t>tesk:</a:t>
-            </a:r>
-            <a:endParaRPr lang="x-none" altLang="zh-CN" sz="1200">
-              <a:solidFill>
-                <a:schemeClr val="tx1"/>
-              </a:solidFill>
-            </a:endParaRPr>
-          </a:p>
-          <a:p>
-            <a:pPr algn="l"/>
-            <a:r>
-              <a:rPr lang="x-none" altLang="zh-CN" sz="1200">
-                <a:solidFill>
-                  <a:schemeClr val="tx1"/>
-                </a:solidFill>
-              </a:rPr>
-              <a:t>1.对于约束的速度,加速度,路程等进行速度加减速控制.</a:t>
-            </a:r>
-            <a:endParaRPr lang="x-none" altLang="zh-CN" sz="1200">
-              <a:solidFill>
-                <a:schemeClr val="tx1"/>
-              </a:solidFill>
-            </a:endParaRPr>
-          </a:p>
-          <a:p>
-            <a:pPr algn="l"/>
-            <a:r>
-              <a:rPr lang="x-none" altLang="zh-CN" sz="1200">
-                <a:solidFill>
-                  <a:schemeClr val="tx1"/>
-                </a:solidFill>
-              </a:rPr>
-              <a:t>2.有T型,七段S型,和五次多项式等插补方式.</a:t>
-            </a:r>
-            <a:endParaRPr lang="x-none" altLang="zh-CN" sz="1200">
-              <a:solidFill>
-                <a:schemeClr val="tx1"/>
-              </a:solidFill>
-            </a:endParaRPr>
-          </a:p>
-          <a:p>
-            <a:pPr algn="l"/>
-            <a:r>
-              <a:rPr lang="x-none" altLang="zh-CN" sz="1200">
-                <a:solidFill>
-                  <a:schemeClr val="tx1"/>
-                </a:solidFill>
-              </a:rPr>
-              <a:t>3.插补期间响应进给率变化带来的速度变化.</a:t>
-            </a:r>
-            <a:endParaRPr lang="x-none" altLang="zh-CN" sz="1200">
-              <a:solidFill>
-                <a:schemeClr val="tx1"/>
-              </a:solidFill>
-            </a:endParaRPr>
-          </a:p>
-        </p:txBody>
-      </p:sp>
-      <p:sp>
-        <p:nvSpPr>
-          <p:cNvPr id="11" name="圆角矩形 10"/>
-          <p:cNvSpPr/>
-          <p:nvPr/>
-        </p:nvSpPr>
-        <p:spPr>
-          <a:xfrm>
-            <a:off x="3141345" y="4030345"/>
-            <a:ext cx="1690370" cy="2489835"/>
-          </a:xfrm>
-          <a:prstGeom prst="roundRect">
-            <a:avLst/>
-          </a:prstGeom>
-          <a:solidFill>
-            <a:schemeClr val="bg2"/>
-          </a:solidFill>
-        </p:spPr>
-        <p:style>
-          <a:lnRef idx="2">
-            <a:schemeClr val="accent1">
-              <a:shade val="50000"/>
-            </a:schemeClr>
-          </a:lnRef>
-          <a:fillRef idx="1">
-            <a:schemeClr val="accent1"/>
-          </a:fillRef>
-          <a:effectRef idx="0">
-            <a:schemeClr val="accent1"/>
-          </a:effectRef>
-          <a:fontRef idx="minor">
-            <a:schemeClr val="lt1"/>
-          </a:fontRef>
-        </p:style>
-        <p:txBody>
-          <a:bodyPr rtlCol="0" anchor="ctr"/>
-          <a:p>
-            <a:pPr algn="l"/>
-            <a:r>
-              <a:rPr lang="x-none" altLang="zh-CN" sz="1200">
-                <a:solidFill>
-                  <a:schemeClr val="tx1"/>
-                </a:solidFill>
-              </a:rPr>
-              <a:t>tesk:</a:t>
-            </a:r>
-            <a:endParaRPr lang="x-none" altLang="zh-CN" sz="1200">
-              <a:solidFill>
-                <a:schemeClr val="tx1"/>
-              </a:solidFill>
-            </a:endParaRPr>
-          </a:p>
-          <a:p>
-            <a:pPr algn="l"/>
-            <a:r>
-              <a:rPr lang="x-none" altLang="zh-CN" sz="1200">
-                <a:solidFill>
-                  <a:schemeClr val="tx1"/>
-                </a:solidFill>
-              </a:rPr>
-              <a:t>1.响应不同的运动方式,free, path.</a:t>
-            </a:r>
-            <a:endParaRPr lang="x-none" altLang="zh-CN" sz="1200">
-              <a:solidFill>
-                <a:schemeClr val="tx1"/>
-              </a:solidFill>
-            </a:endParaRPr>
-          </a:p>
-          <a:p>
-            <a:pPr algn="l"/>
-            <a:r>
-              <a:rPr lang="x-none" altLang="zh-CN" sz="1200">
-                <a:solidFill>
-                  <a:schemeClr val="tx1"/>
-                </a:solidFill>
-              </a:rPr>
-              <a:t>2.对tc插值的数据进行处理,周期计算关节变量</a:t>
-            </a:r>
-            <a:endParaRPr lang="x-none" altLang="zh-CN" sz="1200">
-              <a:solidFill>
-                <a:schemeClr val="tx1"/>
-              </a:solidFill>
-            </a:endParaRPr>
-          </a:p>
-          <a:p>
-            <a:pPr algn="l"/>
-            <a:r>
-              <a:rPr lang="x-none" altLang="zh-CN" sz="1200">
-                <a:solidFill>
-                  <a:schemeClr val="tx1"/>
-                </a:solidFill>
-              </a:rPr>
-              <a:t>3.对有过渡插补的线段进行过渡插补</a:t>
-            </a:r>
-            <a:endParaRPr lang="x-none" altLang="zh-CN" sz="1200">
-              <a:solidFill>
-                <a:schemeClr val="tx1"/>
-              </a:solidFill>
-            </a:endParaRPr>
-          </a:p>
-          <a:p>
-            <a:pPr algn="l"/>
-            <a:endParaRPr lang="x-none" altLang="zh-CN" sz="1200">
-              <a:solidFill>
-                <a:schemeClr val="tx1"/>
-              </a:solidFill>
-            </a:endParaRPr>
-          </a:p>
-          <a:p>
-            <a:pPr algn="l"/>
-            <a:endParaRPr lang="x-none" altLang="zh-CN" sz="1200">
-              <a:solidFill>
-                <a:schemeClr val="tx1"/>
-              </a:solidFill>
-            </a:endParaRPr>
-          </a:p>
-          <a:p>
-            <a:pPr algn="l"/>
-            <a:endParaRPr lang="x-none" altLang="zh-CN" sz="1200">
-              <a:solidFill>
-                <a:schemeClr val="tx1"/>
-              </a:solidFill>
-            </a:endParaRPr>
-          </a:p>
-        </p:txBody>
-      </p:sp>
-      <p:sp>
-        <p:nvSpPr>
-          <p:cNvPr id="12" name="圆角矩形 11"/>
-          <p:cNvSpPr/>
-          <p:nvPr/>
-        </p:nvSpPr>
-        <p:spPr>
-          <a:xfrm>
-            <a:off x="6005830" y="4030345"/>
-            <a:ext cx="1690370" cy="2489835"/>
-          </a:xfrm>
-          <a:prstGeom prst="roundRect">
-            <a:avLst/>
-          </a:prstGeom>
-          <a:solidFill>
-            <a:schemeClr val="bg2"/>
-          </a:solidFill>
-        </p:spPr>
-        <p:style>
-          <a:lnRef idx="2">
-            <a:schemeClr val="accent1">
-              <a:shade val="50000"/>
-            </a:schemeClr>
-          </a:lnRef>
-          <a:fillRef idx="1">
-            <a:schemeClr val="accent1"/>
-          </a:fillRef>
-          <a:effectRef idx="0">
-            <a:schemeClr val="accent1"/>
-          </a:effectRef>
-          <a:fontRef idx="minor">
-            <a:schemeClr val="lt1"/>
-          </a:fontRef>
-        </p:style>
-        <p:txBody>
-          <a:bodyPr rtlCol="0" anchor="ctr"/>
-          <a:p>
-            <a:pPr algn="l"/>
-            <a:r>
-              <a:rPr lang="x-none" altLang="zh-CN" sz="1200">
-                <a:solidFill>
-                  <a:schemeClr val="tx1"/>
-                </a:solidFill>
-              </a:rPr>
-              <a:t>tesk:</a:t>
-            </a:r>
-            <a:endParaRPr lang="x-none" altLang="zh-CN" sz="1200">
-              <a:solidFill>
-                <a:schemeClr val="tx1"/>
-              </a:solidFill>
-            </a:endParaRPr>
-          </a:p>
-          <a:p>
-            <a:pPr algn="l"/>
-            <a:r>
-              <a:rPr lang="x-none" altLang="zh-CN" sz="1200">
-                <a:solidFill>
-                  <a:schemeClr val="tx1"/>
-                </a:solidFill>
-              </a:rPr>
-              <a:t>1.响应不同控制状态下对电机的模式切换</a:t>
-            </a:r>
-            <a:endParaRPr lang="x-none" altLang="zh-CN" sz="1200">
-              <a:solidFill>
-                <a:schemeClr val="tx1"/>
-              </a:solidFill>
-            </a:endParaRPr>
-          </a:p>
-          <a:p>
-            <a:pPr algn="l"/>
-            <a:r>
-              <a:rPr lang="x-none" altLang="zh-CN" sz="1200">
-                <a:solidFill>
-                  <a:schemeClr val="tx1"/>
-                </a:solidFill>
-              </a:rPr>
-              <a:t>2.对tp计算得出的关节变量处理,将关节变量传给电机进行插值</a:t>
-            </a:r>
-            <a:endParaRPr lang="x-none" altLang="zh-CN" sz="1200">
-              <a:solidFill>
-                <a:schemeClr val="tx1"/>
-              </a:solidFill>
-            </a:endParaRPr>
-          </a:p>
-          <a:p>
-            <a:pPr algn="l"/>
-            <a:endParaRPr lang="x-none" altLang="zh-CN" sz="1200">
-              <a:solidFill>
-                <a:schemeClr val="tx1"/>
-              </a:solidFill>
-            </a:endParaRPr>
-          </a:p>
-          <a:p>
-            <a:pPr algn="l"/>
-            <a:endParaRPr lang="x-none" altLang="zh-CN" sz="1200">
-              <a:solidFill>
-                <a:schemeClr val="tx1"/>
-              </a:solidFill>
-            </a:endParaRPr>
-          </a:p>
-          <a:p>
-            <a:pPr algn="l"/>
-            <a:endParaRPr lang="x-none" altLang="zh-CN" sz="1200">
-              <a:solidFill>
-                <a:schemeClr val="tx1"/>
-              </a:solidFill>
-            </a:endParaRPr>
-          </a:p>
-          <a:p>
-            <a:pPr algn="l"/>
-            <a:endParaRPr lang="x-none" altLang="zh-CN" sz="1200">
-              <a:solidFill>
-                <a:schemeClr val="tx1"/>
-              </a:solidFill>
-            </a:endParaRPr>
-          </a:p>
-        </p:txBody>
-      </p:sp>
-      <p:sp>
-        <p:nvSpPr>
-          <p:cNvPr id="13" name="圆角矩形 12"/>
-          <p:cNvSpPr/>
-          <p:nvPr/>
-        </p:nvSpPr>
-        <p:spPr>
-          <a:xfrm>
-            <a:off x="9011920" y="4030345"/>
-            <a:ext cx="1690370" cy="2489835"/>
-          </a:xfrm>
-          <a:prstGeom prst="roundRect">
-            <a:avLst/>
-          </a:prstGeom>
-          <a:solidFill>
-            <a:schemeClr val="bg2"/>
-          </a:solidFill>
-        </p:spPr>
-        <p:style>
-          <a:lnRef idx="2">
-            <a:schemeClr val="accent1">
-              <a:shade val="50000"/>
-            </a:schemeClr>
-          </a:lnRef>
-          <a:fillRef idx="1">
-            <a:schemeClr val="accent1"/>
-          </a:fillRef>
-          <a:effectRef idx="0">
-            <a:schemeClr val="accent1"/>
-          </a:effectRef>
-          <a:fontRef idx="minor">
-            <a:schemeClr val="lt1"/>
-          </a:fontRef>
-        </p:style>
-        <p:txBody>
-          <a:bodyPr rtlCol="0" anchor="ctr"/>
-          <a:p>
-            <a:pPr algn="l"/>
-            <a:r>
-              <a:rPr lang="x-none" altLang="zh-CN" sz="1200">
-                <a:solidFill>
-                  <a:schemeClr val="tx1"/>
-                </a:solidFill>
-              </a:rPr>
-              <a:t>tesk:</a:t>
-            </a:r>
-            <a:endParaRPr lang="x-none" altLang="zh-CN" sz="1200">
-              <a:solidFill>
-                <a:schemeClr val="tx1"/>
-              </a:solidFill>
-            </a:endParaRPr>
-          </a:p>
-          <a:p>
-            <a:pPr algn="l"/>
-            <a:r>
-              <a:rPr lang="x-none" altLang="zh-CN" sz="1200">
-                <a:solidFill>
-                  <a:schemeClr val="tx1"/>
-                </a:solidFill>
-              </a:rPr>
-              <a:t>1.响应不同的控制命令</a:t>
-            </a:r>
-            <a:endParaRPr lang="x-none" altLang="zh-CN" sz="1200">
-              <a:solidFill>
-                <a:schemeClr val="tx1"/>
-              </a:solidFill>
-            </a:endParaRPr>
-          </a:p>
-          <a:p>
-            <a:pPr algn="l"/>
-            <a:r>
-              <a:rPr lang="x-none" altLang="zh-CN" sz="1200">
-                <a:solidFill>
-                  <a:schemeClr val="tx1"/>
-                </a:solidFill>
-              </a:rPr>
-              <a:t>2.计算机械臂实时位姿</a:t>
-            </a:r>
-            <a:endParaRPr lang="x-none" altLang="zh-CN" sz="1200">
-              <a:solidFill>
-                <a:schemeClr val="tx1"/>
-              </a:solidFill>
-            </a:endParaRPr>
-          </a:p>
-          <a:p>
-            <a:pPr algn="l"/>
-            <a:endParaRPr lang="x-none" altLang="zh-CN" sz="1200">
-              <a:solidFill>
-                <a:schemeClr val="tx1"/>
-              </a:solidFill>
-            </a:endParaRPr>
-          </a:p>
-          <a:p>
-            <a:pPr algn="l"/>
-            <a:endParaRPr lang="x-none" altLang="zh-CN" sz="1200">
-              <a:solidFill>
-                <a:schemeClr val="tx1"/>
-              </a:solidFill>
-            </a:endParaRPr>
-          </a:p>
-          <a:p>
-            <a:pPr algn="l"/>
-            <a:endParaRPr lang="x-none" altLang="zh-CN" sz="1200">
-              <a:solidFill>
-                <a:schemeClr val="tx1"/>
-              </a:solidFill>
-            </a:endParaRPr>
-          </a:p>
-          <a:p>
-            <a:pPr algn="l"/>
-            <a:endParaRPr lang="x-none" altLang="zh-CN" sz="1200">
-              <a:solidFill>
-                <a:schemeClr val="tx1"/>
-              </a:solidFill>
-            </a:endParaRPr>
-          </a:p>
-          <a:p>
-            <a:pPr algn="l"/>
-            <a:endParaRPr lang="x-none" altLang="zh-CN" sz="1200">
-              <a:solidFill>
-                <a:schemeClr val="tx1"/>
-              </a:solidFill>
-            </a:endParaRPr>
-          </a:p>
-          <a:p>
-            <a:pPr algn="l"/>
-            <a:endParaRPr lang="x-none" altLang="zh-CN" sz="1200">
-              <a:solidFill>
-                <a:schemeClr val="tx1"/>
-              </a:solidFill>
-            </a:endParaRPr>
+            <a:pPr algn="ctr"/>
+            <a:r>
+              <a:rPr lang="x-none" altLang="zh-CN"/>
+              <a:t>tc</a:t>
+            </a:r>
+            <a:endParaRPr lang="x-none" altLang="zh-CN"/>
+          </a:p>
+        </p:txBody>
+      </p:sp>
+      <p:sp>
+        <p:nvSpPr>
+          <p:cNvPr id="12" name="文本框 11"/>
+          <p:cNvSpPr txBox="1"/>
+          <p:nvPr/>
+        </p:nvSpPr>
+        <p:spPr>
+          <a:xfrm>
+            <a:off x="3404870" y="3319145"/>
+            <a:ext cx="1083310" cy="457200"/>
+          </a:xfrm>
+          <a:prstGeom prst="rect">
+            <a:avLst/>
+          </a:prstGeom>
+          <a:noFill/>
+          <a:ln>
+            <a:solidFill>
+              <a:schemeClr val="accent1"/>
+            </a:solidFill>
+          </a:ln>
+        </p:spPr>
+        <p:txBody>
+          <a:bodyPr wrap="square" rtlCol="0">
+            <a:spAutoFit/>
+          </a:bodyPr>
+          <a:p>
+            <a:r>
+              <a:rPr lang="x-none" altLang="zh-CN" sz="1200"/>
+              <a:t>jc_running 触发</a:t>
+            </a:r>
+            <a:endParaRPr lang="x-none" altLang="zh-CN" sz="1200"/>
           </a:p>
         </p:txBody>
       </p:sp>
       <p:cxnSp>
         <p:nvCxnSpPr>
-          <p:cNvPr id="14" name="直接连接符 13"/>
+          <p:cNvPr id="13" name="直接箭头连接符 12"/>
           <p:cNvCxnSpPr>
-            <a:stCxn id="6" idx="4"/>
-            <a:endCxn id="10" idx="0"/>
+            <a:stCxn id="7" idx="2"/>
+            <a:endCxn id="8" idx="0"/>
           </p:cNvCxnSpPr>
           <p:nvPr/>
         </p:nvCxnSpPr>
         <p:spPr>
-          <a:xfrm flipH="1">
-            <a:off x="1402715" y="3240405"/>
-            <a:ext cx="48895" cy="781685"/>
-          </a:xfrm>
-          <a:prstGeom prst="line">
-            <a:avLst/>
-          </a:prstGeom>
+          <a:xfrm>
+            <a:off x="2459990" y="2832735"/>
+            <a:ext cx="0" cy="454660"/>
+          </a:xfrm>
+          <a:prstGeom prst="straightConnector1">
+            <a:avLst/>
+          </a:prstGeom>
+          <a:ln>
+            <a:tailEnd type="arrow"/>
+          </a:ln>
         </p:spPr>
         <p:style>
           <a:lnRef idx="1">
@@ -5843,21 +5699,24 @@
       </p:cxnSp>
       <p:cxnSp>
         <p:nvCxnSpPr>
-          <p:cNvPr id="15" name="直接连接符 14"/>
+          <p:cNvPr id="14" name="直接箭头连接符 13"/>
           <p:cNvCxnSpPr>
-            <a:stCxn id="7" idx="4"/>
-            <a:endCxn id="11" idx="0"/>
+            <a:stCxn id="8" idx="2"/>
+            <a:endCxn id="9" idx="0"/>
           </p:cNvCxnSpPr>
           <p:nvPr/>
         </p:nvCxnSpPr>
         <p:spPr>
           <a:xfrm>
-            <a:off x="3978910" y="3240405"/>
-            <a:ext cx="7620" cy="789940"/>
-          </a:xfrm>
-          <a:prstGeom prst="line">
-            <a:avLst/>
-          </a:prstGeom>
+            <a:off x="2459990" y="3704590"/>
+            <a:ext cx="0" cy="474345"/>
+          </a:xfrm>
+          <a:prstGeom prst="straightConnector1">
+            <a:avLst/>
+          </a:prstGeom>
+          <a:ln>
+            <a:tailEnd type="arrow"/>
+          </a:ln>
         </p:spPr>
         <p:style>
           <a:lnRef idx="1">
@@ -5876,21 +5735,434 @@
       </p:cxnSp>
       <p:cxnSp>
         <p:nvCxnSpPr>
-          <p:cNvPr id="16" name="直接连接符 15"/>
+          <p:cNvPr id="15" name="直接箭头连接符 14"/>
           <p:cNvCxnSpPr>
-            <a:stCxn id="8" idx="4"/>
+            <a:stCxn id="9" idx="2"/>
+            <a:endCxn id="10" idx="0"/>
+          </p:cNvCxnSpPr>
+          <p:nvPr/>
+        </p:nvCxnSpPr>
+        <p:spPr>
+          <a:xfrm>
+            <a:off x="2459990" y="4596130"/>
+            <a:ext cx="0" cy="771525"/>
+          </a:xfrm>
+          <a:prstGeom prst="straightConnector1">
+            <a:avLst/>
+          </a:prstGeom>
+          <a:ln>
+            <a:tailEnd type="arrow"/>
+          </a:ln>
+        </p:spPr>
+        <p:style>
+          <a:lnRef idx="1">
+            <a:schemeClr val="accent1"/>
+          </a:lnRef>
+          <a:fillRef idx="0">
+            <a:schemeClr val="accent1"/>
+          </a:fillRef>
+          <a:effectRef idx="0">
+            <a:schemeClr val="accent1"/>
+          </a:effectRef>
+          <a:fontRef idx="minor">
+            <a:schemeClr val="tx1"/>
+          </a:fontRef>
+        </p:style>
+      </p:cxnSp>
+      <p:sp>
+        <p:nvSpPr>
+          <p:cNvPr id="16" name="文本框 15"/>
+          <p:cNvSpPr txBox="1"/>
+          <p:nvPr/>
+        </p:nvSpPr>
+        <p:spPr>
+          <a:xfrm>
+            <a:off x="3365500" y="2366010"/>
+            <a:ext cx="1152525" cy="458470"/>
+          </a:xfrm>
+          <a:prstGeom prst="rect">
+            <a:avLst/>
+          </a:prstGeom>
+          <a:noFill/>
+          <a:ln>
+            <a:solidFill>
+              <a:schemeClr val="accent1"/>
+            </a:solidFill>
+          </a:ln>
+        </p:spPr>
+        <p:txBody>
+          <a:bodyPr wrap="square" rtlCol="0">
+            <a:spAutoFit/>
+          </a:bodyPr>
+          <a:p>
+            <a:r>
+              <a:rPr lang="x-none" altLang="zh-CN" sz="1200"/>
+              <a:t>切换状态为runnning</a:t>
+            </a:r>
+            <a:endParaRPr lang="x-none" altLang="zh-CN" sz="1200"/>
+          </a:p>
+        </p:txBody>
+      </p:sp>
+      <p:sp>
+        <p:nvSpPr>
+          <p:cNvPr id="17" name="文本框 16"/>
+          <p:cNvSpPr txBox="1"/>
+          <p:nvPr/>
+        </p:nvSpPr>
+        <p:spPr>
+          <a:xfrm>
+            <a:off x="3375660" y="4203065"/>
+            <a:ext cx="1140460" cy="641350"/>
+          </a:xfrm>
+          <a:prstGeom prst="rect">
+            <a:avLst/>
+          </a:prstGeom>
+          <a:noFill/>
+          <a:ln>
+            <a:solidFill>
+              <a:schemeClr val="accent1"/>
+            </a:solidFill>
+          </a:ln>
+        </p:spPr>
+        <p:txBody>
+          <a:bodyPr wrap="square" rtlCol="0">
+            <a:spAutoFit/>
+          </a:bodyPr>
+          <a:p>
+            <a:r>
+              <a:rPr lang="x-none" altLang="zh-CN" sz="1200"/>
+              <a:t>从队列中获取第一条轨迹开始插补</a:t>
+            </a:r>
+            <a:endParaRPr lang="x-none" altLang="zh-CN" sz="1200"/>
+          </a:p>
+        </p:txBody>
+      </p:sp>
+      <p:sp>
+        <p:nvSpPr>
+          <p:cNvPr id="18" name="文本框 17"/>
+          <p:cNvSpPr txBox="1"/>
+          <p:nvPr/>
+        </p:nvSpPr>
+        <p:spPr>
+          <a:xfrm>
+            <a:off x="3414395" y="5294630"/>
+            <a:ext cx="1082040" cy="458470"/>
+          </a:xfrm>
+          <a:prstGeom prst="rect">
+            <a:avLst/>
+          </a:prstGeom>
+          <a:noFill/>
+          <a:ln>
+            <a:solidFill>
+              <a:schemeClr val="accent1"/>
+            </a:solidFill>
+          </a:ln>
+        </p:spPr>
+        <p:txBody>
+          <a:bodyPr wrap="square" rtlCol="0">
+            <a:spAutoFit/>
+          </a:bodyPr>
+          <a:p>
+            <a:r>
+              <a:rPr lang="x-none" altLang="zh-CN" sz="1200"/>
+              <a:t>开始速度插补</a:t>
+            </a:r>
+            <a:endParaRPr lang="x-none" altLang="zh-CN" sz="1200"/>
+          </a:p>
+        </p:txBody>
+      </p:sp>
+      <p:sp>
+        <p:nvSpPr>
+          <p:cNvPr id="20" name="文本框 19"/>
+          <p:cNvSpPr txBox="1"/>
+          <p:nvPr/>
+        </p:nvSpPr>
+        <p:spPr>
+          <a:xfrm>
+            <a:off x="5034280" y="2296160"/>
+            <a:ext cx="1388745" cy="641350"/>
+          </a:xfrm>
+          <a:prstGeom prst="rect">
+            <a:avLst/>
+          </a:prstGeom>
+          <a:noFill/>
+          <a:ln>
+            <a:solidFill>
+              <a:schemeClr val="accent1"/>
+            </a:solidFill>
+          </a:ln>
+        </p:spPr>
+        <p:txBody>
+          <a:bodyPr wrap="square" rtlCol="0">
+            <a:spAutoFit/>
+          </a:bodyPr>
+          <a:p>
+            <a:r>
+              <a:rPr lang="x-none" altLang="zh-CN" sz="1200"/>
+              <a:t>检查motion状态,更新状态,计算当前位姿</a:t>
+            </a:r>
+            <a:endParaRPr lang="x-none" altLang="zh-CN" sz="1200"/>
+          </a:p>
+        </p:txBody>
+      </p:sp>
+      <p:sp>
+        <p:nvSpPr>
+          <p:cNvPr id="22" name="文本框 21"/>
+          <p:cNvSpPr txBox="1"/>
+          <p:nvPr/>
+        </p:nvSpPr>
+        <p:spPr>
+          <a:xfrm>
+            <a:off x="4993005" y="5304790"/>
+            <a:ext cx="1427480" cy="458470"/>
+          </a:xfrm>
+          <a:prstGeom prst="rect">
+            <a:avLst/>
+          </a:prstGeom>
+          <a:noFill/>
+          <a:ln>
+            <a:solidFill>
+              <a:schemeClr val="accent1"/>
+            </a:solidFill>
+          </a:ln>
+        </p:spPr>
+        <p:txBody>
+          <a:bodyPr wrap="square" rtlCol="0">
+            <a:spAutoFit/>
+          </a:bodyPr>
+          <a:p>
+            <a:r>
+              <a:rPr lang="x-none" altLang="zh-CN" sz="1200"/>
+              <a:t>根据不同的速度规划计算当前路程</a:t>
+            </a:r>
+            <a:endParaRPr lang="x-none" altLang="zh-CN" sz="1200"/>
+          </a:p>
+        </p:txBody>
+      </p:sp>
+      <p:sp>
+        <p:nvSpPr>
+          <p:cNvPr id="23" name="文本框 22"/>
+          <p:cNvSpPr txBox="1"/>
+          <p:nvPr/>
+        </p:nvSpPr>
+        <p:spPr>
+          <a:xfrm>
+            <a:off x="4963795" y="4182745"/>
+            <a:ext cx="1499870" cy="641350"/>
+          </a:xfrm>
+          <a:prstGeom prst="rect">
+            <a:avLst/>
+          </a:prstGeom>
+          <a:noFill/>
+          <a:ln>
+            <a:solidFill>
+              <a:schemeClr val="accent1"/>
+            </a:solidFill>
+          </a:ln>
+        </p:spPr>
+        <p:txBody>
+          <a:bodyPr wrap="square" rtlCol="0">
+            <a:spAutoFit/>
+          </a:bodyPr>
+          <a:p>
+            <a:r>
+              <a:rPr lang="x-none" altLang="zh-CN" sz="1200"/>
+              <a:t>根据当前路程,对比总路程计算机械臂当前位姿或关节量</a:t>
+            </a:r>
+            <a:endParaRPr lang="x-none" altLang="zh-CN" sz="1200"/>
+          </a:p>
+        </p:txBody>
+      </p:sp>
+      <p:sp>
+        <p:nvSpPr>
+          <p:cNvPr id="25" name="文本框 24"/>
+          <p:cNvSpPr txBox="1"/>
+          <p:nvPr/>
+        </p:nvSpPr>
+        <p:spPr>
+          <a:xfrm>
+            <a:off x="5003165" y="3368675"/>
+            <a:ext cx="1419860" cy="641350"/>
+          </a:xfrm>
+          <a:prstGeom prst="rect">
+            <a:avLst/>
+          </a:prstGeom>
+          <a:noFill/>
+          <a:ln>
+            <a:solidFill>
+              <a:schemeClr val="accent1"/>
+            </a:solidFill>
+          </a:ln>
+        </p:spPr>
+        <p:txBody>
+          <a:bodyPr wrap="square" rtlCol="0">
+            <a:spAutoFit/>
+          </a:bodyPr>
+          <a:p>
+            <a:r>
+              <a:rPr lang="x-none" altLang="zh-CN" sz="1200"/>
+              <a:t>将关节量写入motor,位姿则转换为关节量再写入</a:t>
+            </a:r>
+            <a:endParaRPr lang="x-none" altLang="zh-CN" sz="1200"/>
+          </a:p>
+        </p:txBody>
+      </p:sp>
+      <p:sp>
+        <p:nvSpPr>
+          <p:cNvPr id="27" name="文本框 26"/>
+          <p:cNvSpPr txBox="1"/>
+          <p:nvPr/>
+        </p:nvSpPr>
+        <p:spPr>
+          <a:xfrm>
+            <a:off x="6967855" y="5403850"/>
+            <a:ext cx="1172210" cy="275590"/>
+          </a:xfrm>
+          <a:prstGeom prst="rect">
+            <a:avLst/>
+          </a:prstGeom>
+          <a:noFill/>
+          <a:ln>
+            <a:solidFill>
+              <a:schemeClr val="accent1"/>
+            </a:solidFill>
+          </a:ln>
+        </p:spPr>
+        <p:txBody>
+          <a:bodyPr wrap="square" rtlCol="0">
+            <a:spAutoFit/>
+          </a:bodyPr>
+          <a:p>
+            <a:r>
+              <a:rPr lang="x-none" altLang="zh-CN" sz="1200"/>
+              <a:t>速度插补完成</a:t>
+            </a:r>
+            <a:endParaRPr lang="x-none" altLang="zh-CN" sz="1200"/>
+          </a:p>
+        </p:txBody>
+      </p:sp>
+      <p:sp>
+        <p:nvSpPr>
+          <p:cNvPr id="28" name="文本框 27"/>
+          <p:cNvSpPr txBox="1"/>
+          <p:nvPr/>
+        </p:nvSpPr>
+        <p:spPr>
+          <a:xfrm>
+            <a:off x="6899275" y="4203065"/>
+            <a:ext cx="1261110" cy="641350"/>
+          </a:xfrm>
+          <a:prstGeom prst="rect">
+            <a:avLst/>
+          </a:prstGeom>
+          <a:noFill/>
+          <a:ln>
+            <a:solidFill>
+              <a:schemeClr val="accent1"/>
+            </a:solidFill>
+          </a:ln>
+        </p:spPr>
+        <p:txBody>
+          <a:bodyPr wrap="square" rtlCol="0">
+            <a:spAutoFit/>
+          </a:bodyPr>
+          <a:p>
+            <a:r>
+              <a:rPr lang="x-none" altLang="zh-CN" sz="1200"/>
+              <a:t>删除队列第一条轨迹,获取下一条</a:t>
+            </a:r>
+            <a:endParaRPr lang="x-none" altLang="zh-CN" sz="1200"/>
+          </a:p>
+        </p:txBody>
+      </p:sp>
+      <p:sp>
+        <p:nvSpPr>
+          <p:cNvPr id="29" name="文本框 28"/>
+          <p:cNvSpPr txBox="1"/>
+          <p:nvPr/>
+        </p:nvSpPr>
+        <p:spPr>
+          <a:xfrm>
+            <a:off x="6929120" y="3329305"/>
+            <a:ext cx="1161415" cy="457200"/>
+          </a:xfrm>
+          <a:prstGeom prst="rect">
+            <a:avLst/>
+          </a:prstGeom>
+          <a:noFill/>
+          <a:ln>
+            <a:solidFill>
+              <a:schemeClr val="accent1"/>
+            </a:solidFill>
+          </a:ln>
+        </p:spPr>
+        <p:txBody>
+          <a:bodyPr wrap="square" rtlCol="0">
+            <a:spAutoFit/>
+          </a:bodyPr>
+          <a:p>
+            <a:r>
+              <a:rPr lang="x-none" altLang="zh-CN" sz="1200"/>
+              <a:t>jc_running=false,停止插补</a:t>
+            </a:r>
+            <a:endParaRPr lang="x-none" altLang="zh-CN" sz="1200"/>
+          </a:p>
+        </p:txBody>
+      </p:sp>
+      <p:sp>
+        <p:nvSpPr>
+          <p:cNvPr id="30" name="文本框 29"/>
+          <p:cNvSpPr txBox="1"/>
+          <p:nvPr/>
+        </p:nvSpPr>
+        <p:spPr>
+          <a:xfrm>
+            <a:off x="7038975" y="2316480"/>
+            <a:ext cx="953135" cy="458470"/>
+          </a:xfrm>
+          <a:prstGeom prst="rect">
+            <a:avLst/>
+          </a:prstGeom>
+          <a:noFill/>
+          <a:ln>
+            <a:solidFill>
+              <a:schemeClr val="accent1"/>
+            </a:solidFill>
+          </a:ln>
+        </p:spPr>
+        <p:txBody>
+          <a:bodyPr wrap="square" rtlCol="0">
+            <a:spAutoFit/>
+          </a:bodyPr>
+          <a:p>
+            <a:r>
+              <a:rPr lang="x-none" altLang="zh-CN" sz="1200"/>
+              <a:t>切换状态为idle</a:t>
+            </a:r>
+            <a:endParaRPr lang="x-none" altLang="zh-CN" sz="1200"/>
+          </a:p>
+        </p:txBody>
+      </p:sp>
+      <p:cxnSp>
+        <p:nvCxnSpPr>
+          <p:cNvPr id="31" name="直接箭头连接符 30"/>
+          <p:cNvCxnSpPr>
+            <a:stCxn id="16" idx="2"/>
             <a:endCxn id="12" idx="0"/>
           </p:cNvCxnSpPr>
           <p:nvPr/>
         </p:nvCxnSpPr>
         <p:spPr>
           <a:xfrm>
-            <a:off x="6746240" y="3240405"/>
-            <a:ext cx="104775" cy="789940"/>
-          </a:xfrm>
-          <a:prstGeom prst="line">
-            <a:avLst/>
-          </a:prstGeom>
+            <a:off x="3942080" y="2824480"/>
+            <a:ext cx="4445" cy="494665"/>
+          </a:xfrm>
+          <a:prstGeom prst="straightConnector1">
+            <a:avLst/>
+          </a:prstGeom>
+          <a:ln>
+            <a:tailEnd type="arrow"/>
+          </a:ln>
         </p:spPr>
         <p:style>
           <a:lnRef idx="1">
@@ -5909,21 +6181,24 @@
       </p:cxnSp>
       <p:cxnSp>
         <p:nvCxnSpPr>
-          <p:cNvPr id="17" name="直接连接符 16"/>
+          <p:cNvPr id="32" name="直接箭头连接符 31"/>
           <p:cNvCxnSpPr>
-            <a:stCxn id="9" idx="4"/>
-            <a:endCxn id="13" idx="0"/>
+            <a:stCxn id="12" idx="2"/>
+            <a:endCxn id="17" idx="0"/>
           </p:cNvCxnSpPr>
           <p:nvPr/>
         </p:nvCxnSpPr>
         <p:spPr>
-          <a:xfrm>
-            <a:off x="9758680" y="3239770"/>
-            <a:ext cx="98425" cy="790575"/>
-          </a:xfrm>
-          <a:prstGeom prst="line">
-            <a:avLst/>
-          </a:prstGeom>
+          <a:xfrm flipH="1">
+            <a:off x="3945890" y="3776345"/>
+            <a:ext cx="635" cy="426720"/>
+          </a:xfrm>
+          <a:prstGeom prst="straightConnector1">
+            <a:avLst/>
+          </a:prstGeom>
+          <a:ln>
+            <a:tailEnd type="arrow"/>
+          </a:ln>
         </p:spPr>
         <p:style>
           <a:lnRef idx="1">
@@ -5940,6 +6215,547 @@
           </a:fontRef>
         </p:style>
       </p:cxnSp>
+      <p:cxnSp>
+        <p:nvCxnSpPr>
+          <p:cNvPr id="33" name="直接箭头连接符 32"/>
+          <p:cNvCxnSpPr>
+            <a:stCxn id="17" idx="2"/>
+            <a:endCxn id="18" idx="0"/>
+          </p:cNvCxnSpPr>
+          <p:nvPr/>
+        </p:nvCxnSpPr>
+        <p:spPr>
+          <a:xfrm>
+            <a:off x="3945890" y="4844415"/>
+            <a:ext cx="9525" cy="450215"/>
+          </a:xfrm>
+          <a:prstGeom prst="straightConnector1">
+            <a:avLst/>
+          </a:prstGeom>
+          <a:ln>
+            <a:tailEnd type="arrow"/>
+          </a:ln>
+        </p:spPr>
+        <p:style>
+          <a:lnRef idx="1">
+            <a:schemeClr val="accent1"/>
+          </a:lnRef>
+          <a:fillRef idx="0">
+            <a:schemeClr val="accent1"/>
+          </a:fillRef>
+          <a:effectRef idx="0">
+            <a:schemeClr val="accent1"/>
+          </a:effectRef>
+          <a:fontRef idx="minor">
+            <a:schemeClr val="tx1"/>
+          </a:fontRef>
+        </p:style>
+      </p:cxnSp>
+      <p:cxnSp>
+        <p:nvCxnSpPr>
+          <p:cNvPr id="34" name="直接箭头连接符 33"/>
+          <p:cNvCxnSpPr>
+            <a:stCxn id="18" idx="3"/>
+            <a:endCxn id="22" idx="1"/>
+          </p:cNvCxnSpPr>
+          <p:nvPr/>
+        </p:nvCxnSpPr>
+        <p:spPr>
+          <a:xfrm>
+            <a:off x="4496435" y="5523865"/>
+            <a:ext cx="496570" cy="10160"/>
+          </a:xfrm>
+          <a:prstGeom prst="straightConnector1">
+            <a:avLst/>
+          </a:prstGeom>
+          <a:ln>
+            <a:tailEnd type="arrow"/>
+          </a:ln>
+        </p:spPr>
+        <p:style>
+          <a:lnRef idx="1">
+            <a:schemeClr val="accent1"/>
+          </a:lnRef>
+          <a:fillRef idx="0">
+            <a:schemeClr val="accent1"/>
+          </a:fillRef>
+          <a:effectRef idx="0">
+            <a:schemeClr val="accent1"/>
+          </a:effectRef>
+          <a:fontRef idx="minor">
+            <a:schemeClr val="tx1"/>
+          </a:fontRef>
+        </p:style>
+      </p:cxnSp>
+      <p:cxnSp>
+        <p:nvCxnSpPr>
+          <p:cNvPr id="35" name="直接箭头连接符 34"/>
+          <p:cNvCxnSpPr>
+            <a:stCxn id="22" idx="3"/>
+            <a:endCxn id="27" idx="1"/>
+          </p:cNvCxnSpPr>
+          <p:nvPr/>
+        </p:nvCxnSpPr>
+        <p:spPr>
+          <a:xfrm>
+            <a:off x="6420485" y="5534025"/>
+            <a:ext cx="547370" cy="7620"/>
+          </a:xfrm>
+          <a:prstGeom prst="straightConnector1">
+            <a:avLst/>
+          </a:prstGeom>
+          <a:ln>
+            <a:tailEnd type="arrow"/>
+          </a:ln>
+        </p:spPr>
+        <p:style>
+          <a:lnRef idx="1">
+            <a:schemeClr val="accent1"/>
+          </a:lnRef>
+          <a:fillRef idx="0">
+            <a:schemeClr val="accent1"/>
+          </a:fillRef>
+          <a:effectRef idx="0">
+            <a:schemeClr val="accent1"/>
+          </a:effectRef>
+          <a:fontRef idx="minor">
+            <a:schemeClr val="tx1"/>
+          </a:fontRef>
+        </p:style>
+      </p:cxnSp>
+      <p:cxnSp>
+        <p:nvCxnSpPr>
+          <p:cNvPr id="36" name="直接箭头连接符 35"/>
+          <p:cNvCxnSpPr>
+            <a:stCxn id="22" idx="0"/>
+            <a:endCxn id="23" idx="2"/>
+          </p:cNvCxnSpPr>
+          <p:nvPr/>
+        </p:nvCxnSpPr>
+        <p:spPr>
+          <a:xfrm flipV="1">
+            <a:off x="5706745" y="4824095"/>
+            <a:ext cx="6985" cy="480695"/>
+          </a:xfrm>
+          <a:prstGeom prst="straightConnector1">
+            <a:avLst/>
+          </a:prstGeom>
+          <a:ln>
+            <a:tailEnd type="arrow"/>
+          </a:ln>
+        </p:spPr>
+        <p:style>
+          <a:lnRef idx="1">
+            <a:schemeClr val="accent1"/>
+          </a:lnRef>
+          <a:fillRef idx="0">
+            <a:schemeClr val="accent1"/>
+          </a:fillRef>
+          <a:effectRef idx="0">
+            <a:schemeClr val="accent1"/>
+          </a:effectRef>
+          <a:fontRef idx="minor">
+            <a:schemeClr val="tx1"/>
+          </a:fontRef>
+        </p:style>
+      </p:cxnSp>
+      <p:cxnSp>
+        <p:nvCxnSpPr>
+          <p:cNvPr id="37" name="直接箭头连接符 36"/>
+          <p:cNvCxnSpPr>
+            <a:stCxn id="23" idx="0"/>
+            <a:endCxn id="25" idx="2"/>
+          </p:cNvCxnSpPr>
+          <p:nvPr/>
+        </p:nvCxnSpPr>
+        <p:spPr>
+          <a:xfrm flipH="1" flipV="1">
+            <a:off x="5713095" y="4010025"/>
+            <a:ext cx="635" cy="172720"/>
+          </a:xfrm>
+          <a:prstGeom prst="straightConnector1">
+            <a:avLst/>
+          </a:prstGeom>
+          <a:ln>
+            <a:tailEnd type="arrow"/>
+          </a:ln>
+        </p:spPr>
+        <p:style>
+          <a:lnRef idx="1">
+            <a:schemeClr val="accent1"/>
+          </a:lnRef>
+          <a:fillRef idx="0">
+            <a:schemeClr val="accent1"/>
+          </a:fillRef>
+          <a:effectRef idx="0">
+            <a:schemeClr val="accent1"/>
+          </a:effectRef>
+          <a:fontRef idx="minor">
+            <a:schemeClr val="tx1"/>
+          </a:fontRef>
+        </p:style>
+      </p:cxnSp>
+      <p:cxnSp>
+        <p:nvCxnSpPr>
+          <p:cNvPr id="38" name="直接箭头连接符 37"/>
+          <p:cNvCxnSpPr>
+            <a:stCxn id="25" idx="0"/>
+            <a:endCxn id="20" idx="2"/>
+          </p:cNvCxnSpPr>
+          <p:nvPr/>
+        </p:nvCxnSpPr>
+        <p:spPr>
+          <a:xfrm flipV="1">
+            <a:off x="5713095" y="2937510"/>
+            <a:ext cx="15875" cy="431165"/>
+          </a:xfrm>
+          <a:prstGeom prst="straightConnector1">
+            <a:avLst/>
+          </a:prstGeom>
+          <a:ln>
+            <a:tailEnd type="arrow"/>
+          </a:ln>
+        </p:spPr>
+        <p:style>
+          <a:lnRef idx="1">
+            <a:schemeClr val="accent1"/>
+          </a:lnRef>
+          <a:fillRef idx="0">
+            <a:schemeClr val="accent1"/>
+          </a:fillRef>
+          <a:effectRef idx="0">
+            <a:schemeClr val="accent1"/>
+          </a:effectRef>
+          <a:fontRef idx="minor">
+            <a:schemeClr val="tx1"/>
+          </a:fontRef>
+        </p:style>
+      </p:cxnSp>
+      <p:cxnSp>
+        <p:nvCxnSpPr>
+          <p:cNvPr id="39" name="直接箭头连接符 38"/>
+          <p:cNvCxnSpPr>
+            <a:stCxn id="27" idx="0"/>
+            <a:endCxn id="28" idx="2"/>
+          </p:cNvCxnSpPr>
+          <p:nvPr/>
+        </p:nvCxnSpPr>
+        <p:spPr>
+          <a:xfrm flipH="1" flipV="1">
+            <a:off x="7529830" y="4844415"/>
+            <a:ext cx="24130" cy="559435"/>
+          </a:xfrm>
+          <a:prstGeom prst="straightConnector1">
+            <a:avLst/>
+          </a:prstGeom>
+          <a:ln>
+            <a:tailEnd type="arrow"/>
+          </a:ln>
+        </p:spPr>
+        <p:style>
+          <a:lnRef idx="1">
+            <a:schemeClr val="accent1"/>
+          </a:lnRef>
+          <a:fillRef idx="0">
+            <a:schemeClr val="accent1"/>
+          </a:fillRef>
+          <a:effectRef idx="0">
+            <a:schemeClr val="accent1"/>
+          </a:effectRef>
+          <a:fontRef idx="minor">
+            <a:schemeClr val="tx1"/>
+          </a:fontRef>
+        </p:style>
+      </p:cxnSp>
+      <p:cxnSp>
+        <p:nvCxnSpPr>
+          <p:cNvPr id="40" name="直接箭头连接符 39"/>
+          <p:cNvCxnSpPr>
+            <a:stCxn id="28" idx="0"/>
+            <a:endCxn id="29" idx="2"/>
+          </p:cNvCxnSpPr>
+          <p:nvPr/>
+        </p:nvCxnSpPr>
+        <p:spPr>
+          <a:xfrm flipH="1" flipV="1">
+            <a:off x="7510145" y="3786505"/>
+            <a:ext cx="19685" cy="416560"/>
+          </a:xfrm>
+          <a:prstGeom prst="straightConnector1">
+            <a:avLst/>
+          </a:prstGeom>
+          <a:ln>
+            <a:tailEnd type="arrow"/>
+          </a:ln>
+        </p:spPr>
+        <p:style>
+          <a:lnRef idx="1">
+            <a:schemeClr val="accent1"/>
+          </a:lnRef>
+          <a:fillRef idx="0">
+            <a:schemeClr val="accent1"/>
+          </a:fillRef>
+          <a:effectRef idx="0">
+            <a:schemeClr val="accent1"/>
+          </a:effectRef>
+          <a:fontRef idx="minor">
+            <a:schemeClr val="tx1"/>
+          </a:fontRef>
+        </p:style>
+      </p:cxnSp>
+      <p:cxnSp>
+        <p:nvCxnSpPr>
+          <p:cNvPr id="41" name="直接箭头连接符 40"/>
+          <p:cNvCxnSpPr>
+            <a:stCxn id="29" idx="0"/>
+            <a:endCxn id="30" idx="2"/>
+          </p:cNvCxnSpPr>
+          <p:nvPr/>
+        </p:nvCxnSpPr>
+        <p:spPr>
+          <a:xfrm flipV="1">
+            <a:off x="7510145" y="2774950"/>
+            <a:ext cx="5715" cy="554355"/>
+          </a:xfrm>
+          <a:prstGeom prst="straightConnector1">
+            <a:avLst/>
+          </a:prstGeom>
+          <a:ln>
+            <a:tailEnd type="arrow"/>
+          </a:ln>
+        </p:spPr>
+        <p:style>
+          <a:lnRef idx="1">
+            <a:schemeClr val="accent1"/>
+          </a:lnRef>
+          <a:fillRef idx="0">
+            <a:schemeClr val="accent1"/>
+          </a:fillRef>
+          <a:effectRef idx="0">
+            <a:schemeClr val="accent1"/>
+          </a:effectRef>
+          <a:fontRef idx="minor">
+            <a:schemeClr val="tx1"/>
+          </a:fontRef>
+        </p:style>
+      </p:cxnSp>
+      <p:cxnSp>
+        <p:nvCxnSpPr>
+          <p:cNvPr id="42" name="直接箭头连接符 41"/>
+          <p:cNvCxnSpPr>
+            <a:stCxn id="28" idx="3"/>
+          </p:cNvCxnSpPr>
+          <p:nvPr/>
+        </p:nvCxnSpPr>
+        <p:spPr>
+          <a:xfrm>
+            <a:off x="8160385" y="4523740"/>
+            <a:ext cx="664845" cy="6985"/>
+          </a:xfrm>
+          <a:prstGeom prst="straightConnector1">
+            <a:avLst/>
+          </a:prstGeom>
+          <a:ln>
+            <a:tailEnd type="arrow"/>
+          </a:ln>
+        </p:spPr>
+        <p:style>
+          <a:lnRef idx="1">
+            <a:schemeClr val="accent1"/>
+          </a:lnRef>
+          <a:fillRef idx="0">
+            <a:schemeClr val="accent1"/>
+          </a:fillRef>
+          <a:effectRef idx="0">
+            <a:schemeClr val="accent1"/>
+          </a:effectRef>
+          <a:fontRef idx="minor">
+            <a:schemeClr val="tx1"/>
+          </a:fontRef>
+        </p:style>
+      </p:cxnSp>
+      <p:sp>
+        <p:nvSpPr>
+          <p:cNvPr id="43" name="文本框 42"/>
+          <p:cNvSpPr txBox="1"/>
+          <p:nvPr/>
+        </p:nvSpPr>
+        <p:spPr>
+          <a:xfrm>
+            <a:off x="8963660" y="4381500"/>
+            <a:ext cx="625475" cy="275590"/>
+          </a:xfrm>
+          <a:prstGeom prst="rect">
+            <a:avLst/>
+          </a:prstGeom>
+          <a:noFill/>
+          <a:ln>
+            <a:solidFill>
+              <a:schemeClr val="accent1"/>
+            </a:solidFill>
+          </a:ln>
+        </p:spPr>
+        <p:txBody>
+          <a:bodyPr wrap="square" rtlCol="0">
+            <a:spAutoFit/>
+          </a:bodyPr>
+          <a:p>
+            <a:r>
+              <a:rPr lang="x-none" altLang="zh-CN" sz="1200"/>
+              <a:t>开始...</a:t>
+            </a:r>
+            <a:endParaRPr lang="x-none" altLang="zh-CN" sz="1200"/>
+          </a:p>
+        </p:txBody>
+      </p:sp>
+      <p:sp>
+        <p:nvSpPr>
+          <p:cNvPr id="45" name="文本框 44"/>
+          <p:cNvSpPr txBox="1"/>
+          <p:nvPr/>
+        </p:nvSpPr>
+        <p:spPr>
+          <a:xfrm>
+            <a:off x="3285490" y="1522095"/>
+            <a:ext cx="1310640" cy="367665"/>
+          </a:xfrm>
+          <a:prstGeom prst="rect">
+            <a:avLst/>
+          </a:prstGeom>
+          <a:noFill/>
+        </p:spPr>
+        <p:txBody>
+          <a:bodyPr wrap="square" rtlCol="0">
+            <a:spAutoFit/>
+          </a:bodyPr>
+          <a:p>
+            <a:pPr algn="ctr"/>
+            <a:r>
+              <a:rPr lang="x-none" altLang="zh-CN"/>
+              <a:t>开始</a:t>
+            </a:r>
+            <a:endParaRPr lang="x-none" altLang="zh-CN"/>
+          </a:p>
+        </p:txBody>
+      </p:sp>
+      <p:sp>
+        <p:nvSpPr>
+          <p:cNvPr id="46" name="文本框 45"/>
+          <p:cNvSpPr txBox="1"/>
+          <p:nvPr/>
+        </p:nvSpPr>
+        <p:spPr>
+          <a:xfrm>
+            <a:off x="5053330" y="1551940"/>
+            <a:ext cx="1379855" cy="367665"/>
+          </a:xfrm>
+          <a:prstGeom prst="rect">
+            <a:avLst/>
+          </a:prstGeom>
+          <a:noFill/>
+        </p:spPr>
+        <p:txBody>
+          <a:bodyPr wrap="square" rtlCol="0">
+            <a:spAutoFit/>
+          </a:bodyPr>
+          <a:p>
+            <a:pPr algn="ctr"/>
+            <a:r>
+              <a:rPr lang="x-none" altLang="zh-CN"/>
+              <a:t>过程</a:t>
+            </a:r>
+            <a:endParaRPr lang="x-none" altLang="zh-CN"/>
+          </a:p>
+        </p:txBody>
+      </p:sp>
+      <p:sp>
+        <p:nvSpPr>
+          <p:cNvPr id="47" name="文本框 46"/>
+          <p:cNvSpPr txBox="1"/>
+          <p:nvPr/>
+        </p:nvSpPr>
+        <p:spPr>
+          <a:xfrm>
+            <a:off x="6919595" y="1531620"/>
+            <a:ext cx="1181735" cy="367665"/>
+          </a:xfrm>
+          <a:prstGeom prst="rect">
+            <a:avLst/>
+          </a:prstGeom>
+          <a:noFill/>
+        </p:spPr>
+        <p:txBody>
+          <a:bodyPr wrap="square" rtlCol="0">
+            <a:spAutoFit/>
+          </a:bodyPr>
+          <a:p>
+            <a:pPr algn="ctr"/>
+            <a:r>
+              <a:rPr lang="x-none" altLang="zh-CN"/>
+              <a:t>结束</a:t>
+            </a:r>
+            <a:endParaRPr lang="x-none" altLang="zh-CN"/>
+          </a:p>
+        </p:txBody>
+      </p:sp>
+      <p:sp>
+        <p:nvSpPr>
+          <p:cNvPr id="48" name="文本框 47"/>
+          <p:cNvSpPr txBox="1"/>
+          <p:nvPr/>
+        </p:nvSpPr>
+        <p:spPr>
+          <a:xfrm>
+            <a:off x="7623810" y="3914775"/>
+            <a:ext cx="357505" cy="275590"/>
+          </a:xfrm>
+          <a:prstGeom prst="rect">
+            <a:avLst/>
+          </a:prstGeom>
+          <a:noFill/>
+        </p:spPr>
+        <p:txBody>
+          <a:bodyPr wrap="square" rtlCol="0">
+            <a:spAutoFit/>
+          </a:bodyPr>
+          <a:p>
+            <a:r>
+              <a:rPr lang="x-none" altLang="zh-CN" sz="1200"/>
+              <a:t>空</a:t>
+            </a:r>
+            <a:endParaRPr lang="x-none" altLang="zh-CN" sz="1200"/>
+          </a:p>
+        </p:txBody>
+      </p:sp>
+      <p:sp>
+        <p:nvSpPr>
+          <p:cNvPr id="49" name="文本框 48"/>
+          <p:cNvSpPr txBox="1"/>
+          <p:nvPr/>
+        </p:nvSpPr>
+        <p:spPr>
+          <a:xfrm>
+            <a:off x="8280400" y="4321810"/>
+            <a:ext cx="337185" cy="458470"/>
+          </a:xfrm>
+          <a:prstGeom prst="rect">
+            <a:avLst/>
+          </a:prstGeom>
+          <a:noFill/>
+        </p:spPr>
+        <p:txBody>
+          <a:bodyPr wrap="square" rtlCol="0">
+            <a:spAutoFit/>
+          </a:bodyPr>
+          <a:p>
+            <a:r>
+              <a:rPr lang="x-none" altLang="zh-CN" sz="1200"/>
+              <a:t>非空</a:t>
+            </a:r>
+            <a:endParaRPr lang="x-none" altLang="zh-CN" sz="1200"/>
+          </a:p>
+        </p:txBody>
+      </p:sp>
     </p:spTree>
   </p:cSld>
   <p:clrMapOvr>
@@ -5982,7 +6798,7 @@
           <a:p>
             <a:r>
               <a:rPr lang="x-none" altLang="zh-CN"/>
-              <a:t>轨迹运动函数说明</a:t>
+              <a:t>运动示例-pause</a:t>
             </a:r>
             <a:endParaRPr lang="x-none" altLang="zh-CN"/>
           </a:p>
@@ -5990,14 +6806,229 @@
       </p:sp>
       <p:sp>
         <p:nvSpPr>
-          <p:cNvPr id="3" name="文本框 2"/>
+          <p:cNvPr id="3" name="椭圆 2"/>
+          <p:cNvSpPr/>
+          <p:nvPr/>
+        </p:nvSpPr>
+        <p:spPr>
+          <a:xfrm>
+            <a:off x="179070" y="2357755"/>
+            <a:ext cx="1400175" cy="417195"/>
+          </a:xfrm>
+          <a:prstGeom prst="ellipse">
+            <a:avLst/>
+          </a:prstGeom>
+        </p:spPr>
+        <p:style>
+          <a:lnRef idx="2">
+            <a:schemeClr val="accent1">
+              <a:shade val="50000"/>
+            </a:schemeClr>
+          </a:lnRef>
+          <a:fillRef idx="1">
+            <a:schemeClr val="accent1"/>
+          </a:fillRef>
+          <a:effectRef idx="0">
+            <a:schemeClr val="accent1"/>
+          </a:effectRef>
+          <a:fontRef idx="minor">
+            <a:schemeClr val="lt1"/>
+          </a:fontRef>
+        </p:style>
+        <p:txBody>
+          <a:bodyPr rtlCol="0" anchor="ctr"/>
+          <a:p>
+            <a:pPr algn="ctr"/>
+            <a:r>
+              <a:rPr lang="x-none" altLang="zh-CN" sz="1200"/>
+              <a:t>添加p2p</a:t>
+            </a:r>
+            <a:endParaRPr lang="x-none" altLang="zh-CN" sz="1200"/>
+          </a:p>
+        </p:txBody>
+      </p:sp>
+      <p:sp>
+        <p:nvSpPr>
+          <p:cNvPr id="7" name="圆角矩形 6"/>
+          <p:cNvSpPr/>
+          <p:nvPr/>
+        </p:nvSpPr>
+        <p:spPr>
+          <a:xfrm>
+            <a:off x="1759585" y="2415540"/>
+            <a:ext cx="1400175" cy="417195"/>
+          </a:xfrm>
+          <a:prstGeom prst="roundRect">
+            <a:avLst/>
+          </a:prstGeom>
+        </p:spPr>
+        <p:style>
+          <a:lnRef idx="2">
+            <a:schemeClr val="accent1">
+              <a:shade val="50000"/>
+            </a:schemeClr>
+          </a:lnRef>
+          <a:fillRef idx="1">
+            <a:schemeClr val="accent1"/>
+          </a:fillRef>
+          <a:effectRef idx="0">
+            <a:schemeClr val="accent1"/>
+          </a:effectRef>
+          <a:fontRef idx="minor">
+            <a:schemeClr val="lt1"/>
+          </a:fontRef>
+        </p:style>
+        <p:txBody>
+          <a:bodyPr rtlCol="0" anchor="ctr"/>
+          <a:p>
+            <a:pPr algn="ctr"/>
+            <a:r>
+              <a:rPr lang="x-none" altLang="zh-CN"/>
+              <a:t>motion</a:t>
+            </a:r>
+            <a:endParaRPr lang="x-none" altLang="zh-CN"/>
+          </a:p>
+        </p:txBody>
+      </p:sp>
+      <p:sp>
+        <p:nvSpPr>
+          <p:cNvPr id="8" name="圆角矩形 7"/>
+          <p:cNvSpPr/>
+          <p:nvPr/>
+        </p:nvSpPr>
+        <p:spPr>
+          <a:xfrm>
+            <a:off x="1759585" y="3287395"/>
+            <a:ext cx="1400175" cy="417195"/>
+          </a:xfrm>
+          <a:prstGeom prst="roundRect">
+            <a:avLst/>
+          </a:prstGeom>
+        </p:spPr>
+        <p:style>
+          <a:lnRef idx="2">
+            <a:schemeClr val="accent1">
+              <a:shade val="50000"/>
+            </a:schemeClr>
+          </a:lnRef>
+          <a:fillRef idx="1">
+            <a:schemeClr val="accent1"/>
+          </a:fillRef>
+          <a:effectRef idx="0">
+            <a:schemeClr val="accent1"/>
+          </a:effectRef>
+          <a:fontRef idx="minor">
+            <a:schemeClr val="lt1"/>
+          </a:fontRef>
+        </p:style>
+        <p:txBody>
+          <a:bodyPr rtlCol="0" anchor="ctr"/>
+          <a:p>
+            <a:pPr algn="ctr"/>
+            <a:r>
+              <a:rPr lang="x-none" altLang="zh-CN"/>
+              <a:t>jc</a:t>
+            </a:r>
+            <a:endParaRPr lang="x-none" altLang="zh-CN"/>
+          </a:p>
+        </p:txBody>
+      </p:sp>
+      <p:sp>
+        <p:nvSpPr>
+          <p:cNvPr id="9" name="圆角矩形 8"/>
+          <p:cNvSpPr/>
+          <p:nvPr/>
+        </p:nvSpPr>
+        <p:spPr>
+          <a:xfrm>
+            <a:off x="1759585" y="4178935"/>
+            <a:ext cx="1400175" cy="417195"/>
+          </a:xfrm>
+          <a:prstGeom prst="roundRect">
+            <a:avLst/>
+          </a:prstGeom>
+        </p:spPr>
+        <p:style>
+          <a:lnRef idx="2">
+            <a:schemeClr val="accent1">
+              <a:shade val="50000"/>
+            </a:schemeClr>
+          </a:lnRef>
+          <a:fillRef idx="1">
+            <a:schemeClr val="accent1"/>
+          </a:fillRef>
+          <a:effectRef idx="0">
+            <a:schemeClr val="accent1"/>
+          </a:effectRef>
+          <a:fontRef idx="minor">
+            <a:schemeClr val="lt1"/>
+          </a:fontRef>
+        </p:style>
+        <p:txBody>
+          <a:bodyPr rtlCol="0" anchor="ctr"/>
+          <a:p>
+            <a:pPr algn="ctr"/>
+            <a:r>
+              <a:rPr lang="x-none" altLang="zh-CN"/>
+              <a:t>tp</a:t>
+            </a:r>
+            <a:endParaRPr lang="x-none" altLang="zh-CN"/>
+          </a:p>
+        </p:txBody>
+      </p:sp>
+      <p:sp>
+        <p:nvSpPr>
+          <p:cNvPr id="10" name="圆角矩形 9"/>
+          <p:cNvSpPr/>
+          <p:nvPr/>
+        </p:nvSpPr>
+        <p:spPr>
+          <a:xfrm>
+            <a:off x="1759585" y="5367655"/>
+            <a:ext cx="1400175" cy="417195"/>
+          </a:xfrm>
+          <a:prstGeom prst="roundRect">
+            <a:avLst/>
+          </a:prstGeom>
+        </p:spPr>
+        <p:style>
+          <a:lnRef idx="2">
+            <a:schemeClr val="accent1">
+              <a:shade val="50000"/>
+            </a:schemeClr>
+          </a:lnRef>
+          <a:fillRef idx="1">
+            <a:schemeClr val="accent1"/>
+          </a:fillRef>
+          <a:effectRef idx="0">
+            <a:schemeClr val="accent1"/>
+          </a:effectRef>
+          <a:fontRef idx="minor">
+            <a:schemeClr val="lt1"/>
+          </a:fontRef>
+        </p:style>
+        <p:txBody>
+          <a:bodyPr rtlCol="0" anchor="ctr"/>
+          <a:p>
+            <a:pPr algn="ctr"/>
+            <a:r>
+              <a:rPr lang="x-none" altLang="zh-CN"/>
+              <a:t>tc</a:t>
+            </a:r>
+            <a:endParaRPr lang="x-none" altLang="zh-CN"/>
+          </a:p>
+        </p:txBody>
+      </p:sp>
+      <p:sp>
+        <p:nvSpPr>
+          <p:cNvPr id="12" name="文本框 11"/>
           <p:cNvSpPr txBox="1"/>
           <p:nvPr/>
         </p:nvSpPr>
         <p:spPr>
           <a:xfrm>
-            <a:off x="88265" y="1270000"/>
-            <a:ext cx="12032615" cy="4664710"/>
+            <a:off x="3404870" y="3319145"/>
+            <a:ext cx="1083310" cy="457200"/>
           </a:xfrm>
           <a:prstGeom prst="rect">
             <a:avLst/>
@@ -6015,413 +7046,1360 @@
           </a:bodyPr>
           <a:p>
             <a:r>
-              <a:rPr lang="x-none" altLang="zh-CN" sz="1200">
-                <a:ln>
-                  <a:noFill/>
-                </a:ln>
-              </a:rPr>
-              <a:t>motion支持:</a:t>
-            </a:r>
-            <a:endParaRPr lang="x-none" altLang="zh-CN" sz="1200">
-              <a:ln>
-                <a:noFill/>
-              </a:ln>
-            </a:endParaRPr>
-          </a:p>
-          <a:p>
-            <a:r>
-              <a:rPr lang="x-none" altLang="zh-CN" sz="1200">
-                <a:ln>
-                  <a:noFill/>
-                </a:ln>
-                <a:solidFill>
-                  <a:schemeClr val="accent1"/>
-                </a:solidFill>
-              </a:rPr>
-              <a:t>单轴关节自由模式插值</a:t>
-            </a:r>
-            <a:endParaRPr lang="x-none" altLang="zh-CN" sz="1200">
-              <a:ln>
-                <a:noFill/>
-              </a:ln>
-              <a:solidFill>
-                <a:schemeClr val="accent1"/>
-              </a:solidFill>
-            </a:endParaRPr>
-          </a:p>
-          <a:p>
-            <a:r>
-              <a:rPr lang="x-none" altLang="zh-CN" sz="1200">
-                <a:ln>
-                  <a:noFill/>
-                </a:ln>
-              </a:rPr>
-              <a:t>COMMON::EmcError motionAddFreeSingalJointAbs(const bool is_arm, const uint32_t joint_index,const UserVel_t &amp;vl, const double posit,const uint32_t id);</a:t>
-            </a:r>
-            <a:endParaRPr lang="x-none" altLang="zh-CN" sz="1200">
-              <a:ln>
-                <a:noFill/>
-              </a:ln>
-            </a:endParaRPr>
-          </a:p>
-          <a:p>
-            <a:r>
-              <a:rPr lang="x-none" altLang="zh-CN" sz="1200">
-                <a:ln>
-                  <a:noFill/>
-                </a:ln>
-                <a:solidFill>
-                  <a:schemeClr val="accent1"/>
-                </a:solidFill>
-              </a:rPr>
-              <a:t>点到点自由模式关节变量方式添加</a:t>
-            </a:r>
-            <a:endParaRPr lang="x-none" altLang="zh-CN" sz="1200">
-              <a:ln>
-                <a:noFill/>
-              </a:ln>
-              <a:solidFill>
-                <a:schemeClr val="accent1"/>
-              </a:solidFill>
-            </a:endParaRPr>
-          </a:p>
-          <a:p>
-            <a:r>
-              <a:rPr lang="x-none" altLang="zh-CN" sz="1200">
-                <a:ln>
-                  <a:noFill/>
-                </a:ln>
-              </a:rPr>
-              <a:t>COMMON::EmcError motionAddFreeAllJointAbsMove(const UserVel_t &amp;vl, const IntePosition_t &amp;posit,const uint32_t id);</a:t>
-            </a:r>
-            <a:endParaRPr lang="x-none" altLang="zh-CN" sz="1200">
-              <a:ln>
-                <a:noFill/>
-              </a:ln>
-            </a:endParaRPr>
-          </a:p>
-          <a:p>
-            <a:r>
-              <a:rPr lang="x-none" altLang="zh-CN" sz="1200">
-                <a:ln>
-                  <a:noFill/>
-                </a:ln>
-                <a:solidFill>
-                  <a:schemeClr val="accent1"/>
-                </a:solidFill>
-              </a:rPr>
-              <a:t>点到点自由模式空间位姿方式添加</a:t>
-            </a:r>
-            <a:endParaRPr lang="x-none" altLang="zh-CN" sz="1200">
-              <a:ln>
-                <a:noFill/>
-              </a:ln>
-              <a:solidFill>
-                <a:schemeClr val="accent1"/>
-              </a:solidFill>
-            </a:endParaRPr>
-          </a:p>
-          <a:p>
-            <a:r>
-              <a:rPr lang="x-none" altLang="zh-CN" sz="1200">
-                <a:ln>
-                  <a:noFill/>
-                </a:ln>
-              </a:rPr>
-              <a:t>COMMON::EmcError motionAddFreeAllJointAbsMove(const UserVel_t &amp;vl, const IntePose_t &amp;pose,const int &amp;ik_flag, const uint32_t id);</a:t>
-            </a:r>
-            <a:endParaRPr lang="x-none" altLang="zh-CN" sz="1200">
-              <a:ln>
-                <a:noFill/>
-              </a:ln>
-            </a:endParaRPr>
-          </a:p>
-          <a:p>
-            <a:r>
-              <a:rPr lang="x-none" altLang="zh-CN" sz="1200">
-                <a:ln>
-                  <a:noFill/>
-                </a:ln>
-                <a:solidFill>
-                  <a:schemeClr val="accent1"/>
-                </a:solidFill>
-              </a:rPr>
-              <a:t>点到点路径模式关节变量方式添加</a:t>
-            </a:r>
-            <a:endParaRPr lang="x-none" altLang="zh-CN" sz="1200">
-              <a:ln>
-                <a:noFill/>
-              </a:ln>
-              <a:solidFill>
-                <a:schemeClr val="accent1"/>
-              </a:solidFill>
-            </a:endParaRPr>
-          </a:p>
-          <a:p>
-            <a:r>
-              <a:rPr lang="x-none" altLang="zh-CN" sz="1200">
-                <a:ln>
-                  <a:noFill/>
-                </a:ln>
-              </a:rPr>
-              <a:t>COMMON::EmcError motionAddPathAllJointAbsMove(const UserVel_t &amp;vl, const UserOvl_t ovl,const IntePosition_t &amp;posit, const uint32_t id);</a:t>
-            </a:r>
-            <a:endParaRPr lang="x-none" altLang="zh-CN" sz="1200">
-              <a:ln>
-                <a:noFill/>
-              </a:ln>
-            </a:endParaRPr>
-          </a:p>
-          <a:p>
-            <a:r>
-              <a:rPr lang="x-none" altLang="zh-CN" sz="1200">
-                <a:ln>
-                  <a:noFill/>
-                </a:ln>
-                <a:solidFill>
-                  <a:schemeClr val="accent1"/>
-                </a:solidFill>
-              </a:rPr>
-              <a:t>点到点路径模式空间位姿方式添加</a:t>
-            </a:r>
-            <a:endParaRPr lang="x-none" altLang="zh-CN" sz="1200">
-              <a:ln>
-                <a:noFill/>
-              </a:ln>
-              <a:solidFill>
-                <a:schemeClr val="accent1"/>
-              </a:solidFill>
-            </a:endParaRPr>
-          </a:p>
-          <a:p>
-            <a:r>
-              <a:rPr lang="x-none" altLang="zh-CN" sz="1200">
-                <a:ln>
-                  <a:noFill/>
-                </a:ln>
-              </a:rPr>
-              <a:t>COMMON::EmcError motionAddPathAllJointAbsMove(const UserVel_t &amp;vl, const UserOvl_t ovl,const IntePose_t &amp;pose, const int &amp;ik_flag, const uint32_t id);</a:t>
-            </a:r>
-            <a:endParaRPr lang="x-none" altLang="zh-CN" sz="1200">
-              <a:ln>
-                <a:noFill/>
-              </a:ln>
-            </a:endParaRPr>
-          </a:p>
-          <a:p>
-            <a:endParaRPr lang="x-none" altLang="zh-CN" sz="1200">
-              <a:ln>
-                <a:noFill/>
-              </a:ln>
-            </a:endParaRPr>
-          </a:p>
-          <a:p>
-            <a:r>
-              <a:rPr lang="x-none" altLang="zh-CN" sz="1200">
-                <a:ln>
-                  <a:noFill/>
-                </a:ln>
-              </a:rPr>
-              <a:t>motion待添加:</a:t>
-            </a:r>
-            <a:endParaRPr lang="x-none" altLang="zh-CN" sz="1200">
-              <a:ln>
-                <a:noFill/>
-              </a:ln>
-            </a:endParaRPr>
-          </a:p>
-          <a:p>
-            <a:r>
-              <a:rPr lang="x-none" altLang="zh-CN" sz="1200">
-                <a:ln>
-                  <a:noFill/>
-                </a:ln>
-                <a:solidFill>
-                  <a:schemeClr val="accent1"/>
-                </a:solidFill>
-              </a:rPr>
-              <a:t>空间直线</a:t>
-            </a:r>
-            <a:endParaRPr lang="x-none" altLang="zh-CN" sz="1200">
-              <a:ln>
-                <a:noFill/>
-              </a:ln>
-              <a:solidFill>
-                <a:schemeClr val="accent1"/>
-              </a:solidFill>
-            </a:endParaRPr>
-          </a:p>
-          <a:p>
-            <a:r>
-              <a:rPr lang="x-none" altLang="zh-CN" sz="1200">
-                <a:ln>
-                  <a:noFill/>
-                </a:ln>
-              </a:rPr>
-              <a:t>bool tpAddPathLine(const UserVelBase_t &amp;vl, const IntePose_t &amp;pose, const int &amp;ik_flag, const uint32_t id, COMMON::EmcError &amp;m_e,</a:t>
-            </a:r>
-            <a:endParaRPr lang="x-none" altLang="zh-CN" sz="1200">
-              <a:ln>
-                <a:noFill/>
-              </a:ln>
-            </a:endParaRPr>
-          </a:p>
-          <a:p>
-            <a:r>
-              <a:rPr lang="x-none" altLang="zh-CN" sz="1200">
-                <a:ln>
-                  <a:noFill/>
-                </a:ln>
-              </a:rPr>
-              <a:t>                       const MoveBlendType_t blend_type, const BlendParam_t &amp;blend_param);</a:t>
-            </a:r>
-            <a:endParaRPr lang="x-none" altLang="zh-CN" sz="1200">
-              <a:ln>
-                <a:noFill/>
-              </a:ln>
-            </a:endParaRPr>
-          </a:p>
-          <a:p>
-            <a:r>
-              <a:rPr lang="x-none" altLang="zh-CN" sz="1200">
-                <a:ln>
-                  <a:noFill/>
-                </a:ln>
-                <a:solidFill>
-                  <a:schemeClr val="accent1"/>
-                </a:solidFill>
-              </a:rPr>
-              <a:t>空间与圆弧,参数为圆心法向量和终点</a:t>
-            </a:r>
-            <a:endParaRPr lang="x-none" altLang="zh-CN" sz="1200">
-              <a:ln>
-                <a:noFill/>
-              </a:ln>
-              <a:solidFill>
-                <a:schemeClr val="accent1"/>
-              </a:solidFill>
-            </a:endParaRPr>
-          </a:p>
-          <a:p>
-            <a:r>
-              <a:rPr lang="x-none" altLang="zh-CN" sz="1200">
-                <a:ln>
-                  <a:noFill/>
-                </a:ln>
-              </a:rPr>
-              <a:t>bool tpAddPathCircle(const UserVelBase_t &amp;vl, const IntePose_t &amp;end, const KDL::Vector &amp;center, const KDL::Vector &amp;normal,</a:t>
-            </a:r>
-            <a:endParaRPr lang="x-none" altLang="zh-CN" sz="1200">
-              <a:ln>
-                <a:noFill/>
-              </a:ln>
-            </a:endParaRPr>
-          </a:p>
-          <a:p>
-            <a:r>
-              <a:rPr lang="x-none" altLang="zh-CN" sz="1200">
-                <a:ln>
-                  <a:noFill/>
-                </a:ln>
-              </a:rPr>
-              <a:t>                         const double chord_error, const int &amp;ik_flag, const uint32_t id, COMMON::EmcError &amp;m_e,</a:t>
-            </a:r>
-            <a:endParaRPr lang="x-none" altLang="zh-CN" sz="1200">
-              <a:ln>
-                <a:noFill/>
-              </a:ln>
-            </a:endParaRPr>
-          </a:p>
-          <a:p>
-            <a:r>
-              <a:rPr lang="x-none" altLang="zh-CN" sz="1200">
-                <a:ln>
-                  <a:noFill/>
-                </a:ln>
-              </a:rPr>
-              <a:t>	      const MoveBlendType_t blend_type, const BlendParam_t &amp;blend_param);</a:t>
-            </a:r>
-            <a:endParaRPr lang="x-none" altLang="zh-CN" sz="1200">
-              <a:ln>
-                <a:noFill/>
-              </a:ln>
-            </a:endParaRPr>
-          </a:p>
-          <a:p>
-            <a:r>
-              <a:rPr lang="x-none" altLang="zh-CN" sz="1200">
-                <a:ln>
-                  <a:noFill/>
-                </a:ln>
-                <a:solidFill>
-                  <a:schemeClr val="accent1"/>
-                </a:solidFill>
-              </a:rPr>
-              <a:t>空间圆弧,参数为中间点和终点</a:t>
-            </a:r>
-            <a:endParaRPr lang="x-none" altLang="zh-CN" sz="1200">
-              <a:ln>
-                <a:noFill/>
-              </a:ln>
-              <a:solidFill>
-                <a:schemeClr val="accent1"/>
-              </a:solidFill>
-            </a:endParaRPr>
-          </a:p>
-          <a:p>
-            <a:r>
-              <a:rPr lang="x-none" altLang="zh-CN" sz="1200">
-                <a:ln>
-                  <a:noFill/>
-                </a:ln>
-              </a:rPr>
-              <a:t>bool tpAddPathCircle(const UserVelBase_t &amp;vl, const IntePose_t &amp;mid_pose, const IntePose_t &amp;end,</a:t>
-            </a:r>
-            <a:endParaRPr lang="x-none" altLang="zh-CN" sz="1200">
-              <a:ln>
-                <a:noFill/>
-              </a:ln>
-            </a:endParaRPr>
-          </a:p>
-          <a:p>
-            <a:r>
-              <a:rPr lang="x-none" altLang="zh-CN" sz="1200">
-                <a:ln>
-                  <a:noFill/>
-                </a:ln>
-              </a:rPr>
-              <a:t>                         const double chord_error, const int &amp;ik_flag, const uint32_t id, COMMON::EmcError &amp;m_e,</a:t>
-            </a:r>
-            <a:endParaRPr lang="x-none" altLang="zh-CN" sz="1200">
-              <a:ln>
-                <a:noFill/>
-              </a:ln>
-            </a:endParaRPr>
-          </a:p>
-          <a:p>
-            <a:r>
-              <a:rPr lang="x-none" altLang="zh-CN" sz="1200">
-                <a:ln>
-                  <a:noFill/>
-                </a:ln>
-              </a:rPr>
-              <a:t>                         const MoveBlendType_t blend_type, const BlendParam_t &amp;blend_param);</a:t>
-            </a:r>
-            <a:br>
-              <a:rPr lang="x-none" altLang="zh-CN" sz="1200">
-                <a:ln>
-                  <a:noFill/>
-                </a:ln>
-              </a:rPr>
-            </a:br>
-            <a:endParaRPr lang="x-none" altLang="zh-CN" sz="1200">
-              <a:ln>
-                <a:noFill/>
-              </a:ln>
-            </a:endParaRPr>
-          </a:p>
-        </p:txBody>
-      </p:sp>
+              <a:rPr lang="x-none" altLang="zh-CN" sz="1200"/>
+              <a:t>jc_running 触发</a:t>
+            </a:r>
+            <a:endParaRPr lang="x-none" altLang="zh-CN" sz="1200"/>
+          </a:p>
+        </p:txBody>
+      </p:sp>
+      <p:cxnSp>
+        <p:nvCxnSpPr>
+          <p:cNvPr id="13" name="直接箭头连接符 12"/>
+          <p:cNvCxnSpPr>
+            <a:stCxn id="7" idx="2"/>
+            <a:endCxn id="8" idx="0"/>
+          </p:cNvCxnSpPr>
+          <p:nvPr/>
+        </p:nvCxnSpPr>
+        <p:spPr>
+          <a:xfrm>
+            <a:off x="2459990" y="2832735"/>
+            <a:ext cx="0" cy="454660"/>
+          </a:xfrm>
+          <a:prstGeom prst="straightConnector1">
+            <a:avLst/>
+          </a:prstGeom>
+          <a:ln>
+            <a:tailEnd type="arrow"/>
+          </a:ln>
+        </p:spPr>
+        <p:style>
+          <a:lnRef idx="1">
+            <a:schemeClr val="accent1"/>
+          </a:lnRef>
+          <a:fillRef idx="0">
+            <a:schemeClr val="accent1"/>
+          </a:fillRef>
+          <a:effectRef idx="0">
+            <a:schemeClr val="accent1"/>
+          </a:effectRef>
+          <a:fontRef idx="minor">
+            <a:schemeClr val="tx1"/>
+          </a:fontRef>
+        </p:style>
+      </p:cxnSp>
+      <p:cxnSp>
+        <p:nvCxnSpPr>
+          <p:cNvPr id="14" name="直接箭头连接符 13"/>
+          <p:cNvCxnSpPr>
+            <a:stCxn id="8" idx="2"/>
+            <a:endCxn id="9" idx="0"/>
+          </p:cNvCxnSpPr>
+          <p:nvPr/>
+        </p:nvCxnSpPr>
+        <p:spPr>
+          <a:xfrm>
+            <a:off x="2459990" y="3704590"/>
+            <a:ext cx="0" cy="474345"/>
+          </a:xfrm>
+          <a:prstGeom prst="straightConnector1">
+            <a:avLst/>
+          </a:prstGeom>
+          <a:ln>
+            <a:tailEnd type="arrow"/>
+          </a:ln>
+        </p:spPr>
+        <p:style>
+          <a:lnRef idx="1">
+            <a:schemeClr val="accent1"/>
+          </a:lnRef>
+          <a:fillRef idx="0">
+            <a:schemeClr val="accent1"/>
+          </a:fillRef>
+          <a:effectRef idx="0">
+            <a:schemeClr val="accent1"/>
+          </a:effectRef>
+          <a:fontRef idx="minor">
+            <a:schemeClr val="tx1"/>
+          </a:fontRef>
+        </p:style>
+      </p:cxnSp>
+      <p:cxnSp>
+        <p:nvCxnSpPr>
+          <p:cNvPr id="15" name="直接箭头连接符 14"/>
+          <p:cNvCxnSpPr>
+            <a:stCxn id="9" idx="2"/>
+            <a:endCxn id="10" idx="0"/>
+          </p:cNvCxnSpPr>
+          <p:nvPr/>
+        </p:nvCxnSpPr>
+        <p:spPr>
+          <a:xfrm>
+            <a:off x="2459990" y="4596130"/>
+            <a:ext cx="0" cy="771525"/>
+          </a:xfrm>
+          <a:prstGeom prst="straightConnector1">
+            <a:avLst/>
+          </a:prstGeom>
+          <a:ln>
+            <a:tailEnd type="arrow"/>
+          </a:ln>
+        </p:spPr>
+        <p:style>
+          <a:lnRef idx="1">
+            <a:schemeClr val="accent1"/>
+          </a:lnRef>
+          <a:fillRef idx="0">
+            <a:schemeClr val="accent1"/>
+          </a:fillRef>
+          <a:effectRef idx="0">
+            <a:schemeClr val="accent1"/>
+          </a:effectRef>
+          <a:fontRef idx="minor">
+            <a:schemeClr val="tx1"/>
+          </a:fontRef>
+        </p:style>
+      </p:cxnSp>
+      <p:sp>
+        <p:nvSpPr>
+          <p:cNvPr id="16" name="文本框 15"/>
+          <p:cNvSpPr txBox="1"/>
+          <p:nvPr/>
+        </p:nvSpPr>
+        <p:spPr>
+          <a:xfrm>
+            <a:off x="3365500" y="2366010"/>
+            <a:ext cx="1152525" cy="458470"/>
+          </a:xfrm>
+          <a:prstGeom prst="rect">
+            <a:avLst/>
+          </a:prstGeom>
+          <a:noFill/>
+          <a:ln>
+            <a:solidFill>
+              <a:schemeClr val="accent1"/>
+            </a:solidFill>
+          </a:ln>
+        </p:spPr>
+        <p:txBody>
+          <a:bodyPr wrap="square" rtlCol="0">
+            <a:spAutoFit/>
+          </a:bodyPr>
+          <a:p>
+            <a:r>
+              <a:rPr lang="x-none" altLang="zh-CN" sz="1200"/>
+              <a:t>切换状态为runnning</a:t>
+            </a:r>
+            <a:endParaRPr lang="x-none" altLang="zh-CN" sz="1200"/>
+          </a:p>
+        </p:txBody>
+      </p:sp>
+      <p:sp>
+        <p:nvSpPr>
+          <p:cNvPr id="17" name="文本框 16"/>
+          <p:cNvSpPr txBox="1"/>
+          <p:nvPr/>
+        </p:nvSpPr>
+        <p:spPr>
+          <a:xfrm>
+            <a:off x="3375660" y="4203065"/>
+            <a:ext cx="1140460" cy="641350"/>
+          </a:xfrm>
+          <a:prstGeom prst="rect">
+            <a:avLst/>
+          </a:prstGeom>
+          <a:noFill/>
+          <a:ln>
+            <a:solidFill>
+              <a:schemeClr val="accent1"/>
+            </a:solidFill>
+          </a:ln>
+        </p:spPr>
+        <p:txBody>
+          <a:bodyPr wrap="square" rtlCol="0">
+            <a:spAutoFit/>
+          </a:bodyPr>
+          <a:p>
+            <a:r>
+              <a:rPr lang="x-none" altLang="zh-CN" sz="1200"/>
+              <a:t>从队列中获取第一条轨迹开始插补</a:t>
+            </a:r>
+            <a:endParaRPr lang="x-none" altLang="zh-CN" sz="1200"/>
+          </a:p>
+        </p:txBody>
+      </p:sp>
+      <p:sp>
+        <p:nvSpPr>
+          <p:cNvPr id="18" name="文本框 17"/>
+          <p:cNvSpPr txBox="1"/>
+          <p:nvPr/>
+        </p:nvSpPr>
+        <p:spPr>
+          <a:xfrm>
+            <a:off x="3414395" y="5294630"/>
+            <a:ext cx="1082040" cy="458470"/>
+          </a:xfrm>
+          <a:prstGeom prst="rect">
+            <a:avLst/>
+          </a:prstGeom>
+          <a:noFill/>
+          <a:ln>
+            <a:solidFill>
+              <a:schemeClr val="accent1"/>
+            </a:solidFill>
+          </a:ln>
+        </p:spPr>
+        <p:txBody>
+          <a:bodyPr wrap="square" rtlCol="0">
+            <a:spAutoFit/>
+          </a:bodyPr>
+          <a:p>
+            <a:r>
+              <a:rPr lang="x-none" altLang="zh-CN" sz="1200"/>
+              <a:t>开始速度插补</a:t>
+            </a:r>
+            <a:endParaRPr lang="x-none" altLang="zh-CN" sz="1200"/>
+          </a:p>
+        </p:txBody>
+      </p:sp>
+      <p:sp>
+        <p:nvSpPr>
+          <p:cNvPr id="20" name="文本框 19"/>
+          <p:cNvSpPr txBox="1"/>
+          <p:nvPr/>
+        </p:nvSpPr>
+        <p:spPr>
+          <a:xfrm>
+            <a:off x="5034280" y="2296160"/>
+            <a:ext cx="1388745" cy="641350"/>
+          </a:xfrm>
+          <a:prstGeom prst="rect">
+            <a:avLst/>
+          </a:prstGeom>
+          <a:noFill/>
+          <a:ln>
+            <a:solidFill>
+              <a:schemeClr val="accent1"/>
+            </a:solidFill>
+          </a:ln>
+        </p:spPr>
+        <p:txBody>
+          <a:bodyPr wrap="square" rtlCol="0">
+            <a:spAutoFit/>
+          </a:bodyPr>
+          <a:p>
+            <a:r>
+              <a:rPr lang="x-none" altLang="zh-CN" sz="1200"/>
+              <a:t>检查motion状态,更新状态,计算当前位姿</a:t>
+            </a:r>
+            <a:endParaRPr lang="x-none" altLang="zh-CN" sz="1200"/>
+          </a:p>
+        </p:txBody>
+      </p:sp>
+      <p:sp>
+        <p:nvSpPr>
+          <p:cNvPr id="22" name="文本框 21"/>
+          <p:cNvSpPr txBox="1"/>
+          <p:nvPr/>
+        </p:nvSpPr>
+        <p:spPr>
+          <a:xfrm>
+            <a:off x="4993005" y="5304790"/>
+            <a:ext cx="1427480" cy="458470"/>
+          </a:xfrm>
+          <a:prstGeom prst="rect">
+            <a:avLst/>
+          </a:prstGeom>
+          <a:noFill/>
+          <a:ln>
+            <a:solidFill>
+              <a:schemeClr val="accent1"/>
+            </a:solidFill>
+          </a:ln>
+        </p:spPr>
+        <p:txBody>
+          <a:bodyPr wrap="square" rtlCol="0">
+            <a:spAutoFit/>
+          </a:bodyPr>
+          <a:p>
+            <a:r>
+              <a:rPr lang="x-none" altLang="zh-CN" sz="1200"/>
+              <a:t>根据不同的速度规划计算当前路程</a:t>
+            </a:r>
+            <a:endParaRPr lang="x-none" altLang="zh-CN" sz="1200"/>
+          </a:p>
+        </p:txBody>
+      </p:sp>
+      <p:sp>
+        <p:nvSpPr>
+          <p:cNvPr id="23" name="文本框 22"/>
+          <p:cNvSpPr txBox="1"/>
+          <p:nvPr/>
+        </p:nvSpPr>
+        <p:spPr>
+          <a:xfrm>
+            <a:off x="4963795" y="4182745"/>
+            <a:ext cx="1499870" cy="641350"/>
+          </a:xfrm>
+          <a:prstGeom prst="rect">
+            <a:avLst/>
+          </a:prstGeom>
+          <a:noFill/>
+          <a:ln>
+            <a:solidFill>
+              <a:schemeClr val="accent1"/>
+            </a:solidFill>
+          </a:ln>
+        </p:spPr>
+        <p:txBody>
+          <a:bodyPr wrap="square" rtlCol="0">
+            <a:spAutoFit/>
+          </a:bodyPr>
+          <a:p>
+            <a:r>
+              <a:rPr lang="x-none" altLang="zh-CN" sz="1200"/>
+              <a:t>根据当前路程,对比总路程计算机械臂当前位姿或关节量</a:t>
+            </a:r>
+            <a:endParaRPr lang="x-none" altLang="zh-CN" sz="1200"/>
+          </a:p>
+        </p:txBody>
+      </p:sp>
+      <p:sp>
+        <p:nvSpPr>
+          <p:cNvPr id="25" name="文本框 24"/>
+          <p:cNvSpPr txBox="1"/>
+          <p:nvPr/>
+        </p:nvSpPr>
+        <p:spPr>
+          <a:xfrm>
+            <a:off x="5003165" y="3368675"/>
+            <a:ext cx="1419860" cy="641350"/>
+          </a:xfrm>
+          <a:prstGeom prst="rect">
+            <a:avLst/>
+          </a:prstGeom>
+          <a:noFill/>
+          <a:ln>
+            <a:solidFill>
+              <a:schemeClr val="accent1"/>
+            </a:solidFill>
+          </a:ln>
+        </p:spPr>
+        <p:txBody>
+          <a:bodyPr wrap="square" rtlCol="0">
+            <a:spAutoFit/>
+          </a:bodyPr>
+          <a:p>
+            <a:r>
+              <a:rPr lang="x-none" altLang="zh-CN" sz="1200"/>
+              <a:t>将关节量写入motor,位姿则转换为关节量再写入</a:t>
+            </a:r>
+            <a:endParaRPr lang="x-none" altLang="zh-CN" sz="1200"/>
+          </a:p>
+        </p:txBody>
+      </p:sp>
+      <p:sp>
+        <p:nvSpPr>
+          <p:cNvPr id="27" name="文本框 26"/>
+          <p:cNvSpPr txBox="1"/>
+          <p:nvPr/>
+        </p:nvSpPr>
+        <p:spPr>
+          <a:xfrm>
+            <a:off x="6967855" y="5403850"/>
+            <a:ext cx="1172210" cy="275590"/>
+          </a:xfrm>
+          <a:prstGeom prst="rect">
+            <a:avLst/>
+          </a:prstGeom>
+          <a:noFill/>
+          <a:ln>
+            <a:solidFill>
+              <a:schemeClr val="accent1"/>
+            </a:solidFill>
+          </a:ln>
+        </p:spPr>
+        <p:txBody>
+          <a:bodyPr wrap="square" rtlCol="0">
+            <a:spAutoFit/>
+          </a:bodyPr>
+          <a:p>
+            <a:r>
+              <a:rPr lang="x-none" altLang="zh-CN" sz="1200"/>
+              <a:t>减速,停止</a:t>
+            </a:r>
+            <a:endParaRPr lang="x-none" altLang="zh-CN" sz="1200"/>
+          </a:p>
+        </p:txBody>
+      </p:sp>
+      <p:sp>
+        <p:nvSpPr>
+          <p:cNvPr id="28" name="文本框 27"/>
+          <p:cNvSpPr txBox="1"/>
+          <p:nvPr/>
+        </p:nvSpPr>
+        <p:spPr>
+          <a:xfrm>
+            <a:off x="6899275" y="4203065"/>
+            <a:ext cx="1261110" cy="458470"/>
+          </a:xfrm>
+          <a:prstGeom prst="rect">
+            <a:avLst/>
+          </a:prstGeom>
+          <a:noFill/>
+          <a:ln>
+            <a:solidFill>
+              <a:schemeClr val="accent1"/>
+            </a:solidFill>
+          </a:ln>
+        </p:spPr>
+        <p:txBody>
+          <a:bodyPr wrap="square" rtlCol="0">
+            <a:spAutoFit/>
+          </a:bodyPr>
+          <a:p>
+            <a:r>
+              <a:rPr lang="x-none" altLang="zh-CN" sz="1200"/>
+              <a:t>设置速度插补的目标速度为0</a:t>
+            </a:r>
+            <a:endParaRPr lang="x-none" altLang="zh-CN" sz="1200"/>
+          </a:p>
+        </p:txBody>
+      </p:sp>
+      <p:sp>
+        <p:nvSpPr>
+          <p:cNvPr id="29" name="文本框 28"/>
+          <p:cNvSpPr txBox="1"/>
+          <p:nvPr/>
+        </p:nvSpPr>
+        <p:spPr>
+          <a:xfrm>
+            <a:off x="6929120" y="3329305"/>
+            <a:ext cx="1161415" cy="458470"/>
+          </a:xfrm>
+          <a:prstGeom prst="rect">
+            <a:avLst/>
+          </a:prstGeom>
+          <a:noFill/>
+          <a:ln>
+            <a:solidFill>
+              <a:schemeClr val="accent1"/>
+            </a:solidFill>
+          </a:ln>
+        </p:spPr>
+        <p:txBody>
+          <a:bodyPr wrap="square" rtlCol="0">
+            <a:spAutoFit/>
+          </a:bodyPr>
+          <a:p>
+            <a:r>
+              <a:rPr lang="x-none" altLang="zh-CN" sz="1200"/>
+              <a:t>tp_pause触发</a:t>
+            </a:r>
+            <a:endParaRPr lang="x-none" altLang="zh-CN" sz="1200"/>
+          </a:p>
+        </p:txBody>
+      </p:sp>
+      <p:sp>
+        <p:nvSpPr>
+          <p:cNvPr id="30" name="文本框 29"/>
+          <p:cNvSpPr txBox="1"/>
+          <p:nvPr/>
+        </p:nvSpPr>
+        <p:spPr>
+          <a:xfrm>
+            <a:off x="7038975" y="2395855"/>
+            <a:ext cx="953135" cy="457200"/>
+          </a:xfrm>
+          <a:prstGeom prst="rect">
+            <a:avLst/>
+          </a:prstGeom>
+          <a:noFill/>
+          <a:ln>
+            <a:solidFill>
+              <a:schemeClr val="accent1"/>
+            </a:solidFill>
+          </a:ln>
+        </p:spPr>
+        <p:txBody>
+          <a:bodyPr wrap="square" rtlCol="0">
+            <a:spAutoFit/>
+          </a:bodyPr>
+          <a:p>
+            <a:r>
+              <a:rPr lang="x-none" altLang="zh-CN" sz="1200"/>
+              <a:t>tp_pause=true</a:t>
+            </a:r>
+            <a:endParaRPr lang="x-none" altLang="zh-CN" sz="1200"/>
+          </a:p>
+        </p:txBody>
+      </p:sp>
+      <p:cxnSp>
+        <p:nvCxnSpPr>
+          <p:cNvPr id="31" name="直接箭头连接符 30"/>
+          <p:cNvCxnSpPr>
+            <a:stCxn id="16" idx="2"/>
+            <a:endCxn id="12" idx="0"/>
+          </p:cNvCxnSpPr>
+          <p:nvPr/>
+        </p:nvCxnSpPr>
+        <p:spPr>
+          <a:xfrm>
+            <a:off x="3942080" y="2824480"/>
+            <a:ext cx="4445" cy="494665"/>
+          </a:xfrm>
+          <a:prstGeom prst="straightConnector1">
+            <a:avLst/>
+          </a:prstGeom>
+          <a:ln>
+            <a:tailEnd type="arrow"/>
+          </a:ln>
+        </p:spPr>
+        <p:style>
+          <a:lnRef idx="1">
+            <a:schemeClr val="accent1"/>
+          </a:lnRef>
+          <a:fillRef idx="0">
+            <a:schemeClr val="accent1"/>
+          </a:fillRef>
+          <a:effectRef idx="0">
+            <a:schemeClr val="accent1"/>
+          </a:effectRef>
+          <a:fontRef idx="minor">
+            <a:schemeClr val="tx1"/>
+          </a:fontRef>
+        </p:style>
+      </p:cxnSp>
+      <p:cxnSp>
+        <p:nvCxnSpPr>
+          <p:cNvPr id="32" name="直接箭头连接符 31"/>
+          <p:cNvCxnSpPr>
+            <a:stCxn id="12" idx="2"/>
+            <a:endCxn id="17" idx="0"/>
+          </p:cNvCxnSpPr>
+          <p:nvPr/>
+        </p:nvCxnSpPr>
+        <p:spPr>
+          <a:xfrm flipH="1">
+            <a:off x="3945890" y="3776345"/>
+            <a:ext cx="635" cy="426720"/>
+          </a:xfrm>
+          <a:prstGeom prst="straightConnector1">
+            <a:avLst/>
+          </a:prstGeom>
+          <a:ln>
+            <a:tailEnd type="arrow"/>
+          </a:ln>
+        </p:spPr>
+        <p:style>
+          <a:lnRef idx="1">
+            <a:schemeClr val="accent1"/>
+          </a:lnRef>
+          <a:fillRef idx="0">
+            <a:schemeClr val="accent1"/>
+          </a:fillRef>
+          <a:effectRef idx="0">
+            <a:schemeClr val="accent1"/>
+          </a:effectRef>
+          <a:fontRef idx="minor">
+            <a:schemeClr val="tx1"/>
+          </a:fontRef>
+        </p:style>
+      </p:cxnSp>
+      <p:cxnSp>
+        <p:nvCxnSpPr>
+          <p:cNvPr id="33" name="直接箭头连接符 32"/>
+          <p:cNvCxnSpPr>
+            <a:stCxn id="17" idx="2"/>
+            <a:endCxn id="18" idx="0"/>
+          </p:cNvCxnSpPr>
+          <p:nvPr/>
+        </p:nvCxnSpPr>
+        <p:spPr>
+          <a:xfrm>
+            <a:off x="3945890" y="4844415"/>
+            <a:ext cx="9525" cy="450215"/>
+          </a:xfrm>
+          <a:prstGeom prst="straightConnector1">
+            <a:avLst/>
+          </a:prstGeom>
+          <a:ln>
+            <a:tailEnd type="arrow"/>
+          </a:ln>
+        </p:spPr>
+        <p:style>
+          <a:lnRef idx="1">
+            <a:schemeClr val="accent1"/>
+          </a:lnRef>
+          <a:fillRef idx="0">
+            <a:schemeClr val="accent1"/>
+          </a:fillRef>
+          <a:effectRef idx="0">
+            <a:schemeClr val="accent1"/>
+          </a:effectRef>
+          <a:fontRef idx="minor">
+            <a:schemeClr val="tx1"/>
+          </a:fontRef>
+        </p:style>
+      </p:cxnSp>
+      <p:cxnSp>
+        <p:nvCxnSpPr>
+          <p:cNvPr id="34" name="直接箭头连接符 33"/>
+          <p:cNvCxnSpPr>
+            <a:stCxn id="18" idx="3"/>
+            <a:endCxn id="22" idx="1"/>
+          </p:cNvCxnSpPr>
+          <p:nvPr/>
+        </p:nvCxnSpPr>
+        <p:spPr>
+          <a:xfrm>
+            <a:off x="4496435" y="5523865"/>
+            <a:ext cx="496570" cy="10160"/>
+          </a:xfrm>
+          <a:prstGeom prst="straightConnector1">
+            <a:avLst/>
+          </a:prstGeom>
+          <a:ln>
+            <a:tailEnd type="arrow"/>
+          </a:ln>
+        </p:spPr>
+        <p:style>
+          <a:lnRef idx="1">
+            <a:schemeClr val="accent1"/>
+          </a:lnRef>
+          <a:fillRef idx="0">
+            <a:schemeClr val="accent1"/>
+          </a:fillRef>
+          <a:effectRef idx="0">
+            <a:schemeClr val="accent1"/>
+          </a:effectRef>
+          <a:fontRef idx="minor">
+            <a:schemeClr val="tx1"/>
+          </a:fontRef>
+        </p:style>
+      </p:cxnSp>
+      <p:cxnSp>
+        <p:nvCxnSpPr>
+          <p:cNvPr id="36" name="直接箭头连接符 35"/>
+          <p:cNvCxnSpPr>
+            <a:stCxn id="22" idx="0"/>
+            <a:endCxn id="23" idx="2"/>
+          </p:cNvCxnSpPr>
+          <p:nvPr/>
+        </p:nvCxnSpPr>
+        <p:spPr>
+          <a:xfrm flipV="1">
+            <a:off x="5706745" y="4824095"/>
+            <a:ext cx="6985" cy="480695"/>
+          </a:xfrm>
+          <a:prstGeom prst="straightConnector1">
+            <a:avLst/>
+          </a:prstGeom>
+          <a:ln>
+            <a:tailEnd type="arrow"/>
+          </a:ln>
+        </p:spPr>
+        <p:style>
+          <a:lnRef idx="1">
+            <a:schemeClr val="accent1"/>
+          </a:lnRef>
+          <a:fillRef idx="0">
+            <a:schemeClr val="accent1"/>
+          </a:fillRef>
+          <a:effectRef idx="0">
+            <a:schemeClr val="accent1"/>
+          </a:effectRef>
+          <a:fontRef idx="minor">
+            <a:schemeClr val="tx1"/>
+          </a:fontRef>
+        </p:style>
+      </p:cxnSp>
+      <p:cxnSp>
+        <p:nvCxnSpPr>
+          <p:cNvPr id="37" name="直接箭头连接符 36"/>
+          <p:cNvCxnSpPr>
+            <a:stCxn id="23" idx="0"/>
+            <a:endCxn id="25" idx="2"/>
+          </p:cNvCxnSpPr>
+          <p:nvPr/>
+        </p:nvCxnSpPr>
+        <p:spPr>
+          <a:xfrm flipH="1" flipV="1">
+            <a:off x="5713095" y="4010025"/>
+            <a:ext cx="635" cy="172720"/>
+          </a:xfrm>
+          <a:prstGeom prst="straightConnector1">
+            <a:avLst/>
+          </a:prstGeom>
+          <a:ln>
+            <a:tailEnd type="arrow"/>
+          </a:ln>
+        </p:spPr>
+        <p:style>
+          <a:lnRef idx="1">
+            <a:schemeClr val="accent1"/>
+          </a:lnRef>
+          <a:fillRef idx="0">
+            <a:schemeClr val="accent1"/>
+          </a:fillRef>
+          <a:effectRef idx="0">
+            <a:schemeClr val="accent1"/>
+          </a:effectRef>
+          <a:fontRef idx="minor">
+            <a:schemeClr val="tx1"/>
+          </a:fontRef>
+        </p:style>
+      </p:cxnSp>
+      <p:cxnSp>
+        <p:nvCxnSpPr>
+          <p:cNvPr id="38" name="直接箭头连接符 37"/>
+          <p:cNvCxnSpPr>
+            <a:stCxn id="25" idx="0"/>
+            <a:endCxn id="20" idx="2"/>
+          </p:cNvCxnSpPr>
+          <p:nvPr/>
+        </p:nvCxnSpPr>
+        <p:spPr>
+          <a:xfrm flipV="1">
+            <a:off x="5713095" y="2937510"/>
+            <a:ext cx="15875" cy="431165"/>
+          </a:xfrm>
+          <a:prstGeom prst="straightConnector1">
+            <a:avLst/>
+          </a:prstGeom>
+          <a:ln>
+            <a:tailEnd type="arrow"/>
+          </a:ln>
+        </p:spPr>
+        <p:style>
+          <a:lnRef idx="1">
+            <a:schemeClr val="accent1"/>
+          </a:lnRef>
+          <a:fillRef idx="0">
+            <a:schemeClr val="accent1"/>
+          </a:fillRef>
+          <a:effectRef idx="0">
+            <a:schemeClr val="accent1"/>
+          </a:effectRef>
+          <a:fontRef idx="minor">
+            <a:schemeClr val="tx1"/>
+          </a:fontRef>
+        </p:style>
+      </p:cxnSp>
+      <p:sp>
+        <p:nvSpPr>
+          <p:cNvPr id="45" name="文本框 44"/>
+          <p:cNvSpPr txBox="1"/>
+          <p:nvPr/>
+        </p:nvSpPr>
+        <p:spPr>
+          <a:xfrm>
+            <a:off x="3285490" y="1522095"/>
+            <a:ext cx="1310640" cy="367665"/>
+          </a:xfrm>
+          <a:prstGeom prst="rect">
+            <a:avLst/>
+          </a:prstGeom>
+          <a:noFill/>
+        </p:spPr>
+        <p:txBody>
+          <a:bodyPr wrap="square" rtlCol="0">
+            <a:spAutoFit/>
+          </a:bodyPr>
+          <a:p>
+            <a:pPr algn="ctr"/>
+            <a:r>
+              <a:rPr lang="x-none" altLang="zh-CN"/>
+              <a:t>开始</a:t>
+            </a:r>
+            <a:endParaRPr lang="x-none" altLang="zh-CN"/>
+          </a:p>
+        </p:txBody>
+      </p:sp>
+      <p:sp>
+        <p:nvSpPr>
+          <p:cNvPr id="46" name="文本框 45"/>
+          <p:cNvSpPr txBox="1"/>
+          <p:nvPr/>
+        </p:nvSpPr>
+        <p:spPr>
+          <a:xfrm>
+            <a:off x="5053330" y="1551940"/>
+            <a:ext cx="1379855" cy="367665"/>
+          </a:xfrm>
+          <a:prstGeom prst="rect">
+            <a:avLst/>
+          </a:prstGeom>
+          <a:noFill/>
+        </p:spPr>
+        <p:txBody>
+          <a:bodyPr wrap="square" rtlCol="0">
+            <a:spAutoFit/>
+          </a:bodyPr>
+          <a:p>
+            <a:pPr algn="ctr"/>
+            <a:r>
+              <a:rPr lang="x-none" altLang="zh-CN"/>
+              <a:t>过程</a:t>
+            </a:r>
+            <a:endParaRPr lang="x-none" altLang="zh-CN"/>
+          </a:p>
+        </p:txBody>
+      </p:sp>
+      <p:sp>
+        <p:nvSpPr>
+          <p:cNvPr id="47" name="文本框 46"/>
+          <p:cNvSpPr txBox="1"/>
+          <p:nvPr/>
+        </p:nvSpPr>
+        <p:spPr>
+          <a:xfrm>
+            <a:off x="6919595" y="1531620"/>
+            <a:ext cx="1181735" cy="367665"/>
+          </a:xfrm>
+          <a:prstGeom prst="rect">
+            <a:avLst/>
+          </a:prstGeom>
+          <a:noFill/>
+        </p:spPr>
+        <p:txBody>
+          <a:bodyPr wrap="square" rtlCol="0">
+            <a:spAutoFit/>
+          </a:bodyPr>
+          <a:p>
+            <a:pPr algn="ctr"/>
+            <a:r>
+              <a:rPr lang="x-none" altLang="zh-CN"/>
+              <a:t>暂停</a:t>
+            </a:r>
+            <a:endParaRPr lang="x-none" altLang="zh-CN"/>
+          </a:p>
+        </p:txBody>
+      </p:sp>
+      <p:sp>
+        <p:nvSpPr>
+          <p:cNvPr id="4" name="文本框 3"/>
+          <p:cNvSpPr txBox="1"/>
+          <p:nvPr/>
+        </p:nvSpPr>
+        <p:spPr>
+          <a:xfrm>
+            <a:off x="8474710" y="5381625"/>
+            <a:ext cx="1172210" cy="275590"/>
+          </a:xfrm>
+          <a:prstGeom prst="rect">
+            <a:avLst/>
+          </a:prstGeom>
+          <a:noFill/>
+          <a:ln>
+            <a:solidFill>
+              <a:schemeClr val="accent1"/>
+            </a:solidFill>
+          </a:ln>
+        </p:spPr>
+        <p:txBody>
+          <a:bodyPr wrap="square" rtlCol="0">
+            <a:spAutoFit/>
+          </a:bodyPr>
+          <a:p>
+            <a:r>
+              <a:rPr lang="x-none" altLang="zh-CN" sz="1200"/>
+              <a:t>继续速度插补</a:t>
+            </a:r>
+            <a:endParaRPr lang="x-none" altLang="zh-CN" sz="1200"/>
+          </a:p>
+        </p:txBody>
+      </p:sp>
+      <p:sp>
+        <p:nvSpPr>
+          <p:cNvPr id="5" name="文本框 4"/>
+          <p:cNvSpPr txBox="1"/>
+          <p:nvPr/>
+        </p:nvSpPr>
+        <p:spPr>
+          <a:xfrm>
+            <a:off x="8406130" y="4180840"/>
+            <a:ext cx="1261110" cy="458470"/>
+          </a:xfrm>
+          <a:prstGeom prst="rect">
+            <a:avLst/>
+          </a:prstGeom>
+          <a:noFill/>
+          <a:ln>
+            <a:solidFill>
+              <a:schemeClr val="accent1"/>
+            </a:solidFill>
+          </a:ln>
+        </p:spPr>
+        <p:txBody>
+          <a:bodyPr wrap="square" rtlCol="0">
+            <a:spAutoFit/>
+          </a:bodyPr>
+          <a:p>
+            <a:r>
+              <a:rPr lang="x-none" altLang="zh-CN" sz="1200"/>
+              <a:t>重新计算速度规划结构体</a:t>
+            </a:r>
+            <a:endParaRPr lang="x-none" altLang="zh-CN" sz="1200"/>
+          </a:p>
+        </p:txBody>
+      </p:sp>
+      <p:sp>
+        <p:nvSpPr>
+          <p:cNvPr id="6" name="文本框 5"/>
+          <p:cNvSpPr txBox="1"/>
+          <p:nvPr/>
+        </p:nvSpPr>
+        <p:spPr>
+          <a:xfrm>
+            <a:off x="8435975" y="3307080"/>
+            <a:ext cx="1161415" cy="458470"/>
+          </a:xfrm>
+          <a:prstGeom prst="rect">
+            <a:avLst/>
+          </a:prstGeom>
+          <a:noFill/>
+          <a:ln>
+            <a:solidFill>
+              <a:schemeClr val="accent1"/>
+            </a:solidFill>
+          </a:ln>
+        </p:spPr>
+        <p:txBody>
+          <a:bodyPr wrap="square" rtlCol="0">
+            <a:spAutoFit/>
+          </a:bodyPr>
+          <a:p>
+            <a:r>
+              <a:rPr lang="x-none" altLang="zh-CN" sz="1200"/>
+              <a:t>tp_pause解除</a:t>
+            </a:r>
+            <a:endParaRPr lang="x-none" altLang="zh-CN" sz="1200"/>
+          </a:p>
+        </p:txBody>
+      </p:sp>
+      <p:sp>
+        <p:nvSpPr>
+          <p:cNvPr id="11" name="文本框 10"/>
+          <p:cNvSpPr txBox="1"/>
+          <p:nvPr/>
+        </p:nvSpPr>
+        <p:spPr>
+          <a:xfrm>
+            <a:off x="8545830" y="2383155"/>
+            <a:ext cx="953135" cy="457200"/>
+          </a:xfrm>
+          <a:prstGeom prst="rect">
+            <a:avLst/>
+          </a:prstGeom>
+          <a:noFill/>
+          <a:ln>
+            <a:solidFill>
+              <a:schemeClr val="accent1"/>
+            </a:solidFill>
+          </a:ln>
+        </p:spPr>
+        <p:txBody>
+          <a:bodyPr wrap="square" rtlCol="0">
+            <a:spAutoFit/>
+          </a:bodyPr>
+          <a:p>
+            <a:r>
+              <a:rPr lang="x-none" altLang="zh-CN" sz="1200"/>
+              <a:t>tp_pause=false</a:t>
+            </a:r>
+            <a:endParaRPr lang="x-none" altLang="zh-CN" sz="1200"/>
+          </a:p>
+        </p:txBody>
+      </p:sp>
+      <p:cxnSp>
+        <p:nvCxnSpPr>
+          <p:cNvPr id="26" name="直接箭头连接符 25"/>
+          <p:cNvCxnSpPr>
+            <a:stCxn id="5" idx="3"/>
+          </p:cNvCxnSpPr>
+          <p:nvPr/>
+        </p:nvCxnSpPr>
+        <p:spPr>
+          <a:xfrm>
+            <a:off x="9667240" y="4410075"/>
+            <a:ext cx="664845" cy="6985"/>
+          </a:xfrm>
+          <a:prstGeom prst="straightConnector1">
+            <a:avLst/>
+          </a:prstGeom>
+          <a:ln>
+            <a:tailEnd type="arrow"/>
+          </a:ln>
+        </p:spPr>
+        <p:style>
+          <a:lnRef idx="1">
+            <a:schemeClr val="accent1"/>
+          </a:lnRef>
+          <a:fillRef idx="0">
+            <a:schemeClr val="accent1"/>
+          </a:fillRef>
+          <a:effectRef idx="0">
+            <a:schemeClr val="accent1"/>
+          </a:effectRef>
+          <a:fontRef idx="minor">
+            <a:schemeClr val="tx1"/>
+          </a:fontRef>
+        </p:style>
+      </p:cxnSp>
+      <p:sp>
+        <p:nvSpPr>
+          <p:cNvPr id="44" name="文本框 43"/>
+          <p:cNvSpPr txBox="1"/>
+          <p:nvPr/>
+        </p:nvSpPr>
+        <p:spPr>
+          <a:xfrm>
+            <a:off x="8426450" y="1509395"/>
+            <a:ext cx="1181735" cy="367665"/>
+          </a:xfrm>
+          <a:prstGeom prst="rect">
+            <a:avLst/>
+          </a:prstGeom>
+          <a:noFill/>
+        </p:spPr>
+        <p:txBody>
+          <a:bodyPr wrap="square" rtlCol="0">
+            <a:spAutoFit/>
+          </a:bodyPr>
+          <a:p>
+            <a:pPr algn="ctr"/>
+            <a:r>
+              <a:rPr lang="x-none" altLang="zh-CN"/>
+              <a:t>恢复</a:t>
+            </a:r>
+            <a:endParaRPr lang="x-none" altLang="zh-CN"/>
+          </a:p>
+        </p:txBody>
+      </p:sp>
+      <p:sp>
+        <p:nvSpPr>
+          <p:cNvPr id="51" name="文本框 50"/>
+          <p:cNvSpPr txBox="1"/>
+          <p:nvPr/>
+        </p:nvSpPr>
+        <p:spPr>
+          <a:xfrm>
+            <a:off x="10395585" y="4262120"/>
+            <a:ext cx="813435" cy="274320"/>
+          </a:xfrm>
+          <a:prstGeom prst="rect">
+            <a:avLst/>
+          </a:prstGeom>
+          <a:noFill/>
+          <a:ln>
+            <a:solidFill>
+              <a:schemeClr val="accent1"/>
+            </a:solidFill>
+          </a:ln>
+        </p:spPr>
+        <p:txBody>
+          <a:bodyPr wrap="square" rtlCol="0">
+            <a:spAutoFit/>
+          </a:bodyPr>
+          <a:p>
+            <a:r>
+              <a:rPr lang="x-none" altLang="zh-CN" sz="1200"/>
+              <a:t>normal...</a:t>
+            </a:r>
+            <a:endParaRPr lang="x-none" altLang="zh-CN" sz="1200"/>
+          </a:p>
+        </p:txBody>
+      </p:sp>
+      <p:cxnSp>
+        <p:nvCxnSpPr>
+          <p:cNvPr id="52" name="直接箭头连接符 51"/>
+          <p:cNvCxnSpPr>
+            <a:stCxn id="20" idx="3"/>
+            <a:endCxn id="30" idx="1"/>
+          </p:cNvCxnSpPr>
+          <p:nvPr/>
+        </p:nvCxnSpPr>
+        <p:spPr>
+          <a:xfrm>
+            <a:off x="6423025" y="2616835"/>
+            <a:ext cx="615950" cy="7620"/>
+          </a:xfrm>
+          <a:prstGeom prst="straightConnector1">
+            <a:avLst/>
+          </a:prstGeom>
+          <a:ln>
+            <a:tailEnd type="arrow"/>
+          </a:ln>
+        </p:spPr>
+        <p:style>
+          <a:lnRef idx="1">
+            <a:schemeClr val="accent1"/>
+          </a:lnRef>
+          <a:fillRef idx="0">
+            <a:schemeClr val="accent1"/>
+          </a:fillRef>
+          <a:effectRef idx="0">
+            <a:schemeClr val="accent1"/>
+          </a:effectRef>
+          <a:fontRef idx="minor">
+            <a:schemeClr val="tx1"/>
+          </a:fontRef>
+        </p:style>
+      </p:cxnSp>
+      <p:cxnSp>
+        <p:nvCxnSpPr>
+          <p:cNvPr id="53" name="直接箭头连接符 52"/>
+          <p:cNvCxnSpPr>
+            <a:stCxn id="30" idx="2"/>
+            <a:endCxn id="29" idx="0"/>
+          </p:cNvCxnSpPr>
+          <p:nvPr/>
+        </p:nvCxnSpPr>
+        <p:spPr>
+          <a:xfrm flipH="1">
+            <a:off x="7510145" y="2853055"/>
+            <a:ext cx="5715" cy="476250"/>
+          </a:xfrm>
+          <a:prstGeom prst="straightConnector1">
+            <a:avLst/>
+          </a:prstGeom>
+          <a:ln>
+            <a:tailEnd type="arrow"/>
+          </a:ln>
+        </p:spPr>
+        <p:style>
+          <a:lnRef idx="1">
+            <a:schemeClr val="accent1"/>
+          </a:lnRef>
+          <a:fillRef idx="0">
+            <a:schemeClr val="accent1"/>
+          </a:fillRef>
+          <a:effectRef idx="0">
+            <a:schemeClr val="accent1"/>
+          </a:effectRef>
+          <a:fontRef idx="minor">
+            <a:schemeClr val="tx1"/>
+          </a:fontRef>
+        </p:style>
+      </p:cxnSp>
+      <p:cxnSp>
+        <p:nvCxnSpPr>
+          <p:cNvPr id="54" name="直接箭头连接符 53"/>
+          <p:cNvCxnSpPr>
+            <a:stCxn id="29" idx="2"/>
+            <a:endCxn id="28" idx="0"/>
+          </p:cNvCxnSpPr>
+          <p:nvPr/>
+        </p:nvCxnSpPr>
+        <p:spPr>
+          <a:xfrm>
+            <a:off x="7510145" y="3787775"/>
+            <a:ext cx="19685" cy="415290"/>
+          </a:xfrm>
+          <a:prstGeom prst="straightConnector1">
+            <a:avLst/>
+          </a:prstGeom>
+          <a:ln>
+            <a:tailEnd type="arrow"/>
+          </a:ln>
+        </p:spPr>
+        <p:style>
+          <a:lnRef idx="1">
+            <a:schemeClr val="accent1"/>
+          </a:lnRef>
+          <a:fillRef idx="0">
+            <a:schemeClr val="accent1"/>
+          </a:fillRef>
+          <a:effectRef idx="0">
+            <a:schemeClr val="accent1"/>
+          </a:effectRef>
+          <a:fontRef idx="minor">
+            <a:schemeClr val="tx1"/>
+          </a:fontRef>
+        </p:style>
+      </p:cxnSp>
+      <p:cxnSp>
+        <p:nvCxnSpPr>
+          <p:cNvPr id="55" name="直接箭头连接符 54"/>
+          <p:cNvCxnSpPr>
+            <a:stCxn id="28" idx="2"/>
+            <a:endCxn id="27" idx="0"/>
+          </p:cNvCxnSpPr>
+          <p:nvPr/>
+        </p:nvCxnSpPr>
+        <p:spPr>
+          <a:xfrm>
+            <a:off x="7529830" y="4661535"/>
+            <a:ext cx="24130" cy="742315"/>
+          </a:xfrm>
+          <a:prstGeom prst="straightConnector1">
+            <a:avLst/>
+          </a:prstGeom>
+          <a:ln>
+            <a:tailEnd type="arrow"/>
+          </a:ln>
+        </p:spPr>
+        <p:style>
+          <a:lnRef idx="1">
+            <a:schemeClr val="accent1"/>
+          </a:lnRef>
+          <a:fillRef idx="0">
+            <a:schemeClr val="accent1"/>
+          </a:fillRef>
+          <a:effectRef idx="0">
+            <a:schemeClr val="accent1"/>
+          </a:effectRef>
+          <a:fontRef idx="minor">
+            <a:schemeClr val="tx1"/>
+          </a:fontRef>
+        </p:style>
+      </p:cxnSp>
+      <p:cxnSp>
+        <p:nvCxnSpPr>
+          <p:cNvPr id="56" name="直接箭头连接符 55"/>
+          <p:cNvCxnSpPr>
+            <a:stCxn id="30" idx="3"/>
+            <a:endCxn id="11" idx="1"/>
+          </p:cNvCxnSpPr>
+          <p:nvPr/>
+        </p:nvCxnSpPr>
+        <p:spPr>
+          <a:xfrm flipV="1">
+            <a:off x="7992110" y="2611755"/>
+            <a:ext cx="553720" cy="12700"/>
+          </a:xfrm>
+          <a:prstGeom prst="straightConnector1">
+            <a:avLst/>
+          </a:prstGeom>
+          <a:ln>
+            <a:tailEnd type="arrow"/>
+          </a:ln>
+        </p:spPr>
+        <p:style>
+          <a:lnRef idx="1">
+            <a:schemeClr val="accent1"/>
+          </a:lnRef>
+          <a:fillRef idx="0">
+            <a:schemeClr val="accent1"/>
+          </a:fillRef>
+          <a:effectRef idx="0">
+            <a:schemeClr val="accent1"/>
+          </a:effectRef>
+          <a:fontRef idx="minor">
+            <a:schemeClr val="tx1"/>
+          </a:fontRef>
+        </p:style>
+      </p:cxnSp>
+      <p:cxnSp>
+        <p:nvCxnSpPr>
+          <p:cNvPr id="57" name="直接箭头连接符 56"/>
+          <p:cNvCxnSpPr>
+            <a:stCxn id="11" idx="2"/>
+            <a:endCxn id="6" idx="0"/>
+          </p:cNvCxnSpPr>
+          <p:nvPr/>
+        </p:nvCxnSpPr>
+        <p:spPr>
+          <a:xfrm flipH="1">
+            <a:off x="9017000" y="2840355"/>
+            <a:ext cx="5715" cy="466725"/>
+          </a:xfrm>
+          <a:prstGeom prst="straightConnector1">
+            <a:avLst/>
+          </a:prstGeom>
+          <a:ln>
+            <a:tailEnd type="arrow"/>
+          </a:ln>
+        </p:spPr>
+        <p:style>
+          <a:lnRef idx="1">
+            <a:schemeClr val="accent1"/>
+          </a:lnRef>
+          <a:fillRef idx="0">
+            <a:schemeClr val="accent1"/>
+          </a:fillRef>
+          <a:effectRef idx="0">
+            <a:schemeClr val="accent1"/>
+          </a:effectRef>
+          <a:fontRef idx="minor">
+            <a:schemeClr val="tx1"/>
+          </a:fontRef>
+        </p:style>
+      </p:cxnSp>
+      <p:cxnSp>
+        <p:nvCxnSpPr>
+          <p:cNvPr id="58" name="直接箭头连接符 57"/>
+          <p:cNvCxnSpPr>
+            <a:stCxn id="6" idx="2"/>
+            <a:endCxn id="5" idx="0"/>
+          </p:cNvCxnSpPr>
+          <p:nvPr/>
+        </p:nvCxnSpPr>
+        <p:spPr>
+          <a:xfrm>
+            <a:off x="9017000" y="3765550"/>
+            <a:ext cx="19685" cy="415290"/>
+          </a:xfrm>
+          <a:prstGeom prst="straightConnector1">
+            <a:avLst/>
+          </a:prstGeom>
+          <a:ln>
+            <a:tailEnd type="arrow"/>
+          </a:ln>
+        </p:spPr>
+        <p:style>
+          <a:lnRef idx="1">
+            <a:schemeClr val="accent1"/>
+          </a:lnRef>
+          <a:fillRef idx="0">
+            <a:schemeClr val="accent1"/>
+          </a:fillRef>
+          <a:effectRef idx="0">
+            <a:schemeClr val="accent1"/>
+          </a:effectRef>
+          <a:fontRef idx="minor">
+            <a:schemeClr val="tx1"/>
+          </a:fontRef>
+        </p:style>
+      </p:cxnSp>
+      <p:cxnSp>
+        <p:nvCxnSpPr>
+          <p:cNvPr id="59" name="直接箭头连接符 58"/>
+          <p:cNvCxnSpPr>
+            <a:stCxn id="5" idx="2"/>
+            <a:endCxn id="4" idx="0"/>
+          </p:cNvCxnSpPr>
+          <p:nvPr/>
+        </p:nvCxnSpPr>
+        <p:spPr>
+          <a:xfrm>
+            <a:off x="9036685" y="4639310"/>
+            <a:ext cx="24130" cy="742315"/>
+          </a:xfrm>
+          <a:prstGeom prst="straightConnector1">
+            <a:avLst/>
+          </a:prstGeom>
+          <a:ln>
+            <a:tailEnd type="arrow"/>
+          </a:ln>
+        </p:spPr>
+        <p:style>
+          <a:lnRef idx="1">
+            <a:schemeClr val="accent1"/>
+          </a:lnRef>
+          <a:fillRef idx="0">
+            <a:schemeClr val="accent1"/>
+          </a:fillRef>
+          <a:effectRef idx="0">
+            <a:schemeClr val="accent1"/>
+          </a:effectRef>
+          <a:fontRef idx="minor">
+            <a:schemeClr val="tx1"/>
+          </a:fontRef>
+        </p:style>
+      </p:cxnSp>
     </p:spTree>
   </p:cSld>
   <p:clrMapOvr>
@@ -6464,7 +8442,7 @@
           <a:p>
             <a:r>
               <a:rPr lang="x-none" altLang="zh-CN"/>
-              <a:t>kdl函数说明</a:t>
+              <a:t>运动示例-abort</a:t>
             </a:r>
             <a:endParaRPr lang="x-none" altLang="zh-CN"/>
           </a:p>
@@ -6472,19 +8450,239 @@
       </p:sp>
       <p:sp>
         <p:nvSpPr>
-          <p:cNvPr id="3" name="文本框 2"/>
+          <p:cNvPr id="3" name="椭圆 2"/>
+          <p:cNvSpPr/>
+          <p:nvPr/>
+        </p:nvSpPr>
+        <p:spPr>
+          <a:xfrm>
+            <a:off x="248285" y="2357755"/>
+            <a:ext cx="1400175" cy="417195"/>
+          </a:xfrm>
+          <a:prstGeom prst="ellipse">
+            <a:avLst/>
+          </a:prstGeom>
+        </p:spPr>
+        <p:style>
+          <a:lnRef idx="2">
+            <a:schemeClr val="accent1">
+              <a:shade val="50000"/>
+            </a:schemeClr>
+          </a:lnRef>
+          <a:fillRef idx="1">
+            <a:schemeClr val="accent1"/>
+          </a:fillRef>
+          <a:effectRef idx="0">
+            <a:schemeClr val="accent1"/>
+          </a:effectRef>
+          <a:fontRef idx="minor">
+            <a:schemeClr val="lt1"/>
+          </a:fontRef>
+        </p:style>
+        <p:txBody>
+          <a:bodyPr rtlCol="0" anchor="ctr"/>
+          <a:p>
+            <a:pPr algn="ctr"/>
+            <a:r>
+              <a:rPr lang="x-none" altLang="zh-CN" sz="1200"/>
+              <a:t>添加p2p</a:t>
+            </a:r>
+            <a:endParaRPr lang="x-none" altLang="zh-CN" sz="1200"/>
+          </a:p>
+        </p:txBody>
+      </p:sp>
+      <p:sp>
+        <p:nvSpPr>
+          <p:cNvPr id="7" name="圆角矩形 6"/>
+          <p:cNvSpPr/>
+          <p:nvPr/>
+        </p:nvSpPr>
+        <p:spPr>
+          <a:xfrm>
+            <a:off x="1759585" y="2415540"/>
+            <a:ext cx="1400175" cy="417195"/>
+          </a:xfrm>
+          <a:prstGeom prst="roundRect">
+            <a:avLst/>
+          </a:prstGeom>
+        </p:spPr>
+        <p:style>
+          <a:lnRef idx="2">
+            <a:schemeClr val="accent1">
+              <a:shade val="50000"/>
+            </a:schemeClr>
+          </a:lnRef>
+          <a:fillRef idx="1">
+            <a:schemeClr val="accent1"/>
+          </a:fillRef>
+          <a:effectRef idx="0">
+            <a:schemeClr val="accent1"/>
+          </a:effectRef>
+          <a:fontRef idx="minor">
+            <a:schemeClr val="lt1"/>
+          </a:fontRef>
+        </p:style>
+        <p:txBody>
+          <a:bodyPr rtlCol="0" anchor="ctr"/>
+          <a:p>
+            <a:pPr algn="ctr"/>
+            <a:r>
+              <a:rPr lang="x-none" altLang="zh-CN"/>
+              <a:t>motion</a:t>
+            </a:r>
+            <a:endParaRPr lang="x-none" altLang="zh-CN"/>
+          </a:p>
+        </p:txBody>
+      </p:sp>
+      <p:sp>
+        <p:nvSpPr>
+          <p:cNvPr id="8" name="圆角矩形 7"/>
+          <p:cNvSpPr/>
+          <p:nvPr/>
+        </p:nvSpPr>
+        <p:spPr>
+          <a:xfrm>
+            <a:off x="1759585" y="3287395"/>
+            <a:ext cx="1400175" cy="417195"/>
+          </a:xfrm>
+          <a:prstGeom prst="roundRect">
+            <a:avLst/>
+          </a:prstGeom>
+        </p:spPr>
+        <p:style>
+          <a:lnRef idx="2">
+            <a:schemeClr val="accent1">
+              <a:shade val="50000"/>
+            </a:schemeClr>
+          </a:lnRef>
+          <a:fillRef idx="1">
+            <a:schemeClr val="accent1"/>
+          </a:fillRef>
+          <a:effectRef idx="0">
+            <a:schemeClr val="accent1"/>
+          </a:effectRef>
+          <a:fontRef idx="minor">
+            <a:schemeClr val="lt1"/>
+          </a:fontRef>
+        </p:style>
+        <p:txBody>
+          <a:bodyPr rtlCol="0" anchor="ctr"/>
+          <a:p>
+            <a:pPr algn="ctr"/>
+            <a:r>
+              <a:rPr lang="x-none" altLang="zh-CN"/>
+              <a:t>jc</a:t>
+            </a:r>
+            <a:endParaRPr lang="x-none" altLang="zh-CN"/>
+          </a:p>
+        </p:txBody>
+      </p:sp>
+      <p:sp>
+        <p:nvSpPr>
+          <p:cNvPr id="9" name="圆角矩形 8"/>
+          <p:cNvSpPr/>
+          <p:nvPr/>
+        </p:nvSpPr>
+        <p:spPr>
+          <a:xfrm>
+            <a:off x="1759585" y="4178935"/>
+            <a:ext cx="1400175" cy="417195"/>
+          </a:xfrm>
+          <a:prstGeom prst="roundRect">
+            <a:avLst/>
+          </a:prstGeom>
+        </p:spPr>
+        <p:style>
+          <a:lnRef idx="2">
+            <a:schemeClr val="accent1">
+              <a:shade val="50000"/>
+            </a:schemeClr>
+          </a:lnRef>
+          <a:fillRef idx="1">
+            <a:schemeClr val="accent1"/>
+          </a:fillRef>
+          <a:effectRef idx="0">
+            <a:schemeClr val="accent1"/>
+          </a:effectRef>
+          <a:fontRef idx="minor">
+            <a:schemeClr val="lt1"/>
+          </a:fontRef>
+        </p:style>
+        <p:txBody>
+          <a:bodyPr rtlCol="0" anchor="ctr"/>
+          <a:p>
+            <a:pPr algn="ctr"/>
+            <a:r>
+              <a:rPr lang="x-none" altLang="zh-CN"/>
+              <a:t>tp</a:t>
+            </a:r>
+            <a:endParaRPr lang="x-none" altLang="zh-CN"/>
+          </a:p>
+        </p:txBody>
+      </p:sp>
+      <p:sp>
+        <p:nvSpPr>
+          <p:cNvPr id="10" name="圆角矩形 9"/>
+          <p:cNvSpPr/>
+          <p:nvPr/>
+        </p:nvSpPr>
+        <p:spPr>
+          <a:xfrm>
+            <a:off x="1759585" y="5367655"/>
+            <a:ext cx="1400175" cy="417195"/>
+          </a:xfrm>
+          <a:prstGeom prst="roundRect">
+            <a:avLst/>
+          </a:prstGeom>
+        </p:spPr>
+        <p:style>
+          <a:lnRef idx="2">
+            <a:schemeClr val="accent1">
+              <a:shade val="50000"/>
+            </a:schemeClr>
+          </a:lnRef>
+          <a:fillRef idx="1">
+            <a:schemeClr val="accent1"/>
+          </a:fillRef>
+          <a:effectRef idx="0">
+            <a:schemeClr val="accent1"/>
+          </a:effectRef>
+          <a:fontRef idx="minor">
+            <a:schemeClr val="lt1"/>
+          </a:fontRef>
+        </p:style>
+        <p:txBody>
+          <a:bodyPr rtlCol="0" anchor="ctr"/>
+          <a:p>
+            <a:pPr algn="ctr"/>
+            <a:r>
+              <a:rPr lang="x-none" altLang="zh-CN"/>
+              <a:t>tc</a:t>
+            </a:r>
+            <a:endParaRPr lang="x-none" altLang="zh-CN"/>
+          </a:p>
+        </p:txBody>
+      </p:sp>
+      <p:sp>
+        <p:nvSpPr>
+          <p:cNvPr id="12" name="文本框 11"/>
           <p:cNvSpPr txBox="1"/>
           <p:nvPr/>
         </p:nvSpPr>
         <p:spPr>
           <a:xfrm>
-            <a:off x="1729740" y="1355725"/>
-            <a:ext cx="7675245" cy="3384550"/>
+            <a:off x="3404870" y="3319145"/>
+            <a:ext cx="1083310" cy="457200"/>
           </a:xfrm>
           <a:prstGeom prst="rect">
             <a:avLst/>
           </a:prstGeom>
           <a:noFill/>
+          <a:ln>
+            <a:solidFill>
+              <a:schemeClr val="accent1"/>
+            </a:solidFill>
+          </a:ln>
         </p:spPr>
         <p:txBody>
           <a:bodyPr wrap="square" rtlCol="0">
@@ -6492,14 +8690,2298 @@
           </a:bodyPr>
           <a:p>
             <a:r>
-              <a:rPr lang="zh-CN" altLang="en-US" sz="1200">
+              <a:rPr lang="x-none" altLang="zh-CN" sz="1200"/>
+              <a:t>jc_running 触发</a:t>
+            </a:r>
+            <a:endParaRPr lang="x-none" altLang="zh-CN" sz="1200"/>
+          </a:p>
+        </p:txBody>
+      </p:sp>
+      <p:cxnSp>
+        <p:nvCxnSpPr>
+          <p:cNvPr id="13" name="直接箭头连接符 12"/>
+          <p:cNvCxnSpPr>
+            <a:stCxn id="7" idx="2"/>
+            <a:endCxn id="8" idx="0"/>
+          </p:cNvCxnSpPr>
+          <p:nvPr/>
+        </p:nvCxnSpPr>
+        <p:spPr>
+          <a:xfrm>
+            <a:off x="2459990" y="2832735"/>
+            <a:ext cx="0" cy="454660"/>
+          </a:xfrm>
+          <a:prstGeom prst="straightConnector1">
+            <a:avLst/>
+          </a:prstGeom>
+          <a:ln>
+            <a:tailEnd type="arrow"/>
+          </a:ln>
+        </p:spPr>
+        <p:style>
+          <a:lnRef idx="1">
+            <a:schemeClr val="accent1"/>
+          </a:lnRef>
+          <a:fillRef idx="0">
+            <a:schemeClr val="accent1"/>
+          </a:fillRef>
+          <a:effectRef idx="0">
+            <a:schemeClr val="accent1"/>
+          </a:effectRef>
+          <a:fontRef idx="minor">
+            <a:schemeClr val="tx1"/>
+          </a:fontRef>
+        </p:style>
+      </p:cxnSp>
+      <p:cxnSp>
+        <p:nvCxnSpPr>
+          <p:cNvPr id="14" name="直接箭头连接符 13"/>
+          <p:cNvCxnSpPr>
+            <a:stCxn id="8" idx="2"/>
+            <a:endCxn id="9" idx="0"/>
+          </p:cNvCxnSpPr>
+          <p:nvPr/>
+        </p:nvCxnSpPr>
+        <p:spPr>
+          <a:xfrm>
+            <a:off x="2459990" y="3704590"/>
+            <a:ext cx="0" cy="474345"/>
+          </a:xfrm>
+          <a:prstGeom prst="straightConnector1">
+            <a:avLst/>
+          </a:prstGeom>
+          <a:ln>
+            <a:tailEnd type="arrow"/>
+          </a:ln>
+        </p:spPr>
+        <p:style>
+          <a:lnRef idx="1">
+            <a:schemeClr val="accent1"/>
+          </a:lnRef>
+          <a:fillRef idx="0">
+            <a:schemeClr val="accent1"/>
+          </a:fillRef>
+          <a:effectRef idx="0">
+            <a:schemeClr val="accent1"/>
+          </a:effectRef>
+          <a:fontRef idx="minor">
+            <a:schemeClr val="tx1"/>
+          </a:fontRef>
+        </p:style>
+      </p:cxnSp>
+      <p:cxnSp>
+        <p:nvCxnSpPr>
+          <p:cNvPr id="15" name="直接箭头连接符 14"/>
+          <p:cNvCxnSpPr>
+            <a:stCxn id="9" idx="2"/>
+            <a:endCxn id="10" idx="0"/>
+          </p:cNvCxnSpPr>
+          <p:nvPr/>
+        </p:nvCxnSpPr>
+        <p:spPr>
+          <a:xfrm>
+            <a:off x="2459990" y="4596130"/>
+            <a:ext cx="0" cy="771525"/>
+          </a:xfrm>
+          <a:prstGeom prst="straightConnector1">
+            <a:avLst/>
+          </a:prstGeom>
+          <a:ln>
+            <a:tailEnd type="arrow"/>
+          </a:ln>
+        </p:spPr>
+        <p:style>
+          <a:lnRef idx="1">
+            <a:schemeClr val="accent1"/>
+          </a:lnRef>
+          <a:fillRef idx="0">
+            <a:schemeClr val="accent1"/>
+          </a:fillRef>
+          <a:effectRef idx="0">
+            <a:schemeClr val="accent1"/>
+          </a:effectRef>
+          <a:fontRef idx="minor">
+            <a:schemeClr val="tx1"/>
+          </a:fontRef>
+        </p:style>
+      </p:cxnSp>
+      <p:sp>
+        <p:nvSpPr>
+          <p:cNvPr id="16" name="文本框 15"/>
+          <p:cNvSpPr txBox="1"/>
+          <p:nvPr/>
+        </p:nvSpPr>
+        <p:spPr>
+          <a:xfrm>
+            <a:off x="3365500" y="2366010"/>
+            <a:ext cx="1152525" cy="458470"/>
+          </a:xfrm>
+          <a:prstGeom prst="rect">
+            <a:avLst/>
+          </a:prstGeom>
+          <a:noFill/>
+          <a:ln>
+            <a:solidFill>
+              <a:schemeClr val="accent1"/>
+            </a:solidFill>
+          </a:ln>
+        </p:spPr>
+        <p:txBody>
+          <a:bodyPr wrap="square" rtlCol="0">
+            <a:spAutoFit/>
+          </a:bodyPr>
+          <a:p>
+            <a:r>
+              <a:rPr lang="x-none" altLang="zh-CN" sz="1200"/>
+              <a:t>切换状态为runnning</a:t>
+            </a:r>
+            <a:endParaRPr lang="x-none" altLang="zh-CN" sz="1200"/>
+          </a:p>
+        </p:txBody>
+      </p:sp>
+      <p:sp>
+        <p:nvSpPr>
+          <p:cNvPr id="17" name="文本框 16"/>
+          <p:cNvSpPr txBox="1"/>
+          <p:nvPr/>
+        </p:nvSpPr>
+        <p:spPr>
+          <a:xfrm>
+            <a:off x="3375660" y="4203065"/>
+            <a:ext cx="1140460" cy="641350"/>
+          </a:xfrm>
+          <a:prstGeom prst="rect">
+            <a:avLst/>
+          </a:prstGeom>
+          <a:noFill/>
+          <a:ln>
+            <a:solidFill>
+              <a:schemeClr val="accent1"/>
+            </a:solidFill>
+          </a:ln>
+        </p:spPr>
+        <p:txBody>
+          <a:bodyPr wrap="square" rtlCol="0">
+            <a:spAutoFit/>
+          </a:bodyPr>
+          <a:p>
+            <a:r>
+              <a:rPr lang="x-none" altLang="zh-CN" sz="1200"/>
+              <a:t>从队列中获取第一条轨迹开始插补</a:t>
+            </a:r>
+            <a:endParaRPr lang="x-none" altLang="zh-CN" sz="1200"/>
+          </a:p>
+        </p:txBody>
+      </p:sp>
+      <p:sp>
+        <p:nvSpPr>
+          <p:cNvPr id="18" name="文本框 17"/>
+          <p:cNvSpPr txBox="1"/>
+          <p:nvPr/>
+        </p:nvSpPr>
+        <p:spPr>
+          <a:xfrm>
+            <a:off x="3414395" y="5294630"/>
+            <a:ext cx="1082040" cy="458470"/>
+          </a:xfrm>
+          <a:prstGeom prst="rect">
+            <a:avLst/>
+          </a:prstGeom>
+          <a:noFill/>
+          <a:ln>
+            <a:solidFill>
+              <a:schemeClr val="accent1"/>
+            </a:solidFill>
+          </a:ln>
+        </p:spPr>
+        <p:txBody>
+          <a:bodyPr wrap="square" rtlCol="0">
+            <a:spAutoFit/>
+          </a:bodyPr>
+          <a:p>
+            <a:r>
+              <a:rPr lang="x-none" altLang="zh-CN" sz="1200"/>
+              <a:t>开始速度插补</a:t>
+            </a:r>
+            <a:endParaRPr lang="x-none" altLang="zh-CN" sz="1200"/>
+          </a:p>
+        </p:txBody>
+      </p:sp>
+      <p:sp>
+        <p:nvSpPr>
+          <p:cNvPr id="20" name="文本框 19"/>
+          <p:cNvSpPr txBox="1"/>
+          <p:nvPr/>
+        </p:nvSpPr>
+        <p:spPr>
+          <a:xfrm>
+            <a:off x="5034280" y="2296160"/>
+            <a:ext cx="1388745" cy="641350"/>
+          </a:xfrm>
+          <a:prstGeom prst="rect">
+            <a:avLst/>
+          </a:prstGeom>
+          <a:noFill/>
+          <a:ln>
+            <a:solidFill>
+              <a:schemeClr val="accent1"/>
+            </a:solidFill>
+          </a:ln>
+        </p:spPr>
+        <p:txBody>
+          <a:bodyPr wrap="square" rtlCol="0">
+            <a:spAutoFit/>
+          </a:bodyPr>
+          <a:p>
+            <a:r>
+              <a:rPr lang="x-none" altLang="zh-CN" sz="1200"/>
+              <a:t>检查motion状态,更新状态,计算当前位姿</a:t>
+            </a:r>
+            <a:endParaRPr lang="x-none" altLang="zh-CN" sz="1200"/>
+          </a:p>
+        </p:txBody>
+      </p:sp>
+      <p:sp>
+        <p:nvSpPr>
+          <p:cNvPr id="22" name="文本框 21"/>
+          <p:cNvSpPr txBox="1"/>
+          <p:nvPr/>
+        </p:nvSpPr>
+        <p:spPr>
+          <a:xfrm>
+            <a:off x="4993005" y="5304790"/>
+            <a:ext cx="1427480" cy="458470"/>
+          </a:xfrm>
+          <a:prstGeom prst="rect">
+            <a:avLst/>
+          </a:prstGeom>
+          <a:noFill/>
+          <a:ln>
+            <a:solidFill>
+              <a:schemeClr val="accent1"/>
+            </a:solidFill>
+          </a:ln>
+        </p:spPr>
+        <p:txBody>
+          <a:bodyPr wrap="square" rtlCol="0">
+            <a:spAutoFit/>
+          </a:bodyPr>
+          <a:p>
+            <a:r>
+              <a:rPr lang="x-none" altLang="zh-CN" sz="1200"/>
+              <a:t>根据不同的速度规划计算当前路程</a:t>
+            </a:r>
+            <a:endParaRPr lang="x-none" altLang="zh-CN" sz="1200"/>
+          </a:p>
+        </p:txBody>
+      </p:sp>
+      <p:sp>
+        <p:nvSpPr>
+          <p:cNvPr id="23" name="文本框 22"/>
+          <p:cNvSpPr txBox="1"/>
+          <p:nvPr/>
+        </p:nvSpPr>
+        <p:spPr>
+          <a:xfrm>
+            <a:off x="4963795" y="4182745"/>
+            <a:ext cx="1499870" cy="641350"/>
+          </a:xfrm>
+          <a:prstGeom prst="rect">
+            <a:avLst/>
+          </a:prstGeom>
+          <a:noFill/>
+          <a:ln>
+            <a:solidFill>
+              <a:schemeClr val="accent1"/>
+            </a:solidFill>
+          </a:ln>
+        </p:spPr>
+        <p:txBody>
+          <a:bodyPr wrap="square" rtlCol="0">
+            <a:spAutoFit/>
+          </a:bodyPr>
+          <a:p>
+            <a:r>
+              <a:rPr lang="x-none" altLang="zh-CN" sz="1200"/>
+              <a:t>根据当前路程,对比总路程计算机械臂当前位姿或关节量</a:t>
+            </a:r>
+            <a:endParaRPr lang="x-none" altLang="zh-CN" sz="1200"/>
+          </a:p>
+        </p:txBody>
+      </p:sp>
+      <p:sp>
+        <p:nvSpPr>
+          <p:cNvPr id="25" name="文本框 24"/>
+          <p:cNvSpPr txBox="1"/>
+          <p:nvPr/>
+        </p:nvSpPr>
+        <p:spPr>
+          <a:xfrm>
+            <a:off x="5003165" y="3368675"/>
+            <a:ext cx="1419860" cy="641350"/>
+          </a:xfrm>
+          <a:prstGeom prst="rect">
+            <a:avLst/>
+          </a:prstGeom>
+          <a:noFill/>
+          <a:ln>
+            <a:solidFill>
+              <a:schemeClr val="accent1"/>
+            </a:solidFill>
+          </a:ln>
+        </p:spPr>
+        <p:txBody>
+          <a:bodyPr wrap="square" rtlCol="0">
+            <a:spAutoFit/>
+          </a:bodyPr>
+          <a:p>
+            <a:r>
+              <a:rPr lang="x-none" altLang="zh-CN" sz="1200"/>
+              <a:t>将关节量写入motor,位姿则转换为关节量再写入</a:t>
+            </a:r>
+            <a:endParaRPr lang="x-none" altLang="zh-CN" sz="1200"/>
+          </a:p>
+        </p:txBody>
+      </p:sp>
+      <p:sp>
+        <p:nvSpPr>
+          <p:cNvPr id="27" name="文本框 26"/>
+          <p:cNvSpPr txBox="1"/>
+          <p:nvPr/>
+        </p:nvSpPr>
+        <p:spPr>
+          <a:xfrm>
+            <a:off x="6967855" y="5403850"/>
+            <a:ext cx="1172210" cy="275590"/>
+          </a:xfrm>
+          <a:prstGeom prst="rect">
+            <a:avLst/>
+          </a:prstGeom>
+          <a:noFill/>
+          <a:ln>
+            <a:solidFill>
+              <a:schemeClr val="accent1"/>
+            </a:solidFill>
+          </a:ln>
+        </p:spPr>
+        <p:txBody>
+          <a:bodyPr wrap="square" rtlCol="0">
+            <a:spAutoFit/>
+          </a:bodyPr>
+          <a:p>
+            <a:r>
+              <a:rPr lang="x-none" altLang="zh-CN" sz="1200"/>
+              <a:t>减速停止</a:t>
+            </a:r>
+            <a:endParaRPr lang="x-none" altLang="zh-CN" sz="1200"/>
+          </a:p>
+        </p:txBody>
+      </p:sp>
+      <p:sp>
+        <p:nvSpPr>
+          <p:cNvPr id="28" name="文本框 27"/>
+          <p:cNvSpPr txBox="1"/>
+          <p:nvPr/>
+        </p:nvSpPr>
+        <p:spPr>
+          <a:xfrm>
+            <a:off x="6899275" y="4203065"/>
+            <a:ext cx="1261110" cy="458470"/>
+          </a:xfrm>
+          <a:prstGeom prst="rect">
+            <a:avLst/>
+          </a:prstGeom>
+          <a:noFill/>
+          <a:ln>
+            <a:solidFill>
+              <a:schemeClr val="accent1"/>
+            </a:solidFill>
+          </a:ln>
+        </p:spPr>
+        <p:txBody>
+          <a:bodyPr wrap="square" rtlCol="0">
+            <a:spAutoFit/>
+          </a:bodyPr>
+          <a:p>
+            <a:r>
+              <a:rPr lang="x-none" altLang="zh-CN" sz="1200"/>
+              <a:t>设置目标速度为0</a:t>
+            </a:r>
+            <a:endParaRPr lang="x-none" altLang="zh-CN" sz="1200"/>
+          </a:p>
+        </p:txBody>
+      </p:sp>
+      <p:sp>
+        <p:nvSpPr>
+          <p:cNvPr id="29" name="文本框 28"/>
+          <p:cNvSpPr txBox="1"/>
+          <p:nvPr/>
+        </p:nvSpPr>
+        <p:spPr>
+          <a:xfrm>
+            <a:off x="6929120" y="3329305"/>
+            <a:ext cx="1161415" cy="275590"/>
+          </a:xfrm>
+          <a:prstGeom prst="rect">
+            <a:avLst/>
+          </a:prstGeom>
+          <a:noFill/>
+          <a:ln>
+            <a:solidFill>
+              <a:schemeClr val="accent1"/>
+            </a:solidFill>
+          </a:ln>
+        </p:spPr>
+        <p:txBody>
+          <a:bodyPr wrap="square" rtlCol="0">
+            <a:spAutoFit/>
+          </a:bodyPr>
+          <a:p>
+            <a:r>
+              <a:rPr lang="x-none" altLang="zh-CN" sz="1200"/>
+              <a:t>tp_abort触发</a:t>
+            </a:r>
+            <a:endParaRPr lang="x-none" altLang="zh-CN" sz="1200"/>
+          </a:p>
+        </p:txBody>
+      </p:sp>
+      <p:sp>
+        <p:nvSpPr>
+          <p:cNvPr id="30" name="文本框 29"/>
+          <p:cNvSpPr txBox="1"/>
+          <p:nvPr/>
+        </p:nvSpPr>
+        <p:spPr>
+          <a:xfrm>
+            <a:off x="6871335" y="2445385"/>
+            <a:ext cx="1310005" cy="274320"/>
+          </a:xfrm>
+          <a:prstGeom prst="rect">
+            <a:avLst/>
+          </a:prstGeom>
+          <a:noFill/>
+          <a:ln>
+            <a:solidFill>
+              <a:schemeClr val="accent1"/>
+            </a:solidFill>
+          </a:ln>
+        </p:spPr>
+        <p:txBody>
+          <a:bodyPr wrap="square" rtlCol="0">
+            <a:spAutoFit/>
+          </a:bodyPr>
+          <a:p>
+            <a:r>
+              <a:rPr lang="x-none" altLang="zh-CN" sz="1200"/>
+              <a:t>tp_abort=true</a:t>
+            </a:r>
+            <a:endParaRPr lang="x-none" altLang="zh-CN" sz="1200"/>
+          </a:p>
+        </p:txBody>
+      </p:sp>
+      <p:cxnSp>
+        <p:nvCxnSpPr>
+          <p:cNvPr id="31" name="直接箭头连接符 30"/>
+          <p:cNvCxnSpPr>
+            <a:stCxn id="16" idx="2"/>
+            <a:endCxn id="12" idx="0"/>
+          </p:cNvCxnSpPr>
+          <p:nvPr/>
+        </p:nvCxnSpPr>
+        <p:spPr>
+          <a:xfrm>
+            <a:off x="3942080" y="2824480"/>
+            <a:ext cx="4445" cy="494665"/>
+          </a:xfrm>
+          <a:prstGeom prst="straightConnector1">
+            <a:avLst/>
+          </a:prstGeom>
+          <a:ln>
+            <a:tailEnd type="arrow"/>
+          </a:ln>
+        </p:spPr>
+        <p:style>
+          <a:lnRef idx="1">
+            <a:schemeClr val="accent1"/>
+          </a:lnRef>
+          <a:fillRef idx="0">
+            <a:schemeClr val="accent1"/>
+          </a:fillRef>
+          <a:effectRef idx="0">
+            <a:schemeClr val="accent1"/>
+          </a:effectRef>
+          <a:fontRef idx="minor">
+            <a:schemeClr val="tx1"/>
+          </a:fontRef>
+        </p:style>
+      </p:cxnSp>
+      <p:cxnSp>
+        <p:nvCxnSpPr>
+          <p:cNvPr id="32" name="直接箭头连接符 31"/>
+          <p:cNvCxnSpPr>
+            <a:stCxn id="12" idx="2"/>
+            <a:endCxn id="17" idx="0"/>
+          </p:cNvCxnSpPr>
+          <p:nvPr/>
+        </p:nvCxnSpPr>
+        <p:spPr>
+          <a:xfrm flipH="1">
+            <a:off x="3945890" y="3776345"/>
+            <a:ext cx="635" cy="426720"/>
+          </a:xfrm>
+          <a:prstGeom prst="straightConnector1">
+            <a:avLst/>
+          </a:prstGeom>
+          <a:ln>
+            <a:tailEnd type="arrow"/>
+          </a:ln>
+        </p:spPr>
+        <p:style>
+          <a:lnRef idx="1">
+            <a:schemeClr val="accent1"/>
+          </a:lnRef>
+          <a:fillRef idx="0">
+            <a:schemeClr val="accent1"/>
+          </a:fillRef>
+          <a:effectRef idx="0">
+            <a:schemeClr val="accent1"/>
+          </a:effectRef>
+          <a:fontRef idx="minor">
+            <a:schemeClr val="tx1"/>
+          </a:fontRef>
+        </p:style>
+      </p:cxnSp>
+      <p:cxnSp>
+        <p:nvCxnSpPr>
+          <p:cNvPr id="33" name="直接箭头连接符 32"/>
+          <p:cNvCxnSpPr>
+            <a:stCxn id="17" idx="2"/>
+            <a:endCxn id="18" idx="0"/>
+          </p:cNvCxnSpPr>
+          <p:nvPr/>
+        </p:nvCxnSpPr>
+        <p:spPr>
+          <a:xfrm>
+            <a:off x="3945890" y="4844415"/>
+            <a:ext cx="9525" cy="450215"/>
+          </a:xfrm>
+          <a:prstGeom prst="straightConnector1">
+            <a:avLst/>
+          </a:prstGeom>
+          <a:ln>
+            <a:tailEnd type="arrow"/>
+          </a:ln>
+        </p:spPr>
+        <p:style>
+          <a:lnRef idx="1">
+            <a:schemeClr val="accent1"/>
+          </a:lnRef>
+          <a:fillRef idx="0">
+            <a:schemeClr val="accent1"/>
+          </a:fillRef>
+          <a:effectRef idx="0">
+            <a:schemeClr val="accent1"/>
+          </a:effectRef>
+          <a:fontRef idx="minor">
+            <a:schemeClr val="tx1"/>
+          </a:fontRef>
+        </p:style>
+      </p:cxnSp>
+      <p:cxnSp>
+        <p:nvCxnSpPr>
+          <p:cNvPr id="34" name="直接箭头连接符 33"/>
+          <p:cNvCxnSpPr>
+            <a:stCxn id="18" idx="3"/>
+            <a:endCxn id="22" idx="1"/>
+          </p:cNvCxnSpPr>
+          <p:nvPr/>
+        </p:nvCxnSpPr>
+        <p:spPr>
+          <a:xfrm>
+            <a:off x="4496435" y="5523865"/>
+            <a:ext cx="496570" cy="10160"/>
+          </a:xfrm>
+          <a:prstGeom prst="straightConnector1">
+            <a:avLst/>
+          </a:prstGeom>
+          <a:ln>
+            <a:tailEnd type="arrow"/>
+          </a:ln>
+        </p:spPr>
+        <p:style>
+          <a:lnRef idx="1">
+            <a:schemeClr val="accent1"/>
+          </a:lnRef>
+          <a:fillRef idx="0">
+            <a:schemeClr val="accent1"/>
+          </a:fillRef>
+          <a:effectRef idx="0">
+            <a:schemeClr val="accent1"/>
+          </a:effectRef>
+          <a:fontRef idx="minor">
+            <a:schemeClr val="tx1"/>
+          </a:fontRef>
+        </p:style>
+      </p:cxnSp>
+      <p:cxnSp>
+        <p:nvCxnSpPr>
+          <p:cNvPr id="36" name="直接箭头连接符 35"/>
+          <p:cNvCxnSpPr>
+            <a:stCxn id="22" idx="0"/>
+            <a:endCxn id="23" idx="2"/>
+          </p:cNvCxnSpPr>
+          <p:nvPr/>
+        </p:nvCxnSpPr>
+        <p:spPr>
+          <a:xfrm flipV="1">
+            <a:off x="5706745" y="4824095"/>
+            <a:ext cx="6985" cy="480695"/>
+          </a:xfrm>
+          <a:prstGeom prst="straightConnector1">
+            <a:avLst/>
+          </a:prstGeom>
+          <a:ln>
+            <a:tailEnd type="arrow"/>
+          </a:ln>
+        </p:spPr>
+        <p:style>
+          <a:lnRef idx="1">
+            <a:schemeClr val="accent1"/>
+          </a:lnRef>
+          <a:fillRef idx="0">
+            <a:schemeClr val="accent1"/>
+          </a:fillRef>
+          <a:effectRef idx="0">
+            <a:schemeClr val="accent1"/>
+          </a:effectRef>
+          <a:fontRef idx="minor">
+            <a:schemeClr val="tx1"/>
+          </a:fontRef>
+        </p:style>
+      </p:cxnSp>
+      <p:cxnSp>
+        <p:nvCxnSpPr>
+          <p:cNvPr id="37" name="直接箭头连接符 36"/>
+          <p:cNvCxnSpPr>
+            <a:stCxn id="23" idx="0"/>
+            <a:endCxn id="25" idx="2"/>
+          </p:cNvCxnSpPr>
+          <p:nvPr/>
+        </p:nvCxnSpPr>
+        <p:spPr>
+          <a:xfrm flipH="1" flipV="1">
+            <a:off x="5713095" y="4010025"/>
+            <a:ext cx="635" cy="172720"/>
+          </a:xfrm>
+          <a:prstGeom prst="straightConnector1">
+            <a:avLst/>
+          </a:prstGeom>
+          <a:ln>
+            <a:tailEnd type="arrow"/>
+          </a:ln>
+        </p:spPr>
+        <p:style>
+          <a:lnRef idx="1">
+            <a:schemeClr val="accent1"/>
+          </a:lnRef>
+          <a:fillRef idx="0">
+            <a:schemeClr val="accent1"/>
+          </a:fillRef>
+          <a:effectRef idx="0">
+            <a:schemeClr val="accent1"/>
+          </a:effectRef>
+          <a:fontRef idx="minor">
+            <a:schemeClr val="tx1"/>
+          </a:fontRef>
+        </p:style>
+      </p:cxnSp>
+      <p:cxnSp>
+        <p:nvCxnSpPr>
+          <p:cNvPr id="38" name="直接箭头连接符 37"/>
+          <p:cNvCxnSpPr>
+            <a:stCxn id="25" idx="0"/>
+            <a:endCxn id="20" idx="2"/>
+          </p:cNvCxnSpPr>
+          <p:nvPr/>
+        </p:nvCxnSpPr>
+        <p:spPr>
+          <a:xfrm flipV="1">
+            <a:off x="5713095" y="2937510"/>
+            <a:ext cx="15875" cy="431165"/>
+          </a:xfrm>
+          <a:prstGeom prst="straightConnector1">
+            <a:avLst/>
+          </a:prstGeom>
+          <a:ln>
+            <a:tailEnd type="arrow"/>
+          </a:ln>
+        </p:spPr>
+        <p:style>
+          <a:lnRef idx="1">
+            <a:schemeClr val="accent1"/>
+          </a:lnRef>
+          <a:fillRef idx="0">
+            <a:schemeClr val="accent1"/>
+          </a:fillRef>
+          <a:effectRef idx="0">
+            <a:schemeClr val="accent1"/>
+          </a:effectRef>
+          <a:fontRef idx="minor">
+            <a:schemeClr val="tx1"/>
+          </a:fontRef>
+        </p:style>
+      </p:cxnSp>
+      <p:sp>
+        <p:nvSpPr>
+          <p:cNvPr id="45" name="文本框 44"/>
+          <p:cNvSpPr txBox="1"/>
+          <p:nvPr/>
+        </p:nvSpPr>
+        <p:spPr>
+          <a:xfrm>
+            <a:off x="3285490" y="1522095"/>
+            <a:ext cx="1310640" cy="367665"/>
+          </a:xfrm>
+          <a:prstGeom prst="rect">
+            <a:avLst/>
+          </a:prstGeom>
+          <a:noFill/>
+        </p:spPr>
+        <p:txBody>
+          <a:bodyPr wrap="square" rtlCol="0">
+            <a:spAutoFit/>
+          </a:bodyPr>
+          <a:p>
+            <a:pPr algn="ctr"/>
+            <a:r>
+              <a:rPr lang="x-none" altLang="zh-CN"/>
+              <a:t>开始</a:t>
+            </a:r>
+            <a:endParaRPr lang="x-none" altLang="zh-CN"/>
+          </a:p>
+        </p:txBody>
+      </p:sp>
+      <p:sp>
+        <p:nvSpPr>
+          <p:cNvPr id="46" name="文本框 45"/>
+          <p:cNvSpPr txBox="1"/>
+          <p:nvPr/>
+        </p:nvSpPr>
+        <p:spPr>
+          <a:xfrm>
+            <a:off x="5053330" y="1551940"/>
+            <a:ext cx="1379855" cy="367665"/>
+          </a:xfrm>
+          <a:prstGeom prst="rect">
+            <a:avLst/>
+          </a:prstGeom>
+          <a:noFill/>
+        </p:spPr>
+        <p:txBody>
+          <a:bodyPr wrap="square" rtlCol="0">
+            <a:spAutoFit/>
+          </a:bodyPr>
+          <a:p>
+            <a:pPr algn="ctr"/>
+            <a:r>
+              <a:rPr lang="x-none" altLang="zh-CN"/>
+              <a:t>过程</a:t>
+            </a:r>
+            <a:endParaRPr lang="x-none" altLang="zh-CN"/>
+          </a:p>
+        </p:txBody>
+      </p:sp>
+      <p:sp>
+        <p:nvSpPr>
+          <p:cNvPr id="47" name="文本框 46"/>
+          <p:cNvSpPr txBox="1"/>
+          <p:nvPr/>
+        </p:nvSpPr>
+        <p:spPr>
+          <a:xfrm>
+            <a:off x="6919595" y="1531620"/>
+            <a:ext cx="1181735" cy="367665"/>
+          </a:xfrm>
+          <a:prstGeom prst="rect">
+            <a:avLst/>
+          </a:prstGeom>
+          <a:noFill/>
+        </p:spPr>
+        <p:txBody>
+          <a:bodyPr wrap="square" rtlCol="0">
+            <a:spAutoFit/>
+          </a:bodyPr>
+          <a:p>
+            <a:pPr algn="ctr"/>
+            <a:r>
+              <a:rPr lang="x-none" altLang="zh-CN"/>
+              <a:t>停止</a:t>
+            </a:r>
+            <a:endParaRPr lang="x-none" altLang="zh-CN"/>
+          </a:p>
+        </p:txBody>
+      </p:sp>
+      <p:sp>
+        <p:nvSpPr>
+          <p:cNvPr id="4" name="文本框 3"/>
+          <p:cNvSpPr txBox="1"/>
+          <p:nvPr/>
+        </p:nvSpPr>
+        <p:spPr>
+          <a:xfrm>
+            <a:off x="8464550" y="5401945"/>
+            <a:ext cx="1172210" cy="275590"/>
+          </a:xfrm>
+          <a:prstGeom prst="rect">
+            <a:avLst/>
+          </a:prstGeom>
+          <a:noFill/>
+          <a:ln>
+            <a:solidFill>
+              <a:schemeClr val="accent1"/>
+            </a:solidFill>
+          </a:ln>
+        </p:spPr>
+        <p:txBody>
+          <a:bodyPr wrap="square" rtlCol="0">
+            <a:spAutoFit/>
+          </a:bodyPr>
+          <a:p>
+            <a:pPr algn="ctr"/>
+            <a:r>
+              <a:rPr lang="x-none" altLang="zh-CN" sz="1200"/>
+              <a:t>速度为0</a:t>
+            </a:r>
+            <a:endParaRPr lang="x-none" altLang="zh-CN" sz="1200"/>
+          </a:p>
+        </p:txBody>
+      </p:sp>
+      <p:sp>
+        <p:nvSpPr>
+          <p:cNvPr id="5" name="文本框 4"/>
+          <p:cNvSpPr txBox="1"/>
+          <p:nvPr/>
+        </p:nvSpPr>
+        <p:spPr>
+          <a:xfrm>
+            <a:off x="8376285" y="4241165"/>
+            <a:ext cx="1261110" cy="458470"/>
+          </a:xfrm>
+          <a:prstGeom prst="rect">
+            <a:avLst/>
+          </a:prstGeom>
+          <a:noFill/>
+          <a:ln>
+            <a:solidFill>
+              <a:schemeClr val="accent1"/>
+            </a:solidFill>
+          </a:ln>
+        </p:spPr>
+        <p:txBody>
+          <a:bodyPr wrap="square" rtlCol="0">
+            <a:spAutoFit/>
+          </a:bodyPr>
+          <a:p>
+            <a:r>
+              <a:rPr lang="x-none" altLang="zh-CN" sz="1200"/>
+              <a:t>清除队列,初始化</a:t>
+            </a:r>
+            <a:endParaRPr lang="x-none" altLang="zh-CN" sz="1200"/>
+          </a:p>
+        </p:txBody>
+      </p:sp>
+      <p:sp>
+        <p:nvSpPr>
+          <p:cNvPr id="6" name="文本框 5"/>
+          <p:cNvSpPr txBox="1"/>
+          <p:nvPr/>
+        </p:nvSpPr>
+        <p:spPr>
+          <a:xfrm>
+            <a:off x="8406130" y="3367405"/>
+            <a:ext cx="1161415" cy="458470"/>
+          </a:xfrm>
+          <a:prstGeom prst="rect">
+            <a:avLst/>
+          </a:prstGeom>
+          <a:noFill/>
+          <a:ln>
+            <a:solidFill>
+              <a:schemeClr val="accent1"/>
+            </a:solidFill>
+          </a:ln>
+        </p:spPr>
+        <p:txBody>
+          <a:bodyPr wrap="square" rtlCol="0">
+            <a:spAutoFit/>
+          </a:bodyPr>
+          <a:p>
+            <a:r>
+              <a:rPr lang="x-none" altLang="zh-CN" sz="1200"/>
+              <a:t>tp_abort停止电机</a:t>
+            </a:r>
+            <a:endParaRPr lang="x-none" altLang="zh-CN" sz="1200"/>
+          </a:p>
+        </p:txBody>
+      </p:sp>
+      <p:sp>
+        <p:nvSpPr>
+          <p:cNvPr id="11" name="文本框 10"/>
+          <p:cNvSpPr txBox="1"/>
+          <p:nvPr/>
+        </p:nvSpPr>
+        <p:spPr>
+          <a:xfrm>
+            <a:off x="8338185" y="2444115"/>
+            <a:ext cx="1310005" cy="275590"/>
+          </a:xfrm>
+          <a:prstGeom prst="rect">
+            <a:avLst/>
+          </a:prstGeom>
+          <a:noFill/>
+          <a:ln>
+            <a:solidFill>
+              <a:schemeClr val="accent1"/>
+            </a:solidFill>
+          </a:ln>
+        </p:spPr>
+        <p:txBody>
+          <a:bodyPr wrap="square" rtlCol="0">
+            <a:spAutoFit/>
+          </a:bodyPr>
+          <a:p>
+            <a:r>
+              <a:rPr lang="x-none" altLang="zh-CN" sz="1200"/>
+              <a:t>切换状态为idle</a:t>
+            </a:r>
+            <a:endParaRPr lang="x-none" altLang="zh-CN" sz="1200"/>
+          </a:p>
+        </p:txBody>
+      </p:sp>
+      <p:cxnSp>
+        <p:nvCxnSpPr>
+          <p:cNvPr id="19" name="直接箭头连接符 18"/>
+          <p:cNvCxnSpPr>
+            <a:stCxn id="4" idx="0"/>
+            <a:endCxn id="5" idx="2"/>
+          </p:cNvCxnSpPr>
+          <p:nvPr/>
+        </p:nvCxnSpPr>
+        <p:spPr>
+          <a:xfrm flipH="1" flipV="1">
+            <a:off x="9006840" y="4699635"/>
+            <a:ext cx="43815" cy="702310"/>
+          </a:xfrm>
+          <a:prstGeom prst="straightConnector1">
+            <a:avLst/>
+          </a:prstGeom>
+          <a:ln>
+            <a:tailEnd type="arrow"/>
+          </a:ln>
+        </p:spPr>
+        <p:style>
+          <a:lnRef idx="1">
+            <a:schemeClr val="accent1"/>
+          </a:lnRef>
+          <a:fillRef idx="0">
+            <a:schemeClr val="accent1"/>
+          </a:fillRef>
+          <a:effectRef idx="0">
+            <a:schemeClr val="accent1"/>
+          </a:effectRef>
+          <a:fontRef idx="minor">
+            <a:schemeClr val="tx1"/>
+          </a:fontRef>
+        </p:style>
+      </p:cxnSp>
+      <p:cxnSp>
+        <p:nvCxnSpPr>
+          <p:cNvPr id="21" name="直接箭头连接符 20"/>
+          <p:cNvCxnSpPr>
+            <a:stCxn id="5" idx="0"/>
+            <a:endCxn id="6" idx="2"/>
+          </p:cNvCxnSpPr>
+          <p:nvPr/>
+        </p:nvCxnSpPr>
+        <p:spPr>
+          <a:xfrm flipH="1" flipV="1">
+            <a:off x="8987155" y="3825875"/>
+            <a:ext cx="19685" cy="415290"/>
+          </a:xfrm>
+          <a:prstGeom prst="straightConnector1">
+            <a:avLst/>
+          </a:prstGeom>
+          <a:ln>
+            <a:tailEnd type="arrow"/>
+          </a:ln>
+        </p:spPr>
+        <p:style>
+          <a:lnRef idx="1">
+            <a:schemeClr val="accent1"/>
+          </a:lnRef>
+          <a:fillRef idx="0">
+            <a:schemeClr val="accent1"/>
+          </a:fillRef>
+          <a:effectRef idx="0">
+            <a:schemeClr val="accent1"/>
+          </a:effectRef>
+          <a:fontRef idx="minor">
+            <a:schemeClr val="tx1"/>
+          </a:fontRef>
+        </p:style>
+      </p:cxnSp>
+      <p:cxnSp>
+        <p:nvCxnSpPr>
+          <p:cNvPr id="24" name="直接箭头连接符 23"/>
+          <p:cNvCxnSpPr>
+            <a:stCxn id="6" idx="0"/>
+            <a:endCxn id="11" idx="2"/>
+          </p:cNvCxnSpPr>
+          <p:nvPr/>
+        </p:nvCxnSpPr>
+        <p:spPr>
+          <a:xfrm flipV="1">
+            <a:off x="8987155" y="2719705"/>
+            <a:ext cx="6350" cy="647700"/>
+          </a:xfrm>
+          <a:prstGeom prst="straightConnector1">
+            <a:avLst/>
+          </a:prstGeom>
+          <a:ln>
+            <a:tailEnd type="arrow"/>
+          </a:ln>
+        </p:spPr>
+        <p:style>
+          <a:lnRef idx="1">
+            <a:schemeClr val="accent1"/>
+          </a:lnRef>
+          <a:fillRef idx="0">
+            <a:schemeClr val="accent1"/>
+          </a:fillRef>
+          <a:effectRef idx="0">
+            <a:schemeClr val="accent1"/>
+          </a:effectRef>
+          <a:fontRef idx="minor">
+            <a:schemeClr val="tx1"/>
+          </a:fontRef>
+        </p:style>
+      </p:cxnSp>
+      <p:sp>
+        <p:nvSpPr>
+          <p:cNvPr id="26" name="文本框 25"/>
+          <p:cNvSpPr txBox="1"/>
+          <p:nvPr/>
+        </p:nvSpPr>
+        <p:spPr>
+          <a:xfrm>
+            <a:off x="8396605" y="1569720"/>
+            <a:ext cx="1181735" cy="367665"/>
+          </a:xfrm>
+          <a:prstGeom prst="rect">
+            <a:avLst/>
+          </a:prstGeom>
+          <a:noFill/>
+        </p:spPr>
+        <p:txBody>
+          <a:bodyPr wrap="square" rtlCol="0">
+            <a:spAutoFit/>
+          </a:bodyPr>
+          <a:p>
+            <a:pPr algn="ctr"/>
+            <a:r>
+              <a:rPr lang="x-none" altLang="zh-CN"/>
+              <a:t>停止完成</a:t>
+            </a:r>
+            <a:endParaRPr lang="x-none" altLang="zh-CN"/>
+          </a:p>
+        </p:txBody>
+      </p:sp>
+      <p:cxnSp>
+        <p:nvCxnSpPr>
+          <p:cNvPr id="44" name="直接箭头连接符 43"/>
+          <p:cNvCxnSpPr>
+            <a:stCxn id="30" idx="2"/>
+            <a:endCxn id="29" idx="0"/>
+          </p:cNvCxnSpPr>
+          <p:nvPr/>
+        </p:nvCxnSpPr>
+        <p:spPr>
+          <a:xfrm flipH="1">
+            <a:off x="7510145" y="2719705"/>
+            <a:ext cx="16510" cy="609600"/>
+          </a:xfrm>
+          <a:prstGeom prst="straightConnector1">
+            <a:avLst/>
+          </a:prstGeom>
+          <a:ln>
+            <a:tailEnd type="arrow"/>
+          </a:ln>
+        </p:spPr>
+        <p:style>
+          <a:lnRef idx="1">
+            <a:schemeClr val="accent1"/>
+          </a:lnRef>
+          <a:fillRef idx="0">
+            <a:schemeClr val="accent1"/>
+          </a:fillRef>
+          <a:effectRef idx="0">
+            <a:schemeClr val="accent1"/>
+          </a:effectRef>
+          <a:fontRef idx="minor">
+            <a:schemeClr val="tx1"/>
+          </a:fontRef>
+        </p:style>
+      </p:cxnSp>
+      <p:cxnSp>
+        <p:nvCxnSpPr>
+          <p:cNvPr id="50" name="直接箭头连接符 49"/>
+          <p:cNvCxnSpPr>
+            <a:stCxn id="29" idx="2"/>
+            <a:endCxn id="28" idx="0"/>
+          </p:cNvCxnSpPr>
+          <p:nvPr/>
+        </p:nvCxnSpPr>
+        <p:spPr>
+          <a:xfrm>
+            <a:off x="7510145" y="3604895"/>
+            <a:ext cx="19685" cy="598170"/>
+          </a:xfrm>
+          <a:prstGeom prst="straightConnector1">
+            <a:avLst/>
+          </a:prstGeom>
+          <a:ln>
+            <a:tailEnd type="arrow"/>
+          </a:ln>
+        </p:spPr>
+        <p:style>
+          <a:lnRef idx="1">
+            <a:schemeClr val="accent1"/>
+          </a:lnRef>
+          <a:fillRef idx="0">
+            <a:schemeClr val="accent1"/>
+          </a:fillRef>
+          <a:effectRef idx="0">
+            <a:schemeClr val="accent1"/>
+          </a:effectRef>
+          <a:fontRef idx="minor">
+            <a:schemeClr val="tx1"/>
+          </a:fontRef>
+        </p:style>
+      </p:cxnSp>
+      <p:cxnSp>
+        <p:nvCxnSpPr>
+          <p:cNvPr id="51" name="直接箭头连接符 50"/>
+          <p:cNvCxnSpPr>
+            <a:stCxn id="20" idx="3"/>
+            <a:endCxn id="30" idx="1"/>
+          </p:cNvCxnSpPr>
+          <p:nvPr/>
+        </p:nvCxnSpPr>
+        <p:spPr>
+          <a:xfrm flipV="1">
+            <a:off x="6423025" y="2582545"/>
+            <a:ext cx="448310" cy="34290"/>
+          </a:xfrm>
+          <a:prstGeom prst="straightConnector1">
+            <a:avLst/>
+          </a:prstGeom>
+          <a:ln>
+            <a:tailEnd type="arrow"/>
+          </a:ln>
+        </p:spPr>
+        <p:style>
+          <a:lnRef idx="1">
+            <a:schemeClr val="accent1"/>
+          </a:lnRef>
+          <a:fillRef idx="0">
+            <a:schemeClr val="accent1"/>
+          </a:fillRef>
+          <a:effectRef idx="0">
+            <a:schemeClr val="accent1"/>
+          </a:effectRef>
+          <a:fontRef idx="minor">
+            <a:schemeClr val="tx1"/>
+          </a:fontRef>
+        </p:style>
+      </p:cxnSp>
+      <p:cxnSp>
+        <p:nvCxnSpPr>
+          <p:cNvPr id="52" name="直接箭头连接符 51"/>
+          <p:cNvCxnSpPr>
+            <a:stCxn id="28" idx="2"/>
+            <a:endCxn id="27" idx="0"/>
+          </p:cNvCxnSpPr>
+          <p:nvPr/>
+        </p:nvCxnSpPr>
+        <p:spPr>
+          <a:xfrm>
+            <a:off x="7529830" y="4661535"/>
+            <a:ext cx="24130" cy="742315"/>
+          </a:xfrm>
+          <a:prstGeom prst="straightConnector1">
+            <a:avLst/>
+          </a:prstGeom>
+          <a:ln>
+            <a:tailEnd type="arrow"/>
+          </a:ln>
+        </p:spPr>
+        <p:style>
+          <a:lnRef idx="1">
+            <a:schemeClr val="accent1"/>
+          </a:lnRef>
+          <a:fillRef idx="0">
+            <a:schemeClr val="accent1"/>
+          </a:fillRef>
+          <a:effectRef idx="0">
+            <a:schemeClr val="accent1"/>
+          </a:effectRef>
+          <a:fontRef idx="minor">
+            <a:schemeClr val="tx1"/>
+          </a:fontRef>
+        </p:style>
+      </p:cxnSp>
+      <p:cxnSp>
+        <p:nvCxnSpPr>
+          <p:cNvPr id="53" name="直接箭头连接符 52"/>
+          <p:cNvCxnSpPr>
+            <a:stCxn id="27" idx="3"/>
+            <a:endCxn id="4" idx="1"/>
+          </p:cNvCxnSpPr>
+          <p:nvPr/>
+        </p:nvCxnSpPr>
+        <p:spPr>
+          <a:xfrm flipV="1">
+            <a:off x="8140065" y="5539740"/>
+            <a:ext cx="324485" cy="1905"/>
+          </a:xfrm>
+          <a:prstGeom prst="straightConnector1">
+            <a:avLst/>
+          </a:prstGeom>
+          <a:ln>
+            <a:tailEnd type="arrow"/>
+          </a:ln>
+        </p:spPr>
+        <p:style>
+          <a:lnRef idx="1">
+            <a:schemeClr val="accent1"/>
+          </a:lnRef>
+          <a:fillRef idx="0">
+            <a:schemeClr val="accent1"/>
+          </a:fillRef>
+          <a:effectRef idx="0">
+            <a:schemeClr val="accent1"/>
+          </a:effectRef>
+          <a:fontRef idx="minor">
+            <a:schemeClr val="tx1"/>
+          </a:fontRef>
+        </p:style>
+      </p:cxnSp>
+      <p:sp>
+        <p:nvSpPr>
+          <p:cNvPr id="54" name="文本框 53"/>
+          <p:cNvSpPr txBox="1"/>
+          <p:nvPr/>
+        </p:nvSpPr>
+        <p:spPr>
+          <a:xfrm>
+            <a:off x="10253980" y="2459990"/>
+            <a:ext cx="1003300" cy="275590"/>
+          </a:xfrm>
+          <a:prstGeom prst="rect">
+            <a:avLst/>
+          </a:prstGeom>
+          <a:noFill/>
+          <a:ln>
+            <a:solidFill>
+              <a:schemeClr val="accent1"/>
+            </a:solidFill>
+          </a:ln>
+        </p:spPr>
+        <p:txBody>
+          <a:bodyPr wrap="square" rtlCol="0">
+            <a:spAutoFit/>
+          </a:bodyPr>
+          <a:p>
+            <a:r>
+              <a:rPr lang="x-none" altLang="zh-CN" sz="1200"/>
+              <a:t>添加运动...</a:t>
+            </a:r>
+            <a:endParaRPr lang="x-none" altLang="zh-CN" sz="1200"/>
+          </a:p>
+        </p:txBody>
+      </p:sp>
+      <p:cxnSp>
+        <p:nvCxnSpPr>
+          <p:cNvPr id="55" name="直接箭头连接符 54"/>
+          <p:cNvCxnSpPr>
+            <a:stCxn id="11" idx="3"/>
+            <a:endCxn id="54" idx="1"/>
+          </p:cNvCxnSpPr>
+          <p:nvPr/>
+        </p:nvCxnSpPr>
+        <p:spPr>
+          <a:xfrm>
+            <a:off x="9648190" y="2581910"/>
+            <a:ext cx="605790" cy="15875"/>
+          </a:xfrm>
+          <a:prstGeom prst="straightConnector1">
+            <a:avLst/>
+          </a:prstGeom>
+          <a:ln>
+            <a:tailEnd type="arrow"/>
+          </a:ln>
+        </p:spPr>
+        <p:style>
+          <a:lnRef idx="1">
+            <a:schemeClr val="accent1"/>
+          </a:lnRef>
+          <a:fillRef idx="0">
+            <a:schemeClr val="accent1"/>
+          </a:fillRef>
+          <a:effectRef idx="0">
+            <a:schemeClr val="accent1"/>
+          </a:effectRef>
+          <a:fontRef idx="minor">
+            <a:schemeClr val="tx1"/>
+          </a:fontRef>
+        </p:style>
+      </p:cxnSp>
+    </p:spTree>
+  </p:cSld>
+  <p:clrMapOvr>
+    <a:masterClrMapping/>
+  </p:clrMapOvr>
+  <mc:AlternateContent xmlns:mc="http://schemas.openxmlformats.org/markup-compatibility/2006">
+    <mc:Choice xmlns:p14="http://schemas.microsoft.com/office/powerpoint/2010/main" Requires="p14">
+      <p:transition p14:dur="500"/>
+    </mc:Choice>
+    <mc:Fallback>
+      <p:transition/>
+    </mc:Fallback>
+  </mc:AlternateContent>
+</p:sld>
+</file>
+
+<file path=ppt/slides/slide8.xml><?xml version="1.0" encoding="utf-8"?>
+<p:sld xmlns:a="http://schemas.openxmlformats.org/drawingml/2006/main" xmlns:r="http://schemas.openxmlformats.org/officeDocument/2006/relationships" xmlns:p="http://schemas.openxmlformats.org/presentationml/2006/main">
+  <p:cSld>
+    <p:spTree>
+      <p:nvGrpSpPr>
+        <p:cNvPr id="1" name=""/>
+        <p:cNvGrpSpPr/>
+        <p:nvPr/>
+      </p:nvGrpSpPr>
+      <p:grpSpPr/>
+      <p:sp>
+        <p:nvSpPr>
+          <p:cNvPr id="2" name="标题 1"/>
+          <p:cNvSpPr>
+            <a:spLocks noGrp="1"/>
+          </p:cNvSpPr>
+          <p:nvPr>
+            <p:ph type="title"/>
+          </p:nvPr>
+        </p:nvSpPr>
+        <p:spPr/>
+        <p:txBody>
+          <a:bodyPr/>
+          <a:p>
+            <a:r>
+              <a:rPr lang="x-none" altLang="zh-CN"/>
+              <a:t>周期插补流程</a:t>
+            </a:r>
+            <a:endParaRPr lang="x-none" altLang="zh-CN"/>
+          </a:p>
+        </p:txBody>
+      </p:sp>
+      <p:sp>
+        <p:nvSpPr>
+          <p:cNvPr id="6" name="椭圆 5"/>
+          <p:cNvSpPr/>
+          <p:nvPr/>
+        </p:nvSpPr>
+        <p:spPr>
+          <a:xfrm>
+            <a:off x="473075" y="2574290"/>
+            <a:ext cx="1957070" cy="666115"/>
+          </a:xfrm>
+          <a:prstGeom prst="ellipse">
+            <a:avLst/>
+          </a:prstGeom>
+        </p:spPr>
+        <p:style>
+          <a:lnRef idx="2">
+            <a:schemeClr val="accent1">
+              <a:shade val="50000"/>
+            </a:schemeClr>
+          </a:lnRef>
+          <a:fillRef idx="1">
+            <a:schemeClr val="accent1"/>
+          </a:fillRef>
+          <a:effectRef idx="0">
+            <a:schemeClr val="accent1"/>
+          </a:effectRef>
+          <a:fontRef idx="minor">
+            <a:schemeClr val="lt1"/>
+          </a:fontRef>
+        </p:style>
+        <p:txBody>
+          <a:bodyPr rtlCol="0" anchor="ctr"/>
+          <a:p>
+            <a:pPr algn="ctr"/>
+            <a:r>
+              <a:rPr lang="x-none" altLang="zh-CN"/>
+              <a:t>tcruncycle</a:t>
+            </a:r>
+            <a:endParaRPr lang="x-none" altLang="zh-CN"/>
+          </a:p>
+        </p:txBody>
+      </p:sp>
+      <p:sp>
+        <p:nvSpPr>
+          <p:cNvPr id="7" name="椭圆 6"/>
+          <p:cNvSpPr/>
+          <p:nvPr/>
+        </p:nvSpPr>
+        <p:spPr>
+          <a:xfrm>
+            <a:off x="2966720" y="2574290"/>
+            <a:ext cx="2023745" cy="666115"/>
+          </a:xfrm>
+          <a:prstGeom prst="ellipse">
+            <a:avLst/>
+          </a:prstGeom>
+        </p:spPr>
+        <p:style>
+          <a:lnRef idx="2">
+            <a:schemeClr val="accent1">
+              <a:shade val="50000"/>
+            </a:schemeClr>
+          </a:lnRef>
+          <a:fillRef idx="1">
+            <a:schemeClr val="accent1"/>
+          </a:fillRef>
+          <a:effectRef idx="0">
+            <a:schemeClr val="accent1"/>
+          </a:effectRef>
+          <a:fontRef idx="minor">
+            <a:schemeClr val="lt1"/>
+          </a:fontRef>
+        </p:style>
+        <p:txBody>
+          <a:bodyPr rtlCol="0" anchor="ctr"/>
+          <a:p>
+            <a:pPr algn="ctr"/>
+            <a:r>
+              <a:rPr lang="x-none" altLang="zh-CN"/>
+              <a:t>tpruncycle</a:t>
+            </a:r>
+            <a:endParaRPr lang="x-none" altLang="zh-CN"/>
+          </a:p>
+        </p:txBody>
+      </p:sp>
+      <p:sp>
+        <p:nvSpPr>
+          <p:cNvPr id="8" name="椭圆 7"/>
+          <p:cNvSpPr/>
+          <p:nvPr/>
+        </p:nvSpPr>
+        <p:spPr>
+          <a:xfrm>
+            <a:off x="5713095" y="2574290"/>
+            <a:ext cx="2066290" cy="666115"/>
+          </a:xfrm>
+          <a:prstGeom prst="ellipse">
+            <a:avLst/>
+          </a:prstGeom>
+        </p:spPr>
+        <p:style>
+          <a:lnRef idx="2">
+            <a:schemeClr val="accent1">
+              <a:shade val="50000"/>
+            </a:schemeClr>
+          </a:lnRef>
+          <a:fillRef idx="1">
+            <a:schemeClr val="accent1"/>
+          </a:fillRef>
+          <a:effectRef idx="0">
+            <a:schemeClr val="accent1"/>
+          </a:effectRef>
+          <a:fontRef idx="minor">
+            <a:schemeClr val="lt1"/>
+          </a:fontRef>
+        </p:style>
+        <p:txBody>
+          <a:bodyPr rtlCol="0" anchor="ctr"/>
+          <a:p>
+            <a:pPr algn="ctr"/>
+            <a:r>
+              <a:rPr lang="x-none" altLang="zh-CN"/>
+              <a:t>jcruncycle</a:t>
+            </a:r>
+            <a:endParaRPr lang="x-none" altLang="zh-CN"/>
+          </a:p>
+        </p:txBody>
+      </p:sp>
+      <p:sp>
+        <p:nvSpPr>
+          <p:cNvPr id="9" name="椭圆 8"/>
+          <p:cNvSpPr/>
+          <p:nvPr/>
+        </p:nvSpPr>
+        <p:spPr>
+          <a:xfrm>
+            <a:off x="8592185" y="2573655"/>
+            <a:ext cx="2332355" cy="666115"/>
+          </a:xfrm>
+          <a:prstGeom prst="ellipse">
+            <a:avLst/>
+          </a:prstGeom>
+        </p:spPr>
+        <p:style>
+          <a:lnRef idx="2">
+            <a:schemeClr val="accent1">
+              <a:shade val="50000"/>
+            </a:schemeClr>
+          </a:lnRef>
+          <a:fillRef idx="1">
+            <a:schemeClr val="accent1"/>
+          </a:fillRef>
+          <a:effectRef idx="0">
+            <a:schemeClr val="accent1"/>
+          </a:effectRef>
+          <a:fontRef idx="minor">
+            <a:schemeClr val="lt1"/>
+          </a:fontRef>
+        </p:style>
+        <p:txBody>
+          <a:bodyPr rtlCol="0" anchor="ctr"/>
+          <a:p>
+            <a:pPr algn="ctr"/>
+            <a:r>
+              <a:rPr lang="x-none" altLang="zh-CN"/>
+              <a:t>motion runcycle</a:t>
+            </a:r>
+            <a:endParaRPr lang="x-none" altLang="zh-CN"/>
+          </a:p>
+        </p:txBody>
+      </p:sp>
+      <p:sp>
+        <p:nvSpPr>
+          <p:cNvPr id="10" name="圆角矩形 9"/>
+          <p:cNvSpPr/>
+          <p:nvPr/>
+        </p:nvSpPr>
+        <p:spPr>
+          <a:xfrm>
+            <a:off x="557530" y="4022090"/>
+            <a:ext cx="1690370" cy="2489835"/>
+          </a:xfrm>
+          <a:prstGeom prst="roundRect">
+            <a:avLst/>
+          </a:prstGeom>
+          <a:solidFill>
+            <a:schemeClr val="bg2"/>
+          </a:solidFill>
+        </p:spPr>
+        <p:style>
+          <a:lnRef idx="2">
+            <a:schemeClr val="accent1">
+              <a:shade val="50000"/>
+            </a:schemeClr>
+          </a:lnRef>
+          <a:fillRef idx="1">
+            <a:schemeClr val="accent1"/>
+          </a:fillRef>
+          <a:effectRef idx="0">
+            <a:schemeClr val="accent1"/>
+          </a:effectRef>
+          <a:fontRef idx="minor">
+            <a:schemeClr val="lt1"/>
+          </a:fontRef>
+        </p:style>
+        <p:txBody>
+          <a:bodyPr rtlCol="0" anchor="ctr"/>
+          <a:p>
+            <a:pPr algn="l"/>
+            <a:r>
+              <a:rPr lang="x-none" altLang="zh-CN" sz="1200">
+                <a:solidFill>
+                  <a:schemeClr val="tx1"/>
+                </a:solidFill>
+              </a:rPr>
+              <a:t>tesk:</a:t>
+            </a:r>
+            <a:endParaRPr lang="x-none" altLang="zh-CN" sz="1200">
+              <a:solidFill>
+                <a:schemeClr val="tx1"/>
+              </a:solidFill>
+            </a:endParaRPr>
+          </a:p>
+          <a:p>
+            <a:pPr algn="l"/>
+            <a:r>
+              <a:rPr lang="x-none" altLang="zh-CN" sz="1200">
+                <a:solidFill>
+                  <a:schemeClr val="tx1"/>
+                </a:solidFill>
+              </a:rPr>
+              <a:t>1.对于约束的速度,加速度,路程等进行速度加减速控制.</a:t>
+            </a:r>
+            <a:endParaRPr lang="x-none" altLang="zh-CN" sz="1200">
+              <a:solidFill>
+                <a:schemeClr val="tx1"/>
+              </a:solidFill>
+            </a:endParaRPr>
+          </a:p>
+          <a:p>
+            <a:pPr algn="l"/>
+            <a:r>
+              <a:rPr lang="x-none" altLang="zh-CN" sz="1200">
+                <a:solidFill>
+                  <a:schemeClr val="tx1"/>
+                </a:solidFill>
+              </a:rPr>
+              <a:t>2.有T型,七段S型,和五次多项式等插补方式.</a:t>
+            </a:r>
+            <a:endParaRPr lang="x-none" altLang="zh-CN" sz="1200">
+              <a:solidFill>
+                <a:schemeClr val="tx1"/>
+              </a:solidFill>
+            </a:endParaRPr>
+          </a:p>
+          <a:p>
+            <a:pPr algn="l"/>
+            <a:r>
+              <a:rPr lang="x-none" altLang="zh-CN" sz="1200">
+                <a:solidFill>
+                  <a:schemeClr val="tx1"/>
+                </a:solidFill>
+              </a:rPr>
+              <a:t>3.插补期间响应进给率变化带来的速度变化.</a:t>
+            </a:r>
+            <a:endParaRPr lang="x-none" altLang="zh-CN" sz="1200">
+              <a:solidFill>
+                <a:schemeClr val="tx1"/>
+              </a:solidFill>
+            </a:endParaRPr>
+          </a:p>
+        </p:txBody>
+      </p:sp>
+      <p:sp>
+        <p:nvSpPr>
+          <p:cNvPr id="11" name="圆角矩形 10"/>
+          <p:cNvSpPr/>
+          <p:nvPr/>
+        </p:nvSpPr>
+        <p:spPr>
+          <a:xfrm>
+            <a:off x="3141345" y="4030345"/>
+            <a:ext cx="1690370" cy="2489835"/>
+          </a:xfrm>
+          <a:prstGeom prst="roundRect">
+            <a:avLst/>
+          </a:prstGeom>
+          <a:solidFill>
+            <a:schemeClr val="bg2"/>
+          </a:solidFill>
+        </p:spPr>
+        <p:style>
+          <a:lnRef idx="2">
+            <a:schemeClr val="accent1">
+              <a:shade val="50000"/>
+            </a:schemeClr>
+          </a:lnRef>
+          <a:fillRef idx="1">
+            <a:schemeClr val="accent1"/>
+          </a:fillRef>
+          <a:effectRef idx="0">
+            <a:schemeClr val="accent1"/>
+          </a:effectRef>
+          <a:fontRef idx="minor">
+            <a:schemeClr val="lt1"/>
+          </a:fontRef>
+        </p:style>
+        <p:txBody>
+          <a:bodyPr rtlCol="0" anchor="ctr"/>
+          <a:p>
+            <a:pPr algn="l"/>
+            <a:r>
+              <a:rPr lang="x-none" altLang="zh-CN" sz="1200">
+                <a:solidFill>
+                  <a:schemeClr val="tx1"/>
+                </a:solidFill>
+              </a:rPr>
+              <a:t>tesk:</a:t>
+            </a:r>
+            <a:endParaRPr lang="x-none" altLang="zh-CN" sz="1200">
+              <a:solidFill>
+                <a:schemeClr val="tx1"/>
+              </a:solidFill>
+            </a:endParaRPr>
+          </a:p>
+          <a:p>
+            <a:pPr algn="l"/>
+            <a:r>
+              <a:rPr lang="x-none" altLang="zh-CN" sz="1200">
+                <a:solidFill>
+                  <a:schemeClr val="tx1"/>
+                </a:solidFill>
+              </a:rPr>
+              <a:t>1.响应不同的运动方式,free, path.</a:t>
+            </a:r>
+            <a:endParaRPr lang="x-none" altLang="zh-CN" sz="1200">
+              <a:solidFill>
+                <a:schemeClr val="tx1"/>
+              </a:solidFill>
+            </a:endParaRPr>
+          </a:p>
+          <a:p>
+            <a:pPr algn="l"/>
+            <a:r>
+              <a:rPr lang="x-none" altLang="zh-CN" sz="1200">
+                <a:solidFill>
+                  <a:schemeClr val="tx1"/>
+                </a:solidFill>
+              </a:rPr>
+              <a:t>2.对tc插值的数据进行处理,周期计算关节变量</a:t>
+            </a:r>
+            <a:endParaRPr lang="x-none" altLang="zh-CN" sz="1200">
+              <a:solidFill>
+                <a:schemeClr val="tx1"/>
+              </a:solidFill>
+            </a:endParaRPr>
+          </a:p>
+          <a:p>
+            <a:pPr algn="l"/>
+            <a:r>
+              <a:rPr lang="x-none" altLang="zh-CN" sz="1200">
+                <a:solidFill>
+                  <a:schemeClr val="tx1"/>
+                </a:solidFill>
+              </a:rPr>
+              <a:t>3.对有过渡插补的线段进行过渡插补</a:t>
+            </a:r>
+            <a:endParaRPr lang="x-none" altLang="zh-CN" sz="1200">
+              <a:solidFill>
+                <a:schemeClr val="tx1"/>
+              </a:solidFill>
+            </a:endParaRPr>
+          </a:p>
+          <a:p>
+            <a:pPr algn="l"/>
+            <a:endParaRPr lang="x-none" altLang="zh-CN" sz="1200">
+              <a:solidFill>
+                <a:schemeClr val="tx1"/>
+              </a:solidFill>
+            </a:endParaRPr>
+          </a:p>
+          <a:p>
+            <a:pPr algn="l"/>
+            <a:endParaRPr lang="x-none" altLang="zh-CN" sz="1200">
+              <a:solidFill>
+                <a:schemeClr val="tx1"/>
+              </a:solidFill>
+            </a:endParaRPr>
+          </a:p>
+          <a:p>
+            <a:pPr algn="l"/>
+            <a:endParaRPr lang="x-none" altLang="zh-CN" sz="1200">
+              <a:solidFill>
+                <a:schemeClr val="tx1"/>
+              </a:solidFill>
+            </a:endParaRPr>
+          </a:p>
+        </p:txBody>
+      </p:sp>
+      <p:sp>
+        <p:nvSpPr>
+          <p:cNvPr id="12" name="圆角矩形 11"/>
+          <p:cNvSpPr/>
+          <p:nvPr/>
+        </p:nvSpPr>
+        <p:spPr>
+          <a:xfrm>
+            <a:off x="6005830" y="4030345"/>
+            <a:ext cx="1690370" cy="2489835"/>
+          </a:xfrm>
+          <a:prstGeom prst="roundRect">
+            <a:avLst/>
+          </a:prstGeom>
+          <a:solidFill>
+            <a:schemeClr val="bg2"/>
+          </a:solidFill>
+        </p:spPr>
+        <p:style>
+          <a:lnRef idx="2">
+            <a:schemeClr val="accent1">
+              <a:shade val="50000"/>
+            </a:schemeClr>
+          </a:lnRef>
+          <a:fillRef idx="1">
+            <a:schemeClr val="accent1"/>
+          </a:fillRef>
+          <a:effectRef idx="0">
+            <a:schemeClr val="accent1"/>
+          </a:effectRef>
+          <a:fontRef idx="minor">
+            <a:schemeClr val="lt1"/>
+          </a:fontRef>
+        </p:style>
+        <p:txBody>
+          <a:bodyPr rtlCol="0" anchor="ctr"/>
+          <a:p>
+            <a:pPr algn="l"/>
+            <a:r>
+              <a:rPr lang="x-none" altLang="zh-CN" sz="1200">
+                <a:solidFill>
+                  <a:schemeClr val="tx1"/>
+                </a:solidFill>
+              </a:rPr>
+              <a:t>tesk:</a:t>
+            </a:r>
+            <a:endParaRPr lang="x-none" altLang="zh-CN" sz="1200">
+              <a:solidFill>
+                <a:schemeClr val="tx1"/>
+              </a:solidFill>
+            </a:endParaRPr>
+          </a:p>
+          <a:p>
+            <a:pPr algn="l"/>
+            <a:r>
+              <a:rPr lang="x-none" altLang="zh-CN" sz="1200">
+                <a:solidFill>
+                  <a:schemeClr val="tx1"/>
+                </a:solidFill>
+              </a:rPr>
+              <a:t>1.响应不同控制状态下对电机的模式切换</a:t>
+            </a:r>
+            <a:endParaRPr lang="x-none" altLang="zh-CN" sz="1200">
+              <a:solidFill>
+                <a:schemeClr val="tx1"/>
+              </a:solidFill>
+            </a:endParaRPr>
+          </a:p>
+          <a:p>
+            <a:pPr algn="l"/>
+            <a:r>
+              <a:rPr lang="x-none" altLang="zh-CN" sz="1200">
+                <a:solidFill>
+                  <a:schemeClr val="tx1"/>
+                </a:solidFill>
+              </a:rPr>
+              <a:t>2.对tp计算得出的关节变量处理,将关节变量传给电机进行插值</a:t>
+            </a:r>
+            <a:endParaRPr lang="x-none" altLang="zh-CN" sz="1200">
+              <a:solidFill>
+                <a:schemeClr val="tx1"/>
+              </a:solidFill>
+            </a:endParaRPr>
+          </a:p>
+          <a:p>
+            <a:pPr algn="l"/>
+            <a:endParaRPr lang="x-none" altLang="zh-CN" sz="1200">
+              <a:solidFill>
+                <a:schemeClr val="tx1"/>
+              </a:solidFill>
+            </a:endParaRPr>
+          </a:p>
+          <a:p>
+            <a:pPr algn="l"/>
+            <a:endParaRPr lang="x-none" altLang="zh-CN" sz="1200">
+              <a:solidFill>
+                <a:schemeClr val="tx1"/>
+              </a:solidFill>
+            </a:endParaRPr>
+          </a:p>
+          <a:p>
+            <a:pPr algn="l"/>
+            <a:endParaRPr lang="x-none" altLang="zh-CN" sz="1200">
+              <a:solidFill>
+                <a:schemeClr val="tx1"/>
+              </a:solidFill>
+            </a:endParaRPr>
+          </a:p>
+          <a:p>
+            <a:pPr algn="l"/>
+            <a:endParaRPr lang="x-none" altLang="zh-CN" sz="1200">
+              <a:solidFill>
+                <a:schemeClr val="tx1"/>
+              </a:solidFill>
+            </a:endParaRPr>
+          </a:p>
+        </p:txBody>
+      </p:sp>
+      <p:sp>
+        <p:nvSpPr>
+          <p:cNvPr id="13" name="圆角矩形 12"/>
+          <p:cNvSpPr/>
+          <p:nvPr/>
+        </p:nvSpPr>
+        <p:spPr>
+          <a:xfrm>
+            <a:off x="9011920" y="4030345"/>
+            <a:ext cx="1690370" cy="2489835"/>
+          </a:xfrm>
+          <a:prstGeom prst="roundRect">
+            <a:avLst/>
+          </a:prstGeom>
+          <a:solidFill>
+            <a:schemeClr val="bg2"/>
+          </a:solidFill>
+        </p:spPr>
+        <p:style>
+          <a:lnRef idx="2">
+            <a:schemeClr val="accent1">
+              <a:shade val="50000"/>
+            </a:schemeClr>
+          </a:lnRef>
+          <a:fillRef idx="1">
+            <a:schemeClr val="accent1"/>
+          </a:fillRef>
+          <a:effectRef idx="0">
+            <a:schemeClr val="accent1"/>
+          </a:effectRef>
+          <a:fontRef idx="minor">
+            <a:schemeClr val="lt1"/>
+          </a:fontRef>
+        </p:style>
+        <p:txBody>
+          <a:bodyPr rtlCol="0" anchor="ctr"/>
+          <a:p>
+            <a:pPr algn="l"/>
+            <a:r>
+              <a:rPr lang="x-none" altLang="zh-CN" sz="1200">
+                <a:solidFill>
+                  <a:schemeClr val="tx1"/>
+                </a:solidFill>
+              </a:rPr>
+              <a:t>tesk:</a:t>
+            </a:r>
+            <a:endParaRPr lang="x-none" altLang="zh-CN" sz="1200">
+              <a:solidFill>
+                <a:schemeClr val="tx1"/>
+              </a:solidFill>
+            </a:endParaRPr>
+          </a:p>
+          <a:p>
+            <a:pPr algn="l"/>
+            <a:r>
+              <a:rPr lang="x-none" altLang="zh-CN" sz="1200">
+                <a:solidFill>
+                  <a:schemeClr val="tx1"/>
+                </a:solidFill>
+              </a:rPr>
+              <a:t>1.响应不同的控制命令</a:t>
+            </a:r>
+            <a:endParaRPr lang="x-none" altLang="zh-CN" sz="1200">
+              <a:solidFill>
+                <a:schemeClr val="tx1"/>
+              </a:solidFill>
+            </a:endParaRPr>
+          </a:p>
+          <a:p>
+            <a:pPr algn="l"/>
+            <a:r>
+              <a:rPr lang="x-none" altLang="zh-CN" sz="1200">
+                <a:solidFill>
+                  <a:schemeClr val="tx1"/>
+                </a:solidFill>
+              </a:rPr>
+              <a:t>2.计算机械臂实时位姿</a:t>
+            </a:r>
+            <a:endParaRPr lang="x-none" altLang="zh-CN" sz="1200">
+              <a:solidFill>
+                <a:schemeClr val="tx1"/>
+              </a:solidFill>
+            </a:endParaRPr>
+          </a:p>
+          <a:p>
+            <a:pPr algn="l"/>
+            <a:endParaRPr lang="x-none" altLang="zh-CN" sz="1200">
+              <a:solidFill>
+                <a:schemeClr val="tx1"/>
+              </a:solidFill>
+            </a:endParaRPr>
+          </a:p>
+          <a:p>
+            <a:pPr algn="l"/>
+            <a:endParaRPr lang="x-none" altLang="zh-CN" sz="1200">
+              <a:solidFill>
+                <a:schemeClr val="tx1"/>
+              </a:solidFill>
+            </a:endParaRPr>
+          </a:p>
+          <a:p>
+            <a:pPr algn="l"/>
+            <a:endParaRPr lang="x-none" altLang="zh-CN" sz="1200">
+              <a:solidFill>
+                <a:schemeClr val="tx1"/>
+              </a:solidFill>
+            </a:endParaRPr>
+          </a:p>
+          <a:p>
+            <a:pPr algn="l"/>
+            <a:endParaRPr lang="x-none" altLang="zh-CN" sz="1200">
+              <a:solidFill>
+                <a:schemeClr val="tx1"/>
+              </a:solidFill>
+            </a:endParaRPr>
+          </a:p>
+          <a:p>
+            <a:pPr algn="l"/>
+            <a:endParaRPr lang="x-none" altLang="zh-CN" sz="1200">
+              <a:solidFill>
+                <a:schemeClr val="tx1"/>
+              </a:solidFill>
+            </a:endParaRPr>
+          </a:p>
+          <a:p>
+            <a:pPr algn="l"/>
+            <a:endParaRPr lang="x-none" altLang="zh-CN" sz="1200">
+              <a:solidFill>
+                <a:schemeClr val="tx1"/>
+              </a:solidFill>
+            </a:endParaRPr>
+          </a:p>
+        </p:txBody>
+      </p:sp>
+      <p:cxnSp>
+        <p:nvCxnSpPr>
+          <p:cNvPr id="14" name="直接连接符 13"/>
+          <p:cNvCxnSpPr>
+            <a:stCxn id="6" idx="4"/>
+            <a:endCxn id="10" idx="0"/>
+          </p:cNvCxnSpPr>
+          <p:nvPr/>
+        </p:nvCxnSpPr>
+        <p:spPr>
+          <a:xfrm flipH="1">
+            <a:off x="1402715" y="3240405"/>
+            <a:ext cx="48895" cy="781685"/>
+          </a:xfrm>
+          <a:prstGeom prst="line">
+            <a:avLst/>
+          </a:prstGeom>
+        </p:spPr>
+        <p:style>
+          <a:lnRef idx="1">
+            <a:schemeClr val="accent1"/>
+          </a:lnRef>
+          <a:fillRef idx="0">
+            <a:schemeClr val="accent1"/>
+          </a:fillRef>
+          <a:effectRef idx="0">
+            <a:schemeClr val="accent1"/>
+          </a:effectRef>
+          <a:fontRef idx="minor">
+            <a:schemeClr val="tx1"/>
+          </a:fontRef>
+        </p:style>
+      </p:cxnSp>
+      <p:cxnSp>
+        <p:nvCxnSpPr>
+          <p:cNvPr id="15" name="直接连接符 14"/>
+          <p:cNvCxnSpPr>
+            <a:stCxn id="7" idx="4"/>
+            <a:endCxn id="11" idx="0"/>
+          </p:cNvCxnSpPr>
+          <p:nvPr/>
+        </p:nvCxnSpPr>
+        <p:spPr>
+          <a:xfrm>
+            <a:off x="3978910" y="3240405"/>
+            <a:ext cx="7620" cy="789940"/>
+          </a:xfrm>
+          <a:prstGeom prst="line">
+            <a:avLst/>
+          </a:prstGeom>
+        </p:spPr>
+        <p:style>
+          <a:lnRef idx="1">
+            <a:schemeClr val="accent1"/>
+          </a:lnRef>
+          <a:fillRef idx="0">
+            <a:schemeClr val="accent1"/>
+          </a:fillRef>
+          <a:effectRef idx="0">
+            <a:schemeClr val="accent1"/>
+          </a:effectRef>
+          <a:fontRef idx="minor">
+            <a:schemeClr val="tx1"/>
+          </a:fontRef>
+        </p:style>
+      </p:cxnSp>
+      <p:cxnSp>
+        <p:nvCxnSpPr>
+          <p:cNvPr id="16" name="直接连接符 15"/>
+          <p:cNvCxnSpPr>
+            <a:stCxn id="8" idx="4"/>
+            <a:endCxn id="12" idx="0"/>
+          </p:cNvCxnSpPr>
+          <p:nvPr/>
+        </p:nvCxnSpPr>
+        <p:spPr>
+          <a:xfrm>
+            <a:off x="6746240" y="3240405"/>
+            <a:ext cx="104775" cy="789940"/>
+          </a:xfrm>
+          <a:prstGeom prst="line">
+            <a:avLst/>
+          </a:prstGeom>
+        </p:spPr>
+        <p:style>
+          <a:lnRef idx="1">
+            <a:schemeClr val="accent1"/>
+          </a:lnRef>
+          <a:fillRef idx="0">
+            <a:schemeClr val="accent1"/>
+          </a:fillRef>
+          <a:effectRef idx="0">
+            <a:schemeClr val="accent1"/>
+          </a:effectRef>
+          <a:fontRef idx="minor">
+            <a:schemeClr val="tx1"/>
+          </a:fontRef>
+        </p:style>
+      </p:cxnSp>
+      <p:cxnSp>
+        <p:nvCxnSpPr>
+          <p:cNvPr id="17" name="直接连接符 16"/>
+          <p:cNvCxnSpPr>
+            <a:stCxn id="9" idx="4"/>
+            <a:endCxn id="13" idx="0"/>
+          </p:cNvCxnSpPr>
+          <p:nvPr/>
+        </p:nvCxnSpPr>
+        <p:spPr>
+          <a:xfrm>
+            <a:off x="9758680" y="3239770"/>
+            <a:ext cx="98425" cy="790575"/>
+          </a:xfrm>
+          <a:prstGeom prst="line">
+            <a:avLst/>
+          </a:prstGeom>
+        </p:spPr>
+        <p:style>
+          <a:lnRef idx="1">
+            <a:schemeClr val="accent1"/>
+          </a:lnRef>
+          <a:fillRef idx="0">
+            <a:schemeClr val="accent1"/>
+          </a:fillRef>
+          <a:effectRef idx="0">
+            <a:schemeClr val="accent1"/>
+          </a:effectRef>
+          <a:fontRef idx="minor">
+            <a:schemeClr val="tx1"/>
+          </a:fontRef>
+        </p:style>
+      </p:cxnSp>
+    </p:spTree>
+  </p:cSld>
+  <p:clrMapOvr>
+    <a:masterClrMapping/>
+  </p:clrMapOvr>
+  <mc:AlternateContent xmlns:mc="http://schemas.openxmlformats.org/markup-compatibility/2006">
+    <mc:Choice xmlns:p14="http://schemas.microsoft.com/office/powerpoint/2010/main" Requires="p14">
+      <p:transition p14:dur="500"/>
+    </mc:Choice>
+    <mc:Fallback>
+      <p:transition/>
+    </mc:Fallback>
+  </mc:AlternateContent>
+</p:sld>
+</file>
+
+<file path=ppt/slides/slide9.xml><?xml version="1.0" encoding="utf-8"?>
+<p:sld xmlns:a="http://schemas.openxmlformats.org/drawingml/2006/main" xmlns:r="http://schemas.openxmlformats.org/officeDocument/2006/relationships" xmlns:p="http://schemas.openxmlformats.org/presentationml/2006/main">
+  <p:cSld>
+    <p:spTree>
+      <p:nvGrpSpPr>
+        <p:cNvPr id="1" name=""/>
+        <p:cNvGrpSpPr/>
+        <p:nvPr/>
+      </p:nvGrpSpPr>
+      <p:grpSpPr/>
+      <p:sp>
+        <p:nvSpPr>
+          <p:cNvPr id="2" name="标题 1"/>
+          <p:cNvSpPr>
+            <a:spLocks noGrp="1"/>
+          </p:cNvSpPr>
+          <p:nvPr>
+            <p:ph type="title"/>
+          </p:nvPr>
+        </p:nvSpPr>
+        <p:spPr/>
+        <p:txBody>
+          <a:bodyPr/>
+          <a:p>
+            <a:r>
+              <a:rPr lang="x-none" altLang="zh-CN"/>
+              <a:t>轨迹运动函数说明</a:t>
+            </a:r>
+            <a:endParaRPr lang="x-none" altLang="zh-CN"/>
+          </a:p>
+        </p:txBody>
+      </p:sp>
+      <p:sp>
+        <p:nvSpPr>
+          <p:cNvPr id="3" name="文本框 2"/>
+          <p:cNvSpPr txBox="1"/>
+          <p:nvPr/>
+        </p:nvSpPr>
+        <p:spPr>
+          <a:xfrm>
+            <a:off x="88265" y="1270000"/>
+            <a:ext cx="12032615" cy="4664710"/>
+          </a:xfrm>
+          <a:prstGeom prst="rect">
+            <a:avLst/>
+          </a:prstGeom>
+          <a:noFill/>
+          <a:ln>
+            <a:solidFill>
+              <a:schemeClr val="accent1"/>
+            </a:solidFill>
+          </a:ln>
+        </p:spPr>
+        <p:txBody>
+          <a:bodyPr wrap="square" rtlCol="0">
+            <a:spAutoFit/>
+          </a:bodyPr>
+          <a:p>
+            <a:r>
+              <a:rPr lang="x-none" altLang="zh-CN" sz="1200">
+                <a:ln>
+                  <a:noFill/>
+                </a:ln>
+              </a:rPr>
+              <a:t>motion支持:</a:t>
+            </a:r>
+            <a:endParaRPr lang="x-none" altLang="zh-CN" sz="1200">
+              <a:ln>
+                <a:noFill/>
+              </a:ln>
+            </a:endParaRPr>
+          </a:p>
+          <a:p>
+            <a:r>
+              <a:rPr lang="x-none" altLang="zh-CN" sz="1200">
+                <a:ln>
+                  <a:noFill/>
+                </a:ln>
                 <a:solidFill>
                   <a:schemeClr val="accent1"/>
                 </a:solidFill>
               </a:rPr>
-              <a:t>    机械臂hand正解</a:t>
-            </a:r>
-            <a:endParaRPr lang="zh-CN" altLang="en-US" sz="1200">
+              <a:t>单轴关节自由模式插值</a:t>
+            </a:r>
+            <a:endParaRPr lang="x-none" altLang="zh-CN" sz="1200">
+              <a:ln>
+                <a:noFill/>
+              </a:ln>
               <a:solidFill>
                 <a:schemeClr val="accent1"/>
               </a:solidFill>
@@ -6507,28 +10989,35 @@
           </a:p>
           <a:p>
             <a:r>
-              <a:rPr lang="zh-CN" altLang="en-US" sz="1200"/>
-              <a:t>    virtual int handForwardKinematic(const KDL::JntArray &amp;joint,</a:t>
-            </a:r>
-            <a:endParaRPr lang="zh-CN" altLang="en-US" sz="1200"/>
-          </a:p>
-          <a:p>
-            <a:r>
-              <a:rPr lang="zh-CN" altLang="en-US" sz="1200"/>
-              <a:t>                                     KDL::Frame &amp;frame, int &amp;fk_flag);</a:t>
-            </a:r>
-            <a:endParaRPr lang="zh-CN" altLang="en-US" sz="1200"/>
-          </a:p>
-          <a:p>
-            <a:r>
-              <a:rPr lang="zh-CN" altLang="en-US" sz="1200">
+              <a:rPr lang="x-none" altLang="zh-CN" sz="1200">
+                <a:ln>
+                  <a:noFill/>
+                </a:ln>
+              </a:rPr>
+              <a:t>COMMON::EmcError motionAddFreeSingalJointAbs(const bool is_arm, const uint32_t joint_index,const UserVel_t &amp;vl, const double posit,const uint32_t id);</a:t>
+            </a:r>
+            <a:endParaRPr lang="x-none" altLang="zh-CN" sz="1200">
+              <a:ln>
+                <a:noFill/>
+              </a:ln>
+            </a:endParaRPr>
+          </a:p>
+          <a:p>
+            <a:r>
+              <a:rPr lang="x-none" altLang="zh-CN" sz="1200">
+                <a:ln>
+                  <a:noFill/>
+                </a:ln>
                 <a:solidFill>
                   <a:schemeClr val="accent1"/>
                 </a:solidFill>
               </a:rPr>
-              <a:t>    机械臂hand逆解</a:t>
-            </a:r>
-            <a:endParaRPr lang="zh-CN" altLang="en-US" sz="1200">
+              <a:t>点到点自由模式关节变量方式添加</a:t>
+            </a:r>
+            <a:endParaRPr lang="x-none" altLang="zh-CN" sz="1200">
+              <a:ln>
+                <a:noFill/>
+              </a:ln>
               <a:solidFill>
                 <a:schemeClr val="accent1"/>
               </a:solidFill>
@@ -6536,28 +11025,35 @@
           </a:p>
           <a:p>
             <a:r>
-              <a:rPr lang="zh-CN" altLang="en-US" sz="1200"/>
-              <a:t>    virtual int handInverseKinematic(const KDL::JntArray &amp;last_posit, const KDL::Frame &amp;frame,</a:t>
-            </a:r>
-            <a:endParaRPr lang="zh-CN" altLang="en-US" sz="1200"/>
-          </a:p>
-          <a:p>
-            <a:r>
-              <a:rPr lang="zh-CN" altLang="en-US" sz="1200"/>
-              <a:t>                                     const int ik_flag, KDL::JntArray &amp;joint);</a:t>
-            </a:r>
-            <a:endParaRPr lang="zh-CN" altLang="en-US" sz="1200"/>
-          </a:p>
-          <a:p>
-            <a:r>
-              <a:rPr lang="zh-CN" altLang="en-US" sz="1200">
+              <a:rPr lang="x-none" altLang="zh-CN" sz="1200">
+                <a:ln>
+                  <a:noFill/>
+                </a:ln>
+              </a:rPr>
+              <a:t>COMMON::EmcError motionAddFreeAllJointAbsMove(const UserVel_t &amp;vl, const IntePosition_t &amp;posit,const uint32_t id);</a:t>
+            </a:r>
+            <a:endParaRPr lang="x-none" altLang="zh-CN" sz="1200">
+              <a:ln>
+                <a:noFill/>
+              </a:ln>
+            </a:endParaRPr>
+          </a:p>
+          <a:p>
+            <a:r>
+              <a:rPr lang="x-none" altLang="zh-CN" sz="1200">
+                <a:ln>
+                  <a:noFill/>
+                </a:ln>
                 <a:solidFill>
                   <a:schemeClr val="accent1"/>
                 </a:solidFill>
               </a:rPr>
-              <a:t>    end effector 正解</a:t>
-            </a:r>
-            <a:endParaRPr lang="zh-CN" altLang="en-US" sz="1200">
+              <a:t>点到点自由模式空间位姿方式添加</a:t>
+            </a:r>
+            <a:endParaRPr lang="x-none" altLang="zh-CN" sz="1200">
+              <a:ln>
+                <a:noFill/>
+              </a:ln>
               <a:solidFill>
                 <a:schemeClr val="accent1"/>
               </a:solidFill>
@@ -6565,32 +11061,35 @@
           </a:p>
           <a:p>
             <a:r>
-              <a:rPr lang="zh-CN" altLang="en-US" sz="1200"/>
-              <a:t>    virtual int eefForwardKinematic(const KDL::JntArray &amp;joint,</a:t>
-            </a:r>
-            <a:endParaRPr lang="zh-CN" altLang="en-US" sz="1200"/>
-          </a:p>
-          <a:p>
-            <a:r>
-              <a:rPr lang="zh-CN" altLang="en-US" sz="1200"/>
-              <a:t>                                    KDL::Frame &amp;frame, int &amp;fk_flag);</a:t>
-            </a:r>
-            <a:endParaRPr lang="zh-CN" altLang="en-US" sz="1200"/>
-          </a:p>
-          <a:p>
-            <a:r>
-              <a:rPr lang="zh-CN" altLang="en-US" sz="1200"/>
-              <a:t> </a:t>
-            </a:r>
-            <a:r>
-              <a:rPr lang="zh-CN" altLang="en-US" sz="1200">
+              <a:rPr lang="x-none" altLang="zh-CN" sz="1200">
+                <a:ln>
+                  <a:noFill/>
+                </a:ln>
+              </a:rPr>
+              <a:t>COMMON::EmcError motionAddFreeAllJointAbsMove(const UserVel_t &amp;vl, const IntePose_t &amp;pose,const int &amp;ik_flag, const uint32_t id);</a:t>
+            </a:r>
+            <a:endParaRPr lang="x-none" altLang="zh-CN" sz="1200">
+              <a:ln>
+                <a:noFill/>
+              </a:ln>
+            </a:endParaRPr>
+          </a:p>
+          <a:p>
+            <a:r>
+              <a:rPr lang="x-none" altLang="zh-CN" sz="1200">
+                <a:ln>
+                  <a:noFill/>
+                </a:ln>
                 <a:solidFill>
                   <a:schemeClr val="accent1"/>
                 </a:solidFill>
               </a:rPr>
-              <a:t>   end effector 逆解</a:t>
-            </a:r>
-            <a:endParaRPr lang="zh-CN" altLang="en-US" sz="1200">
+              <a:t>点到点路径模式关节变量方式添加</a:t>
+            </a:r>
+            <a:endParaRPr lang="x-none" altLang="zh-CN" sz="1200">
+              <a:ln>
+                <a:noFill/>
+              </a:ln>
               <a:solidFill>
                 <a:schemeClr val="accent1"/>
               </a:solidFill>
@@ -6598,28 +11097,35 @@
           </a:p>
           <a:p>
             <a:r>
-              <a:rPr lang="zh-CN" altLang="en-US" sz="1200"/>
-              <a:t>    virtual int eefInverseKinematic(const KDL::JntArray &amp;last_posit, const KDL::Frame &amp;frame,</a:t>
-            </a:r>
-            <a:endParaRPr lang="zh-CN" altLang="en-US" sz="1200"/>
-          </a:p>
-          <a:p>
-            <a:r>
-              <a:rPr lang="zh-CN" altLang="en-US" sz="1200"/>
-              <a:t>                                    const int ik_flag, KDL::JntArray &amp;joint);</a:t>
-            </a:r>
-            <a:endParaRPr lang="zh-CN" altLang="en-US" sz="1200"/>
-          </a:p>
-          <a:p>
-            <a:r>
-              <a:rPr lang="zh-CN" altLang="en-US" sz="1200">
+              <a:rPr lang="x-none" altLang="zh-CN" sz="1200">
+                <a:ln>
+                  <a:noFill/>
+                </a:ln>
+              </a:rPr>
+              <a:t>COMMON::EmcError motionAddPathAllJointAbsMove(const UserVel_t &amp;vl, const UserOvl_t ovl,const IntePosition_t &amp;posit, const uint32_t id);</a:t>
+            </a:r>
+            <a:endParaRPr lang="x-none" altLang="zh-CN" sz="1200">
+              <a:ln>
+                <a:noFill/>
+              </a:ln>
+            </a:endParaRPr>
+          </a:p>
+          <a:p>
+            <a:r>
+              <a:rPr lang="x-none" altLang="zh-CN" sz="1200">
+                <a:ln>
+                  <a:noFill/>
+                </a:ln>
                 <a:solidFill>
                   <a:schemeClr val="accent1"/>
                 </a:solidFill>
               </a:rPr>
-              <a:t>    设置 end effector</a:t>
-            </a:r>
-            <a:endParaRPr lang="zh-CN" altLang="en-US" sz="1200">
+              <a:t>点到点路径模式空间位姿方式添加</a:t>
+            </a:r>
+            <a:endParaRPr lang="x-none" altLang="zh-CN" sz="1200">
+              <a:ln>
+                <a:noFill/>
+              </a:ln>
               <a:solidFill>
                 <a:schemeClr val="accent1"/>
               </a:solidFill>
@@ -6627,30 +11133,230 @@
           </a:p>
           <a:p>
             <a:r>
-              <a:rPr lang="zh-CN" altLang="en-US" sz="1200"/>
-              <a:t>    virtual int setEndEffector(const KDL::Frame &amp;frame);</a:t>
-            </a:r>
-            <a:endParaRPr lang="zh-CN" altLang="en-US" sz="1200"/>
-          </a:p>
-          <a:p>
-            <a:endParaRPr lang="zh-CN" altLang="en-US" sz="1200"/>
-          </a:p>
-          <a:p>
-            <a:endParaRPr lang="zh-CN" altLang="en-US" sz="1200"/>
-          </a:p>
-          <a:p>
-            <a:r>
-              <a:rPr lang="x-none" altLang="zh-CN" sz="1200"/>
-              <a:t>待添加:</a:t>
-            </a:r>
-            <a:endParaRPr lang="x-none" altLang="zh-CN" sz="1200"/>
-          </a:p>
-          <a:p>
-            <a:r>
-              <a:rPr lang="x-none" altLang="zh-CN" sz="1200"/>
-              <a:t>    参考坐标系转化</a:t>
-            </a:r>
-            <a:endParaRPr lang="x-none" altLang="zh-CN" sz="1200"/>
+              <a:rPr lang="x-none" altLang="zh-CN" sz="1200">
+                <a:ln>
+                  <a:noFill/>
+                </a:ln>
+              </a:rPr>
+              <a:t>COMMON::EmcError motionAddPathAllJointAbsMove(const UserVel_t &amp;vl, const UserOvl_t ovl,const IntePose_t &amp;pose, const int &amp;ik_flag, const uint32_t id);</a:t>
+            </a:r>
+            <a:endParaRPr lang="x-none" altLang="zh-CN" sz="1200">
+              <a:ln>
+                <a:noFill/>
+              </a:ln>
+            </a:endParaRPr>
+          </a:p>
+          <a:p>
+            <a:endParaRPr lang="x-none" altLang="zh-CN" sz="1200">
+              <a:ln>
+                <a:noFill/>
+              </a:ln>
+            </a:endParaRPr>
+          </a:p>
+          <a:p>
+            <a:r>
+              <a:rPr lang="x-none" altLang="zh-CN" sz="1200">
+                <a:ln>
+                  <a:noFill/>
+                </a:ln>
+              </a:rPr>
+              <a:t>motion待添加:</a:t>
+            </a:r>
+            <a:endParaRPr lang="x-none" altLang="zh-CN" sz="1200">
+              <a:ln>
+                <a:noFill/>
+              </a:ln>
+            </a:endParaRPr>
+          </a:p>
+          <a:p>
+            <a:r>
+              <a:rPr lang="x-none" altLang="zh-CN" sz="1200">
+                <a:ln>
+                  <a:noFill/>
+                </a:ln>
+                <a:solidFill>
+                  <a:schemeClr val="accent1"/>
+                </a:solidFill>
+              </a:rPr>
+              <a:t>空间直线</a:t>
+            </a:r>
+            <a:endParaRPr lang="x-none" altLang="zh-CN" sz="1200">
+              <a:ln>
+                <a:noFill/>
+              </a:ln>
+              <a:solidFill>
+                <a:schemeClr val="accent1"/>
+              </a:solidFill>
+            </a:endParaRPr>
+          </a:p>
+          <a:p>
+            <a:r>
+              <a:rPr lang="x-none" altLang="zh-CN" sz="1200">
+                <a:ln>
+                  <a:noFill/>
+                </a:ln>
+              </a:rPr>
+              <a:t>bool tpAddPathLine(const UserVelBase_t &amp;vl, const IntePose_t &amp;pose, const int &amp;ik_flag, const uint32_t id, COMMON::EmcError &amp;m_e,</a:t>
+            </a:r>
+            <a:endParaRPr lang="x-none" altLang="zh-CN" sz="1200">
+              <a:ln>
+                <a:noFill/>
+              </a:ln>
+            </a:endParaRPr>
+          </a:p>
+          <a:p>
+            <a:r>
+              <a:rPr lang="x-none" altLang="zh-CN" sz="1200">
+                <a:ln>
+                  <a:noFill/>
+                </a:ln>
+              </a:rPr>
+              <a:t>                       const MoveBlendType_t blend_type, const BlendParam_t &amp;blend_param);</a:t>
+            </a:r>
+            <a:endParaRPr lang="x-none" altLang="zh-CN" sz="1200">
+              <a:ln>
+                <a:noFill/>
+              </a:ln>
+            </a:endParaRPr>
+          </a:p>
+          <a:p>
+            <a:r>
+              <a:rPr lang="x-none" altLang="zh-CN" sz="1200">
+                <a:ln>
+                  <a:noFill/>
+                </a:ln>
+                <a:solidFill>
+                  <a:schemeClr val="accent1"/>
+                </a:solidFill>
+              </a:rPr>
+              <a:t>空间与圆弧,参数为圆心法向量和终点</a:t>
+            </a:r>
+            <a:endParaRPr lang="x-none" altLang="zh-CN" sz="1200">
+              <a:ln>
+                <a:noFill/>
+              </a:ln>
+              <a:solidFill>
+                <a:schemeClr val="accent1"/>
+              </a:solidFill>
+            </a:endParaRPr>
+          </a:p>
+          <a:p>
+            <a:r>
+              <a:rPr lang="x-none" altLang="zh-CN" sz="1200">
+                <a:ln>
+                  <a:noFill/>
+                </a:ln>
+              </a:rPr>
+              <a:t>bool tpAddPathCircle(const UserVelBase_t &amp;vl, const IntePose_t &amp;end, const KDL::Vector &amp;center, const KDL::Vector &amp;normal,</a:t>
+            </a:r>
+            <a:endParaRPr lang="x-none" altLang="zh-CN" sz="1200">
+              <a:ln>
+                <a:noFill/>
+              </a:ln>
+            </a:endParaRPr>
+          </a:p>
+          <a:p>
+            <a:r>
+              <a:rPr lang="x-none" altLang="zh-CN" sz="1200">
+                <a:ln>
+                  <a:noFill/>
+                </a:ln>
+              </a:rPr>
+              <a:t>                         const double chord_error, const int &amp;ik_flag, const uint32_t id, COMMON::EmcError &amp;m_e,</a:t>
+            </a:r>
+            <a:endParaRPr lang="x-none" altLang="zh-CN" sz="1200">
+              <a:ln>
+                <a:noFill/>
+              </a:ln>
+            </a:endParaRPr>
+          </a:p>
+          <a:p>
+            <a:r>
+              <a:rPr lang="x-none" altLang="zh-CN" sz="1200">
+                <a:ln>
+                  <a:noFill/>
+                </a:ln>
+              </a:rPr>
+              <a:t>	      const MoveBlendType_t blend_type, const BlendParam_t &amp;blend_param);</a:t>
+            </a:r>
+            <a:endParaRPr lang="x-none" altLang="zh-CN" sz="1200">
+              <a:ln>
+                <a:noFill/>
+              </a:ln>
+            </a:endParaRPr>
+          </a:p>
+          <a:p>
+            <a:r>
+              <a:rPr lang="x-none" altLang="zh-CN" sz="1200">
+                <a:ln>
+                  <a:noFill/>
+                </a:ln>
+                <a:solidFill>
+                  <a:schemeClr val="accent1"/>
+                </a:solidFill>
+              </a:rPr>
+              <a:t>空间圆弧,参数为中间点和终点</a:t>
+            </a:r>
+            <a:endParaRPr lang="x-none" altLang="zh-CN" sz="1200">
+              <a:ln>
+                <a:noFill/>
+              </a:ln>
+              <a:solidFill>
+                <a:schemeClr val="accent1"/>
+              </a:solidFill>
+            </a:endParaRPr>
+          </a:p>
+          <a:p>
+            <a:r>
+              <a:rPr lang="x-none" altLang="zh-CN" sz="1200">
+                <a:ln>
+                  <a:noFill/>
+                </a:ln>
+              </a:rPr>
+              <a:t>bool tpAddPathCircle(const UserVelBase_t &amp;vl, const IntePose_t &amp;mid_pose, const IntePose_t &amp;end,</a:t>
+            </a:r>
+            <a:endParaRPr lang="x-none" altLang="zh-CN" sz="1200">
+              <a:ln>
+                <a:noFill/>
+              </a:ln>
+            </a:endParaRPr>
+          </a:p>
+          <a:p>
+            <a:r>
+              <a:rPr lang="x-none" altLang="zh-CN" sz="1200">
+                <a:ln>
+                  <a:noFill/>
+                </a:ln>
+              </a:rPr>
+              <a:t>                         const double chord_error, const int &amp;ik_flag, const uint32_t id, COMMON::EmcError &amp;m_e,</a:t>
+            </a:r>
+            <a:endParaRPr lang="x-none" altLang="zh-CN" sz="1200">
+              <a:ln>
+                <a:noFill/>
+              </a:ln>
+            </a:endParaRPr>
+          </a:p>
+          <a:p>
+            <a:r>
+              <a:rPr lang="x-none" altLang="zh-CN" sz="1200">
+                <a:ln>
+                  <a:noFill/>
+                </a:ln>
+              </a:rPr>
+              <a:t>                         const MoveBlendType_t blend_type, const BlendParam_t &amp;blend_param);</a:t>
+            </a:r>
+            <a:br>
+              <a:rPr lang="x-none" altLang="zh-CN" sz="1200">
+                <a:ln>
+                  <a:noFill/>
+                </a:ln>
+              </a:rPr>
+            </a:br>
+            <a:endParaRPr lang="x-none" altLang="zh-CN" sz="1200">
+              <a:ln>
+                <a:noFill/>
+              </a:ln>
+            </a:endParaRPr>
           </a:p>
         </p:txBody>
       </p:sp>
